--- a/solutions/aws/ai/intelligent-document-processing/presales/solution-briefing.pptx
+++ b/solutions/aws/ai/intelligent-document-processing/presales/solution-briefing.pptx
@@ -5,11 +5,11 @@
     <p:sldMasterId id="2147483648" r:id="rId1"/>
   </p:sldMasterIdLst>
   <p:notesMasterIdLst>
-    <p:notesMasterId r:id="rId2"/>
+    <p:notesMasterId r:id="rId4"/>
   </p:notesMasterIdLst>
   <p:sldIdLst>
-    <p:sldId id="256" r:id="rId7"/>
-    <p:sldId id="257" r:id="rId8"/>
+    <p:sldId id="256" r:id="rId3"/>
+    <p:sldId id="257" r:id="rId2"/>
     <p:sldId id="258" r:id="rId9"/>
     <p:sldId id="259" r:id="rId10"/>
     <p:sldId id="260" r:id="rId11"/>
@@ -23,10 +23,6 @@
     <p:sldId id="268" r:id="rId19"/>
     <p:sldId id="269" r:id="rId20"/>
     <p:sldId id="270" r:id="rId21"/>
-    <p:sldId id="271" r:id="rId22"/>
-    <p:sldId id="272" r:id="rId23"/>
-    <p:sldId id="273" r:id="rId24"/>
-    <p:sldId id="274" r:id="rId25"/>
   </p:sldIdLst>
   <p:sldSz cx="9144000" cy="5143500" type="screen16x9"/>
   <p:notesSz cx="5143500" cy="9144000"/>
@@ -739,122 +735,6 @@
       </p:sp>
       <p:sp>
         <p:nvSpPr>
-          <p:cNvPr id="11" name="Text Placeholder 10">
-            <a:extLst>
-              <a:ext uri="{FF2B5EF4-FFF2-40B4-BE49-F238E27FC236}">
-                <a16:creationId xmlns:a16="http://schemas.microsoft.com/office/drawing/2014/main" id="{B273A1B3-664A-DD19-7B35-B4E3982A4030}"/>
-              </a:ext>
-            </a:extLst>
-          </p:cNvPr>
-          <p:cNvSpPr>
-            <a:spLocks noGrp="1"/>
-          </p:cNvSpPr>
-          <p:nvPr>
-            <p:ph type="body" sz="quarter" idx="11" hasCustomPrompt="1"/>
-          </p:nvPr>
-        </p:nvSpPr>
-        <p:spPr>
-          <a:xfrm>
-            <a:off x="296863" y="685597"/>
-            <a:ext cx="8509304" cy="3771184"/>
-          </a:xfrm>
-          <a:prstGeom prst="rect">
-            <a:avLst/>
-          </a:prstGeom>
-        </p:spPr>
-        <p:txBody>
-          <a:bodyPr/>
-          <a:lstStyle>
-            <a:lvl1pPr marL="0" indent="0">
-              <a:buNone/>
-              <a:defRPr sz="1600">
-                <a:latin typeface="Arial" panose="020B0604020202020204" pitchFamily="34" charset="0"/>
-                <a:cs typeface="Arial" panose="020B0604020202020204" pitchFamily="34" charset="0"/>
-              </a:defRPr>
-            </a:lvl1pPr>
-            <a:lvl2pPr>
-              <a:defRPr sz="1600">
-                <a:latin typeface="Arial" panose="020B0604020202020204" pitchFamily="34" charset="0"/>
-                <a:cs typeface="Arial" panose="020B0604020202020204" pitchFamily="34" charset="0"/>
-              </a:defRPr>
-            </a:lvl2pPr>
-            <a:lvl3pPr>
-              <a:defRPr sz="1600">
-                <a:latin typeface="Arial" panose="020B0604020202020204" pitchFamily="34" charset="0"/>
-                <a:cs typeface="Arial" panose="020B0604020202020204" pitchFamily="34" charset="0"/>
-              </a:defRPr>
-            </a:lvl3pPr>
-            <a:lvl4pPr>
-              <a:defRPr sz="1600">
-                <a:latin typeface="Arial" panose="020B0604020202020204" pitchFamily="34" charset="0"/>
-                <a:cs typeface="Arial" panose="020B0604020202020204" pitchFamily="34" charset="0"/>
-              </a:defRPr>
-            </a:lvl4pPr>
-            <a:lvl5pPr>
-              <a:defRPr sz="1600">
-                <a:latin typeface="Arial" panose="020B0604020202020204" pitchFamily="34" charset="0"/>
-                <a:cs typeface="Arial" panose="020B0604020202020204" pitchFamily="34" charset="0"/>
-              </a:defRPr>
-            </a:lvl5pPr>
-          </a:lstStyle>
-          <a:p>
-            <a:pPr marL="0" marR="0" lvl="0" indent="0" algn="l" defTabSz="914400" rtl="0" eaLnBrk="1" fontAlgn="auto" latinLnBrk="0" hangingPunct="1">
-              <a:lnSpc>
-                <a:spcPts val="2400"/>
-              </a:lnSpc>
-              <a:spcBef>
-                <a:spcPts val="300"/>
-              </a:spcBef>
-              <a:spcAft>
-                <a:spcPts val="300"/>
-              </a:spcAft>
-              <a:buClrTx/>
-              <a:buSzTx/>
-              <a:buFontTx/>
-              <a:buNone/>
-              <a:tabLst/>
-              <a:defRPr/>
-            </a:pPr>
-            <a:r>
-              <a:rPr kumimoji="0" lang="en-US" sz="1500" b="0" i="0" u="none" strike="noStrike" kern="1200" cap="none" spc="0" normalizeH="0" baseline="0" noProof="0" dirty="0">
-                <a:ln>
-                  <a:noFill/>
-                </a:ln>
-                <a:solidFill>
-                  <a:srgbClr val="2C3E50"/>
-                </a:solidFill>
-                <a:effectLst/>
-                <a:uLnTx/>
-                <a:uFillTx/>
-                <a:latin typeface="Arial" pitchFamily="34" charset="0"/>
-                <a:ea typeface="Arial" pitchFamily="34" charset="-122"/>
-                <a:cs typeface="Arial" pitchFamily="34" charset="-120"/>
-              </a:rPr>
-              <a:t>This is a single-column content slide. Use this layout for focused content with paragraphs or key messages.</a:t>
-            </a:r>
-            <a:endParaRPr kumimoji="0" lang="en-US" sz="1500" b="0" i="0" u="none" strike="noStrike" kern="1200" cap="none" spc="0" normalizeH="0" baseline="0" noProof="0" dirty="0">
-              <a:ln>
-                <a:noFill/>
-              </a:ln>
-              <a:solidFill>
-                <a:prstClr val="black"/>
-              </a:solidFill>
-              <a:effectLst/>
-              <a:uLnTx/>
-              <a:uFillTx/>
-              <a:latin typeface="Calibri" panose="020F0502020204030204"/>
-              <a:ea typeface="+mn-ea"/>
-              <a:cs typeface="+mn-cs"/>
-            </a:endParaRPr>
-          </a:p>
-          <a:p>
-            <a:pPr lvl="0"/>
-            <a:endParaRPr lang="en-US" dirty="0"/>
-          </a:p>
-        </p:txBody>
-      </p:sp>
-      <p:sp>
-        <p:nvSpPr>
           <p:cNvPr id="12" name="Picture Placeholder 13">
             <a:extLst>
               <a:ext uri="{FF2B5EF4-FFF2-40B4-BE49-F238E27FC236}">
@@ -916,6 +796,85 @@
           </a:prstGeom>
         </p:spPr>
       </p:pic>
+      <p:sp>
+        <p:nvSpPr>
+          <p:cNvPr id="4" name="Text Placeholder 3">
+            <a:extLst>
+              <a:ext uri="{FF2B5EF4-FFF2-40B4-BE49-F238E27FC236}">
+                <a16:creationId xmlns:a16="http://schemas.microsoft.com/office/drawing/2014/main" id="{54BEE1A0-720D-187D-95F8-429F3DF3D64E}"/>
+              </a:ext>
+            </a:extLst>
+          </p:cNvPr>
+          <p:cNvSpPr>
+            <a:spLocks noGrp="1"/>
+          </p:cNvSpPr>
+          <p:nvPr>
+            <p:ph type="body" sz="quarter" idx="14"/>
+          </p:nvPr>
+        </p:nvSpPr>
+        <p:spPr>
+          <a:xfrm>
+            <a:off x="296863" y="787400"/>
+            <a:ext cx="8548687" cy="3568700"/>
+          </a:xfrm>
+          <a:prstGeom prst="rect">
+            <a:avLst/>
+          </a:prstGeom>
+        </p:spPr>
+        <p:txBody>
+          <a:bodyPr/>
+          <a:lstStyle>
+            <a:lvl1pPr>
+              <a:defRPr sz="2400" baseline="0">
+                <a:solidFill>
+                  <a:srgbClr val="C00000"/>
+                </a:solidFill>
+              </a:defRPr>
+            </a:lvl1pPr>
+            <a:lvl2pPr>
+              <a:buFont typeface="Arial" panose="020B0604020202020204" pitchFamily="34" charset="0"/>
+              <a:buChar char="•"/>
+              <a:defRPr sz="2000"/>
+            </a:lvl2pPr>
+            <a:lvl3pPr>
+              <a:defRPr sz="1800"/>
+            </a:lvl3pPr>
+            <a:lvl4pPr>
+              <a:buFont typeface="Arial" panose="020B0604020202020204" pitchFamily="34" charset="0"/>
+              <a:buChar char="•"/>
+              <a:defRPr sz="1600"/>
+            </a:lvl4pPr>
+          </a:lstStyle>
+          <a:p>
+            <a:pPr lvl="0"/>
+            <a:r>
+              <a:rPr lang="en-US" dirty="0"/>
+              <a:t>Click to edit Master text styles</a:t>
+            </a:r>
+          </a:p>
+          <a:p>
+            <a:pPr lvl="1"/>
+            <a:r>
+              <a:rPr lang="en-US" dirty="0"/>
+              <a:t>Second level</a:t>
+            </a:r>
+          </a:p>
+          <a:p>
+            <a:pPr lvl="2"/>
+            <a:r>
+              <a:rPr lang="en-US" dirty="0"/>
+              <a:t>Third level</a:t>
+            </a:r>
+          </a:p>
+          <a:p>
+            <a:pPr lvl="3"/>
+            <a:r>
+              <a:rPr lang="en-US" dirty="0"/>
+              <a:t>Fourth level</a:t>
+            </a:r>
+          </a:p>
+        </p:txBody>
+      </p:sp>
     </p:spTree>
     <p:extLst>
       <p:ext uri="{BB962C8B-B14F-4D97-AF65-F5344CB8AC3E}">
@@ -1188,8 +1147,21 @@
         <p:txBody>
           <a:bodyPr/>
           <a:lstStyle>
-            <a:lvl1pPr marL="0" indent="0">
-              <a:buNone/>
+            <a:lvl1pPr marL="0" marR="0" indent="0" algn="l" defTabSz="914400" rtl="0" eaLnBrk="1" fontAlgn="auto" latinLnBrk="0" hangingPunct="1">
+              <a:lnSpc>
+                <a:spcPct val="100000"/>
+              </a:lnSpc>
+              <a:spcBef>
+                <a:spcPct val="20000"/>
+              </a:spcBef>
+              <a:spcAft>
+                <a:spcPts val="0"/>
+              </a:spcAft>
+              <a:buClrTx/>
+              <a:buSzTx/>
+              <a:buFont typeface="Arial" panose="020B0604020202020204" pitchFamily="34" charset="0"/>
+              <a:buChar char="•"/>
+              <a:tabLst/>
               <a:defRPr sz="1500">
                 <a:latin typeface="Arial" panose="020B0604020202020204" pitchFamily="34" charset="0"/>
                 <a:cs typeface="Arial" panose="020B0604020202020204" pitchFamily="34" charset="0"/>
@@ -1224,8 +1196,35 @@
             <a:pPr lvl="0"/>
             <a:r>
               <a:rPr lang="en-US" dirty="0"/>
-              <a:t>Left Column Text</a:t>
-            </a:r>
+              <a:t> Left Column Text</a:t>
+            </a:r>
+          </a:p>
+          <a:p>
+            <a:pPr marL="0" marR="0" lvl="0" indent="0" algn="l" defTabSz="914400" rtl="0" eaLnBrk="1" fontAlgn="auto" latinLnBrk="0" hangingPunct="1">
+              <a:lnSpc>
+                <a:spcPct val="100000"/>
+              </a:lnSpc>
+              <a:spcBef>
+                <a:spcPct val="20000"/>
+              </a:spcBef>
+              <a:spcAft>
+                <a:spcPts val="0"/>
+              </a:spcAft>
+              <a:buClrTx/>
+              <a:buSzTx/>
+              <a:buFont typeface="Arial" panose="020B0604020202020204" pitchFamily="34" charset="0"/>
+              <a:buChar char="•"/>
+              <a:tabLst/>
+              <a:defRPr/>
+            </a:pPr>
+            <a:r>
+              <a:rPr lang="en-US" dirty="0"/>
+              <a:t> Left Column Text</a:t>
+            </a:r>
+          </a:p>
+          <a:p>
+            <a:pPr lvl="0"/>
+            <a:endParaRPr lang="en-US" dirty="0"/>
           </a:p>
         </p:txBody>
       </p:sp>
@@ -1320,8 +1319,21 @@
         <p:txBody>
           <a:bodyPr/>
           <a:lstStyle>
-            <a:lvl1pPr marL="0" indent="0">
-              <a:buNone/>
+            <a:lvl1pPr marL="0" marR="0" indent="0" algn="l" defTabSz="914400" rtl="0" eaLnBrk="1" fontAlgn="auto" latinLnBrk="0" hangingPunct="1">
+              <a:lnSpc>
+                <a:spcPct val="100000"/>
+              </a:lnSpc>
+              <a:spcBef>
+                <a:spcPct val="20000"/>
+              </a:spcBef>
+              <a:spcAft>
+                <a:spcPts val="0"/>
+              </a:spcAft>
+              <a:buClrTx/>
+              <a:buSzTx/>
+              <a:buFont typeface="Arial" panose="020B0604020202020204" pitchFamily="34" charset="0"/>
+              <a:buChar char="•"/>
+              <a:tabLst/>
               <a:defRPr sz="1500">
                 <a:latin typeface="Arial" panose="020B0604020202020204" pitchFamily="34" charset="0"/>
                 <a:cs typeface="Arial" panose="020B0604020202020204" pitchFamily="34" charset="0"/>
@@ -1356,8 +1368,35 @@
             <a:pPr lvl="0"/>
             <a:r>
               <a:rPr lang="en-US" dirty="0"/>
-              <a:t>Right Column Text</a:t>
-            </a:r>
+              <a:t> Right Column Text</a:t>
+            </a:r>
+          </a:p>
+          <a:p>
+            <a:pPr marL="0" marR="0" lvl="0" indent="0" algn="l" defTabSz="914400" rtl="0" eaLnBrk="1" fontAlgn="auto" latinLnBrk="0" hangingPunct="1">
+              <a:lnSpc>
+                <a:spcPct val="100000"/>
+              </a:lnSpc>
+              <a:spcBef>
+                <a:spcPct val="20000"/>
+              </a:spcBef>
+              <a:spcAft>
+                <a:spcPts val="0"/>
+              </a:spcAft>
+              <a:buClrTx/>
+              <a:buSzTx/>
+              <a:buFont typeface="Arial" panose="020B0604020202020204" pitchFamily="34" charset="0"/>
+              <a:buChar char="•"/>
+              <a:tabLst/>
+              <a:defRPr/>
+            </a:pPr>
+            <a:r>
+              <a:rPr lang="en-US" dirty="0"/>
+              <a:t> Right Column Text</a:t>
+            </a:r>
+          </a:p>
+          <a:p>
+            <a:pPr lvl="0"/>
+            <a:endParaRPr lang="en-US" dirty="0"/>
           </a:p>
         </p:txBody>
       </p:sp>
@@ -1604,7 +1643,10 @@
           <a:bodyPr/>
           <a:lstStyle>
             <a:lvl1pPr>
-              <a:defRPr sz="2400">
+              <a:defRPr sz="2200">
+                <a:solidFill>
+                  <a:srgbClr val="C00000"/>
+                </a:solidFill>
                 <a:latin typeface="Arial" panose="020B0604020202020204" pitchFamily="34" charset="0"/>
                 <a:cs typeface="Arial" panose="020B0604020202020204" pitchFamily="34" charset="0"/>
               </a:defRPr>
@@ -3216,25 +3258,18 @@
         <p:nvPr/>
       </p:nvGrpSpPr>
       <p:grpSpPr/>
-      <p:pic>
-        <p:nvPicPr>
-          <p:cNvPr id="2" name="Picture Placeholder 1" descr="client_logo.png"/>
-          <p:cNvPicPr>
-            <a:picLocks noGrp="1" noChangeAspect="1"/>
-          </p:cNvPicPr>
+      <p:sp>
+        <p:nvSpPr>
+          <p:cNvPr id="2" name="Picture Placeholder 1"/>
+          <p:cNvSpPr>
+            <a:spLocks noGrp="1"/>
+          </p:cNvSpPr>
           <p:nvPr>
             <p:ph type="pic" idx="10" sz="quarter"/>
           </p:nvPr>
-        </p:nvPicPr>
-        <p:blipFill>
-          <a:blip r:embed="rId2"/>
-          <a:srcRect t="433" b="433"/>
-          <a:stretch>
-            <a:fillRect/>
-          </a:stretch>
-        </p:blipFill>
+        </p:nvSpPr>
         <p:spPr/>
-      </p:pic>
+      </p:sp>
       <p:sp>
         <p:nvSpPr>
           <p:cNvPr id="3" name="Text Placeholder 2"/>
@@ -3251,30 +3286,23 @@
           <a:lstStyle/>
           <a:p>
             <a:r>
-              <a:t>AWS Intelligent Document Processing - Solution Briefing</a:t>
-            </a:r>
-          </a:p>
-        </p:txBody>
-      </p:sp>
-      <p:pic>
-        <p:nvPicPr>
-          <p:cNvPr id="4" name="Picture Placeholder 3" descr="consulting_company_logo.png"/>
-          <p:cNvPicPr>
-            <a:picLocks noGrp="1" noChangeAspect="1"/>
-          </p:cNvPicPr>
+              <a:t>Presentation Title</a:t>
+            </a:r>
+          </a:p>
+        </p:txBody>
+      </p:sp>
+      <p:sp>
+        <p:nvSpPr>
+          <p:cNvPr id="4" name="Picture Placeholder 3"/>
+          <p:cNvSpPr>
+            <a:spLocks noGrp="1"/>
+          </p:cNvSpPr>
           <p:nvPr>
             <p:ph type="pic" idx="13" sz="quarter"/>
           </p:nvPr>
-        </p:nvPicPr>
-        <p:blipFill>
-          <a:blip r:embed="rId3"/>
-          <a:srcRect t="5856" b="5856"/>
-          <a:stretch>
-            <a:fillRect/>
-          </a:stretch>
-        </p:blipFill>
+        </p:nvSpPr>
         <p:spPr/>
-      </p:pic>
+      </p:sp>
       <p:sp>
         <p:nvSpPr>
           <p:cNvPr id="5" name="Text Placeholder 4"/>
@@ -3291,7 +3319,7 @@
           <a:lstStyle/>
           <a:p>
             <a:r>
-              <a:t>**AWS Intelligent Document Processing Business Proposal**</a:t>
+              <a:t>Solution Name</a:t>
             </a:r>
           </a:p>
         </p:txBody>
@@ -3312,7 +3340,7 @@
           <a:lstStyle/>
           <a:p>
             <a:r>
-              <a:t>EO Framework Team | November 09, 2025</a:t>
+              <a:t>Presenter Name | November 10, 2025</a:t>
             </a:r>
           </a:p>
         </p:txBody>
@@ -3351,7 +3379,7 @@
           <a:lstStyle/>
           <a:p>
             <a:r>
-              <a:t>Slide 9: Risk Mitigation</a:t>
+              <a:t>Slide 10: Investment Summary</a:t>
             </a:r>
           </a:p>
         </p:txBody>
@@ -3371,55 +3399,191 @@
           <a:bodyPr/>
           <a:lstStyle/>
           <a:p>
-            <a:r>
-              <a:t>Fixed-Price Implementation: No cost overrun risk on implementation services</a:t>
-            </a:r>
-          </a:p>
-          <a:p>
-            <a:pPr/>
-            <a:r>
-              <a:t>Proof of Concept: Validate ROI assumptions with actual documents before full deployment</a:t>
-            </a:r>
-          </a:p>
-          <a:p>
-            <a:pPr/>
-            <a:r>
-              <a:t>Phased Investment: Staged funding reduces financial exposure</a:t>
-            </a:r>
-          </a:p>
-          <a:p>
-            <a:pPr/>
-            <a:r>
-              <a:t>Parallel Processing: Maintain manual backup initially for business continuity</a:t>
-            </a:r>
-          </a:p>
-          <a:p>
-            <a:pPr/>
-            <a:r>
-              <a:t>30-Day Warranty: Post-implementation support and issue resolution</a:t>
-            </a:r>
-          </a:p>
-        </p:txBody>
-      </p:sp>
-      <p:pic>
-        <p:nvPicPr>
-          <p:cNvPr id="4" name="Picture Placeholder 3" descr="consulting_company_logo.png"/>
-          <p:cNvPicPr>
-            <a:picLocks noGrp="1" noChangeAspect="1"/>
-          </p:cNvPicPr>
-          <p:nvPr>
-            <p:ph type="pic" idx="13" sz="quarter"/>
-          </p:nvPr>
-        </p:nvPicPr>
-        <p:blipFill>
-          <a:blip r:embed="rId2"/>
-          <a:srcRect t="6762" b="6762"/>
-          <a:stretch>
-            <a:fillRect/>
-          </a:stretch>
-        </p:blipFill>
+            <a:pPr/>
+            <a:r>
+              <a:rPr>
+                <a:solidFill>
+                  <a:srgbClr val="000000"/>
+                </a:solidFill>
+              </a:rPr>
+              <a:t>Implementation Services: $[Amount] (AWS environment setup, ML model development, integration)</a:t>
+            </a:r>
+          </a:p>
+          <a:p>
+            <a:pPr/>
+            <a:r>
+              <a:rPr>
+                <a:solidFill>
+                  <a:srgbClr val="000000"/>
+                </a:solidFill>
+              </a:rPr>
+              <a:t>AWS Services (Year 1): $[Amount] (Textract, Comprehend, Lambda, S3, etc.)</a:t>
+            </a:r>
+          </a:p>
+          <a:p>
+            <a:pPr/>
+            <a:r>
+              <a:rPr>
+                <a:solidFill>
+                  <a:srgbClr val="000000"/>
+                </a:solidFill>
+              </a:rPr>
+              <a:t>Training &amp; Change Management: $[Amount]</a:t>
+            </a:r>
+          </a:p>
+          <a:p>
+            <a:pPr/>
+            <a:r>
+              <a:rPr>
+                <a:solidFill>
+                  <a:srgbClr val="000000"/>
+                </a:solidFill>
+              </a:rPr>
+              <a:t>AWS Platform Services: $[Amount] (Textract/Comprehend usage, compute, storage)</a:t>
+            </a:r>
+          </a:p>
+          <a:p>
+            <a:pPr/>
+            <a:r>
+              <a:rPr>
+                <a:solidFill>
+                  <a:srgbClr val="000000"/>
+                </a:solidFill>
+              </a:rPr>
+              <a:t>Support &amp; Maintenance: $[Amount]</a:t>
+            </a:r>
+          </a:p>
+          <a:p>
+            <a:pPr/>
+            <a:r>
+              <a:rPr>
+                <a:solidFill>
+                  <a:srgbClr val="000000"/>
+                </a:solidFill>
+              </a:rPr>
+              <a:t>Reduced Labor Costs: $[Amount] (70-80% reduction in processing staff)</a:t>
+            </a:r>
+          </a:p>
+          <a:p>
+            <a:pPr/>
+            <a:r>
+              <a:rPr>
+                <a:solidFill>
+                  <a:srgbClr val="000000"/>
+                </a:solidFill>
+              </a:rPr>
+              <a:t>ROI: [X]% over 3 years</a:t>
+            </a:r>
+          </a:p>
+          <a:p>
+            <a:pPr/>
+            <a:r>
+              <a:rPr>
+                <a:solidFill>
+                  <a:srgbClr val="000000"/>
+                </a:solidFill>
+              </a:rPr>
+              <a:t>Payback Period: [Y] months</a:t>
+            </a:r>
+          </a:p>
+          <a:p>
+            <a:pPr/>
+            <a:r>
+              <a:rPr>
+                <a:solidFill>
+                  <a:srgbClr val="000000"/>
+                </a:solidFill>
+              </a:rPr>
+              <a:t>NPV: $[Amount] (at [Z]% discount rate)</a:t>
+            </a:r>
+          </a:p>
+          <a:p>
+            <a:pPr/>
+            <a:r>
+              <a:rPr>
+                <a:solidFill>
+                  <a:srgbClr val="000000"/>
+                </a:solidFill>
+              </a:rPr>
+              <a:t>Year 1 Net Benefit: $[Amount]</a:t>
+            </a:r>
+          </a:p>
+          <a:p>
+            <a:pPr/>
+            <a:r>
+              <a:rPr>
+                <a:solidFill>
+                  <a:srgbClr val="000000"/>
+                </a:solidFill>
+              </a:rPr>
+              <a:t>Current Annual Cost: $[Amount] (labor, errors, delays)</a:t>
+            </a:r>
+          </a:p>
+          <a:p>
+            <a:pPr/>
+            <a:r>
+              <a:rPr>
+                <a:solidFill>
+                  <a:srgbClr val="000000"/>
+                </a:solidFill>
+              </a:rPr>
+              <a:t>Future Annual Cost: $[Amount] (AWS services, reduced staff)</a:t>
+            </a:r>
+          </a:p>
+          <a:p>
+            <a:pPr/>
+            <a:r>
+              <a:rPr>
+                <a:solidFill>
+                  <a:srgbClr val="000000"/>
+                </a:solidFill>
+              </a:rPr>
+              <a:t>Annual Savings: $[Amount]</a:t>
+            </a:r>
+          </a:p>
+        </p:txBody>
+      </p:sp>
+      <p:sp>
+        <p:nvSpPr>
+          <p:cNvPr id="4" name="Text Placeholder 3"/>
+          <p:cNvSpPr>
+            <a:spLocks noGrp="1"/>
+          </p:cNvSpPr>
+          <p:nvPr>
+            <p:ph type="body" idx="13" sz="quarter"/>
+          </p:nvPr>
+        </p:nvSpPr>
         <p:spPr/>
-      </p:pic>
+        <p:txBody>
+          <a:bodyPr/>
+          <a:lstStyle/>
+          <a:p/>
+        </p:txBody>
+      </p:sp>
+      <p:sp>
+        <p:nvSpPr>
+          <p:cNvPr id="5" name="Picture Placeholder 4"/>
+          <p:cNvSpPr>
+            <a:spLocks noGrp="1"/>
+          </p:cNvSpPr>
+          <p:nvPr>
+            <p:ph type="pic" idx="14" sz="quarter"/>
+          </p:nvPr>
+        </p:nvSpPr>
+        <p:spPr/>
+      </p:sp>
+      <p:sp>
+        <p:nvSpPr>
+          <p:cNvPr id="6" name="Chart Placeholder 5"/>
+          <p:cNvSpPr>
+            <a:spLocks noGrp="1"/>
+          </p:cNvSpPr>
+          <p:nvPr>
+            <p:ph type="chart" idx="15" sz="quarter"/>
+          </p:nvPr>
+        </p:nvSpPr>
+        <p:spPr/>
+      </p:sp>
     </p:spTree>
   </p:cSld>
   <p:clrMapOvr>
@@ -3454,123 +3618,182 @@
           <a:lstStyle/>
           <a:p>
             <a:r>
-              <a:t>Slide 10: Investment Summary</a:t>
-            </a:r>
-          </a:p>
-        </p:txBody>
-      </p:sp>
-      <p:sp>
-        <p:nvSpPr>
-          <p:cNvPr id="3" name="Text Placeholder 2"/>
-          <p:cNvSpPr>
-            <a:spLocks noGrp="1"/>
-          </p:cNvSpPr>
-          <p:nvPr>
-            <p:ph type="body" idx="11" sz="quarter"/>
+              <a:t>Slide 11: Timeline &amp; Milestones</a:t>
+            </a:r>
+          </a:p>
+        </p:txBody>
+      </p:sp>
+      <p:sp>
+        <p:nvSpPr>
+          <p:cNvPr id="3" name="Picture Placeholder 2"/>
+          <p:cNvSpPr>
+            <a:spLocks noGrp="1"/>
+          </p:cNvSpPr>
+          <p:nvPr>
+            <p:ph type="pic" idx="13" sz="quarter"/>
           </p:nvPr>
         </p:nvSpPr>
         <p:spPr/>
+      </p:sp>
+      <p:sp>
+        <p:nvSpPr>
+          <p:cNvPr id="4" name="Text Placeholder 3"/>
+          <p:cNvSpPr>
+            <a:spLocks noGrp="1"/>
+          </p:cNvSpPr>
+          <p:nvPr>
+            <p:ph type="body" idx="14" sz="quarter"/>
+          </p:nvPr>
+        </p:nvSpPr>
+        <p:spPr/>
         <p:txBody>
           <a:bodyPr/>
           <a:lstStyle/>
           <a:p>
-            <a:r>
-              <a:t>Implementation Services: $[Amount] (AWS environment setup, ML model development, integration)</a:t>
-            </a:r>
-          </a:p>
-          <a:p>
-            <a:pPr/>
-            <a:r>
-              <a:t>AWS Services (Year 1): $[Amount] (Textract, Comprehend, Lambda, S3, etc.)</a:t>
-            </a:r>
-          </a:p>
-          <a:p>
-            <a:pPr/>
-            <a:r>
-              <a:t>Training &amp; Change Management: $[Amount]</a:t>
-            </a:r>
-          </a:p>
-          <a:p>
-            <a:pPr/>
-            <a:r>
-              <a:t>AWS Platform Services: $[Amount] (Textract/Comprehend usage, compute, storage)</a:t>
-            </a:r>
-          </a:p>
-          <a:p>
-            <a:pPr/>
-            <a:r>
-              <a:t>Support &amp; Maintenance: $[Amount]</a:t>
-            </a:r>
-          </a:p>
-          <a:p>
-            <a:pPr/>
-            <a:r>
-              <a:t>Reduced Labor Costs: $[Amount] (70-80% reduction in processing staff)</a:t>
-            </a:r>
-          </a:p>
-          <a:p>
-            <a:pPr/>
-            <a:r>
-              <a:t>ROI: [X]% over 3 years</a:t>
-            </a:r>
-          </a:p>
-          <a:p>
-            <a:pPr/>
-            <a:r>
-              <a:t>Payback Period: [Y] months</a:t>
-            </a:r>
-          </a:p>
-          <a:p>
-            <a:pPr/>
-            <a:r>
-              <a:t>NPV: $[Amount] (at [Z]% discount rate)</a:t>
-            </a:r>
-          </a:p>
-          <a:p>
-            <a:pPr/>
-            <a:r>
-              <a:t>Year 1 Net Benefit: $[Amount]</a:t>
-            </a:r>
-          </a:p>
-          <a:p>
-            <a:pPr/>
-            <a:r>
-              <a:t>Current Annual Cost: $[Amount] (labor, errors, delays)</a:t>
-            </a:r>
-          </a:p>
-          <a:p>
-            <a:pPr/>
-            <a:r>
-              <a:t>Future Annual Cost: $[Amount] (AWS services, reduced staff)</a:t>
-            </a:r>
-          </a:p>
-          <a:p>
-            <a:pPr/>
-            <a:r>
-              <a:t>Annual Savings: $[Amount]</a:t>
-            </a:r>
-          </a:p>
-        </p:txBody>
-      </p:sp>
-      <p:pic>
-        <p:nvPicPr>
-          <p:cNvPr id="4" name="Picture Placeholder 3" descr="consulting_company_logo.png"/>
-          <p:cNvPicPr>
-            <a:picLocks noGrp="1" noChangeAspect="1"/>
-          </p:cNvPicPr>
-          <p:nvPr>
-            <p:ph type="pic" idx="13" sz="quarter"/>
-          </p:nvPr>
-        </p:nvPicPr>
-        <p:blipFill>
-          <a:blip r:embed="rId2"/>
-          <a:srcRect t="6762" b="6762"/>
-          <a:stretch>
-            <a:fillRect/>
-          </a:stretch>
-        </p:blipFill>
-        <p:spPr/>
-      </p:pic>
+            <a:pPr/>
+            <a:r>
+              <a:rPr>
+                <a:solidFill>
+                  <a:srgbClr val="000000"/>
+                </a:solidFill>
+              </a:rPr>
+              <a:t>Month 1: Pilot environment operational, initial document testing begins</a:t>
+            </a:r>
+          </a:p>
+          <a:p>
+            <a:pPr/>
+            <a:r>
+              <a:rPr>
+                <a:solidFill>
+                  <a:srgbClr val="000000"/>
+                </a:solidFill>
+              </a:rPr>
+              <a:t>Month 2: Accuracy validation complete (&gt;95%), integration testing done</a:t>
+            </a:r>
+          </a:p>
+          <a:p>
+            <a:pPr/>
+            <a:r>
+              <a:rPr>
+                <a:solidFill>
+                  <a:srgbClr val="000000"/>
+                </a:solidFill>
+              </a:rPr>
+              <a:t>Month 4: Production scaling achieved, additional document types deployed</a:t>
+            </a:r>
+          </a:p>
+          <a:p>
+            <a:pPr/>
+            <a:r>
+              <a:rPr>
+                <a:solidFill>
+                  <a:srgbClr val="000000"/>
+                </a:solidFill>
+              </a:rPr>
+              <a:t>Month 6: Full ROI realization, complete automation achieved</a:t>
+            </a:r>
+          </a:p>
+          <a:p>
+            <a:pPr/>
+            <a:r>
+              <a:rPr>
+                <a:solidFill>
+                  <a:srgbClr val="000000"/>
+                </a:solidFill>
+              </a:rPr>
+              <a:t>Month 7+: Ongoing optimization and potential expansion to new use cases</a:t>
+            </a:r>
+          </a:p>
+          <a:p>
+            <a:pPr/>
+            <a:r>
+              <a:rPr>
+                <a:solidFill>
+                  <a:srgbClr val="000000"/>
+                </a:solidFill>
+              </a:rPr>
+              <a:t>Month 2: Pilot document type automated - early productivity gains</a:t>
+            </a:r>
+          </a:p>
+          <a:p>
+            <a:pPr/>
+            <a:r>
+              <a:rPr>
+                <a:solidFill>
+                  <a:srgbClr val="000000"/>
+                </a:solidFill>
+              </a:rPr>
+              <a:t>Month 3: Integration complete - seamless data flow to business systems</a:t>
+            </a:r>
+          </a:p>
+          <a:p>
+            <a:pPr/>
+            <a:r>
+              <a:rPr>
+                <a:solidFill>
+                  <a:srgbClr val="000000"/>
+                </a:solidFill>
+              </a:rPr>
+              <a:t>Month 4: 50%+ of documents automated - significant cost reduction begins</a:t>
+            </a:r>
+          </a:p>
+          <a:p>
+            <a:pPr/>
+            <a:r>
+              <a:rPr>
+                <a:solidFill>
+                  <a:srgbClr val="000000"/>
+                </a:solidFill>
+              </a:rPr>
+              <a:t>Week 2: Requirements and document analysis complete</a:t>
+            </a:r>
+          </a:p>
+          <a:p>
+            <a:pPr/>
+            <a:r>
+              <a:rPr>
+                <a:solidFill>
+                  <a:srgbClr val="000000"/>
+                </a:solidFill>
+              </a:rPr>
+              <a:t>Week 3: Solution architecture approved</a:t>
+            </a:r>
+          </a:p>
+          <a:p>
+            <a:pPr/>
+            <a:r>
+              <a:rPr>
+                <a:solidFill>
+                  <a:srgbClr val="000000"/>
+                </a:solidFill>
+              </a:rPr>
+              <a:t>Week 8: Pilot deployment complete</a:t>
+            </a:r>
+          </a:p>
+          <a:p>
+            <a:pPr/>
+            <a:r>
+              <a:rPr>
+                <a:solidFill>
+                  <a:srgbClr val="000000"/>
+                </a:solidFill>
+              </a:rPr>
+              <a:t>Week 12: Testing and validation complete</a:t>
+            </a:r>
+          </a:p>
+          <a:p>
+            <a:pPr/>
+            <a:r>
+              <a:rPr>
+                <a:solidFill>
+                  <a:srgbClr val="000000"/>
+                </a:solidFill>
+              </a:rPr>
+              <a:t>Week 16: Production deployment and go-live</a:t>
+            </a:r>
+          </a:p>
+        </p:txBody>
+      </p:sp>
     </p:spTree>
   </p:cSld>
   <p:clrMapOvr>
@@ -3605,123 +3828,303 @@
           <a:lstStyle/>
           <a:p>
             <a:r>
-              <a:t>Slide 11: Timeline &amp; Milestones</a:t>
-            </a:r>
-          </a:p>
-        </p:txBody>
-      </p:sp>
-      <p:sp>
-        <p:nvSpPr>
-          <p:cNvPr id="3" name="Text Placeholder 2"/>
-          <p:cNvSpPr>
-            <a:spLocks noGrp="1"/>
-          </p:cNvSpPr>
-          <p:nvPr>
-            <p:ph type="body" idx="11" sz="quarter"/>
+              <a:t>Slide 12: Success Stories</a:t>
+            </a:r>
+          </a:p>
+        </p:txBody>
+      </p:sp>
+      <p:sp>
+        <p:nvSpPr>
+          <p:cNvPr id="3" name="Picture Placeholder 2"/>
+          <p:cNvSpPr>
+            <a:spLocks noGrp="1"/>
+          </p:cNvSpPr>
+          <p:nvPr>
+            <p:ph type="pic" idx="13" sz="quarter"/>
           </p:nvPr>
         </p:nvSpPr>
         <p:spPr/>
+      </p:sp>
+      <p:sp>
+        <p:nvSpPr>
+          <p:cNvPr id="4" name="Text Placeholder 3"/>
+          <p:cNvSpPr>
+            <a:spLocks noGrp="1"/>
+          </p:cNvSpPr>
+          <p:nvPr>
+            <p:ph type="body" idx="14" sz="quarter"/>
+          </p:nvPr>
+        </p:nvSpPr>
+        <p:spPr/>
         <p:txBody>
           <a:bodyPr/>
           <a:lstStyle/>
           <a:p>
-            <a:r>
-              <a:t>Month 1: Pilot environment operational, initial document testing begins</a:t>
-            </a:r>
-          </a:p>
-          <a:p>
-            <a:pPr/>
-            <a:r>
-              <a:t>Month 2: Accuracy validation complete (&gt;95%), integration testing done</a:t>
-            </a:r>
-          </a:p>
-          <a:p>
-            <a:pPr/>
-            <a:r>
-              <a:t>Month 4: Production scaling achieved, additional document types deployed</a:t>
-            </a:r>
-          </a:p>
-          <a:p>
-            <a:pPr/>
-            <a:r>
-              <a:t>Month 6: Full ROI realization, complete automation achieved</a:t>
-            </a:r>
-          </a:p>
-          <a:p>
-            <a:pPr/>
-            <a:r>
-              <a:t>Month 7+: Ongoing optimization and potential expansion to new use cases</a:t>
-            </a:r>
-          </a:p>
-          <a:p>
-            <a:pPr/>
-            <a:r>
-              <a:t>Month 2: Pilot document type automated - early productivity gains</a:t>
-            </a:r>
-          </a:p>
-          <a:p>
-            <a:pPr/>
-            <a:r>
-              <a:t>Month 3: Integration complete - seamless data flow to business systems</a:t>
-            </a:r>
-          </a:p>
-          <a:p>
-            <a:pPr/>
-            <a:r>
-              <a:t>Month 4: 50%+ of documents automated - significant cost reduction begins</a:t>
-            </a:r>
-          </a:p>
-          <a:p>
-            <a:pPr/>
-            <a:r>
-              <a:t>Week 2: Requirements and document analysis complete</a:t>
-            </a:r>
-          </a:p>
-          <a:p>
-            <a:pPr/>
-            <a:r>
-              <a:t>Week 3: Solution architecture approved</a:t>
-            </a:r>
-          </a:p>
-          <a:p>
-            <a:pPr/>
-            <a:r>
-              <a:t>Week 8: Pilot deployment complete</a:t>
-            </a:r>
-          </a:p>
-          <a:p>
-            <a:pPr/>
-            <a:r>
-              <a:t>Week 12: Testing and validation complete</a:t>
-            </a:r>
-          </a:p>
-          <a:p>
-            <a:pPr/>
-            <a:r>
-              <a:t>Week 16: Production deployment and go-live</a:t>
-            </a:r>
-          </a:p>
-        </p:txBody>
-      </p:sp>
-      <p:pic>
-        <p:nvPicPr>
-          <p:cNvPr id="4" name="Picture Placeholder 3" descr="consulting_company_logo.png"/>
-          <p:cNvPicPr>
-            <a:picLocks noGrp="1" noChangeAspect="1"/>
-          </p:cNvPicPr>
-          <p:nvPr>
-            <p:ph type="pic" idx="13" sz="quarter"/>
-          </p:nvPr>
-        </p:nvPicPr>
-        <p:blipFill>
-          <a:blip r:embed="rId2"/>
-          <a:srcRect t="6762" b="6762"/>
-          <a:stretch>
-            <a:fillRect/>
-          </a:stretch>
-        </p:blipFill>
-        <p:spPr/>
-      </p:pic>
+            <a:pPr/>
+            <a:r>
+              <a:rPr>
+                <a:solidFill>
+                  <a:srgbClr val="000000"/>
+                </a:solidFill>
+              </a:rPr>
+              <a:t>Challenge: 50,000 loan applications monthly requiring manual review</a:t>
+            </a:r>
+          </a:p>
+          <a:p>
+            <a:pPr/>
+            <a:r>
+              <a:rPr>
+                <a:solidFill>
+                  <a:srgbClr val="000000"/>
+                </a:solidFill>
+              </a:rPr>
+              <a:t>Solution: AWS IDP with custom classification models for financial documents</a:t>
+            </a:r>
+          </a:p>
+          <a:p>
+            <a:pPr/>
+            <a:r>
+              <a:rPr>
+                <a:solidFill>
+                  <a:srgbClr val="000000"/>
+                </a:solidFill>
+              </a:rPr>
+              <a:t>Results:</a:t>
+            </a:r>
+          </a:p>
+          <a:p>
+            <a:pPr lvl="1"/>
+            <a:r>
+              <a:rPr>
+                <a:solidFill>
+                  <a:srgbClr val="000000"/>
+                </a:solidFill>
+              </a:rPr>
+              <a:t>90% processing time reduction (days → hours)</a:t>
+            </a:r>
+          </a:p>
+          <a:p>
+            <a:pPr lvl="1"/>
+            <a:r>
+              <a:rPr>
+                <a:solidFill>
+                  <a:srgbClr val="000000"/>
+                </a:solidFill>
+              </a:rPr>
+              <a:t>$2M annual savings through automation</a:t>
+            </a:r>
+          </a:p>
+          <a:p>
+            <a:pPr lvl="1"/>
+            <a:r>
+              <a:rPr>
+                <a:solidFill>
+                  <a:srgbClr val="000000"/>
+                </a:solidFill>
+              </a:rPr>
+              <a:t>99%+ accuracy in data extraction</a:t>
+            </a:r>
+          </a:p>
+          <a:p>
+            <a:pPr lvl="1"/>
+            <a:r>
+              <a:rPr>
+                <a:solidFill>
+                  <a:srgbClr val="000000"/>
+                </a:solidFill>
+              </a:rPr>
+              <a:t>ROI: 340% over 3 years</a:t>
+            </a:r>
+          </a:p>
+          <a:p>
+            <a:pPr/>
+            <a:r>
+              <a:rPr>
+                <a:solidFill>
+                  <a:srgbClr val="000000"/>
+                </a:solidFill>
+              </a:rPr>
+              <a:t>Challenge: Medical records digitization with HIPAA compliance requirements</a:t>
+            </a:r>
+          </a:p>
+          <a:p>
+            <a:pPr/>
+            <a:r>
+              <a:rPr>
+                <a:solidFill>
+                  <a:srgbClr val="000000"/>
+                </a:solidFill>
+              </a:rPr>
+              <a:t>Solution: AWS IDP with secure document processing and PHI protection</a:t>
+            </a:r>
+          </a:p>
+          <a:p>
+            <a:pPr/>
+            <a:r>
+              <a:rPr>
+                <a:solidFill>
+                  <a:srgbClr val="000000"/>
+                </a:solidFill>
+              </a:rPr>
+              <a:t>Results:</a:t>
+            </a:r>
+          </a:p>
+          <a:p>
+            <a:pPr lvl="1"/>
+            <a:r>
+              <a:rPr>
+                <a:solidFill>
+                  <a:srgbClr val="000000"/>
+                </a:solidFill>
+              </a:rPr>
+              <a:t>95% accuracy with human review for complex cases</a:t>
+            </a:r>
+          </a:p>
+          <a:p>
+            <a:pPr lvl="1"/>
+            <a:r>
+              <a:rPr>
+                <a:solidFill>
+                  <a:srgbClr val="000000"/>
+                </a:solidFill>
+              </a:rPr>
+              <a:t>HIPAA-compliant architecture with audit trails</a:t>
+            </a:r>
+          </a:p>
+          <a:p>
+            <a:pPr lvl="1"/>
+            <a:r>
+              <a:rPr>
+                <a:solidFill>
+                  <a:srgbClr val="000000"/>
+                </a:solidFill>
+              </a:rPr>
+              <a:t>80% cost reduction in records processing</a:t>
+            </a:r>
+          </a:p>
+          <a:p>
+            <a:pPr lvl="1"/>
+            <a:r>
+              <a:rPr>
+                <a:solidFill>
+                  <a:srgbClr val="000000"/>
+                </a:solidFill>
+              </a:rPr>
+              <a:t>ROI: 280% over 3 years</a:t>
+            </a:r>
+          </a:p>
+          <a:p>
+            <a:pPr/>
+            <a:r>
+              <a:rPr>
+                <a:solidFill>
+                  <a:srgbClr val="000000"/>
+                </a:solidFill>
+              </a:rPr>
+              <a:t>Challenge: Citizen service forms processing during peak periods</a:t>
+            </a:r>
+          </a:p>
+          <a:p>
+            <a:pPr/>
+            <a:r>
+              <a:rPr>
+                <a:solidFill>
+                  <a:srgbClr val="000000"/>
+                </a:solidFill>
+              </a:rPr>
+              <a:t>Solution: AWS IDP with scalable serverless architecture</a:t>
+            </a:r>
+          </a:p>
+          <a:p>
+            <a:pPr/>
+            <a:r>
+              <a:rPr>
+                <a:solidFill>
+                  <a:srgbClr val="000000"/>
+                </a:solidFill>
+              </a:rPr>
+              <a:t>Results:</a:t>
+            </a:r>
+          </a:p>
+          <a:p>
+            <a:pPr lvl="1"/>
+            <a:r>
+              <a:rPr>
+                <a:solidFill>
+                  <a:srgbClr val="000000"/>
+                </a:solidFill>
+              </a:rPr>
+              <a:t>24/7 processing capability with no manual intervention</a:t>
+            </a:r>
+          </a:p>
+          <a:p>
+            <a:pPr lvl="1"/>
+            <a:r>
+              <a:rPr>
+                <a:solidFill>
+                  <a:srgbClr val="000000"/>
+                </a:solidFill>
+              </a:rPr>
+              <a:t>85% staff redeployment to citizen-facing roles</a:t>
+            </a:r>
+          </a:p>
+          <a:p>
+            <a:pPr lvl="1"/>
+            <a:r>
+              <a:rPr>
+                <a:solidFill>
+                  <a:srgbClr val="000000"/>
+                </a:solidFill>
+              </a:rPr>
+              <a:t>Improved citizen satisfaction scores</a:t>
+            </a:r>
+          </a:p>
+          <a:p>
+            <a:pPr lvl="1"/>
+            <a:r>
+              <a:rPr>
+                <a:solidFill>
+                  <a:srgbClr val="000000"/>
+                </a:solidFill>
+              </a:rPr>
+              <a:t>ROI: 250% over 3 years</a:t>
+            </a:r>
+          </a:p>
+          <a:p>
+            <a:pPr/>
+            <a:r>
+              <a:rPr>
+                <a:solidFill>
+                  <a:srgbClr val="000000"/>
+                </a:solidFill>
+              </a:rPr>
+              <a:t>AWS Premier Consulting Partner</a:t>
+            </a:r>
+          </a:p>
+          <a:p>
+            <a:pPr/>
+            <a:r>
+              <a:rPr>
+                <a:solidFill>
+                  <a:srgbClr val="000000"/>
+                </a:solidFill>
+              </a:rPr>
+              <a:t>AWS AI/ML Competency certified</a:t>
+            </a:r>
+          </a:p>
+          <a:p>
+            <a:pPr/>
+            <a:r>
+              <a:rPr>
+                <a:solidFill>
+                  <a:srgbClr val="000000"/>
+                </a:solidFill>
+              </a:rPr>
+              <a:t>[X] successful IDP implementations</a:t>
+            </a:r>
+          </a:p>
+        </p:txBody>
+      </p:sp>
     </p:spTree>
   </p:cSld>
   <p:clrMapOvr>
@@ -3756,189 +4159,226 @@
           <a:lstStyle/>
           <a:p>
             <a:r>
-              <a:t>Slide 12: Success Stories</a:t>
-            </a:r>
-          </a:p>
-        </p:txBody>
-      </p:sp>
-      <p:sp>
-        <p:nvSpPr>
-          <p:cNvPr id="3" name="Text Placeholder 2"/>
-          <p:cNvSpPr>
-            <a:spLocks noGrp="1"/>
-          </p:cNvSpPr>
-          <p:nvPr>
-            <p:ph type="body" idx="11" sz="quarter"/>
+              <a:t>Slide 13: Our Partnership Advantage</a:t>
+            </a:r>
+          </a:p>
+        </p:txBody>
+      </p:sp>
+      <p:sp>
+        <p:nvSpPr>
+          <p:cNvPr id="3" name="Picture Placeholder 2"/>
+          <p:cNvSpPr>
+            <a:spLocks noGrp="1"/>
+          </p:cNvSpPr>
+          <p:nvPr>
+            <p:ph type="pic" idx="13" sz="quarter"/>
           </p:nvPr>
         </p:nvSpPr>
         <p:spPr/>
+      </p:sp>
+      <p:sp>
+        <p:nvSpPr>
+          <p:cNvPr id="4" name="Text Placeholder 3"/>
+          <p:cNvSpPr>
+            <a:spLocks noGrp="1"/>
+          </p:cNvSpPr>
+          <p:nvPr>
+            <p:ph type="body" idx="14" sz="quarter"/>
+          </p:nvPr>
+        </p:nvSpPr>
+        <p:spPr/>
         <p:txBody>
           <a:bodyPr/>
           <a:lstStyle/>
           <a:p>
-            <a:r>
-              <a:t>Challenge: 50,000 loan applications monthly requiring manual review</a:t>
-            </a:r>
-          </a:p>
-          <a:p>
-            <a:pPr/>
-            <a:r>
-              <a:t>Solution: AWS IDP with custom classification models for financial documents</a:t>
-            </a:r>
-          </a:p>
-          <a:p>
-            <a:pPr/>
-            <a:r>
-              <a:t>Results:</a:t>
-            </a:r>
-          </a:p>
-          <a:p>
-            <a:pPr/>
-            <a:r>
-              <a:t>90% processing time reduction (days → hours)</a:t>
-            </a:r>
-          </a:p>
-          <a:p>
-            <a:pPr/>
-            <a:r>
-              <a:t>$2M annual savings through automation</a:t>
-            </a:r>
-          </a:p>
-          <a:p>
-            <a:pPr/>
-            <a:r>
-              <a:t>99%+ accuracy in data extraction</a:t>
-            </a:r>
-          </a:p>
-          <a:p>
-            <a:pPr/>
-            <a:r>
-              <a:t>ROI: 340% over 3 years</a:t>
-            </a:r>
-          </a:p>
-          <a:p>
-            <a:pPr/>
-            <a:r>
-              <a:t>Challenge: Medical records digitization with HIPAA compliance requirements</a:t>
-            </a:r>
-          </a:p>
-          <a:p>
-            <a:pPr/>
-            <a:r>
-              <a:t>Solution: AWS IDP with secure document processing and PHI protection</a:t>
-            </a:r>
-          </a:p>
-          <a:p>
-            <a:pPr/>
-            <a:r>
-              <a:t>Results:</a:t>
-            </a:r>
-          </a:p>
-          <a:p>
-            <a:pPr/>
-            <a:r>
-              <a:t>95% accuracy with human review for complex cases</a:t>
-            </a:r>
-          </a:p>
-          <a:p>
-            <a:pPr/>
-            <a:r>
-              <a:t>HIPAA-compliant architecture with audit trails</a:t>
-            </a:r>
-          </a:p>
-          <a:p>
-            <a:pPr/>
-            <a:r>
-              <a:t>80% cost reduction in records processing</a:t>
-            </a:r>
-          </a:p>
-          <a:p>
-            <a:pPr/>
-            <a:r>
-              <a:t>ROI: 280% over 3 years</a:t>
-            </a:r>
-          </a:p>
-          <a:p>
-            <a:pPr/>
-            <a:r>
-              <a:t>Challenge: Citizen service forms processing during peak periods</a:t>
-            </a:r>
-          </a:p>
-          <a:p>
-            <a:pPr/>
-            <a:r>
-              <a:t>Solution: AWS IDP with scalable serverless architecture</a:t>
-            </a:r>
-          </a:p>
-          <a:p>
-            <a:pPr/>
-            <a:r>
-              <a:t>Results:</a:t>
-            </a:r>
-          </a:p>
-          <a:p>
-            <a:pPr/>
-            <a:r>
-              <a:t>24/7 processing capability with no manual intervention</a:t>
-            </a:r>
-          </a:p>
-          <a:p>
-            <a:pPr/>
-            <a:r>
-              <a:t>85% staff redeployment to citizen-facing roles</a:t>
-            </a:r>
-          </a:p>
-          <a:p>
-            <a:pPr/>
-            <a:r>
-              <a:t>Improved citizen satisfaction scores</a:t>
-            </a:r>
-          </a:p>
-          <a:p>
-            <a:pPr/>
-            <a:r>
-              <a:t>ROI: 250% over 3 years</a:t>
-            </a:r>
-          </a:p>
-          <a:p>
-            <a:pPr/>
-            <a:r>
-              <a:t>AWS Premier Consulting Partner</a:t>
-            </a:r>
-          </a:p>
-          <a:p>
-            <a:pPr/>
-            <a:r>
-              <a:t>AWS AI/ML Competency certified</a:t>
-            </a:r>
-          </a:p>
-          <a:p>
-            <a:pPr/>
-            <a:r>
-              <a:t>[X] successful IDP implementations</a:t>
-            </a:r>
-          </a:p>
-        </p:txBody>
-      </p:sp>
-      <p:pic>
-        <p:nvPicPr>
-          <p:cNvPr id="4" name="Picture Placeholder 3" descr="consulting_company_logo.png"/>
-          <p:cNvPicPr>
-            <a:picLocks noGrp="1" noChangeAspect="1"/>
-          </p:cNvPicPr>
-          <p:nvPr>
-            <p:ph type="pic" idx="13" sz="quarter"/>
-          </p:nvPr>
-        </p:nvPicPr>
-        <p:blipFill>
-          <a:blip r:embed="rId2"/>
-          <a:srcRect t="6762" b="6762"/>
-          <a:stretch>
-            <a:fillRect/>
-          </a:stretch>
-        </p:blipFill>
-        <p:spPr/>
-      </p:pic>
+            <a:pPr/>
+            <a:r>
+              <a:rPr>
+                <a:solidFill>
+                  <a:srgbClr val="000000"/>
+                </a:solidFill>
+              </a:rPr>
+              <a:t>AWS Premier Consulting Partner with AI/ML Competency</a:t>
+            </a:r>
+          </a:p>
+          <a:p>
+            <a:pPr/>
+            <a:r>
+              <a:rPr>
+                <a:solidFill>
+                  <a:srgbClr val="000000"/>
+                </a:solidFill>
+              </a:rPr>
+              <a:t>[X] years of experience with AWS AI services</a:t>
+            </a:r>
+          </a:p>
+          <a:p>
+            <a:pPr/>
+            <a:r>
+              <a:rPr>
+                <a:solidFill>
+                  <a:srgbClr val="000000"/>
+                </a:solidFill>
+              </a:rPr>
+              <a:t>[Y] successful intelligent document processing implementations</a:t>
+            </a:r>
+          </a:p>
+          <a:p>
+            <a:pPr/>
+            <a:r>
+              <a:rPr>
+                <a:solidFill>
+                  <a:srgbClr val="000000"/>
+                </a:solidFill>
+              </a:rPr>
+              <a:t>Certified AWS Solutions Architects and ML specialists</a:t>
+            </a:r>
+          </a:p>
+          <a:p>
+            <a:pPr/>
+            <a:r>
+              <a:rPr>
+                <a:solidFill>
+                  <a:srgbClr val="000000"/>
+                </a:solidFill>
+              </a:rPr>
+              <a:t>End-to-end implementation from assessment to production</a:t>
+            </a:r>
+          </a:p>
+          <a:p>
+            <a:pPr/>
+            <a:r>
+              <a:rPr>
+                <a:solidFill>
+                  <a:srgbClr val="000000"/>
+                </a:solidFill>
+              </a:rPr>
+              <a:t>ML model development and optimization</a:t>
+            </a:r>
+          </a:p>
+          <a:p>
+            <a:pPr/>
+            <a:r>
+              <a:rPr>
+                <a:solidFill>
+                  <a:srgbClr val="000000"/>
+                </a:solidFill>
+              </a:rPr>
+              <a:t>Integration with existing business systems</a:t>
+            </a:r>
+          </a:p>
+          <a:p>
+            <a:pPr/>
+            <a:r>
+              <a:rPr>
+                <a:solidFill>
+                  <a:srgbClr val="000000"/>
+                </a:solidFill>
+              </a:rPr>
+              <a:t>Post-launch hypercare and ongoing optimization</a:t>
+            </a:r>
+          </a:p>
+          <a:p>
+            <a:pPr/>
+            <a:r>
+              <a:rPr>
+                <a:solidFill>
+                  <a:srgbClr val="000000"/>
+                </a:solidFill>
+              </a:rPr>
+              <a:t>24/7 support options available</a:t>
+            </a:r>
+          </a:p>
+          <a:p>
+            <a:pPr/>
+            <a:r>
+              <a:rPr>
+                <a:solidFill>
+                  <a:srgbClr val="000000"/>
+                </a:solidFill>
+              </a:rPr>
+              <a:t>Deep expertise in document processing automation</a:t>
+            </a:r>
+          </a:p>
+          <a:p>
+            <a:pPr/>
+            <a:r>
+              <a:rPr>
+                <a:solidFill>
+                  <a:srgbClr val="000000"/>
+                </a:solidFill>
+              </a:rPr>
+              <a:t>Proven methodologies for AI/ML implementation</a:t>
+            </a:r>
+          </a:p>
+          <a:p>
+            <a:pPr/>
+            <a:r>
+              <a:rPr>
+                <a:solidFill>
+                  <a:srgbClr val="000000"/>
+                </a:solidFill>
+              </a:rPr>
+              <a:t>Strong track record of ROI delivery</a:t>
+            </a:r>
+          </a:p>
+          <a:p>
+            <a:pPr/>
+            <a:r>
+              <a:rPr>
+                <a:solidFill>
+                  <a:srgbClr val="000000"/>
+                </a:solidFill>
+              </a:rPr>
+              <a:t>Commitment to knowledge transfer and enablement</a:t>
+            </a:r>
+          </a:p>
+          <a:p>
+            <a:pPr/>
+            <a:r>
+              <a:rPr>
+                <a:solidFill>
+                  <a:srgbClr val="000000"/>
+                </a:solidFill>
+              </a:rPr>
+              <a:t>Access to latest AWS AI/ML innovations</a:t>
+            </a:r>
+          </a:p>
+          <a:p>
+            <a:pPr/>
+            <a:r>
+              <a:rPr>
+                <a:solidFill>
+                  <a:srgbClr val="000000"/>
+                </a:solidFill>
+              </a:rPr>
+              <a:t>Leverage AWS managed services for reduced operational overhead</a:t>
+            </a:r>
+          </a:p>
+          <a:p>
+            <a:pPr/>
+            <a:r>
+              <a:rPr>
+                <a:solidFill>
+                  <a:srgbClr val="000000"/>
+                </a:solidFill>
+              </a:rPr>
+              <a:t>Benefit from continuous AWS model improvements</a:t>
+            </a:r>
+          </a:p>
+          <a:p>
+            <a:pPr/>
+            <a:r>
+              <a:rPr>
+                <a:solidFill>
+                  <a:srgbClr val="000000"/>
+                </a:solidFill>
+              </a:rPr>
+              <a:t>Pay-per-use pricing with no upfront licensing costs</a:t>
+            </a:r>
+          </a:p>
+        </p:txBody>
+      </p:sp>
     </p:spTree>
   </p:cSld>
   <p:clrMapOvr>
@@ -3959,161 +4399,153 @@
       <p:grpSpPr/>
       <p:sp>
         <p:nvSpPr>
-          <p:cNvPr id="2" name="Text Placeholder 1"/>
-          <p:cNvSpPr>
-            <a:spLocks noGrp="1"/>
-          </p:cNvSpPr>
-          <p:nvPr>
-            <p:ph type="body" idx="10" sz="quarter"/>
+          <p:cNvPr id="2" name="Picture Placeholder 1"/>
+          <p:cNvSpPr>
+            <a:spLocks noGrp="1"/>
+          </p:cNvSpPr>
+          <p:nvPr>
+            <p:ph type="pic" idx="10" sz="quarter"/>
           </p:nvPr>
         </p:nvSpPr>
         <p:spPr/>
+      </p:sp>
+      <p:sp>
+        <p:nvSpPr>
+          <p:cNvPr id="3" name="Text Placeholder 2"/>
+          <p:cNvSpPr>
+            <a:spLocks noGrp="1"/>
+          </p:cNvSpPr>
+          <p:nvPr>
+            <p:ph type="body" idx="12" sz="quarter"/>
+          </p:nvPr>
+        </p:nvSpPr>
+        <p:spPr/>
         <p:txBody>
           <a:bodyPr/>
           <a:lstStyle/>
           <a:p>
             <a:r>
-              <a:t>Slide 13: Our Partnership Advantage</a:t>
-            </a:r>
-          </a:p>
-        </p:txBody>
-      </p:sp>
-      <p:sp>
-        <p:nvSpPr>
-          <p:cNvPr id="3" name="Text Placeholder 2"/>
-          <p:cNvSpPr>
-            <a:spLocks noGrp="1"/>
-          </p:cNvSpPr>
-          <p:nvPr>
-            <p:ph type="body" idx="11" sz="quarter"/>
+              <a:t>Slide 14: Next Steps</a:t>
+            </a:r>
+          </a:p>
+        </p:txBody>
+      </p:sp>
+      <p:sp>
+        <p:nvSpPr>
+          <p:cNvPr id="4" name="Picture Placeholder 3"/>
+          <p:cNvSpPr>
+            <a:spLocks noGrp="1"/>
+          </p:cNvSpPr>
+          <p:nvPr>
+            <p:ph type="pic" idx="13" sz="quarter"/>
           </p:nvPr>
         </p:nvSpPr>
         <p:spPr/>
+      </p:sp>
+      <p:sp>
+        <p:nvSpPr>
+          <p:cNvPr id="5" name="Text Placeholder 4"/>
+          <p:cNvSpPr>
+            <a:spLocks noGrp="1"/>
+          </p:cNvSpPr>
+          <p:nvPr>
+            <p:ph type="body" idx="14" sz="quarter"/>
+          </p:nvPr>
+        </p:nvSpPr>
+        <p:spPr/>
         <p:txBody>
           <a:bodyPr/>
           <a:lstStyle/>
           <a:p>
-            <a:r>
-              <a:t>AWS Premier Consulting Partner with AI/ML Competency</a:t>
-            </a:r>
-          </a:p>
-          <a:p>
-            <a:pPr/>
-            <a:r>
-              <a:t>[X] years of experience with AWS AI services</a:t>
-            </a:r>
-          </a:p>
-          <a:p>
-            <a:pPr/>
-            <a:r>
-              <a:t>[Y] successful intelligent document processing implementations</a:t>
-            </a:r>
-          </a:p>
-          <a:p>
-            <a:pPr/>
-            <a:r>
-              <a:t>Certified AWS Solutions Architects and ML specialists</a:t>
-            </a:r>
-          </a:p>
-          <a:p>
-            <a:pPr/>
-            <a:r>
-              <a:t>End-to-end implementation from assessment to production</a:t>
-            </a:r>
-          </a:p>
-          <a:p>
-            <a:pPr/>
-            <a:r>
-              <a:t>ML model development and optimization</a:t>
-            </a:r>
-          </a:p>
-          <a:p>
-            <a:pPr/>
-            <a:r>
-              <a:t>Integration with existing business systems</a:t>
-            </a:r>
-          </a:p>
-          <a:p>
-            <a:pPr/>
-            <a:r>
-              <a:t>Post-launch hypercare and ongoing optimization</a:t>
-            </a:r>
-          </a:p>
-          <a:p>
-            <a:pPr/>
-            <a:r>
-              <a:t>24/7 support options available</a:t>
-            </a:r>
-          </a:p>
-          <a:p>
-            <a:pPr/>
-            <a:r>
-              <a:t>Deep expertise in document processing automation</a:t>
-            </a:r>
-          </a:p>
-          <a:p>
-            <a:pPr/>
-            <a:r>
-              <a:t>Proven methodologies for AI/ML implementation</a:t>
-            </a:r>
-          </a:p>
-          <a:p>
-            <a:pPr/>
-            <a:r>
-              <a:t>Strong track record of ROI delivery</a:t>
-            </a:r>
-          </a:p>
-          <a:p>
-            <a:pPr/>
-            <a:r>
-              <a:t>Commitment to knowledge transfer and enablement</a:t>
-            </a:r>
-          </a:p>
-          <a:p>
-            <a:pPr/>
-            <a:r>
-              <a:t>Access to latest AWS AI/ML innovations</a:t>
-            </a:r>
-          </a:p>
-          <a:p>
-            <a:pPr/>
-            <a:r>
-              <a:t>Leverage AWS managed services for reduced operational overhead</a:t>
-            </a:r>
-          </a:p>
-          <a:p>
-            <a:pPr/>
-            <a:r>
-              <a:t>Benefit from continuous AWS model improvements</a:t>
-            </a:r>
-          </a:p>
-          <a:p>
-            <a:pPr/>
-            <a:r>
-              <a:t>Pay-per-use pricing with no upfront licensing costs</a:t>
-            </a:r>
-          </a:p>
-        </p:txBody>
-      </p:sp>
-      <p:pic>
-        <p:nvPicPr>
-          <p:cNvPr id="4" name="Picture Placeholder 3" descr="consulting_company_logo.png"/>
-          <p:cNvPicPr>
-            <a:picLocks noGrp="1" noChangeAspect="1"/>
-          </p:cNvPicPr>
-          <p:nvPr>
-            <p:ph type="pic" idx="13" sz="quarter"/>
-          </p:nvPr>
-        </p:nvPicPr>
-        <p:blipFill>
-          <a:blip r:embed="rId2"/>
-          <a:srcRect t="6762" b="6762"/>
-          <a:stretch>
-            <a:fillRect/>
-          </a:stretch>
-        </p:blipFill>
-        <p:spPr/>
-      </p:pic>
+            <a:pPr/>
+            <a:r>
+              <a:rPr>
+                <a:solidFill>
+                  <a:srgbClr val="000000"/>
+                </a:solidFill>
+              </a:rPr>
+              <a:t>Week 1: Contract finalization and AWS environment setup</a:t>
+            </a:r>
+          </a:p>
+          <a:p>
+            <a:pPr/>
+            <a:r>
+              <a:rPr>
+                <a:solidFill>
+                  <a:srgbClr val="000000"/>
+                </a:solidFill>
+              </a:rPr>
+              <a:t>Week 2: Requirements gathering and document analysis workshop</a:t>
+            </a:r>
+          </a:p>
+          <a:p>
+            <a:pPr/>
+            <a:r>
+              <a:rPr>
+                <a:solidFill>
+                  <a:srgbClr val="000000"/>
+                </a:solidFill>
+              </a:rPr>
+              <a:t>Week 3: Solution architecture design and review</a:t>
+            </a:r>
+          </a:p>
+          <a:p>
+            <a:pPr/>
+            <a:r>
+              <a:rPr>
+                <a:solidFill>
+                  <a:srgbClr val="000000"/>
+                </a:solidFill>
+              </a:rPr>
+              <a:t>Week 4: Pilot environment deployment and initial testing</a:t>
+            </a:r>
+          </a:p>
+          <a:p>
+            <a:pPr/>
+            <a:r>
+              <a:rPr>
+                <a:solidFill>
+                  <a:srgbClr val="000000"/>
+                </a:solidFill>
+              </a:rPr>
+              <a:t>Budget Authorization: $[Amount] total investment over [X] months</a:t>
+            </a:r>
+          </a:p>
+          <a:p>
+            <a:pPr/>
+            <a:r>
+              <a:rPr>
+                <a:solidFill>
+                  <a:srgbClr val="000000"/>
+                </a:solidFill>
+              </a:rPr>
+              <a:t>Resource Commitment: Project manager and business SMEs (~20% time)</a:t>
+            </a:r>
+          </a:p>
+          <a:p>
+            <a:pPr/>
+            <a:r>
+              <a:rPr>
+                <a:solidFill>
+                  <a:srgbClr val="000000"/>
+                </a:solidFill>
+              </a:rPr>
+              <a:t>Timeline Approval: 6-month implementation timeline acceptable</a:t>
+            </a:r>
+          </a:p>
+          <a:p>
+            <a:pPr/>
+            <a:r>
+              <a:rPr>
+                <a:solidFill>
+                  <a:srgbClr val="000000"/>
+                </a:solidFill>
+              </a:rPr>
+              <a:t>Success Criteria Agreement: 95%+ accuracy, 90% time reduction targets</a:t>
+            </a:r>
+          </a:p>
+        </p:txBody>
+      </p:sp>
     </p:spTree>
   </p:cSld>
   <p:clrMapOvr>
@@ -4134,178 +4566,57 @@
       <p:grpSpPr/>
       <p:sp>
         <p:nvSpPr>
-          <p:cNvPr id="2" name="Text Placeholder 1"/>
-          <p:cNvSpPr>
-            <a:spLocks noGrp="1"/>
-          </p:cNvSpPr>
-          <p:nvPr>
-            <p:ph type="body" idx="10" sz="quarter"/>
+          <p:cNvPr id="2" name="Picture Placeholder 1"/>
+          <p:cNvSpPr>
+            <a:spLocks noGrp="1"/>
+          </p:cNvSpPr>
+          <p:nvPr>
+            <p:ph type="pic" idx="10" sz="quarter"/>
           </p:nvPr>
         </p:nvSpPr>
         <p:spPr/>
+      </p:sp>
+      <p:sp>
+        <p:nvSpPr>
+          <p:cNvPr id="3" name="Text Placeholder 2"/>
+          <p:cNvSpPr>
+            <a:spLocks noGrp="1"/>
+          </p:cNvSpPr>
+          <p:nvPr>
+            <p:ph type="body" idx="12" sz="quarter"/>
+          </p:nvPr>
+        </p:nvSpPr>
+        <p:spPr/>
         <p:txBody>
           <a:bodyPr/>
           <a:lstStyle/>
           <a:p>
             <a:r>
-              <a:t>Slide 14: Next Steps</a:t>
-            </a:r>
-          </a:p>
-        </p:txBody>
-      </p:sp>
-      <p:sp>
-        <p:nvSpPr>
-          <p:cNvPr id="3" name="Text Placeholder 2"/>
-          <p:cNvSpPr>
-            <a:spLocks noGrp="1"/>
-          </p:cNvSpPr>
-          <p:nvPr>
-            <p:ph type="body" idx="11" sz="quarter"/>
+              <a:t>Slide 15: Contact Information</a:t>
+            </a:r>
+          </a:p>
+        </p:txBody>
+      </p:sp>
+      <p:sp>
+        <p:nvSpPr>
+          <p:cNvPr id="4" name="Picture Placeholder 3"/>
+          <p:cNvSpPr>
+            <a:spLocks noGrp="1"/>
+          </p:cNvSpPr>
+          <p:nvPr>
+            <p:ph type="pic" idx="13" sz="quarter"/>
           </p:nvPr>
         </p:nvSpPr>
         <p:spPr/>
-        <p:txBody>
-          <a:bodyPr/>
-          <a:lstStyle/>
-          <a:p>
-            <a:r>
-              <a:t>Executive Approval: Authorize project and budget of $[Amount]</a:t>
-            </a:r>
-          </a:p>
-          <a:p>
-            <a:pPr/>
-            <a:r>
-              <a:t>Project Team Formation: Assign project manager and core business SMEs</a:t>
-            </a:r>
-          </a:p>
-          <a:p>
-            <a:pPr/>
-            <a:r>
-              <a:t>Document Samples: Provide representative documents for proof of concept</a:t>
-            </a:r>
-          </a:p>
-          <a:p>
-            <a:pPr/>
-            <a:r>
-              <a:t>Kickoff Meeting: Schedule within 2 weeks of approval</a:t>
-            </a:r>
-          </a:p>
-          <a:p>
-            <a:pPr/>
-            <a:r>
-              <a:t>Week 1: Contract finalization and AWS environment setup</a:t>
-            </a:r>
-          </a:p>
-          <a:p>
-            <a:pPr/>
-            <a:r>
-              <a:t>Week 2: Requirements gathering and document analysis workshop</a:t>
-            </a:r>
-          </a:p>
-          <a:p>
-            <a:pPr/>
-            <a:r>
-              <a:t>Week 3: Solution architecture design and review</a:t>
-            </a:r>
-          </a:p>
-          <a:p>
-            <a:pPr/>
-            <a:r>
-              <a:t>Week 4: Pilot environment deployment and initial testing</a:t>
-            </a:r>
-          </a:p>
-          <a:p>
-            <a:pPr/>
-            <a:r>
-              <a:t>Budget Authorization: $[Amount] total investment over [X] months</a:t>
-            </a:r>
-          </a:p>
-          <a:p>
-            <a:pPr/>
-            <a:r>
-              <a:t>Resource Commitment: Project manager and business SMEs (~20% time)</a:t>
-            </a:r>
-          </a:p>
-          <a:p>
-            <a:pPr/>
-            <a:r>
-              <a:t>Timeline Approval: 6-month implementation timeline acceptable</a:t>
-            </a:r>
-          </a:p>
-          <a:p>
-            <a:pPr/>
-            <a:r>
-              <a:t>Success Criteria Agreement: 95%+ accuracy, 90% time reduction targets</a:t>
-            </a:r>
-          </a:p>
-        </p:txBody>
-      </p:sp>
-      <p:pic>
-        <p:nvPicPr>
-          <p:cNvPr id="4" name="Picture Placeholder 3" descr="consulting_company_logo.png"/>
-          <p:cNvPicPr>
-            <a:picLocks noGrp="1" noChangeAspect="1"/>
-          </p:cNvPicPr>
-          <p:nvPr>
-            <p:ph type="pic" idx="13" sz="quarter"/>
-          </p:nvPr>
-        </p:nvPicPr>
-        <p:blipFill>
-          <a:blip r:embed="rId2"/>
-          <a:srcRect t="6762" b="6762"/>
-          <a:stretch>
-            <a:fillRect/>
-          </a:stretch>
-        </p:blipFill>
-        <p:spPr/>
-      </p:pic>
-    </p:spTree>
-  </p:cSld>
-  <p:clrMapOvr>
-    <a:masterClrMapping/>
-  </p:clrMapOvr>
-</p:sld>
-</file>
-
-<file path=ppt/slides/slide16.xml><?xml version="1.0" encoding="utf-8"?>
-<p:sld xmlns:a="http://schemas.openxmlformats.org/drawingml/2006/main" xmlns:p="http://schemas.openxmlformats.org/presentationml/2006/main" xmlns:r="http://schemas.openxmlformats.org/officeDocument/2006/relationships">
-  <p:cSld>
-    <p:spTree>
-      <p:nvGrpSpPr>
-        <p:cNvPr id="1" name=""/>
-        <p:cNvGrpSpPr/>
-        <p:nvPr/>
-      </p:nvGrpSpPr>
-      <p:grpSpPr/>
-      <p:sp>
-        <p:nvSpPr>
-          <p:cNvPr id="2" name="Text Placeholder 1"/>
-          <p:cNvSpPr>
-            <a:spLocks noGrp="1"/>
-          </p:cNvSpPr>
-          <p:nvPr>
-            <p:ph type="body" idx="10" sz="quarter"/>
-          </p:nvPr>
-        </p:nvSpPr>
-        <p:spPr/>
-        <p:txBody>
-          <a:bodyPr/>
-          <a:lstStyle/>
-          <a:p>
-            <a:r>
-              <a:t>Slide 15: Contact Information</a:t>
-            </a:r>
-          </a:p>
-        </p:txBody>
-      </p:sp>
-      <p:sp>
-        <p:nvSpPr>
-          <p:cNvPr id="3" name="Text Placeholder 2"/>
-          <p:cNvSpPr>
-            <a:spLocks noGrp="1"/>
-          </p:cNvSpPr>
-          <p:nvPr>
-            <p:ph type="body" idx="11" sz="quarter"/>
+      </p:sp>
+      <p:sp>
+        <p:nvSpPr>
+          <p:cNvPr id="5" name="Text Placeholder 4"/>
+          <p:cNvSpPr>
+            <a:spLocks noGrp="1"/>
+          </p:cNvSpPr>
+          <p:nvPr>
+            <p:ph type="body" idx="14" sz="quarter"/>
           </p:nvPr>
         </p:nvSpPr>
         <p:spPr/>
@@ -4315,516 +4626,6 @@
           <a:p/>
         </p:txBody>
       </p:sp>
-      <p:pic>
-        <p:nvPicPr>
-          <p:cNvPr id="4" name="Picture Placeholder 3" descr="consulting_company_logo.png"/>
-          <p:cNvPicPr>
-            <a:picLocks noGrp="1" noChangeAspect="1"/>
-          </p:cNvPicPr>
-          <p:nvPr>
-            <p:ph type="pic" idx="13" sz="quarter"/>
-          </p:nvPr>
-        </p:nvPicPr>
-        <p:blipFill>
-          <a:blip r:embed="rId2"/>
-          <a:srcRect t="6762" b="6762"/>
-          <a:stretch>
-            <a:fillRect/>
-          </a:stretch>
-        </p:blipFill>
-        <p:spPr/>
-      </p:pic>
-    </p:spTree>
-  </p:cSld>
-  <p:clrMapOvr>
-    <a:masterClrMapping/>
-  </p:clrMapOvr>
-</p:sld>
-</file>
-
-<file path=ppt/slides/slide17.xml><?xml version="1.0" encoding="utf-8"?>
-<p:sld xmlns:a="http://schemas.openxmlformats.org/drawingml/2006/main" xmlns:p="http://schemas.openxmlformats.org/presentationml/2006/main" xmlns:r="http://schemas.openxmlformats.org/officeDocument/2006/relationships">
-  <p:cSld>
-    <p:spTree>
-      <p:nvGrpSpPr>
-        <p:cNvPr id="1" name=""/>
-        <p:cNvGrpSpPr/>
-        <p:nvPr/>
-      </p:nvGrpSpPr>
-      <p:grpSpPr/>
-      <p:sp>
-        <p:nvSpPr>
-          <p:cNvPr id="2" name="Text Placeholder 1"/>
-          <p:cNvSpPr>
-            <a:spLocks noGrp="1"/>
-          </p:cNvSpPr>
-          <p:nvPr>
-            <p:ph type="body" idx="10" sz="quarter"/>
-          </p:nvPr>
-        </p:nvSpPr>
-        <p:spPr/>
-        <p:txBody>
-          <a:bodyPr/>
-          <a:lstStyle/>
-          <a:p>
-            <a:r>
-              <a:t>Speaking Points for Each Slide</a:t>
-            </a:r>
-          </a:p>
-        </p:txBody>
-      </p:sp>
-      <p:sp>
-        <p:nvSpPr>
-          <p:cNvPr id="3" name="Text Placeholder 2"/>
-          <p:cNvSpPr>
-            <a:spLocks noGrp="1"/>
-          </p:cNvSpPr>
-          <p:nvPr>
-            <p:ph type="body" idx="11" sz="quarter"/>
-          </p:nvPr>
-        </p:nvSpPr>
-        <p:spPr/>
-        <p:txBody>
-          <a:bodyPr/>
-          <a:lstStyle/>
-          <a:p>
-            <a:r>
-              <a:t>Emphasize the financial and operational impact of manual document processing</a:t>
-            </a:r>
-          </a:p>
-          <a:p>
-            <a:pPr/>
-            <a:r>
-              <a:t>Use client-specific data on document volumes and processing times when available</a:t>
-            </a:r>
-          </a:p>
-          <a:p>
-            <a:pPr/>
-            <a:r>
-              <a:t>Create urgency around the cost of inaction and competitive disadvantage</a:t>
-            </a:r>
-          </a:p>
-          <a:p>
-            <a:pPr/>
-            <a:r>
-              <a:t>Connect pain points to measurable business impact (labor costs, error costs, delays)</a:t>
-            </a:r>
-          </a:p>
-          <a:p>
-            <a:pPr/>
-            <a:r>
-              <a:t>Clearly identify all key stakeholders and their specific concerns</a:t>
-            </a:r>
-          </a:p>
-          <a:p>
-            <a:pPr/>
-            <a:r>
-              <a:t>Ensure success criteria are specific, measurable, and timeline-bound (95% accuracy, 90% time reduction)</a:t>
-            </a:r>
-          </a:p>
-          <a:p>
-            <a:pPr/>
-            <a:r>
-              <a:t>Get alignment on what "success" means to each stakeholder group</a:t>
-            </a:r>
-          </a:p>
-          <a:p>
-            <a:pPr/>
-            <a:r>
-              <a:t>Link success criteria back to the pain points and impacts from Slide 3</a:t>
-            </a:r>
-          </a:p>
-          <a:p>
-            <a:pPr/>
-            <a:r>
-              <a:t>Present financial benefits with conservative estimates</a:t>
-            </a:r>
-          </a:p>
-          <a:p>
-            <a:pPr/>
-            <a:r>
-              <a:t>Emphasize that ROI calculations are based on proven results from similar implementations</a:t>
-            </a:r>
-          </a:p>
-          <a:p>
-            <a:pPr/>
-            <a:r>
-              <a:t>Highlight both cost savings AND strategic value (innovation platform, competitive advantage)</a:t>
-            </a:r>
-          </a:p>
-          <a:p>
-            <a:pPr/>
-            <a:r>
-              <a:t>Address risk mitigation as a key benefit (audit trails, compliance, business continuity)</a:t>
-            </a:r>
-          </a:p>
-          <a:p>
-            <a:pPr/>
-            <a:r>
-              <a:t>Be transparent about all costs (implementation, AWS services, ongoing)</a:t>
-            </a:r>
-          </a:p>
-          <a:p>
-            <a:pPr/>
-            <a:r>
-              <a:t>Explain value of each investment component</a:t>
-            </a:r>
-          </a:p>
-          <a:p>
-            <a:pPr/>
-            <a:r>
-              <a:t>Show comparison to current state costs to highlight savings</a:t>
-            </a:r>
-          </a:p>
-          <a:p>
-            <a:pPr/>
-            <a:r>
-              <a:t>Emphasize phased investment approach reduces financial risk</a:t>
-            </a:r>
-          </a:p>
-          <a:p>
-            <a:pPr/>
-            <a:r>
-              <a:t>Use case studies most relevant to the client's industry and use case</a:t>
-            </a:r>
-          </a:p>
-          <a:p>
-            <a:pPr/>
-            <a:r>
-              <a:t>Provide specific, quantified results (not just percentages but dollar amounts when possible)</a:t>
-            </a:r>
-          </a:p>
-          <a:p>
-            <a:pPr/>
-            <a:r>
-              <a:t>Be prepared to provide references if requested</a:t>
-            </a:r>
-          </a:p>
-          <a:p>
-            <a:pPr/>
-            <a:r>
-              <a:t>Connect case study results to client's expected outcomes</a:t>
-            </a:r>
-          </a:p>
-        </p:txBody>
-      </p:sp>
-      <p:pic>
-        <p:nvPicPr>
-          <p:cNvPr id="4" name="Picture Placeholder 3" descr="consulting_company_logo.png"/>
-          <p:cNvPicPr>
-            <a:picLocks noGrp="1" noChangeAspect="1"/>
-          </p:cNvPicPr>
-          <p:nvPr>
-            <p:ph type="pic" idx="13" sz="quarter"/>
-          </p:nvPr>
-        </p:nvPicPr>
-        <p:blipFill>
-          <a:blip r:embed="rId2"/>
-          <a:srcRect t="6762" b="6762"/>
-          <a:stretch>
-            <a:fillRect/>
-          </a:stretch>
-        </p:blipFill>
-        <p:spPr/>
-      </p:pic>
-    </p:spTree>
-  </p:cSld>
-  <p:clrMapOvr>
-    <a:masterClrMapping/>
-  </p:clrMapOvr>
-</p:sld>
-</file>
-
-<file path=ppt/slides/slide18.xml><?xml version="1.0" encoding="utf-8"?>
-<p:sld xmlns:a="http://schemas.openxmlformats.org/drawingml/2006/main" xmlns:p="http://schemas.openxmlformats.org/presentationml/2006/main" xmlns:r="http://schemas.openxmlformats.org/officeDocument/2006/relationships">
-  <p:cSld>
-    <p:spTree>
-      <p:nvGrpSpPr>
-        <p:cNvPr id="1" name=""/>
-        <p:cNvGrpSpPr/>
-        <p:nvPr/>
-      </p:nvGrpSpPr>
-      <p:grpSpPr/>
-      <p:sp>
-        <p:nvSpPr>
-          <p:cNvPr id="2" name="Text Placeholder 1"/>
-          <p:cNvSpPr>
-            <a:spLocks noGrp="1"/>
-          </p:cNvSpPr>
-          <p:nvPr>
-            <p:ph type="body" idx="10" sz="quarter"/>
-          </p:nvPr>
-        </p:nvSpPr>
-        <p:spPr/>
-        <p:txBody>
-          <a:bodyPr/>
-          <a:lstStyle/>
-          <a:p>
-            <a:r>
-              <a:t>Q&amp;A Preparation</a:t>
-            </a:r>
-          </a:p>
-        </p:txBody>
-      </p:sp>
-      <p:sp>
-        <p:nvSpPr>
-          <p:cNvPr id="3" name="Text Placeholder 2"/>
-          <p:cNvSpPr>
-            <a:spLocks noGrp="1"/>
-          </p:cNvSpPr>
-          <p:nvPr>
-            <p:ph type="body" idx="11" sz="quarter"/>
-          </p:nvPr>
-        </p:nvSpPr>
-        <p:spPr/>
-        <p:txBody>
-          <a:bodyPr/>
-          <a:lstStyle/>
-          <a:p/>
-        </p:txBody>
-      </p:sp>
-      <p:pic>
-        <p:nvPicPr>
-          <p:cNvPr id="4" name="Picture Placeholder 3" descr="consulting_company_logo.png"/>
-          <p:cNvPicPr>
-            <a:picLocks noGrp="1" noChangeAspect="1"/>
-          </p:cNvPicPr>
-          <p:nvPr>
-            <p:ph type="pic" idx="13" sz="quarter"/>
-          </p:nvPr>
-        </p:nvPicPr>
-        <p:blipFill>
-          <a:blip r:embed="rId2"/>
-          <a:srcRect t="6762" b="6762"/>
-          <a:stretch>
-            <a:fillRect/>
-          </a:stretch>
-        </p:blipFill>
-        <p:spPr/>
-      </p:pic>
-    </p:spTree>
-  </p:cSld>
-  <p:clrMapOvr>
-    <a:masterClrMapping/>
-  </p:clrMapOvr>
-</p:sld>
-</file>
-
-<file path=ppt/slides/slide19.xml><?xml version="1.0" encoding="utf-8"?>
-<p:sld xmlns:a="http://schemas.openxmlformats.org/drawingml/2006/main" xmlns:p="http://schemas.openxmlformats.org/presentationml/2006/main" xmlns:r="http://schemas.openxmlformats.org/officeDocument/2006/relationships">
-  <p:cSld>
-    <p:spTree>
-      <p:nvGrpSpPr>
-        <p:cNvPr id="1" name=""/>
-        <p:cNvGrpSpPr/>
-        <p:nvPr/>
-      </p:nvGrpSpPr>
-      <p:grpSpPr/>
-      <p:sp>
-        <p:nvSpPr>
-          <p:cNvPr id="2" name="Text Placeholder 1"/>
-          <p:cNvSpPr>
-            <a:spLocks noGrp="1"/>
-          </p:cNvSpPr>
-          <p:nvPr>
-            <p:ph type="body" idx="10" sz="quarter"/>
-          </p:nvPr>
-        </p:nvSpPr>
-        <p:spPr/>
-        <p:txBody>
-          <a:bodyPr/>
-          <a:lstStyle/>
-          <a:p>
-            <a:r>
-              <a:t>Appendix Slides (If Needed)</a:t>
-            </a:r>
-          </a:p>
-        </p:txBody>
-      </p:sp>
-      <p:sp>
-        <p:nvSpPr>
-          <p:cNvPr id="3" name="Text Placeholder 2"/>
-          <p:cNvSpPr>
-            <a:spLocks noGrp="1"/>
-          </p:cNvSpPr>
-          <p:nvPr>
-            <p:ph type="body" idx="11" sz="quarter"/>
-          </p:nvPr>
-        </p:nvSpPr>
-        <p:spPr/>
-        <p:txBody>
-          <a:bodyPr/>
-          <a:lstStyle/>
-          <a:p>
-            <a:r>
-              <a:t>AWS services architecture diagram</a:t>
-            </a:r>
-          </a:p>
-          <a:p>
-            <a:pPr/>
-            <a:r>
-              <a:t>Document processing workflow details</a:t>
-            </a:r>
-          </a:p>
-          <a:p>
-            <a:pPr/>
-            <a:r>
-              <a:t>Integration patterns and API specifications</a:t>
-            </a:r>
-          </a:p>
-          <a:p>
-            <a:pPr/>
-            <a:r>
-              <a:t>Security architecture and controls</a:t>
-            </a:r>
-          </a:p>
-          <a:p>
-            <a:pPr/>
-            <a:r>
-              <a:t>Detailed ROI calculations and assumptions</a:t>
-            </a:r>
-          </a:p>
-          <a:p>
-            <a:pPr/>
-            <a:r>
-              <a:t>Sensitivity analysis (best/worst case scenarios)</a:t>
-            </a:r>
-          </a:p>
-          <a:p>
-            <a:pPr/>
-            <a:r>
-              <a:t>Year-by-year cost and benefit breakdown</a:t>
-            </a:r>
-          </a:p>
-          <a:p>
-            <a:pPr/>
-            <a:r>
-              <a:t>Comparison to alternative solutions</a:t>
-            </a:r>
-          </a:p>
-          <a:p>
-            <a:pPr/>
-            <a:r>
-              <a:t>Detailed project plan with tasks and dependencies</a:t>
-            </a:r>
-          </a:p>
-          <a:p>
-            <a:pPr/>
-            <a:r>
-              <a:t>Resource requirements by phase</a:t>
-            </a:r>
-          </a:p>
-          <a:p>
-            <a:pPr/>
-            <a:r>
-              <a:t>Critical path analysis</a:t>
-            </a:r>
-          </a:p>
-          <a:p>
-            <a:pPr/>
-            <a:r>
-              <a:t>Risk management plan</a:t>
-            </a:r>
-          </a:p>
-          <a:p>
-            <a:pPr/>
-            <a:r>
-              <a:t>Comprehensive risk analysis (technical, business, organizational)</a:t>
-            </a:r>
-          </a:p>
-          <a:p>
-            <a:pPr/>
-            <a:r>
-              <a:t>Mitigation strategies for each identified risk</a:t>
-            </a:r>
-          </a:p>
-          <a:p>
-            <a:pPr/>
-            <a:r>
-              <a:t>Contingency plans and rollback procedures</a:t>
-            </a:r>
-          </a:p>
-          <a:p>
-            <a:pPr/>
-            <a:r>
-              <a:t>Success probability assessments</a:t>
-            </a:r>
-          </a:p>
-          <a:p>
-            <a:pPr/>
-            <a:r>
-              <a:t>Detailed customer success stories with quantified results</a:t>
-            </a:r>
-          </a:p>
-          <a:p>
-            <a:pPr/>
-            <a:r>
-              <a:t>Industry-specific implementations</a:t>
-            </a:r>
-          </a:p>
-          <a:p>
-            <a:pPr/>
-            <a:r>
-              <a:t>Client testimonials and references</a:t>
-            </a:r>
-          </a:p>
-          <a:p>
-            <a:pPr/>
-            <a:r>
-              <a:t>Awards and recognition</a:t>
-            </a:r>
-          </a:p>
-          <a:p>
-            <a:pPr/>
-            <a:r>
-              <a:t>Company brand colors and fonts</a:t>
-            </a:r>
-          </a:p>
-          <a:p>
-            <a:pPr/>
-            <a:r>
-              <a:t>Consistent slide layout and formatting</a:t>
-            </a:r>
-          </a:p>
-          <a:p>
-            <a:pPr/>
-            <a:r>
-              <a:t>Professional graphics and icons for AWS services</a:t>
-            </a:r>
-          </a:p>
-          <a:p>
-            <a:pPr/>
-            <a:r>
-              <a:t>Client logo on each slide</a:t>
-            </a:r>
-          </a:p>
-          <a:p>
-            <a:pPr/>
-            <a:r>
-              <a:t>AWS services icons (Textract, Comprehend, A2I, Lambda, S3)</a:t>
-            </a:r>
-          </a:p>
-        </p:txBody>
-      </p:sp>
-      <p:pic>
-        <p:nvPicPr>
-          <p:cNvPr id="4" name="Picture Placeholder 3" descr="consulting_company_logo.png"/>
-          <p:cNvPicPr>
-            <a:picLocks noGrp="1" noChangeAspect="1"/>
-          </p:cNvPicPr>
-          <p:nvPr>
-            <p:ph type="pic" idx="13" sz="quarter"/>
-          </p:nvPr>
-        </p:nvPicPr>
-        <p:blipFill>
-          <a:blip r:embed="rId2"/>
-          <a:srcRect t="6762" b="6762"/>
-          <a:stretch>
-            <a:fillRect/>
-          </a:stretch>
-        </p:blipFill>
-        <p:spPr/>
-      </p:pic>
     </p:spTree>
   </p:cSld>
   <p:clrMapOvr>
@@ -4859,75 +4660,40 @@
           <a:lstStyle/>
           <a:p>
             <a:r>
-              <a:t>Slide 1: Title Slide</a:t>
-            </a:r>
-          </a:p>
-        </p:txBody>
-      </p:sp>
-      <p:sp>
-        <p:nvSpPr>
-          <p:cNvPr id="3" name="Text Placeholder 2"/>
-          <p:cNvSpPr>
-            <a:spLocks noGrp="1"/>
-          </p:cNvSpPr>
-          <p:nvPr>
-            <p:ph type="body" idx="11" sz="quarter"/>
+              <a:t>Slide 2: Agenda</a:t>
+            </a:r>
+          </a:p>
+        </p:txBody>
+      </p:sp>
+      <p:sp>
+        <p:nvSpPr>
+          <p:cNvPr id="3" name="Picture Placeholder 2"/>
+          <p:cNvSpPr>
+            <a:spLocks noGrp="1"/>
+          </p:cNvSpPr>
+          <p:nvPr>
+            <p:ph type="pic" idx="13" sz="quarter"/>
           </p:nvPr>
         </p:nvSpPr>
         <p:spPr/>
+      </p:sp>
+      <p:sp>
+        <p:nvSpPr>
+          <p:cNvPr id="4" name="Text Placeholder 3"/>
+          <p:cNvSpPr>
+            <a:spLocks noGrp="1"/>
+          </p:cNvSpPr>
+          <p:nvPr>
+            <p:ph type="body" idx="14" sz="quarter"/>
+          </p:nvPr>
+        </p:nvSpPr>
+        <p:spPr/>
         <p:txBody>
           <a:bodyPr/>
           <a:lstStyle/>
-          <a:p>
-            <a:r>
-              <a:t>Transforming Manual Processes with AI Automation</a:t>
-            </a:r>
-          </a:p>
-          <a:p>
-            <a:pPr/>
-            <a:r>
-              <a:t>Prepared for: [Client Name]</a:t>
-            </a:r>
-          </a:p>
-          <a:p>
-            <a:pPr/>
-            <a:r>
-              <a:t>Presented by: [Your Name, Title]</a:t>
-            </a:r>
-          </a:p>
-          <a:p>
-            <a:pPr/>
-            <a:r>
-              <a:t>Date: [Presentation Date]</a:t>
-            </a:r>
-          </a:p>
-          <a:p>
-            <a:pPr/>
-            <a:r>
-              <a:t>Company Logo</a:t>
-            </a:r>
-          </a:p>
-        </p:txBody>
-      </p:sp>
-      <p:pic>
-        <p:nvPicPr>
-          <p:cNvPr id="4" name="Picture Placeholder 3" descr="consulting_company_logo.png"/>
-          <p:cNvPicPr>
-            <a:picLocks noGrp="1" noChangeAspect="1"/>
-          </p:cNvPicPr>
-          <p:nvPr>
-            <p:ph type="pic" idx="13" sz="quarter"/>
-          </p:nvPr>
-        </p:nvPicPr>
-        <p:blipFill>
-          <a:blip r:embed="rId2"/>
-          <a:srcRect t="6762" b="6762"/>
-          <a:stretch>
-            <a:fillRect/>
-          </a:stretch>
-        </p:blipFill>
-        <p:spPr/>
-      </p:pic>
+          <a:p/>
+        </p:txBody>
+      </p:sp>
     </p:spTree>
   </p:cSld>
   <p:clrMapOvr>
@@ -4962,75 +4728,160 @@
           <a:lstStyle/>
           <a:p>
             <a:r>
-              <a:t>Slide 2: Agenda</a:t>
-            </a:r>
-          </a:p>
-        </p:txBody>
-      </p:sp>
-      <p:sp>
-        <p:nvSpPr>
-          <p:cNvPr id="3" name="Text Placeholder 2"/>
-          <p:cNvSpPr>
-            <a:spLocks noGrp="1"/>
-          </p:cNvSpPr>
-          <p:nvPr>
-            <p:ph type="body" idx="11" sz="quarter"/>
+              <a:t>Slide 3: Business Challenge &amp; Impact</a:t>
+            </a:r>
+          </a:p>
+        </p:txBody>
+      </p:sp>
+      <p:sp>
+        <p:nvSpPr>
+          <p:cNvPr id="3" name="Picture Placeholder 2"/>
+          <p:cNvSpPr>
+            <a:spLocks noGrp="1"/>
+          </p:cNvSpPr>
+          <p:nvPr>
+            <p:ph type="pic" idx="13" sz="quarter"/>
           </p:nvPr>
         </p:nvSpPr>
         <p:spPr/>
+      </p:sp>
+      <p:sp>
+        <p:nvSpPr>
+          <p:cNvPr id="4" name="Text Placeholder 3"/>
+          <p:cNvSpPr>
+            <a:spLocks noGrp="1"/>
+          </p:cNvSpPr>
+          <p:nvPr>
+            <p:ph type="body" idx="14" sz="quarter"/>
+          </p:nvPr>
+        </p:nvSpPr>
+        <p:spPr/>
         <p:txBody>
           <a:bodyPr/>
           <a:lstStyle/>
           <a:p>
-            <a:r>
-              <a:t>Business Challenge &amp; Strategic Context</a:t>
-            </a:r>
-          </a:p>
-          <a:p>
-            <a:pPr/>
-            <a:r>
-              <a:t>Proposed Solution Overview</a:t>
-            </a:r>
-          </a:p>
-          <a:p>
-            <a:pPr/>
-            <a:r>
-              <a:t>Business Value &amp; Benefits</a:t>
-            </a:r>
-          </a:p>
-          <a:p>
-            <a:pPr/>
-            <a:r>
-              <a:t>Implementation Approach</a:t>
-            </a:r>
-          </a:p>
-          <a:p>
-            <a:pPr/>
-            <a:r>
-              <a:t>Investment &amp; Next Steps</a:t>
-            </a:r>
-          </a:p>
-        </p:txBody>
-      </p:sp>
-      <p:pic>
-        <p:nvPicPr>
-          <p:cNvPr id="4" name="Picture Placeholder 3" descr="consulting_company_logo.png"/>
-          <p:cNvPicPr>
-            <a:picLocks noGrp="1" noChangeAspect="1"/>
-          </p:cNvPicPr>
-          <p:nvPr>
-            <p:ph type="pic" idx="13" sz="quarter"/>
-          </p:nvPr>
-        </p:nvPicPr>
-        <p:blipFill>
-          <a:blip r:embed="rId2"/>
-          <a:srcRect t="6762" b="6762"/>
-          <a:stretch>
-            <a:fillRect/>
-          </a:stretch>
-        </p:blipFill>
-        <p:spPr/>
-      </p:pic>
+            <a:pPr/>
+            <a:r>
+              <a:rPr>
+                <a:solidFill>
+                  <a:srgbClr val="000000"/>
+                </a:solidFill>
+              </a:rPr>
+              <a:t>Manual processing of thousands of documents creates operational bottlenecks</a:t>
+            </a:r>
+          </a:p>
+          <a:p>
+            <a:pPr/>
+            <a:r>
+              <a:rPr>
+                <a:solidFill>
+                  <a:srgbClr val="000000"/>
+                </a:solidFill>
+              </a:rPr>
+              <a:t>High labor costs and processing delays impact business competitiveness</a:t>
+            </a:r>
+          </a:p>
+          <a:p>
+            <a:pPr/>
+            <a:r>
+              <a:rPr>
+                <a:solidFill>
+                  <a:srgbClr val="000000"/>
+                </a:solidFill>
+              </a:rPr>
+              <a:t>Human errors in data entry require costly rework and corrections</a:t>
+            </a:r>
+          </a:p>
+          <a:p>
+            <a:pPr/>
+            <a:r>
+              <a:rPr>
+                <a:solidFill>
+                  <a:srgbClr val="000000"/>
+                </a:solidFill>
+              </a:rPr>
+              <a:t>Processing Bottlenecks: Average processing time of hours per document</a:t>
+            </a:r>
+          </a:p>
+          <a:p>
+            <a:pPr/>
+            <a:r>
+              <a:rPr>
+                <a:solidFill>
+                  <a:srgbClr val="000000"/>
+                </a:solidFill>
+              </a:rPr>
+              <a:t>High Error Rates: Manual data entry errors requiring costly rework</a:t>
+            </a:r>
+          </a:p>
+          <a:p>
+            <a:pPr/>
+            <a:r>
+              <a:rPr>
+                <a:solidFill>
+                  <a:srgbClr val="000000"/>
+                </a:solidFill>
+              </a:rPr>
+              <a:t>Resource Intensive: Skilled employees performing repetitive, low-value tasks</a:t>
+            </a:r>
+          </a:p>
+          <a:p>
+            <a:pPr/>
+            <a:r>
+              <a:rPr>
+                <a:solidFill>
+                  <a:srgbClr val="000000"/>
+                </a:solidFill>
+              </a:rPr>
+              <a:t>Scalability Limits: Cannot handle volume fluctuations or business growth</a:t>
+            </a:r>
+          </a:p>
+          <a:p>
+            <a:pPr/>
+            <a:r>
+              <a:rPr>
+                <a:solidFill>
+                  <a:srgbClr val="000000"/>
+                </a:solidFill>
+              </a:rPr>
+              <a:t>Labor Costs: $[Amount] annually for document processing staff</a:t>
+            </a:r>
+          </a:p>
+          <a:p>
+            <a:pPr/>
+            <a:r>
+              <a:rPr>
+                <a:solidFill>
+                  <a:srgbClr val="000000"/>
+                </a:solidFill>
+              </a:rPr>
+              <a:t>Error Costs: $[Amount] annually for rework and corrections</a:t>
+            </a:r>
+          </a:p>
+          <a:p>
+            <a:pPr/>
+            <a:r>
+              <a:rPr>
+                <a:solidFill>
+                  <a:srgbClr val="000000"/>
+                </a:solidFill>
+              </a:rPr>
+              <a:t>Delay Costs: Processing delays impact customer satisfaction and revenue</a:t>
+            </a:r>
+          </a:p>
+          <a:p>
+            <a:pPr/>
+            <a:r>
+              <a:rPr>
+                <a:solidFill>
+                  <a:srgbClr val="000000"/>
+                </a:solidFill>
+              </a:rPr>
+              <a:t>Opportunity Costs: Staff could be redeployed to higher-value activities</a:t>
+            </a:r>
+          </a:p>
+        </p:txBody>
+      </p:sp>
     </p:spTree>
   </p:cSld>
   <p:clrMapOvr>
@@ -5065,111 +4916,127 @@
           <a:lstStyle/>
           <a:p>
             <a:r>
-              <a:t>Slide 3: Business Challenge &amp; Impact</a:t>
-            </a:r>
-          </a:p>
-        </p:txBody>
-      </p:sp>
-      <p:sp>
-        <p:nvSpPr>
-          <p:cNvPr id="3" name="Text Placeholder 2"/>
-          <p:cNvSpPr>
-            <a:spLocks noGrp="1"/>
-          </p:cNvSpPr>
-          <p:nvPr>
-            <p:ph type="body" idx="11" sz="quarter"/>
+              <a:t>Slide 4: Success Framework</a:t>
+            </a:r>
+          </a:p>
+        </p:txBody>
+      </p:sp>
+      <p:sp>
+        <p:nvSpPr>
+          <p:cNvPr id="3" name="Picture Placeholder 2"/>
+          <p:cNvSpPr>
+            <a:spLocks noGrp="1"/>
+          </p:cNvSpPr>
+          <p:nvPr>
+            <p:ph type="pic" idx="13" sz="quarter"/>
           </p:nvPr>
         </p:nvSpPr>
         <p:spPr/>
+      </p:sp>
+      <p:sp>
+        <p:nvSpPr>
+          <p:cNvPr id="4" name="Text Placeholder 3"/>
+          <p:cNvSpPr>
+            <a:spLocks noGrp="1"/>
+          </p:cNvSpPr>
+          <p:nvPr>
+            <p:ph type="body" idx="14" sz="quarter"/>
+          </p:nvPr>
+        </p:nvSpPr>
+        <p:spPr/>
         <p:txBody>
           <a:bodyPr/>
           <a:lstStyle/>
           <a:p>
-            <a:r>
-              <a:t>Manual processing of thousands of documents creates operational bottlenecks</a:t>
-            </a:r>
-          </a:p>
-          <a:p>
-            <a:pPr/>
-            <a:r>
-              <a:t>High labor costs and processing delays impact business competitiveness</a:t>
-            </a:r>
-          </a:p>
-          <a:p>
-            <a:pPr/>
-            <a:r>
-              <a:t>Human errors in data entry require costly rework and corrections</a:t>
-            </a:r>
-          </a:p>
-          <a:p>
-            <a:pPr/>
-            <a:r>
-              <a:t>Processing Bottlenecks: Average processing time of hours per document</a:t>
-            </a:r>
-          </a:p>
-          <a:p>
-            <a:pPr/>
-            <a:r>
-              <a:t>High Error Rates: Manual data entry errors requiring costly rework</a:t>
-            </a:r>
-          </a:p>
-          <a:p>
-            <a:pPr/>
-            <a:r>
-              <a:t>Resource Intensive: Skilled employees performing repetitive, low-value tasks</a:t>
-            </a:r>
-          </a:p>
-          <a:p>
-            <a:pPr/>
-            <a:r>
-              <a:t>Scalability Limits: Cannot handle volume fluctuations or business growth</a:t>
-            </a:r>
-          </a:p>
-          <a:p>
-            <a:pPr/>
-            <a:r>
-              <a:t>Labor Costs: $[Amount] annually for document processing staff</a:t>
-            </a:r>
-          </a:p>
-          <a:p>
-            <a:pPr/>
-            <a:r>
-              <a:t>Error Costs: $[Amount] annually for rework and corrections</a:t>
-            </a:r>
-          </a:p>
-          <a:p>
-            <a:pPr/>
-            <a:r>
-              <a:t>Delay Costs: Processing delays impact customer satisfaction and revenue</a:t>
-            </a:r>
-          </a:p>
-          <a:p>
-            <a:pPr/>
-            <a:r>
-              <a:t>Opportunity Costs: Staff could be redeployed to higher-value activities</a:t>
-            </a:r>
-          </a:p>
-        </p:txBody>
-      </p:sp>
-      <p:pic>
-        <p:nvPicPr>
-          <p:cNvPr id="4" name="Picture Placeholder 3" descr="consulting_company_logo.png"/>
-          <p:cNvPicPr>
-            <a:picLocks noGrp="1" noChangeAspect="1"/>
-          </p:cNvPicPr>
-          <p:nvPr>
-            <p:ph type="pic" idx="13" sz="quarter"/>
-          </p:nvPr>
-        </p:nvPicPr>
-        <p:blipFill>
-          <a:blip r:embed="rId2"/>
-          <a:srcRect t="6762" b="6762"/>
-          <a:stretch>
-            <a:fillRect/>
-          </a:stretch>
-        </p:blipFill>
-        <p:spPr/>
-      </p:pic>
+            <a:pPr/>
+            <a:r>
+              <a:rPr>
+                <a:solidFill>
+                  <a:srgbClr val="000000"/>
+                </a:solidFill>
+              </a:rPr>
+              <a:t>Operations Team: Seeking to eliminate manual data entry and reduce errors</a:t>
+            </a:r>
+          </a:p>
+          <a:p>
+            <a:pPr/>
+            <a:r>
+              <a:rPr>
+                <a:solidFill>
+                  <a:srgbClr val="000000"/>
+                </a:solidFill>
+              </a:rPr>
+              <a:t>IT Leadership: Looking for scalable, secure AI/ML automation platform</a:t>
+            </a:r>
+          </a:p>
+          <a:p>
+            <a:pPr/>
+            <a:r>
+              <a:rPr>
+                <a:solidFill>
+                  <a:srgbClr val="000000"/>
+                </a:solidFill>
+              </a:rPr>
+              <a:t>Finance: Focused on cost reduction and ROI realization</a:t>
+            </a:r>
+          </a:p>
+          <a:p>
+            <a:pPr/>
+            <a:r>
+              <a:rPr>
+                <a:solidFill>
+                  <a:srgbClr val="000000"/>
+                </a:solidFill>
+              </a:rPr>
+              <a:t>Compliance: Ensuring data security and regulatory requirements are met</a:t>
+            </a:r>
+          </a:p>
+          <a:p>
+            <a:pPr/>
+            <a:r>
+              <a:rPr>
+                <a:solidFill>
+                  <a:srgbClr val="000000"/>
+                </a:solidFill>
+              </a:rPr>
+              <a:t>95%+ Data Extraction Accuracy: AI-powered extraction meets quality standards</a:t>
+            </a:r>
+          </a:p>
+          <a:p>
+            <a:pPr/>
+            <a:r>
+              <a:rPr>
+                <a:solidFill>
+                  <a:srgbClr val="000000"/>
+                </a:solidFill>
+              </a:rPr>
+              <a:t>90% Processing Time Reduction: Hours to minutes for document processing</a:t>
+            </a:r>
+          </a:p>
+          <a:p>
+            <a:pPr/>
+            <a:r>
+              <a:rPr>
+                <a:solidFill>
+                  <a:srgbClr val="000000"/>
+                </a:solidFill>
+              </a:rPr>
+              <a:t>70% Cost Savings: Significant reduction in document operations costs</a:t>
+            </a:r>
+          </a:p>
+          <a:p>
+            <a:pPr/>
+            <a:r>
+              <a:rPr>
+                <a:solidFill>
+                  <a:srgbClr val="000000"/>
+                </a:solidFill>
+              </a:rPr>
+              <a:t>6-Month Implementation: Rapid time-to-value with phased deployment</a:t>
+            </a:r>
+          </a:p>
+        </p:txBody>
+      </p:sp>
     </p:spTree>
   </p:cSld>
   <p:clrMapOvr>
@@ -5204,7 +5071,7 @@
           <a:lstStyle/>
           <a:p>
             <a:r>
-              <a:t>Slide 4: Success Framework</a:t>
+              <a:t>Slide 5: Solution Overview</a:t>
             </a:r>
           </a:p>
         </p:txBody>
@@ -5224,73 +5091,125 @@
           <a:bodyPr/>
           <a:lstStyle/>
           <a:p>
-            <a:r>
-              <a:t>Operations Team: Seeking to eliminate manual data entry and reduce errors</a:t>
-            </a:r>
-          </a:p>
-          <a:p>
-            <a:pPr/>
-            <a:r>
-              <a:t>IT Leadership: Looking for scalable, secure AI/ML automation platform</a:t>
-            </a:r>
-          </a:p>
-          <a:p>
-            <a:pPr/>
-            <a:r>
-              <a:t>Finance: Focused on cost reduction and ROI realization</a:t>
-            </a:r>
-          </a:p>
-          <a:p>
-            <a:pPr/>
-            <a:r>
-              <a:t>Compliance: Ensuring data security and regulatory requirements are met</a:t>
-            </a:r>
-          </a:p>
-          <a:p>
-            <a:pPr/>
-            <a:r>
-              <a:t>95%+ Data Extraction Accuracy: AI-powered extraction meets quality standards</a:t>
-            </a:r>
-          </a:p>
-          <a:p>
-            <a:pPr/>
-            <a:r>
-              <a:t>90% Processing Time Reduction: Hours to minutes for document processing</a:t>
-            </a:r>
-          </a:p>
-          <a:p>
-            <a:pPr/>
-            <a:r>
-              <a:t>70% Cost Savings: Significant reduction in document operations costs</a:t>
-            </a:r>
-          </a:p>
-          <a:p>
-            <a:pPr/>
-            <a:r>
-              <a:t>6-Month Implementation: Rapid time-to-value with phased deployment</a:t>
-            </a:r>
-          </a:p>
-        </p:txBody>
-      </p:sp>
-      <p:pic>
-        <p:nvPicPr>
-          <p:cNvPr id="4" name="Picture Placeholder 3" descr="consulting_company_logo.png"/>
-          <p:cNvPicPr>
-            <a:picLocks noGrp="1" noChangeAspect="1"/>
-          </p:cNvPicPr>
-          <p:nvPr>
-            <p:ph type="pic" idx="13" sz="quarter"/>
-          </p:nvPr>
-        </p:nvPicPr>
-        <p:blipFill>
-          <a:blip r:embed="rId2"/>
-          <a:srcRect t="6762" b="6762"/>
-          <a:stretch>
-            <a:fillRect/>
-          </a:stretch>
-        </p:blipFill>
+            <a:pPr/>
+            <a:r>
+              <a:rPr>
+                <a:solidFill>
+                  <a:srgbClr val="000000"/>
+                </a:solidFill>
+              </a:rPr>
+              <a:t>Amazon Textract: Advanced OCR and document analysis for forms, tables, and text extraction</a:t>
+            </a:r>
+          </a:p>
+          <a:p>
+            <a:pPr/>
+            <a:r>
+              <a:rPr>
+                <a:solidFill>
+                  <a:srgbClr val="000000"/>
+                </a:solidFill>
+              </a:rPr>
+              <a:t>Amazon Comprehend: Natural language processing and entity recognition</a:t>
+            </a:r>
+          </a:p>
+          <a:p>
+            <a:pPr/>
+            <a:r>
+              <a:rPr>
+                <a:solidFill>
+                  <a:srgbClr val="000000"/>
+                </a:solidFill>
+              </a:rPr>
+              <a:t>Amazon A2I (Augmented AI): Human-in-the-loop quality assurance for low-confidence results</a:t>
+            </a:r>
+          </a:p>
+          <a:p>
+            <a:pPr/>
+            <a:r>
+              <a:rPr>
+                <a:solidFill>
+                  <a:srgbClr val="000000"/>
+                </a:solidFill>
+              </a:rPr>
+              <a:t>Serverless Architecture: AWS Lambda, S3, DynamoDB for scalable processing</a:t>
+            </a:r>
+          </a:p>
+          <a:p>
+            <a:pPr/>
+            <a:r>
+              <a:rPr>
+                <a:solidFill>
+                  <a:srgbClr val="000000"/>
+                </a:solidFill>
+              </a:rPr>
+              <a:t>Document Processing Pipeline: Automated ingestion, analysis, validation, and integration</a:t>
+            </a:r>
+          </a:p>
+          <a:p>
+            <a:pPr/>
+            <a:r>
+              <a:rPr>
+                <a:solidFill>
+                  <a:srgbClr val="000000"/>
+                </a:solidFill>
+              </a:rPr>
+              <a:t>API Gateway: REST APIs for document submission and results retrieval</a:t>
+            </a:r>
+          </a:p>
+          <a:p>
+            <a:pPr/>
+            <a:r>
+              <a:rPr>
+                <a:solidFill>
+                  <a:srgbClr val="000000"/>
+                </a:solidFill>
+              </a:rPr>
+              <a:t>Monitoring &amp; Security: CloudWatch monitoring, CloudTrail audit logs, encryption at rest and in transit</a:t>
+            </a:r>
+          </a:p>
+        </p:txBody>
+      </p:sp>
+      <p:sp>
+        <p:nvSpPr>
+          <p:cNvPr id="4" name="Text Placeholder 3"/>
+          <p:cNvSpPr>
+            <a:spLocks noGrp="1"/>
+          </p:cNvSpPr>
+          <p:nvPr>
+            <p:ph type="body" idx="13" sz="quarter"/>
+          </p:nvPr>
+        </p:nvSpPr>
         <p:spPr/>
-      </p:pic>
+        <p:txBody>
+          <a:bodyPr/>
+          <a:lstStyle/>
+          <a:p/>
+        </p:txBody>
+      </p:sp>
+      <p:sp>
+        <p:nvSpPr>
+          <p:cNvPr id="5" name="Picture Placeholder 4"/>
+          <p:cNvSpPr>
+            <a:spLocks noGrp="1"/>
+          </p:cNvSpPr>
+          <p:nvPr>
+            <p:ph type="pic" idx="14" sz="quarter"/>
+          </p:nvPr>
+        </p:nvSpPr>
+        <p:spPr/>
+      </p:sp>
+      <p:sp>
+        <p:nvSpPr>
+          <p:cNvPr id="6" name="Picture Placeholder 5"/>
+          <p:cNvSpPr>
+            <a:spLocks noGrp="1"/>
+          </p:cNvSpPr>
+          <p:nvPr>
+            <p:ph type="pic" idx="15" sz="quarter"/>
+          </p:nvPr>
+        </p:nvSpPr>
+        <p:spPr/>
+      </p:sp>
     </p:spTree>
   </p:cSld>
   <p:clrMapOvr>
@@ -5325,7 +5244,7 @@
           <a:lstStyle/>
           <a:p>
             <a:r>
-              <a:t>Slide 5: Solution Overview</a:t>
+              <a:t>Slide 6: Why This Solution?</a:t>
             </a:r>
           </a:p>
         </p:txBody>
@@ -5345,67 +5264,135 @@
           <a:bodyPr/>
           <a:lstStyle/>
           <a:p>
-            <a:r>
-              <a:t>Amazon Textract: Advanced OCR and document analysis for forms, tables, and text extraction</a:t>
-            </a:r>
-          </a:p>
-          <a:p>
-            <a:pPr/>
-            <a:r>
-              <a:t>Amazon Comprehend: Natural language processing and entity recognition</a:t>
-            </a:r>
-          </a:p>
-          <a:p>
-            <a:pPr/>
-            <a:r>
-              <a:t>Amazon A2I (Augmented AI): Human-in-the-loop quality assurance for low-confidence results</a:t>
-            </a:r>
-          </a:p>
-          <a:p>
-            <a:pPr/>
-            <a:r>
-              <a:t>Serverless Architecture: AWS Lambda, S3, DynamoDB for scalable processing</a:t>
-            </a:r>
-          </a:p>
-          <a:p>
-            <a:pPr/>
-            <a:r>
-              <a:t>Document Processing Pipeline: Automated ingestion, analysis, validation, and integration</a:t>
-            </a:r>
-          </a:p>
-          <a:p>
-            <a:pPr/>
-            <a:r>
-              <a:t>API Gateway: REST APIs for document submission and results retrieval</a:t>
-            </a:r>
-          </a:p>
-          <a:p>
-            <a:pPr/>
-            <a:r>
-              <a:t>Monitoring &amp; Security: CloudWatch monitoring, CloudTrail audit logs, encryption at rest and in transit</a:t>
-            </a:r>
-          </a:p>
-        </p:txBody>
-      </p:sp>
-      <p:pic>
-        <p:nvPicPr>
-          <p:cNvPr id="4" name="Picture Placeholder 3" descr="consulting_company_logo.png"/>
-          <p:cNvPicPr>
-            <a:picLocks noGrp="1" noChangeAspect="1"/>
-          </p:cNvPicPr>
-          <p:nvPr>
-            <p:ph type="pic" idx="13" sz="quarter"/>
-          </p:nvPr>
-        </p:nvPicPr>
-        <p:blipFill>
-          <a:blip r:embed="rId2"/>
-          <a:srcRect t="6762" b="6762"/>
-          <a:stretch>
-            <a:fillRect/>
-          </a:stretch>
-        </p:blipFill>
+            <a:pPr/>
+            <a:r>
+              <a:rPr>
+                <a:solidFill>
+                  <a:srgbClr val="000000"/>
+                </a:solidFill>
+              </a:rPr>
+              <a:t>Financial Services: 90% processing time reduction, $2M annual savings, 340% ROI</a:t>
+            </a:r>
+          </a:p>
+          <a:p>
+            <a:pPr/>
+            <a:r>
+              <a:rPr>
+                <a:solidFill>
+                  <a:srgbClr val="000000"/>
+                </a:solidFill>
+              </a:rPr>
+              <a:t>Healthcare: 95% accuracy with HIPAA compliance, 80% cost reduction, 280% ROI</a:t>
+            </a:r>
+          </a:p>
+          <a:p>
+            <a:pPr/>
+            <a:r>
+              <a:rPr>
+                <a:solidFill>
+                  <a:srgbClr val="000000"/>
+                </a:solidFill>
+              </a:rPr>
+              <a:t>Government: 24/7 processing capability, 85% staff redeployment, 250% ROI</a:t>
+            </a:r>
+          </a:p>
+        </p:txBody>
+      </p:sp>
+      <p:sp>
+        <p:nvSpPr>
+          <p:cNvPr id="4" name="Text Placeholder 3"/>
+          <p:cNvSpPr>
+            <a:spLocks noGrp="1"/>
+          </p:cNvSpPr>
+          <p:nvPr>
+            <p:ph type="body" idx="12" sz="quarter"/>
+          </p:nvPr>
+        </p:nvSpPr>
         <p:spPr/>
-      </p:pic>
+        <p:txBody>
+          <a:bodyPr/>
+          <a:lstStyle/>
+          <a:p>
+            <a:pPr/>
+            <a:r>
+              <a:rPr>
+                <a:solidFill>
+                  <a:srgbClr val="000000"/>
+                </a:solidFill>
+              </a:rPr>
+              <a:t>AWS Textract and Comprehend used by Fortune 500 companies</a:t>
+            </a:r>
+          </a:p>
+          <a:p>
+            <a:pPr/>
+            <a:r>
+              <a:rPr>
+                <a:solidFill>
+                  <a:srgbClr val="000000"/>
+                </a:solidFill>
+              </a:rPr>
+              <a:t>99.9% uptime with global infrastructure</a:t>
+            </a:r>
+          </a:p>
+          <a:p>
+            <a:pPr/>
+            <a:r>
+              <a:rPr>
+                <a:solidFill>
+                  <a:srgbClr val="000000"/>
+                </a:solidFill>
+              </a:rPr>
+              <a:t>Enterprise-grade security and compliance (SOC 2, GDPR, HIPAA ready)</a:t>
+            </a:r>
+          </a:p>
+        </p:txBody>
+      </p:sp>
+      <p:sp>
+        <p:nvSpPr>
+          <p:cNvPr id="5" name="Text Placeholder 4"/>
+          <p:cNvSpPr>
+            <a:spLocks noGrp="1"/>
+          </p:cNvSpPr>
+          <p:nvPr>
+            <p:ph type="body" idx="13" sz="quarter"/>
+          </p:nvPr>
+        </p:nvSpPr>
+        <p:spPr/>
+        <p:txBody>
+          <a:bodyPr/>
+          <a:lstStyle/>
+          <a:p/>
+        </p:txBody>
+      </p:sp>
+      <p:sp>
+        <p:nvSpPr>
+          <p:cNvPr id="6" name="Picture Placeholder 5"/>
+          <p:cNvSpPr>
+            <a:spLocks noGrp="1"/>
+          </p:cNvSpPr>
+          <p:nvPr>
+            <p:ph type="pic" idx="14" sz="quarter"/>
+          </p:nvPr>
+        </p:nvSpPr>
+        <p:spPr/>
+      </p:sp>
+      <p:sp>
+        <p:nvSpPr>
+          <p:cNvPr id="7" name="Text Placeholder 6"/>
+          <p:cNvSpPr>
+            <a:spLocks noGrp="1"/>
+          </p:cNvSpPr>
+          <p:nvPr>
+            <p:ph type="body" idx="15" sz="quarter"/>
+          </p:nvPr>
+        </p:nvSpPr>
+        <p:spPr/>
+        <p:txBody>
+          <a:bodyPr/>
+          <a:lstStyle/>
+          <a:p/>
+        </p:txBody>
+      </p:sp>
     </p:spTree>
   </p:cSld>
   <p:clrMapOvr>
@@ -5440,81 +5427,237 @@
           <a:lstStyle/>
           <a:p>
             <a:r>
-              <a:t>Slide 6: Why This Solution?</a:t>
-            </a:r>
-          </a:p>
-        </p:txBody>
-      </p:sp>
-      <p:sp>
-        <p:nvSpPr>
-          <p:cNvPr id="3" name="Text Placeholder 2"/>
-          <p:cNvSpPr>
-            <a:spLocks noGrp="1"/>
-          </p:cNvSpPr>
-          <p:nvPr>
-            <p:ph type="body" idx="11" sz="quarter"/>
+              <a:t>Slide 7: Business Value - Strategic Benefits</a:t>
+            </a:r>
+          </a:p>
+        </p:txBody>
+      </p:sp>
+      <p:sp>
+        <p:nvSpPr>
+          <p:cNvPr id="3" name="Picture Placeholder 2"/>
+          <p:cNvSpPr>
+            <a:spLocks noGrp="1"/>
+          </p:cNvSpPr>
+          <p:nvPr>
+            <p:ph type="pic" idx="13" sz="quarter"/>
           </p:nvPr>
         </p:nvSpPr>
         <p:spPr/>
+      </p:sp>
+      <p:sp>
+        <p:nvSpPr>
+          <p:cNvPr id="4" name="Text Placeholder 3"/>
+          <p:cNvSpPr>
+            <a:spLocks noGrp="1"/>
+          </p:cNvSpPr>
+          <p:nvPr>
+            <p:ph type="body" idx="14" sz="quarter"/>
+          </p:nvPr>
+        </p:nvSpPr>
+        <p:spPr/>
         <p:txBody>
           <a:bodyPr/>
           <a:lstStyle/>
           <a:p>
-            <a:r>
-              <a:t>Financial Services: 90% processing time reduction, $2M annual savings, 340% ROI</a:t>
-            </a:r>
-          </a:p>
-          <a:p>
-            <a:pPr/>
-            <a:r>
-              <a:t>Healthcare: 95% accuracy with HIPAA compliance, 80% cost reduction, 280% ROI</a:t>
-            </a:r>
-          </a:p>
-          <a:p>
-            <a:pPr/>
-            <a:r>
-              <a:t>Government: 24/7 processing capability, 85% staff redeployment, 250% ROI</a:t>
-            </a:r>
-          </a:p>
-          <a:p>
-            <a:pPr/>
-            <a:r>
-              <a:t>AWS Textract and Comprehend used by Fortune 500 companies</a:t>
-            </a:r>
-          </a:p>
-          <a:p>
-            <a:pPr/>
-            <a:r>
-              <a:t>99.9% uptime with global infrastructure</a:t>
-            </a:r>
-          </a:p>
-          <a:p>
-            <a:pPr/>
-            <a:r>
-              <a:t>Enterprise-grade security and compliance (SOC 2, GDPR, HIPAA ready)</a:t>
-            </a:r>
-          </a:p>
-        </p:txBody>
-      </p:sp>
-      <p:pic>
-        <p:nvPicPr>
-          <p:cNvPr id="4" name="Picture Placeholder 3" descr="consulting_company_logo.png"/>
-          <p:cNvPicPr>
-            <a:picLocks noGrp="1" noChangeAspect="1"/>
-          </p:cNvPicPr>
-          <p:nvPr>
-            <p:ph type="pic" idx="13" sz="quarter"/>
-          </p:nvPr>
-        </p:nvPicPr>
-        <p:blipFill>
-          <a:blip r:embed="rId2"/>
-          <a:srcRect t="6762" b="6762"/>
-          <a:stretch>
-            <a:fillRect/>
-          </a:stretch>
-        </p:blipFill>
-        <p:spPr/>
-      </p:pic>
+            <a:pPr/>
+            <a:r>
+              <a:rPr>
+                <a:solidFill>
+                  <a:srgbClr val="000000"/>
+                </a:solidFill>
+              </a:rPr>
+              <a:t>Processing Speed: 95% reduction in document processing time (hours → minutes)</a:t>
+            </a:r>
+          </a:p>
+          <a:p>
+            <a:pPr/>
+            <a:r>
+              <a:rPr>
+                <a:solidFill>
+                  <a:srgbClr val="000000"/>
+                </a:solidFill>
+              </a:rPr>
+              <a:t>Accuracy Improvement: 99%+ data extraction accuracy vs 90-95% manual accuracy</a:t>
+            </a:r>
+          </a:p>
+          <a:p>
+            <a:pPr/>
+            <a:r>
+              <a:rPr>
+                <a:solidFill>
+                  <a:srgbClr val="000000"/>
+                </a:solidFill>
+              </a:rPr>
+              <a:t>24/7 Processing: Serverless architecture enables continuous operation</a:t>
+            </a:r>
+          </a:p>
+          <a:p>
+            <a:pPr/>
+            <a:r>
+              <a:rPr>
+                <a:solidFill>
+                  <a:srgbClr val="000000"/>
+                </a:solidFill>
+              </a:rPr>
+              <a:t>Scalability: Handle 10X volume growth without proportional cost increase</a:t>
+            </a:r>
+          </a:p>
+          <a:p>
+            <a:pPr/>
+            <a:r>
+              <a:rPr>
+                <a:solidFill>
+                  <a:srgbClr val="000000"/>
+                </a:solidFill>
+              </a:rPr>
+              <a:t>Labor Cost Savings: $[Amount] - Reduce processing staff by 70-80%</a:t>
+            </a:r>
+          </a:p>
+          <a:p>
+            <a:pPr/>
+            <a:r>
+              <a:rPr>
+                <a:solidFill>
+                  <a:srgbClr val="000000"/>
+                </a:solidFill>
+              </a:rPr>
+              <a:t>Error Reduction: $[Amount] - Eliminate costly rework and corrections</a:t>
+            </a:r>
+          </a:p>
+          <a:p>
+            <a:pPr/>
+            <a:r>
+              <a:rPr>
+                <a:solidFill>
+                  <a:srgbClr val="000000"/>
+                </a:solidFill>
+              </a:rPr>
+              <a:t>Efficiency Gains: $[Amount] - Staff redeployment to higher-value activities</a:t>
+            </a:r>
+          </a:p>
+          <a:p>
+            <a:pPr/>
+            <a:r>
+              <a:rPr>
+                <a:solidFill>
+                  <a:srgbClr val="000000"/>
+                </a:solidFill>
+              </a:rPr>
+              <a:t>Total Annual Benefit: $[Amount]</a:t>
+            </a:r>
+          </a:p>
+          <a:p>
+            <a:pPr/>
+            <a:r>
+              <a:rPr>
+                <a:solidFill>
+                  <a:srgbClr val="000000"/>
+                </a:solidFill>
+              </a:rPr>
+              <a:t>Faster Processing: Industry-leading turnaround times improve customer satisfaction</a:t>
+            </a:r>
+          </a:p>
+          <a:p>
+            <a:pPr/>
+            <a:r>
+              <a:rPr>
+                <a:solidFill>
+                  <a:srgbClr val="000000"/>
+                </a:solidFill>
+              </a:rPr>
+              <a:t>Cost Leadership: Lower cost structure enables competitive pricing</a:t>
+            </a:r>
+          </a:p>
+          <a:p>
+            <a:pPr/>
+            <a:r>
+              <a:rPr>
+                <a:solidFill>
+                  <a:srgbClr val="000000"/>
+                </a:solidFill>
+              </a:rPr>
+              <a:t>Innovation Platform: Foundation for additional AI/ML initiatives across organization</a:t>
+            </a:r>
+          </a:p>
+          <a:p>
+            <a:pPr/>
+            <a:r>
+              <a:rPr>
+                <a:solidFill>
+                  <a:srgbClr val="000000"/>
+                </a:solidFill>
+              </a:rPr>
+              <a:t>Audit Trail: Complete CloudTrail logging for compliance and tracking</a:t>
+            </a:r>
+          </a:p>
+          <a:p>
+            <a:pPr/>
+            <a:r>
+              <a:rPr>
+                <a:solidFill>
+                  <a:srgbClr val="000000"/>
+                </a:solidFill>
+              </a:rPr>
+              <a:t>Data Security: Encryption at rest and in transit, IAM-based access control</a:t>
+            </a:r>
+          </a:p>
+          <a:p>
+            <a:pPr/>
+            <a:r>
+              <a:rPr>
+                <a:solidFill>
+                  <a:srgbClr val="000000"/>
+                </a:solidFill>
+              </a:rPr>
+              <a:t>Business Continuity: Serverless architecture eliminates single points of failure</a:t>
+            </a:r>
+          </a:p>
+          <a:p>
+            <a:pPr/>
+            <a:r>
+              <a:rPr>
+                <a:solidFill>
+                  <a:srgbClr val="000000"/>
+                </a:solidFill>
+              </a:rPr>
+              <a:t>Compliance: SOC 2, GDPR, HIPAA-ready architecture</a:t>
+            </a:r>
+          </a:p>
+          <a:p>
+            <a:pPr/>
+            <a:r>
+              <a:rPr>
+                <a:solidFill>
+                  <a:srgbClr val="000000"/>
+                </a:solidFill>
+              </a:rPr>
+              <a:t>AI/ML Foundation: Platform for expanding automation to other business processes</a:t>
+            </a:r>
+          </a:p>
+          <a:p>
+            <a:pPr/>
+            <a:r>
+              <a:rPr>
+                <a:solidFill>
+                  <a:srgbClr val="000000"/>
+                </a:solidFill>
+              </a:rPr>
+              <a:t>Advanced Analytics: Document pattern analysis and insights from extracted data</a:t>
+            </a:r>
+          </a:p>
+          <a:p>
+            <a:pPr/>
+            <a:r>
+              <a:rPr>
+                <a:solidFill>
+                  <a:srgbClr val="000000"/>
+                </a:solidFill>
+              </a:rPr>
+              <a:t>Future Capabilities: Multi-language support, intelligent routing, predictive analytics</a:t>
+            </a:r>
+          </a:p>
+        </p:txBody>
+      </p:sp>
     </p:spTree>
   </p:cSld>
   <p:clrMapOvr>
@@ -5549,153 +5692,259 @@
           <a:lstStyle/>
           <a:p>
             <a:r>
-              <a:t>Slide 7: Business Value - Strategic Benefits</a:t>
-            </a:r>
-          </a:p>
-        </p:txBody>
-      </p:sp>
-      <p:sp>
-        <p:nvSpPr>
-          <p:cNvPr id="3" name="Text Placeholder 2"/>
-          <p:cNvSpPr>
-            <a:spLocks noGrp="1"/>
-          </p:cNvSpPr>
-          <p:nvPr>
-            <p:ph type="body" idx="11" sz="quarter"/>
+              <a:t>Slide 8: Implementation Approach</a:t>
+            </a:r>
+          </a:p>
+        </p:txBody>
+      </p:sp>
+      <p:sp>
+        <p:nvSpPr>
+          <p:cNvPr id="3" name="Picture Placeholder 2"/>
+          <p:cNvSpPr>
+            <a:spLocks noGrp="1"/>
+          </p:cNvSpPr>
+          <p:nvPr>
+            <p:ph type="pic" idx="13" sz="quarter"/>
           </p:nvPr>
         </p:nvSpPr>
         <p:spPr/>
+      </p:sp>
+      <p:sp>
+        <p:nvSpPr>
+          <p:cNvPr id="4" name="Text Placeholder 3"/>
+          <p:cNvSpPr>
+            <a:spLocks noGrp="1"/>
+          </p:cNvSpPr>
+          <p:nvPr>
+            <p:ph type="body" idx="14" sz="quarter"/>
+          </p:nvPr>
+        </p:nvSpPr>
+        <p:spPr/>
         <p:txBody>
           <a:bodyPr/>
           <a:lstStyle/>
           <a:p>
-            <a:r>
-              <a:t>Processing Speed: 95% reduction in document processing time (hours → minutes)</a:t>
-            </a:r>
-          </a:p>
-          <a:p>
-            <a:pPr/>
-            <a:r>
-              <a:t>Accuracy Improvement: 99%+ data extraction accuracy vs 90-95% manual accuracy</a:t>
-            </a:r>
-          </a:p>
-          <a:p>
-            <a:pPr/>
-            <a:r>
-              <a:t>24/7 Processing: Serverless architecture enables continuous operation</a:t>
-            </a:r>
-          </a:p>
-          <a:p>
-            <a:pPr/>
-            <a:r>
-              <a:t>Scalability: Handle 10X volume growth without proportional cost increase</a:t>
-            </a:r>
-          </a:p>
-          <a:p>
-            <a:pPr/>
-            <a:r>
-              <a:t>Labor Cost Savings: $[Amount] - Reduce processing staff by 70-80%</a:t>
-            </a:r>
-          </a:p>
-          <a:p>
-            <a:pPr/>
-            <a:r>
-              <a:t>Error Reduction: $[Amount] - Eliminate costly rework and corrections</a:t>
-            </a:r>
-          </a:p>
-          <a:p>
-            <a:pPr/>
-            <a:r>
-              <a:t>Efficiency Gains: $[Amount] - Staff redeployment to higher-value activities</a:t>
-            </a:r>
-          </a:p>
-          <a:p>
-            <a:pPr/>
-            <a:r>
-              <a:t>Total Annual Benefit: $[Amount]</a:t>
-            </a:r>
-          </a:p>
-          <a:p>
-            <a:pPr/>
-            <a:r>
-              <a:t>Faster Processing: Industry-leading turnaround times improve customer satisfaction</a:t>
-            </a:r>
-          </a:p>
-          <a:p>
-            <a:pPr/>
-            <a:r>
-              <a:t>Cost Leadership: Lower cost structure enables competitive pricing</a:t>
-            </a:r>
-          </a:p>
-          <a:p>
-            <a:pPr/>
-            <a:r>
-              <a:t>Innovation Platform: Foundation for additional AI/ML initiatives across organization</a:t>
-            </a:r>
-          </a:p>
-          <a:p>
-            <a:pPr/>
-            <a:r>
-              <a:t>Audit Trail: Complete CloudTrail logging for compliance and tracking</a:t>
-            </a:r>
-          </a:p>
-          <a:p>
-            <a:pPr/>
-            <a:r>
-              <a:t>Data Security: Encryption at rest and in transit, IAM-based access control</a:t>
-            </a:r>
-          </a:p>
-          <a:p>
-            <a:pPr/>
-            <a:r>
-              <a:t>Business Continuity: Serverless architecture eliminates single points of failure</a:t>
-            </a:r>
-          </a:p>
-          <a:p>
-            <a:pPr/>
-            <a:r>
-              <a:t>Compliance: SOC 2, GDPR, HIPAA-ready architecture</a:t>
-            </a:r>
-          </a:p>
-          <a:p>
-            <a:pPr/>
-            <a:r>
-              <a:t>AI/ML Foundation: Platform for expanding automation to other business processes</a:t>
-            </a:r>
-          </a:p>
-          <a:p>
-            <a:pPr/>
-            <a:r>
-              <a:t>Advanced Analytics: Document pattern analysis and insights from extracted data</a:t>
-            </a:r>
-          </a:p>
-          <a:p>
-            <a:pPr/>
-            <a:r>
-              <a:t>Future Capabilities: Multi-language support, intelligent routing, predictive analytics</a:t>
-            </a:r>
-          </a:p>
-        </p:txBody>
-      </p:sp>
-      <p:pic>
-        <p:nvPicPr>
-          <p:cNvPr id="4" name="Picture Placeholder 3" descr="consulting_company_logo.png"/>
-          <p:cNvPicPr>
-            <a:picLocks noGrp="1" noChangeAspect="1"/>
-          </p:cNvPicPr>
-          <p:nvPr>
-            <p:ph type="pic" idx="13" sz="quarter"/>
-          </p:nvPr>
-        </p:nvPicPr>
-        <p:blipFill>
-          <a:blip r:embed="rId2"/>
-          <a:srcRect t="6762" b="6762"/>
-          <a:stretch>
-            <a:fillRect/>
-          </a:stretch>
-        </p:blipFill>
-        <p:spPr/>
-      </p:pic>
+            <a:pPr/>
+            <a:r>
+              <a:rPr>
+                <a:solidFill>
+                  <a:srgbClr val="000000"/>
+                </a:solidFill>
+              </a:rPr>
+              <a:t>Deploy single document type with limited volume</a:t>
+            </a:r>
+          </a:p>
+          <a:p>
+            <a:pPr/>
+            <a:r>
+              <a:rPr>
+                <a:solidFill>
+                  <a:srgbClr val="000000"/>
+                </a:solidFill>
+              </a:rPr>
+              <a:t>Validate AI accuracy with actual documents (&gt;95% target)</a:t>
+            </a:r>
+          </a:p>
+          <a:p>
+            <a:pPr/>
+            <a:r>
+              <a:rPr>
+                <a:solidFill>
+                  <a:srgbClr val="000000"/>
+                </a:solidFill>
+              </a:rPr>
+              <a:t>Complete integration testing with existing systems</a:t>
+            </a:r>
+          </a:p>
+          <a:p>
+            <a:pPr/>
+            <a:r>
+              <a:rPr>
+                <a:solidFill>
+                  <a:srgbClr val="000000"/>
+                </a:solidFill>
+              </a:rPr>
+              <a:t>User acceptance testing and feedback</a:t>
+            </a:r>
+          </a:p>
+          <a:p>
+            <a:pPr/>
+            <a:r>
+              <a:rPr>
+                <a:solidFill>
+                  <a:srgbClr val="000000"/>
+                </a:solidFill>
+              </a:rPr>
+              <a:t>Investment: $[Amount]</a:t>
+            </a:r>
+          </a:p>
+          <a:p>
+            <a:pPr/>
+            <a:r>
+              <a:rPr>
+                <a:solidFill>
+                  <a:srgbClr val="000000"/>
+                </a:solidFill>
+              </a:rPr>
+              <a:t>Add additional document types and increase volume</a:t>
+            </a:r>
+          </a:p>
+          <a:p>
+            <a:pPr/>
+            <a:r>
+              <a:rPr>
+                <a:solidFill>
+                  <a:srgbClr val="000000"/>
+                </a:solidFill>
+              </a:rPr>
+              <a:t>Scale to production processing levels</a:t>
+            </a:r>
+          </a:p>
+          <a:p>
+            <a:pPr/>
+            <a:r>
+              <a:rPr>
+                <a:solidFill>
+                  <a:srgbClr val="000000"/>
+                </a:solidFill>
+              </a:rPr>
+              <a:t>Optimize ML models based on pilot learnings</a:t>
+            </a:r>
+          </a:p>
+          <a:p>
+            <a:pPr/>
+            <a:r>
+              <a:rPr>
+                <a:solidFill>
+                  <a:srgbClr val="000000"/>
+                </a:solidFill>
+              </a:rPr>
+              <a:t>Comprehensive user training and adoption</a:t>
+            </a:r>
+          </a:p>
+          <a:p>
+            <a:pPr/>
+            <a:r>
+              <a:rPr>
+                <a:solidFill>
+                  <a:srgbClr val="000000"/>
+                </a:solidFill>
+              </a:rPr>
+              <a:t>Investment: $[Amount]</a:t>
+            </a:r>
+          </a:p>
+          <a:p>
+            <a:pPr/>
+            <a:r>
+              <a:rPr>
+                <a:solidFill>
+                  <a:srgbClr val="000000"/>
+                </a:solidFill>
+              </a:rPr>
+              <a:t>Complete automation across all document types</a:t>
+            </a:r>
+          </a:p>
+          <a:p>
+            <a:pPr/>
+            <a:r>
+              <a:rPr>
+                <a:solidFill>
+                  <a:srgbClr val="000000"/>
+                </a:solidFill>
+              </a:rPr>
+              <a:t>Staff transition and redeployment</a:t>
+            </a:r>
+          </a:p>
+          <a:p>
+            <a:pPr/>
+            <a:r>
+              <a:rPr>
+                <a:solidFill>
+                  <a:srgbClr val="000000"/>
+                </a:solidFill>
+              </a:rPr>
+              <a:t>Full cost savings realization</a:t>
+            </a:r>
+          </a:p>
+          <a:p>
+            <a:pPr/>
+            <a:r>
+              <a:rPr>
+                <a:solidFill>
+                  <a:srgbClr val="000000"/>
+                </a:solidFill>
+              </a:rPr>
+              <a:t>Performance monitoring and optimization</a:t>
+            </a:r>
+          </a:p>
+          <a:p>
+            <a:pPr/>
+            <a:r>
+              <a:rPr>
+                <a:solidFill>
+                  <a:srgbClr val="000000"/>
+                </a:solidFill>
+              </a:rPr>
+              <a:t>Investment: $[Amount]</a:t>
+            </a:r>
+          </a:p>
+          <a:p>
+            <a:pPr/>
+            <a:r>
+              <a:rPr>
+                <a:solidFill>
+                  <a:srgbClr val="000000"/>
+                </a:solidFill>
+              </a:rPr>
+              <a:t>Dedicated project team with AWS AI/ML expertise</a:t>
+            </a:r>
+          </a:p>
+          <a:p>
+            <a:pPr/>
+            <a:r>
+              <a:rPr>
+                <a:solidFill>
+                  <a:srgbClr val="000000"/>
+                </a:solidFill>
+              </a:rPr>
+              <a:t>Executive sponsorship and stakeholder alignment</a:t>
+            </a:r>
+          </a:p>
+          <a:p>
+            <a:pPr/>
+            <a:r>
+              <a:rPr>
+                <a:solidFill>
+                  <a:srgbClr val="000000"/>
+                </a:solidFill>
+              </a:rPr>
+              <a:t>Change management focus - staff training and communication</a:t>
+            </a:r>
+          </a:p>
+          <a:p>
+            <a:pPr/>
+            <a:r>
+              <a:rPr>
+                <a:solidFill>
+                  <a:srgbClr val="000000"/>
+                </a:solidFill>
+              </a:rPr>
+              <a:t>Proof of concept validation before full commitment</a:t>
+            </a:r>
+          </a:p>
+          <a:p>
+            <a:pPr/>
+            <a:r>
+              <a:rPr>
+                <a:solidFill>
+                  <a:srgbClr val="000000"/>
+                </a:solidFill>
+              </a:rPr>
+              <a:t>Parallel processing initially to minimize risk</a:t>
+            </a:r>
+          </a:p>
+        </p:txBody>
+      </p:sp>
     </p:spTree>
   </p:cSld>
   <p:clrMapOvr>
@@ -5730,165 +5979,94 @@
           <a:lstStyle/>
           <a:p>
             <a:r>
-              <a:t>Slide 8: Implementation Approach</a:t>
-            </a:r>
-          </a:p>
-        </p:txBody>
-      </p:sp>
-      <p:sp>
-        <p:nvSpPr>
-          <p:cNvPr id="3" name="Text Placeholder 2"/>
-          <p:cNvSpPr>
-            <a:spLocks noGrp="1"/>
-          </p:cNvSpPr>
-          <p:nvPr>
-            <p:ph type="body" idx="11" sz="quarter"/>
+              <a:t>Slide 9: Risk Mitigation</a:t>
+            </a:r>
+          </a:p>
+        </p:txBody>
+      </p:sp>
+      <p:sp>
+        <p:nvSpPr>
+          <p:cNvPr id="3" name="Picture Placeholder 2"/>
+          <p:cNvSpPr>
+            <a:spLocks noGrp="1"/>
+          </p:cNvSpPr>
+          <p:nvPr>
+            <p:ph type="pic" idx="13" sz="quarter"/>
           </p:nvPr>
         </p:nvSpPr>
         <p:spPr/>
+      </p:sp>
+      <p:sp>
+        <p:nvSpPr>
+          <p:cNvPr id="4" name="Text Placeholder 3"/>
+          <p:cNvSpPr>
+            <a:spLocks noGrp="1"/>
+          </p:cNvSpPr>
+          <p:nvPr>
+            <p:ph type="body" idx="14" sz="quarter"/>
+          </p:nvPr>
+        </p:nvSpPr>
+        <p:spPr/>
         <p:txBody>
           <a:bodyPr/>
           <a:lstStyle/>
           <a:p>
-            <a:r>
-              <a:t>Deploy single document type with limited volume</a:t>
-            </a:r>
-          </a:p>
-          <a:p>
-            <a:pPr/>
-            <a:r>
-              <a:t>Validate AI accuracy with actual documents (&gt;95% target)</a:t>
-            </a:r>
-          </a:p>
-          <a:p>
-            <a:pPr/>
-            <a:r>
-              <a:t>Complete integration testing with existing systems</a:t>
-            </a:r>
-          </a:p>
-          <a:p>
-            <a:pPr/>
-            <a:r>
-              <a:t>User acceptance testing and feedback</a:t>
-            </a:r>
-          </a:p>
-          <a:p>
-            <a:pPr/>
-            <a:r>
-              <a:t>Investment: $[Amount]</a:t>
-            </a:r>
-          </a:p>
-          <a:p>
-            <a:pPr/>
-            <a:r>
-              <a:t>Add additional document types and increase volume</a:t>
-            </a:r>
-          </a:p>
-          <a:p>
-            <a:pPr/>
-            <a:r>
-              <a:t>Scale to production processing levels</a:t>
-            </a:r>
-          </a:p>
-          <a:p>
-            <a:pPr/>
-            <a:r>
-              <a:t>Optimize ML models based on pilot learnings</a:t>
-            </a:r>
-          </a:p>
-          <a:p>
-            <a:pPr/>
-            <a:r>
-              <a:t>Comprehensive user training and adoption</a:t>
-            </a:r>
-          </a:p>
-          <a:p>
-            <a:pPr/>
-            <a:r>
-              <a:t>Investment: $[Amount]</a:t>
-            </a:r>
-          </a:p>
-          <a:p>
-            <a:pPr/>
-            <a:r>
-              <a:t>Complete automation across all document types</a:t>
-            </a:r>
-          </a:p>
-          <a:p>
-            <a:pPr/>
-            <a:r>
-              <a:t>Staff transition and redeployment</a:t>
-            </a:r>
-          </a:p>
-          <a:p>
-            <a:pPr/>
-            <a:r>
-              <a:t>Full cost savings realization</a:t>
-            </a:r>
-          </a:p>
-          <a:p>
-            <a:pPr/>
-            <a:r>
-              <a:t>Performance monitoring and optimization</a:t>
-            </a:r>
-          </a:p>
-          <a:p>
-            <a:pPr/>
-            <a:r>
-              <a:t>Investment: $[Amount]</a:t>
-            </a:r>
-          </a:p>
-          <a:p>
-            <a:pPr/>
-            <a:r>
-              <a:t>Dedicated project team with AWS AI/ML expertise</a:t>
-            </a:r>
-          </a:p>
-          <a:p>
-            <a:pPr/>
-            <a:r>
-              <a:t>Executive sponsorship and stakeholder alignment</a:t>
-            </a:r>
-          </a:p>
-          <a:p>
-            <a:pPr/>
-            <a:r>
-              <a:t>Change management focus - staff training and communication</a:t>
-            </a:r>
-          </a:p>
-          <a:p>
-            <a:pPr/>
-            <a:r>
-              <a:t>Proof of concept validation before full commitment</a:t>
-            </a:r>
-          </a:p>
-          <a:p>
-            <a:pPr/>
-            <a:r>
-              <a:t>Parallel processing initially to minimize risk</a:t>
-            </a:r>
-          </a:p>
-        </p:txBody>
-      </p:sp>
-      <p:pic>
-        <p:nvPicPr>
-          <p:cNvPr id="4" name="Picture Placeholder 3" descr="consulting_company_logo.png"/>
-          <p:cNvPicPr>
-            <a:picLocks noGrp="1" noChangeAspect="1"/>
-          </p:cNvPicPr>
-          <p:nvPr>
-            <p:ph type="pic" idx="13" sz="quarter"/>
-          </p:nvPr>
-        </p:nvPicPr>
-        <p:blipFill>
-          <a:blip r:embed="rId2"/>
-          <a:srcRect t="6762" b="6762"/>
-          <a:stretch>
-            <a:fillRect/>
-          </a:stretch>
-        </p:blipFill>
-        <p:spPr/>
-      </p:pic>
+            <a:pPr/>
+            <a:r>
+              <a:rPr>
+                <a:solidFill>
+                  <a:srgbClr val="000000"/>
+                </a:solidFill>
+              </a:rPr>
+              <a:t>Fixed-Price Implementation: No cost overrun risk on implementation services</a:t>
+            </a:r>
+          </a:p>
+          <a:p>
+            <a:pPr/>
+            <a:r>
+              <a:rPr>
+                <a:solidFill>
+                  <a:srgbClr val="000000"/>
+                </a:solidFill>
+              </a:rPr>
+              <a:t>Proof of Concept: Validate ROI assumptions with actual documents before full deployment</a:t>
+            </a:r>
+          </a:p>
+          <a:p>
+            <a:pPr/>
+            <a:r>
+              <a:rPr>
+                <a:solidFill>
+                  <a:srgbClr val="000000"/>
+                </a:solidFill>
+              </a:rPr>
+              <a:t>Phased Investment: Staged funding reduces financial exposure</a:t>
+            </a:r>
+          </a:p>
+          <a:p>
+            <a:pPr/>
+            <a:r>
+              <a:rPr>
+                <a:solidFill>
+                  <a:srgbClr val="000000"/>
+                </a:solidFill>
+              </a:rPr>
+              <a:t>Parallel Processing: Maintain manual backup initially for business continuity</a:t>
+            </a:r>
+          </a:p>
+          <a:p>
+            <a:pPr/>
+            <a:r>
+              <a:rPr>
+                <a:solidFill>
+                  <a:srgbClr val="000000"/>
+                </a:solidFill>
+              </a:rPr>
+              <a:t>30-Day Warranty: Post-implementation support and issue resolution</a:t>
+            </a:r>
+          </a:p>
+        </p:txBody>
+      </p:sp>
     </p:spTree>
   </p:cSld>
   <p:clrMapOvr>

--- a/solutions/aws/ai/intelligent-document-processing/presales/solution-briefing.pptx
+++ b/solutions/aws/ai/intelligent-document-processing/presales/solution-briefing.pptx
@@ -5,24 +5,19 @@
     <p:sldMasterId id="2147483648" r:id="rId1"/>
   </p:sldMasterIdLst>
   <p:notesMasterIdLst>
-    <p:notesMasterId r:id="rId4"/>
+    <p:notesMasterId r:id="rId9"/>
   </p:notesMasterIdLst>
   <p:sldIdLst>
-    <p:sldId id="256" r:id="rId3"/>
-    <p:sldId id="257" r:id="rId2"/>
-    <p:sldId id="258" r:id="rId9"/>
-    <p:sldId id="259" r:id="rId10"/>
-    <p:sldId id="260" r:id="rId11"/>
-    <p:sldId id="261" r:id="rId12"/>
-    <p:sldId id="262" r:id="rId13"/>
+    <p:sldId id="256" r:id="rId7"/>
+    <p:sldId id="257" r:id="rId8"/>
+    <p:sldId id="258" r:id="rId6"/>
+    <p:sldId id="259" r:id="rId5"/>
+    <p:sldId id="260" r:id="rId4"/>
+    <p:sldId id="261" r:id="rId3"/>
+    <p:sldId id="262" r:id="rId2"/>
     <p:sldId id="263" r:id="rId14"/>
     <p:sldId id="264" r:id="rId15"/>
     <p:sldId id="265" r:id="rId16"/>
-    <p:sldId id="266" r:id="rId17"/>
-    <p:sldId id="267" r:id="rId18"/>
-    <p:sldId id="268" r:id="rId19"/>
-    <p:sldId id="269" r:id="rId20"/>
-    <p:sldId id="270" r:id="rId21"/>
   </p:sldIdLst>
   <p:sldSz cx="9144000" cy="5143500" type="screen16x9"/>
   <p:notesSz cx="5143500" cy="9144000"/>
@@ -251,6 +246,131 @@
 </p:notesMaster>
 </file>
 
+<file path=ppt/notesSlides/notesSlide1.xml><?xml version="1.0" encoding="utf-8"?>
+<p:notes xmlns:a="http://schemas.openxmlformats.org/drawingml/2006/main" xmlns:p="http://schemas.openxmlformats.org/presentationml/2006/main" xmlns:r="http://schemas.openxmlformats.org/officeDocument/2006/relationships">
+  <p:cSld>
+    <p:spTree>
+      <p:nvGrpSpPr>
+        <p:cNvPr id="1" name=""/>
+        <p:cNvGrpSpPr/>
+        <p:nvPr/>
+      </p:nvGrpSpPr>
+      <p:grpSpPr>
+        <a:xfrm>
+          <a:off x="0" y="0"/>
+          <a:ext cx="0" cy="0"/>
+          <a:chOff x="0" y="0"/>
+          <a:chExt cx="0" cy="0"/>
+        </a:xfrm>
+      </p:grpSpPr>
+    </p:spTree>
+  </p:cSld>
+  <p:clrMapOvr>
+    <a:masterClrMapping/>
+  </p:clrMapOvr>
+</p:notes>
+</file>
+
+<file path=ppt/notesSlides/notesSlide2.xml><?xml version="1.0" encoding="utf-8"?>
+<p:notes xmlns:a="http://schemas.openxmlformats.org/drawingml/2006/main" xmlns:p="http://schemas.openxmlformats.org/presentationml/2006/main" xmlns:r="http://schemas.openxmlformats.org/officeDocument/2006/relationships">
+  <p:cSld>
+    <p:spTree>
+      <p:nvGrpSpPr>
+        <p:cNvPr id="1" name=""/>
+        <p:cNvGrpSpPr/>
+        <p:nvPr/>
+      </p:nvGrpSpPr>
+      <p:grpSpPr>
+        <a:xfrm>
+          <a:off x="0" y="0"/>
+          <a:ext cx="0" cy="0"/>
+          <a:chOff x="0" y="0"/>
+          <a:chExt cx="0" cy="0"/>
+        </a:xfrm>
+      </p:grpSpPr>
+    </p:spTree>
+  </p:cSld>
+  <p:clrMapOvr>
+    <a:masterClrMapping/>
+  </p:clrMapOvr>
+</p:notes>
+</file>
+
+<file path=ppt/notesSlides/notesSlide3.xml><?xml version="1.0" encoding="utf-8"?>
+<p:notes xmlns:a="http://schemas.openxmlformats.org/drawingml/2006/main" xmlns:p="http://schemas.openxmlformats.org/presentationml/2006/main" xmlns:r="http://schemas.openxmlformats.org/officeDocument/2006/relationships">
+  <p:cSld>
+    <p:spTree>
+      <p:nvGrpSpPr>
+        <p:cNvPr id="1" name=""/>
+        <p:cNvGrpSpPr/>
+        <p:nvPr/>
+      </p:nvGrpSpPr>
+      <p:grpSpPr>
+        <a:xfrm>
+          <a:off x="0" y="0"/>
+          <a:ext cx="0" cy="0"/>
+          <a:chOff x="0" y="0"/>
+          <a:chExt cx="0" cy="0"/>
+        </a:xfrm>
+      </p:grpSpPr>
+    </p:spTree>
+  </p:cSld>
+  <p:clrMapOvr>
+    <a:masterClrMapping/>
+  </p:clrMapOvr>
+</p:notes>
+</file>
+
+<file path=ppt/notesSlides/notesSlide4.xml><?xml version="1.0" encoding="utf-8"?>
+<p:notes xmlns:a="http://schemas.openxmlformats.org/drawingml/2006/main" xmlns:p="http://schemas.openxmlformats.org/presentationml/2006/main" xmlns:r="http://schemas.openxmlformats.org/officeDocument/2006/relationships">
+  <p:cSld>
+    <p:spTree>
+      <p:nvGrpSpPr>
+        <p:cNvPr id="1" name=""/>
+        <p:cNvGrpSpPr/>
+        <p:nvPr/>
+      </p:nvGrpSpPr>
+      <p:grpSpPr>
+        <a:xfrm>
+          <a:off x="0" y="0"/>
+          <a:ext cx="0" cy="0"/>
+          <a:chOff x="0" y="0"/>
+          <a:chExt cx="0" cy="0"/>
+        </a:xfrm>
+      </p:grpSpPr>
+    </p:spTree>
+  </p:cSld>
+  <p:clrMapOvr>
+    <a:masterClrMapping/>
+  </p:clrMapOvr>
+</p:notes>
+</file>
+
+<file path=ppt/notesSlides/notesSlide5.xml><?xml version="1.0" encoding="utf-8"?>
+<p:notes xmlns:a="http://schemas.openxmlformats.org/drawingml/2006/main" xmlns:p="http://schemas.openxmlformats.org/presentationml/2006/main" xmlns:r="http://schemas.openxmlformats.org/officeDocument/2006/relationships">
+  <p:cSld>
+    <p:spTree>
+      <p:nvGrpSpPr>
+        <p:cNvPr id="1" name=""/>
+        <p:cNvGrpSpPr/>
+        <p:nvPr/>
+      </p:nvGrpSpPr>
+      <p:grpSpPr>
+        <a:xfrm>
+          <a:off x="0" y="0"/>
+          <a:ext cx="0" cy="0"/>
+          <a:chOff x="0" y="0"/>
+          <a:chExt cx="0" cy="0"/>
+        </a:xfrm>
+      </p:grpSpPr>
+    </p:spTree>
+  </p:cSld>
+  <p:clrMapOvr>
+    <a:masterClrMapping/>
+  </p:clrMapOvr>
+</p:notes>
+</file>
+
 <file path=ppt/slideLayouts/slideLayout1.xml><?xml version="1.0" encoding="utf-8"?>
 <p:sldLayout xmlns:a="http://schemas.openxmlformats.org/drawingml/2006/main" xmlns:r="http://schemas.openxmlformats.org/officeDocument/2006/relationships" xmlns:p="http://schemas.openxmlformats.org/presentationml/2006/main" preserve="1" userDrawn="1">
   <p:cSld name="EO Title Slide">
@@ -814,8 +934,8 @@
         </p:nvSpPr>
         <p:spPr>
           <a:xfrm>
-            <a:off x="296863" y="787400"/>
-            <a:ext cx="8548687" cy="3568700"/>
+            <a:off x="296863" y="685601"/>
+            <a:ext cx="8548687" cy="3811657"/>
           </a:xfrm>
           <a:prstGeom prst="rect">
             <a:avLst/>
@@ -825,7 +945,7 @@
           <a:bodyPr/>
           <a:lstStyle>
             <a:lvl1pPr>
-              <a:defRPr sz="2400" baseline="0">
+              <a:defRPr sz="2000" baseline="0">
                 <a:solidFill>
                   <a:srgbClr val="C00000"/>
                 </a:solidFill>
@@ -834,15 +954,15 @@
             <a:lvl2pPr>
               <a:buFont typeface="Arial" panose="020B0604020202020204" pitchFamily="34" charset="0"/>
               <a:buChar char="•"/>
-              <a:defRPr sz="2000"/>
+              <a:defRPr sz="1600"/>
             </a:lvl2pPr>
             <a:lvl3pPr>
-              <a:defRPr sz="1800"/>
+              <a:defRPr sz="1400"/>
             </a:lvl3pPr>
             <a:lvl4pPr>
               <a:buFont typeface="Arial" panose="020B0604020202020204" pitchFamily="34" charset="0"/>
               <a:buChar char="•"/>
-              <a:defRPr sz="1600"/>
+              <a:defRPr sz="1200"/>
             </a:lvl4pPr>
           </a:lstStyle>
           <a:p>
@@ -889,6 +1009,258 @@
 </file>
 
 <file path=ppt/slideLayouts/slideLayout3.xml><?xml version="1.0" encoding="utf-8"?>
+<p:sldLayout xmlns:a="http://schemas.openxmlformats.org/drawingml/2006/main" xmlns:r="http://schemas.openxmlformats.org/officeDocument/2006/relationships" xmlns:p="http://schemas.openxmlformats.org/presentationml/2006/main" preserve="1" userDrawn="1">
+  <p:cSld name="EO Bullet Points">
+    <p:spTree>
+      <p:nvGrpSpPr>
+        <p:cNvPr id="1" name=""/>
+        <p:cNvGrpSpPr/>
+        <p:nvPr/>
+      </p:nvGrpSpPr>
+      <p:grpSpPr>
+        <a:xfrm>
+          <a:off x="0" y="0"/>
+          <a:ext cx="0" cy="0"/>
+          <a:chOff x="0" y="0"/>
+          <a:chExt cx="0" cy="0"/>
+        </a:xfrm>
+      </p:grpSpPr>
+      <p:sp>
+        <p:nvSpPr>
+          <p:cNvPr id="3" name="Shape 1">
+            <a:extLst>
+              <a:ext uri="{FF2B5EF4-FFF2-40B4-BE49-F238E27FC236}">
+                <a16:creationId xmlns:a16="http://schemas.microsoft.com/office/drawing/2014/main" id="{4EA828A1-D5D6-9ADA-1918-E5FE226673A0}"/>
+              </a:ext>
+            </a:extLst>
+          </p:cNvPr>
+          <p:cNvSpPr/>
+          <p:nvPr userDrawn="1"/>
+        </p:nvSpPr>
+        <p:spPr>
+          <a:xfrm>
+            <a:off x="0" y="606304"/>
+            <a:ext cx="9144000" cy="0"/>
+          </a:xfrm>
+          <a:prstGeom prst="line">
+            <a:avLst/>
+          </a:prstGeom>
+          <a:noFill/>
+          <a:ln w="28575">
+            <a:solidFill>
+              <a:srgbClr val="CC0000"/>
+            </a:solidFill>
+            <a:prstDash val="solid"/>
+          </a:ln>
+        </p:spPr>
+        <p:txBody>
+          <a:bodyPr/>
+          <a:lstStyle/>
+          <a:p>
+            <a:endParaRPr lang="en-US"/>
+          </a:p>
+        </p:txBody>
+      </p:sp>
+      <p:sp>
+        <p:nvSpPr>
+          <p:cNvPr id="9" name="Text Placeholder 8">
+            <a:extLst>
+              <a:ext uri="{FF2B5EF4-FFF2-40B4-BE49-F238E27FC236}">
+                <a16:creationId xmlns:a16="http://schemas.microsoft.com/office/drawing/2014/main" id="{980A86D4-478F-6846-9F0A-B815F2A3AB2D}"/>
+              </a:ext>
+            </a:extLst>
+          </p:cNvPr>
+          <p:cNvSpPr>
+            <a:spLocks noGrp="1"/>
+          </p:cNvSpPr>
+          <p:nvPr>
+            <p:ph type="body" sz="quarter" idx="10" hasCustomPrompt="1"/>
+          </p:nvPr>
+        </p:nvSpPr>
+        <p:spPr>
+          <a:xfrm>
+            <a:off x="296863" y="0"/>
+            <a:ext cx="8509304" cy="527008"/>
+          </a:xfrm>
+          <a:prstGeom prst="rect">
+            <a:avLst/>
+          </a:prstGeom>
+        </p:spPr>
+        <p:txBody>
+          <a:bodyPr/>
+          <a:lstStyle>
+            <a:lvl1pPr marL="0" marR="0" indent="0" algn="l" defTabSz="914400" rtl="0" eaLnBrk="1" fontAlgn="auto" latinLnBrk="0" hangingPunct="1">
+              <a:lnSpc>
+                <a:spcPct val="100000"/>
+              </a:lnSpc>
+              <a:spcBef>
+                <a:spcPct val="20000"/>
+              </a:spcBef>
+              <a:spcAft>
+                <a:spcPts val="0"/>
+              </a:spcAft>
+              <a:buClrTx/>
+              <a:buSzTx/>
+              <a:buFont typeface="Arial" pitchFamily="34" charset="0"/>
+              <a:buNone/>
+              <a:tabLst/>
+              <a:defRPr sz="2700" b="1">
+                <a:latin typeface="Arial" panose="020B0604020202020204" pitchFamily="34" charset="0"/>
+                <a:cs typeface="Arial" panose="020B0604020202020204" pitchFamily="34" charset="0"/>
+              </a:defRPr>
+            </a:lvl1pPr>
+          </a:lstStyle>
+          <a:p>
+            <a:pPr lvl="0"/>
+            <a:r>
+              <a:rPr lang="en-US" dirty="0"/>
+              <a:t>Bullet Points</a:t>
+            </a:r>
+          </a:p>
+        </p:txBody>
+      </p:sp>
+      <p:sp>
+        <p:nvSpPr>
+          <p:cNvPr id="12" name="Picture Placeholder 13">
+            <a:extLst>
+              <a:ext uri="{FF2B5EF4-FFF2-40B4-BE49-F238E27FC236}">
+                <a16:creationId xmlns:a16="http://schemas.microsoft.com/office/drawing/2014/main" id="{2DB97592-C4D5-B315-7F11-AA14F6EE8A62}"/>
+              </a:ext>
+            </a:extLst>
+          </p:cNvPr>
+          <p:cNvSpPr>
+            <a:spLocks noGrp="1"/>
+          </p:cNvSpPr>
+          <p:nvPr>
+            <p:ph type="pic" sz="quarter" idx="13"/>
+          </p:nvPr>
+        </p:nvSpPr>
+        <p:spPr>
+          <a:xfrm>
+            <a:off x="313593" y="4536078"/>
+            <a:ext cx="2143858" cy="529698"/>
+          </a:xfrm>
+          <a:prstGeom prst="rect">
+            <a:avLst/>
+          </a:prstGeom>
+        </p:spPr>
+        <p:txBody>
+          <a:bodyPr/>
+          <a:lstStyle/>
+          <a:p>
+            <a:endParaRPr lang="en-US" dirty="0"/>
+          </a:p>
+        </p:txBody>
+      </p:sp>
+      <p:pic>
+        <p:nvPicPr>
+          <p:cNvPr id="13" name="Image 0" descr="/home/claude/eo-framework-logo.png">
+            <a:extLst>
+              <a:ext uri="{FF2B5EF4-FFF2-40B4-BE49-F238E27FC236}">
+                <a16:creationId xmlns:a16="http://schemas.microsoft.com/office/drawing/2014/main" id="{25116040-BB88-891D-9118-628A78E99872}"/>
+              </a:ext>
+            </a:extLst>
+          </p:cNvPr>
+          <p:cNvPicPr>
+            <a:picLocks noChangeAspect="1"/>
+          </p:cNvPicPr>
+          <p:nvPr userDrawn="1"/>
+        </p:nvPicPr>
+        <p:blipFill>
+          <a:blip r:embed="rId2"/>
+          <a:stretch>
+            <a:fillRect/>
+          </a:stretch>
+        </p:blipFill>
+        <p:spPr>
+          <a:xfrm>
+            <a:off x="6945879" y="4648200"/>
+            <a:ext cx="1952244" cy="417576"/>
+          </a:xfrm>
+          <a:prstGeom prst="rect">
+            <a:avLst/>
+          </a:prstGeom>
+        </p:spPr>
+      </p:pic>
+      <p:sp>
+        <p:nvSpPr>
+          <p:cNvPr id="4" name="Text Placeholder 3">
+            <a:extLst>
+              <a:ext uri="{FF2B5EF4-FFF2-40B4-BE49-F238E27FC236}">
+                <a16:creationId xmlns:a16="http://schemas.microsoft.com/office/drawing/2014/main" id="{54BEE1A0-720D-187D-95F8-429F3DF3D64E}"/>
+              </a:ext>
+            </a:extLst>
+          </p:cNvPr>
+          <p:cNvSpPr>
+            <a:spLocks noGrp="1"/>
+          </p:cNvSpPr>
+          <p:nvPr>
+            <p:ph type="body" sz="quarter" idx="14" hasCustomPrompt="1"/>
+          </p:nvPr>
+        </p:nvSpPr>
+        <p:spPr>
+          <a:xfrm>
+            <a:off x="296863" y="685601"/>
+            <a:ext cx="8548687" cy="3811657"/>
+          </a:xfrm>
+          <a:prstGeom prst="rect">
+            <a:avLst/>
+          </a:prstGeom>
+        </p:spPr>
+        <p:txBody>
+          <a:bodyPr/>
+          <a:lstStyle>
+            <a:lvl1pPr>
+              <a:defRPr sz="2000" baseline="0">
+                <a:solidFill>
+                  <a:schemeClr val="tx1"/>
+                </a:solidFill>
+              </a:defRPr>
+            </a:lvl1pPr>
+            <a:lvl2pPr>
+              <a:buFont typeface="Arial" panose="020B0604020202020204" pitchFamily="34" charset="0"/>
+              <a:buChar char="•"/>
+              <a:defRPr sz="1600"/>
+            </a:lvl2pPr>
+            <a:lvl3pPr>
+              <a:defRPr sz="1400"/>
+            </a:lvl3pPr>
+            <a:lvl4pPr>
+              <a:buFont typeface="Arial" panose="020B0604020202020204" pitchFamily="34" charset="0"/>
+              <a:buChar char="•"/>
+              <a:defRPr sz="1200"/>
+            </a:lvl4pPr>
+          </a:lstStyle>
+          <a:p>
+            <a:pPr lvl="0"/>
+            <a:r>
+              <a:rPr lang="en-US" dirty="0"/>
+              <a:t>Bullet Point 1</a:t>
+            </a:r>
+          </a:p>
+          <a:p>
+            <a:pPr lvl="0"/>
+            <a:r>
+              <a:rPr lang="en-US" dirty="0"/>
+              <a:t>Bullet Point 2</a:t>
+            </a:r>
+          </a:p>
+        </p:txBody>
+      </p:sp>
+    </p:spTree>
+    <p:extLst>
+      <p:ext uri="{BB962C8B-B14F-4D97-AF65-F5344CB8AC3E}">
+        <p14:creationId xmlns:p14="http://schemas.microsoft.com/office/powerpoint/2010/main" val="1090737763"/>
+      </p:ext>
+    </p:extLst>
+  </p:cSld>
+  <p:clrMapOvr>
+    <a:masterClrMapping/>
+  </p:clrMapOvr>
+</p:sldLayout>
+</file>
+
+<file path=ppt/slideLayouts/slideLayout4.xml><?xml version="1.0" encoding="utf-8"?>
 <p:sldLayout xmlns:a="http://schemas.openxmlformats.org/drawingml/2006/main" xmlns:r="http://schemas.openxmlformats.org/officeDocument/2006/relationships" xmlns:p="http://schemas.openxmlformats.org/presentationml/2006/main" preserve="1" userDrawn="1">
   <p:cSld name="EO Two Column">
     <p:spTree>
@@ -999,235 +1371,6 @@
           </a:p>
         </p:txBody>
       </p:sp>
-      <p:sp>
-        <p:nvSpPr>
-          <p:cNvPr id="4" name="Text Placeholder 3">
-            <a:extLst>
-              <a:ext uri="{FF2B5EF4-FFF2-40B4-BE49-F238E27FC236}">
-                <a16:creationId xmlns:a16="http://schemas.microsoft.com/office/drawing/2014/main" id="{B7748F3C-3BC8-996A-36FB-230929A17AED}"/>
-              </a:ext>
-            </a:extLst>
-          </p:cNvPr>
-          <p:cNvSpPr>
-            <a:spLocks noGrp="1"/>
-          </p:cNvSpPr>
-          <p:nvPr>
-            <p:ph type="body" sz="quarter" idx="11" hasCustomPrompt="1"/>
-          </p:nvPr>
-        </p:nvSpPr>
-        <p:spPr>
-          <a:xfrm>
-            <a:off x="257042" y="685597"/>
-            <a:ext cx="4049196" cy="311477"/>
-          </a:xfrm>
-          <a:prstGeom prst="rect">
-            <a:avLst/>
-          </a:prstGeom>
-        </p:spPr>
-        <p:txBody>
-          <a:bodyPr/>
-          <a:lstStyle>
-            <a:lvl1pPr marL="0" indent="0">
-              <a:buNone/>
-              <a:defRPr sz="1800" b="1">
-                <a:solidFill>
-                  <a:srgbClr val="C00000"/>
-                </a:solidFill>
-                <a:latin typeface="Arial" panose="020B0604020202020204" pitchFamily="34" charset="0"/>
-                <a:cs typeface="Arial" panose="020B0604020202020204" pitchFamily="34" charset="0"/>
-              </a:defRPr>
-            </a:lvl1pPr>
-            <a:lvl2pPr>
-              <a:defRPr sz="1600">
-                <a:latin typeface="Arial" panose="020B0604020202020204" pitchFamily="34" charset="0"/>
-                <a:cs typeface="Arial" panose="020B0604020202020204" pitchFamily="34" charset="0"/>
-              </a:defRPr>
-            </a:lvl2pPr>
-            <a:lvl3pPr>
-              <a:defRPr sz="1600">
-                <a:latin typeface="Arial" panose="020B0604020202020204" pitchFamily="34" charset="0"/>
-                <a:cs typeface="Arial" panose="020B0604020202020204" pitchFamily="34" charset="0"/>
-              </a:defRPr>
-            </a:lvl3pPr>
-          </a:lstStyle>
-          <a:p>
-            <a:pPr lvl="0"/>
-            <a:r>
-              <a:rPr lang="en-US" dirty="0"/>
-              <a:t>Left Column</a:t>
-            </a:r>
-          </a:p>
-        </p:txBody>
-      </p:sp>
-      <p:sp>
-        <p:nvSpPr>
-          <p:cNvPr id="5" name="Text Placeholder 3">
-            <a:extLst>
-              <a:ext uri="{FF2B5EF4-FFF2-40B4-BE49-F238E27FC236}">
-                <a16:creationId xmlns:a16="http://schemas.microsoft.com/office/drawing/2014/main" id="{CC844534-A763-9158-4BA6-CAC056383847}"/>
-              </a:ext>
-            </a:extLst>
-          </p:cNvPr>
-          <p:cNvSpPr>
-            <a:spLocks noGrp="1"/>
-          </p:cNvSpPr>
-          <p:nvPr>
-            <p:ph type="body" sz="quarter" idx="12" hasCustomPrompt="1"/>
-          </p:nvPr>
-        </p:nvSpPr>
-        <p:spPr>
-          <a:xfrm>
-            <a:off x="4769866" y="685597"/>
-            <a:ext cx="4049062" cy="311477"/>
-          </a:xfrm>
-          <a:prstGeom prst="rect">
-            <a:avLst/>
-          </a:prstGeom>
-        </p:spPr>
-        <p:txBody>
-          <a:bodyPr/>
-          <a:lstStyle>
-            <a:lvl1pPr marL="0" indent="0">
-              <a:buNone/>
-              <a:defRPr sz="1800" b="1">
-                <a:solidFill>
-                  <a:srgbClr val="C00000"/>
-                </a:solidFill>
-                <a:latin typeface="Arial" panose="020B0604020202020204" pitchFamily="34" charset="0"/>
-                <a:cs typeface="Arial" panose="020B0604020202020204" pitchFamily="34" charset="0"/>
-              </a:defRPr>
-            </a:lvl1pPr>
-            <a:lvl2pPr>
-              <a:defRPr sz="1600">
-                <a:latin typeface="Arial" panose="020B0604020202020204" pitchFamily="34" charset="0"/>
-                <a:cs typeface="Arial" panose="020B0604020202020204" pitchFamily="34" charset="0"/>
-              </a:defRPr>
-            </a:lvl2pPr>
-            <a:lvl3pPr>
-              <a:defRPr sz="1600">
-                <a:latin typeface="Arial" panose="020B0604020202020204" pitchFamily="34" charset="0"/>
-                <a:cs typeface="Arial" panose="020B0604020202020204" pitchFamily="34" charset="0"/>
-              </a:defRPr>
-            </a:lvl3pPr>
-          </a:lstStyle>
-          <a:p>
-            <a:pPr lvl="0"/>
-            <a:r>
-              <a:rPr lang="en-US" dirty="0"/>
-              <a:t>Right Column</a:t>
-            </a:r>
-          </a:p>
-        </p:txBody>
-      </p:sp>
-      <p:sp>
-        <p:nvSpPr>
-          <p:cNvPr id="7" name="Text Placeholder 6">
-            <a:extLst>
-              <a:ext uri="{FF2B5EF4-FFF2-40B4-BE49-F238E27FC236}">
-                <a16:creationId xmlns:a16="http://schemas.microsoft.com/office/drawing/2014/main" id="{0CE2B78D-7F18-9BA1-5A5B-CE499AD0C89A}"/>
-              </a:ext>
-            </a:extLst>
-          </p:cNvPr>
-          <p:cNvSpPr>
-            <a:spLocks noGrp="1"/>
-          </p:cNvSpPr>
-          <p:nvPr>
-            <p:ph type="body" sz="quarter" idx="13" hasCustomPrompt="1"/>
-          </p:nvPr>
-        </p:nvSpPr>
-        <p:spPr>
-          <a:xfrm>
-            <a:off x="257174" y="1076366"/>
-            <a:ext cx="4049063" cy="3351493"/>
-          </a:xfrm>
-          <a:prstGeom prst="rect">
-            <a:avLst/>
-          </a:prstGeom>
-        </p:spPr>
-        <p:txBody>
-          <a:bodyPr/>
-          <a:lstStyle>
-            <a:lvl1pPr marL="0" marR="0" indent="0" algn="l" defTabSz="914400" rtl="0" eaLnBrk="1" fontAlgn="auto" latinLnBrk="0" hangingPunct="1">
-              <a:lnSpc>
-                <a:spcPct val="100000"/>
-              </a:lnSpc>
-              <a:spcBef>
-                <a:spcPct val="20000"/>
-              </a:spcBef>
-              <a:spcAft>
-                <a:spcPts val="0"/>
-              </a:spcAft>
-              <a:buClrTx/>
-              <a:buSzTx/>
-              <a:buFont typeface="Arial" panose="020B0604020202020204" pitchFamily="34" charset="0"/>
-              <a:buChar char="•"/>
-              <a:tabLst/>
-              <a:defRPr sz="1500">
-                <a:latin typeface="Arial" panose="020B0604020202020204" pitchFamily="34" charset="0"/>
-                <a:cs typeface="Arial" panose="020B0604020202020204" pitchFamily="34" charset="0"/>
-              </a:defRPr>
-            </a:lvl1pPr>
-            <a:lvl2pPr>
-              <a:defRPr sz="1500">
-                <a:latin typeface="Arial" panose="020B0604020202020204" pitchFamily="34" charset="0"/>
-                <a:cs typeface="Arial" panose="020B0604020202020204" pitchFamily="34" charset="0"/>
-              </a:defRPr>
-            </a:lvl2pPr>
-            <a:lvl3pPr>
-              <a:defRPr sz="1500">
-                <a:latin typeface="Arial" panose="020B0604020202020204" pitchFamily="34" charset="0"/>
-                <a:cs typeface="Arial" panose="020B0604020202020204" pitchFamily="34" charset="0"/>
-              </a:defRPr>
-            </a:lvl3pPr>
-            <a:lvl4pPr>
-              <a:defRPr sz="1500">
-                <a:latin typeface="Arial" panose="020B0604020202020204" pitchFamily="34" charset="0"/>
-                <a:cs typeface="Arial" panose="020B0604020202020204" pitchFamily="34" charset="0"/>
-              </a:defRPr>
-            </a:lvl4pPr>
-            <a:lvl5pPr>
-              <a:defRPr sz="1500">
-                <a:latin typeface="Arial" panose="020B0604020202020204" pitchFamily="34" charset="0"/>
-                <a:cs typeface="Arial" panose="020B0604020202020204" pitchFamily="34" charset="0"/>
-              </a:defRPr>
-            </a:lvl5pPr>
-          </a:lstStyle>
-          <a:p>
-            <a:pPr lvl="0"/>
-            <a:r>
-              <a:rPr lang="en-US" dirty="0"/>
-              <a:t> Left Column Text</a:t>
-            </a:r>
-          </a:p>
-          <a:p>
-            <a:pPr marL="0" marR="0" lvl="0" indent="0" algn="l" defTabSz="914400" rtl="0" eaLnBrk="1" fontAlgn="auto" latinLnBrk="0" hangingPunct="1">
-              <a:lnSpc>
-                <a:spcPct val="100000"/>
-              </a:lnSpc>
-              <a:spcBef>
-                <a:spcPct val="20000"/>
-              </a:spcBef>
-              <a:spcAft>
-                <a:spcPts val="0"/>
-              </a:spcAft>
-              <a:buClrTx/>
-              <a:buSzTx/>
-              <a:buFont typeface="Arial" panose="020B0604020202020204" pitchFamily="34" charset="0"/>
-              <a:buChar char="•"/>
-              <a:tabLst/>
-              <a:defRPr/>
-            </a:pPr>
-            <a:r>
-              <a:rPr lang="en-US" dirty="0"/>
-              <a:t> Left Column Text</a:t>
-            </a:r>
-          </a:p>
-          <a:p>
-            <a:pPr lvl="0"/>
-            <a:endParaRPr lang="en-US" dirty="0"/>
-          </a:p>
-        </p:txBody>
-      </p:sp>
       <p:pic>
         <p:nvPicPr>
           <p:cNvPr id="8" name="Image 0" descr="/home/claude/eo-framework-logo.png">
@@ -1293,10 +1436,10 @@
       </p:sp>
       <p:sp>
         <p:nvSpPr>
-          <p:cNvPr id="12" name="Text Placeholder 6">
+          <p:cNvPr id="6" name="Text Placeholder 5">
             <a:extLst>
               <a:ext uri="{FF2B5EF4-FFF2-40B4-BE49-F238E27FC236}">
-                <a16:creationId xmlns:a16="http://schemas.microsoft.com/office/drawing/2014/main" id="{03BE8D56-FD01-D4AD-8CBA-DDE513CC6B36}"/>
+                <a16:creationId xmlns:a16="http://schemas.microsoft.com/office/drawing/2014/main" id="{229E4A97-A874-D6CA-E54C-5584536CAA7C}"/>
               </a:ext>
             </a:extLst>
           </p:cNvPr>
@@ -1304,13 +1447,13 @@
             <a:spLocks noGrp="1"/>
           </p:cNvSpPr>
           <p:nvPr>
-            <p:ph type="body" sz="quarter" idx="15" hasCustomPrompt="1"/>
+            <p:ph type="body" sz="quarter" idx="16" hasCustomPrompt="1"/>
           </p:nvPr>
         </p:nvSpPr>
         <p:spPr>
           <a:xfrm>
-            <a:off x="4769865" y="1076365"/>
-            <a:ext cx="4049063" cy="3351493"/>
+            <a:off x="193675" y="678433"/>
+            <a:ext cx="4462463" cy="3785515"/>
           </a:xfrm>
           <a:prstGeom prst="rect">
             <a:avLst/>
@@ -1319,84 +1462,145 @@
         <p:txBody>
           <a:bodyPr/>
           <a:lstStyle>
-            <a:lvl1pPr marL="0" marR="0" indent="0" algn="l" defTabSz="914400" rtl="0" eaLnBrk="1" fontAlgn="auto" latinLnBrk="0" hangingPunct="1">
-              <a:lnSpc>
-                <a:spcPct val="100000"/>
-              </a:lnSpc>
-              <a:spcBef>
-                <a:spcPct val="20000"/>
-              </a:spcBef>
-              <a:spcAft>
-                <a:spcPts val="0"/>
-              </a:spcAft>
-              <a:buClrTx/>
-              <a:buSzTx/>
-              <a:buFont typeface="Arial" panose="020B0604020202020204" pitchFamily="34" charset="0"/>
-              <a:buChar char="•"/>
-              <a:tabLst/>
-              <a:defRPr sz="1500">
-                <a:latin typeface="Arial" panose="020B0604020202020204" pitchFamily="34" charset="0"/>
-                <a:cs typeface="Arial" panose="020B0604020202020204" pitchFamily="34" charset="0"/>
+            <a:lvl1pPr>
+              <a:defRPr sz="1800">
+                <a:solidFill>
+                  <a:srgbClr val="C00000"/>
+                </a:solidFill>
               </a:defRPr>
             </a:lvl1pPr>
             <a:lvl2pPr>
-              <a:defRPr sz="1500">
-                <a:latin typeface="Arial" panose="020B0604020202020204" pitchFamily="34" charset="0"/>
-                <a:cs typeface="Arial" panose="020B0604020202020204" pitchFamily="34" charset="0"/>
-              </a:defRPr>
+              <a:defRPr sz="1400"/>
             </a:lvl2pPr>
             <a:lvl3pPr>
-              <a:defRPr sz="1500">
-                <a:latin typeface="Arial" panose="020B0604020202020204" pitchFamily="34" charset="0"/>
-                <a:cs typeface="Arial" panose="020B0604020202020204" pitchFamily="34" charset="0"/>
-              </a:defRPr>
+              <a:defRPr sz="1200"/>
             </a:lvl3pPr>
             <a:lvl4pPr>
-              <a:defRPr sz="1500">
-                <a:latin typeface="Arial" panose="020B0604020202020204" pitchFamily="34" charset="0"/>
-                <a:cs typeface="Arial" panose="020B0604020202020204" pitchFamily="34" charset="0"/>
-              </a:defRPr>
+              <a:defRPr sz="1200"/>
             </a:lvl4pPr>
             <a:lvl5pPr>
-              <a:defRPr sz="1500">
-                <a:latin typeface="Arial" panose="020B0604020202020204" pitchFamily="34" charset="0"/>
-                <a:cs typeface="Arial" panose="020B0604020202020204" pitchFamily="34" charset="0"/>
-              </a:defRPr>
+              <a:defRPr sz="1200"/>
             </a:lvl5pPr>
           </a:lstStyle>
           <a:p>
             <a:pPr lvl="0"/>
             <a:r>
               <a:rPr lang="en-US" dirty="0"/>
-              <a:t> Right Column Text</a:t>
-            </a:r>
-          </a:p>
-          <a:p>
-            <a:pPr marL="0" marR="0" lvl="0" indent="0" algn="l" defTabSz="914400" rtl="0" eaLnBrk="1" fontAlgn="auto" latinLnBrk="0" hangingPunct="1">
-              <a:lnSpc>
-                <a:spcPct val="100000"/>
-              </a:lnSpc>
-              <a:spcBef>
-                <a:spcPct val="20000"/>
-              </a:spcBef>
-              <a:spcAft>
-                <a:spcPts val="0"/>
-              </a:spcAft>
-              <a:buClrTx/>
-              <a:buSzTx/>
-              <a:buFont typeface="Arial" panose="020B0604020202020204" pitchFamily="34" charset="0"/>
-              <a:buChar char="•"/>
-              <a:tabLst/>
-              <a:defRPr/>
-            </a:pPr>
+              <a:t>Left Column Sub Title</a:t>
+            </a:r>
+          </a:p>
+          <a:p>
+            <a:pPr lvl="1"/>
             <a:r>
               <a:rPr lang="en-US" dirty="0"/>
-              <a:t> Right Column Text</a:t>
-            </a:r>
-          </a:p>
+              <a:t>Second level</a:t>
+            </a:r>
+          </a:p>
+          <a:p>
+            <a:pPr lvl="2"/>
+            <a:r>
+              <a:rPr lang="en-US" dirty="0"/>
+              <a:t>Third level</a:t>
+            </a:r>
+          </a:p>
+          <a:p>
+            <a:pPr lvl="3"/>
+            <a:r>
+              <a:rPr lang="en-US" dirty="0"/>
+              <a:t>Fourth level</a:t>
+            </a:r>
+          </a:p>
+          <a:p>
+            <a:pPr lvl="4"/>
+            <a:r>
+              <a:rPr lang="en-US" dirty="0"/>
+              <a:t>Fifth level</a:t>
+            </a:r>
+          </a:p>
+        </p:txBody>
+      </p:sp>
+      <p:sp>
+        <p:nvSpPr>
+          <p:cNvPr id="13" name="Text Placeholder 12">
+            <a:extLst>
+              <a:ext uri="{FF2B5EF4-FFF2-40B4-BE49-F238E27FC236}">
+                <a16:creationId xmlns:a16="http://schemas.microsoft.com/office/drawing/2014/main" id="{EF61ADBD-DA9D-A8A7-8FC3-64E82242B983}"/>
+              </a:ext>
+            </a:extLst>
+          </p:cNvPr>
+          <p:cNvSpPr>
+            <a:spLocks noGrp="1"/>
+          </p:cNvSpPr>
+          <p:nvPr>
+            <p:ph type="body" sz="quarter" idx="17" hasCustomPrompt="1"/>
+          </p:nvPr>
+        </p:nvSpPr>
+        <p:spPr>
+          <a:xfrm>
+            <a:off x="4840288" y="678433"/>
+            <a:ext cx="4110037" cy="3785515"/>
+          </a:xfrm>
+          <a:prstGeom prst="rect">
+            <a:avLst/>
+          </a:prstGeom>
+        </p:spPr>
+        <p:txBody>
+          <a:bodyPr/>
+          <a:lstStyle>
+            <a:lvl1pPr>
+              <a:defRPr sz="1800">
+                <a:solidFill>
+                  <a:srgbClr val="C00000"/>
+                </a:solidFill>
+              </a:defRPr>
+            </a:lvl1pPr>
+            <a:lvl2pPr>
+              <a:defRPr sz="1400"/>
+            </a:lvl2pPr>
+            <a:lvl3pPr>
+              <a:defRPr sz="1200"/>
+            </a:lvl3pPr>
+            <a:lvl4pPr>
+              <a:defRPr sz="1200"/>
+            </a:lvl4pPr>
+            <a:lvl5pPr>
+              <a:defRPr sz="1200"/>
+            </a:lvl5pPr>
+          </a:lstStyle>
           <a:p>
             <a:pPr lvl="0"/>
-            <a:endParaRPr lang="en-US" dirty="0"/>
+            <a:r>
+              <a:rPr lang="en-US" dirty="0"/>
+              <a:t>Right Column Sub title</a:t>
+            </a:r>
+          </a:p>
+          <a:p>
+            <a:pPr lvl="1"/>
+            <a:r>
+              <a:rPr lang="en-US" dirty="0"/>
+              <a:t>Second level</a:t>
+            </a:r>
+          </a:p>
+          <a:p>
+            <a:pPr lvl="2"/>
+            <a:r>
+              <a:rPr lang="en-US" dirty="0"/>
+              <a:t>Third level</a:t>
+            </a:r>
+          </a:p>
+          <a:p>
+            <a:pPr lvl="3"/>
+            <a:r>
+              <a:rPr lang="en-US" dirty="0"/>
+              <a:t>Fourth level</a:t>
+            </a:r>
+          </a:p>
+          <a:p>
+            <a:pPr lvl="4"/>
+            <a:r>
+              <a:rPr lang="en-US" dirty="0"/>
+              <a:t>Fifth level</a:t>
+            </a:r>
           </a:p>
         </p:txBody>
       </p:sp>
@@ -1413,9 +1617,9 @@
 </p:sldLayout>
 </file>
 
-<file path=ppt/slideLayouts/slideLayout4.xml><?xml version="1.0" encoding="utf-8"?>
+<file path=ppt/slideLayouts/slideLayout5.xml><?xml version="1.0" encoding="utf-8"?>
 <p:sldLayout xmlns:a="http://schemas.openxmlformats.org/drawingml/2006/main" xmlns:r="http://schemas.openxmlformats.org/officeDocument/2006/relationships" xmlns:p="http://schemas.openxmlformats.org/presentationml/2006/main" preserve="1" userDrawn="1">
-  <p:cSld name="EO Key Points">
+  <p:cSld name="EO Table">
     <p:spTree>
       <p:nvGrpSpPr>
         <p:cNvPr id="1" name=""/>
@@ -1541,7 +1745,7 @@
                 <a:latin typeface="Arial" pitchFamily="34" charset="0"/>
                 <a:cs typeface="Arial" pitchFamily="34" charset="-120"/>
               </a:rPr>
-              <a:t>Key Points</a:t>
+              <a:t>Table</a:t>
             </a:r>
             <a:endParaRPr lang="en-US" sz="3200" dirty="0"/>
           </a:p>
@@ -1616,10 +1820,10 @@
       </p:pic>
       <p:sp>
         <p:nvSpPr>
-          <p:cNvPr id="4" name="Text Placeholder 3">
+          <p:cNvPr id="5" name="Table Placeholder 4">
             <a:extLst>
               <a:ext uri="{FF2B5EF4-FFF2-40B4-BE49-F238E27FC236}">
-                <a16:creationId xmlns:a16="http://schemas.microsoft.com/office/drawing/2014/main" id="{79FAEFB5-8B48-8F55-D6C9-5B1A508AD28F}"/>
+                <a16:creationId xmlns:a16="http://schemas.microsoft.com/office/drawing/2014/main" id="{D3D9E4F7-6B7D-2205-75B9-EE8C54E89A5F}"/>
               </a:ext>
             </a:extLst>
           </p:cNvPr>
@@ -1627,13 +1831,13 @@
             <a:spLocks noGrp="1"/>
           </p:cNvSpPr>
           <p:nvPr>
-            <p:ph type="body" sz="quarter" idx="14"/>
+            <p:ph type="tbl" sz="quarter" idx="14"/>
           </p:nvPr>
         </p:nvSpPr>
         <p:spPr>
           <a:xfrm>
-            <a:off x="257175" y="698500"/>
-            <a:ext cx="8710613" cy="3765550"/>
+            <a:off x="256855" y="677011"/>
+            <a:ext cx="8710933" cy="3785084"/>
           </a:xfrm>
           <a:prstGeom prst="rect">
             <a:avLst/>
@@ -1641,75 +1845,9 @@
         </p:spPr>
         <p:txBody>
           <a:bodyPr/>
-          <a:lstStyle>
-            <a:lvl1pPr>
-              <a:defRPr sz="2200">
-                <a:solidFill>
-                  <a:srgbClr val="C00000"/>
-                </a:solidFill>
-                <a:latin typeface="Arial" panose="020B0604020202020204" pitchFamily="34" charset="0"/>
-                <a:cs typeface="Arial" panose="020B0604020202020204" pitchFamily="34" charset="0"/>
-              </a:defRPr>
-            </a:lvl1pPr>
-            <a:lvl2pPr>
-              <a:defRPr sz="2000">
-                <a:latin typeface="Arial" panose="020B0604020202020204" pitchFamily="34" charset="0"/>
-                <a:cs typeface="Arial" panose="020B0604020202020204" pitchFamily="34" charset="0"/>
-              </a:defRPr>
-            </a:lvl2pPr>
-            <a:lvl3pPr>
-              <a:defRPr sz="1800">
-                <a:latin typeface="Arial" panose="020B0604020202020204" pitchFamily="34" charset="0"/>
-                <a:cs typeface="Arial" panose="020B0604020202020204" pitchFamily="34" charset="0"/>
-              </a:defRPr>
-            </a:lvl3pPr>
-            <a:lvl4pPr>
-              <a:defRPr sz="1600">
-                <a:latin typeface="Arial" panose="020B0604020202020204" pitchFamily="34" charset="0"/>
-                <a:cs typeface="Arial" panose="020B0604020202020204" pitchFamily="34" charset="0"/>
-              </a:defRPr>
-            </a:lvl4pPr>
-            <a:lvl5pPr>
-              <a:defRPr sz="1400">
-                <a:latin typeface="Arial" panose="020B0604020202020204" pitchFamily="34" charset="0"/>
-                <a:cs typeface="Arial" panose="020B0604020202020204" pitchFamily="34" charset="0"/>
-              </a:defRPr>
-            </a:lvl5pPr>
-          </a:lstStyle>
-          <a:p>
-            <a:pPr lvl="0"/>
-            <a:r>
-              <a:rPr lang="en-US" dirty="0"/>
-              <a:t>Click to edit Master text styles</a:t>
-            </a:r>
-          </a:p>
-          <a:p>
-            <a:pPr lvl="1"/>
-            <a:r>
-              <a:rPr lang="en-US" dirty="0"/>
-              <a:t>Second level</a:t>
-            </a:r>
-          </a:p>
-          <a:p>
-            <a:pPr lvl="2"/>
-            <a:r>
-              <a:rPr lang="en-US" dirty="0"/>
-              <a:t>Third level</a:t>
-            </a:r>
-          </a:p>
-          <a:p>
-            <a:pPr lvl="3"/>
-            <a:r>
-              <a:rPr lang="en-US" dirty="0"/>
-              <a:t>Fourth level</a:t>
-            </a:r>
-          </a:p>
-          <a:p>
-            <a:pPr lvl="4"/>
-            <a:r>
-              <a:rPr lang="en-US" dirty="0"/>
-              <a:t>Fifth level</a:t>
-            </a:r>
+          <a:lstStyle/>
+          <a:p>
+            <a:endParaRPr lang="en-US"/>
           </a:p>
         </p:txBody>
       </p:sp>
@@ -1726,7 +1864,7 @@
 </p:sldLayout>
 </file>
 
-<file path=ppt/slideLayouts/slideLayout5.xml><?xml version="1.0" encoding="utf-8"?>
+<file path=ppt/slideLayouts/slideLayout6.xml><?xml version="1.0" encoding="utf-8"?>
 <p:sldLayout xmlns:a="http://schemas.openxmlformats.org/drawingml/2006/main" xmlns:r="http://schemas.openxmlformats.org/officeDocument/2006/relationships" xmlns:p="http://schemas.openxmlformats.org/presentationml/2006/main" preserve="1" userDrawn="1">
   <p:cSld name="EO Visual Content">
     <p:spTree>
@@ -1837,135 +1975,6 @@
           </a:p>
         </p:txBody>
       </p:sp>
-      <p:sp>
-        <p:nvSpPr>
-          <p:cNvPr id="4" name="Text Placeholder 3">
-            <a:extLst>
-              <a:ext uri="{FF2B5EF4-FFF2-40B4-BE49-F238E27FC236}">
-                <a16:creationId xmlns:a16="http://schemas.microsoft.com/office/drawing/2014/main" id="{B7748F3C-3BC8-996A-36FB-230929A17AED}"/>
-              </a:ext>
-            </a:extLst>
-          </p:cNvPr>
-          <p:cNvSpPr>
-            <a:spLocks noGrp="1"/>
-          </p:cNvSpPr>
-          <p:nvPr>
-            <p:ph type="body" sz="quarter" idx="11" hasCustomPrompt="1"/>
-          </p:nvPr>
-        </p:nvSpPr>
-        <p:spPr>
-          <a:xfrm>
-            <a:off x="257042" y="685597"/>
-            <a:ext cx="4049196" cy="311477"/>
-          </a:xfrm>
-          <a:prstGeom prst="rect">
-            <a:avLst/>
-          </a:prstGeom>
-        </p:spPr>
-        <p:txBody>
-          <a:bodyPr/>
-          <a:lstStyle>
-            <a:lvl1pPr marL="0" indent="0">
-              <a:buNone/>
-              <a:defRPr sz="1800" b="1">
-                <a:solidFill>
-                  <a:srgbClr val="C00000"/>
-                </a:solidFill>
-                <a:latin typeface="Arial" panose="020B0604020202020204" pitchFamily="34" charset="0"/>
-                <a:cs typeface="Arial" panose="020B0604020202020204" pitchFamily="34" charset="0"/>
-              </a:defRPr>
-            </a:lvl1pPr>
-            <a:lvl2pPr>
-              <a:defRPr sz="1600">
-                <a:latin typeface="Arial" panose="020B0604020202020204" pitchFamily="34" charset="0"/>
-                <a:cs typeface="Arial" panose="020B0604020202020204" pitchFamily="34" charset="0"/>
-              </a:defRPr>
-            </a:lvl2pPr>
-            <a:lvl3pPr>
-              <a:defRPr sz="1600">
-                <a:latin typeface="Arial" panose="020B0604020202020204" pitchFamily="34" charset="0"/>
-                <a:cs typeface="Arial" panose="020B0604020202020204" pitchFamily="34" charset="0"/>
-              </a:defRPr>
-            </a:lvl3pPr>
-          </a:lstStyle>
-          <a:p>
-            <a:pPr lvl="0"/>
-            <a:r>
-              <a:rPr lang="en-US" dirty="0"/>
-              <a:t>Image Description Title</a:t>
-            </a:r>
-          </a:p>
-        </p:txBody>
-      </p:sp>
-      <p:sp>
-        <p:nvSpPr>
-          <p:cNvPr id="7" name="Text Placeholder 6">
-            <a:extLst>
-              <a:ext uri="{FF2B5EF4-FFF2-40B4-BE49-F238E27FC236}">
-                <a16:creationId xmlns:a16="http://schemas.microsoft.com/office/drawing/2014/main" id="{0CE2B78D-7F18-9BA1-5A5B-CE499AD0C89A}"/>
-              </a:ext>
-            </a:extLst>
-          </p:cNvPr>
-          <p:cNvSpPr>
-            <a:spLocks noGrp="1"/>
-          </p:cNvSpPr>
-          <p:nvPr>
-            <p:ph type="body" sz="quarter" idx="13" hasCustomPrompt="1"/>
-          </p:nvPr>
-        </p:nvSpPr>
-        <p:spPr>
-          <a:xfrm>
-            <a:off x="257174" y="1076366"/>
-            <a:ext cx="4049063" cy="3351493"/>
-          </a:xfrm>
-          <a:prstGeom prst="rect">
-            <a:avLst/>
-          </a:prstGeom>
-        </p:spPr>
-        <p:txBody>
-          <a:bodyPr/>
-          <a:lstStyle>
-            <a:lvl1pPr marL="0" indent="0">
-              <a:buNone/>
-              <a:defRPr sz="1500">
-                <a:latin typeface="Arial" panose="020B0604020202020204" pitchFamily="34" charset="0"/>
-                <a:cs typeface="Arial" panose="020B0604020202020204" pitchFamily="34" charset="0"/>
-              </a:defRPr>
-            </a:lvl1pPr>
-            <a:lvl2pPr>
-              <a:defRPr sz="1500">
-                <a:latin typeface="Arial" panose="020B0604020202020204" pitchFamily="34" charset="0"/>
-                <a:cs typeface="Arial" panose="020B0604020202020204" pitchFamily="34" charset="0"/>
-              </a:defRPr>
-            </a:lvl2pPr>
-            <a:lvl3pPr>
-              <a:defRPr sz="1500">
-                <a:latin typeface="Arial" panose="020B0604020202020204" pitchFamily="34" charset="0"/>
-                <a:cs typeface="Arial" panose="020B0604020202020204" pitchFamily="34" charset="0"/>
-              </a:defRPr>
-            </a:lvl3pPr>
-            <a:lvl4pPr>
-              <a:defRPr sz="1500">
-                <a:latin typeface="Arial" panose="020B0604020202020204" pitchFamily="34" charset="0"/>
-                <a:cs typeface="Arial" panose="020B0604020202020204" pitchFamily="34" charset="0"/>
-              </a:defRPr>
-            </a:lvl4pPr>
-            <a:lvl5pPr>
-              <a:defRPr sz="1500">
-                <a:latin typeface="Arial" panose="020B0604020202020204" pitchFamily="34" charset="0"/>
-                <a:cs typeface="Arial" panose="020B0604020202020204" pitchFamily="34" charset="0"/>
-              </a:defRPr>
-            </a:lvl5pPr>
-          </a:lstStyle>
-          <a:p>
-            <a:pPr lvl="0"/>
-            <a:r>
-              <a:rPr lang="en-US" dirty="0"/>
-              <a:t>Image Description Context Text</a:t>
-            </a:r>
-          </a:p>
-        </p:txBody>
-      </p:sp>
       <p:pic>
         <p:nvPicPr>
           <p:cNvPr id="8" name="Image 0" descr="/home/claude/eo-framework-logo.png">
@@ -2047,8 +2056,8 @@
         </p:nvSpPr>
         <p:spPr>
           <a:xfrm>
-            <a:off x="4662488" y="685800"/>
-            <a:ext cx="4337050" cy="3741738"/>
+            <a:off x="4662488" y="685799"/>
+            <a:ext cx="4337050" cy="3815859"/>
           </a:xfrm>
           <a:prstGeom prst="rect">
             <a:avLst/>
@@ -2059,6 +2068,91 @@
           <a:lstStyle/>
           <a:p>
             <a:endParaRPr lang="en-US"/>
+          </a:p>
+        </p:txBody>
+      </p:sp>
+      <p:sp>
+        <p:nvSpPr>
+          <p:cNvPr id="5" name="Text Placeholder 4">
+            <a:extLst>
+              <a:ext uri="{FF2B5EF4-FFF2-40B4-BE49-F238E27FC236}">
+                <a16:creationId xmlns:a16="http://schemas.microsoft.com/office/drawing/2014/main" id="{F1EE9992-B6F6-08BF-BFB5-6AF6BEDE367A}"/>
+              </a:ext>
+            </a:extLst>
+          </p:cNvPr>
+          <p:cNvSpPr>
+            <a:spLocks noGrp="1"/>
+          </p:cNvSpPr>
+          <p:nvPr>
+            <p:ph type="body" sz="quarter" idx="16"/>
+          </p:nvPr>
+        </p:nvSpPr>
+        <p:spPr>
+          <a:xfrm>
+            <a:off x="92075" y="685800"/>
+            <a:ext cx="4449763" cy="3815859"/>
+          </a:xfrm>
+          <a:prstGeom prst="rect">
+            <a:avLst/>
+          </a:prstGeom>
+        </p:spPr>
+        <p:txBody>
+          <a:bodyPr/>
+          <a:lstStyle>
+            <a:lvl1pPr>
+              <a:defRPr sz="1800">
+                <a:solidFill>
+                  <a:srgbClr val="C00000"/>
+                </a:solidFill>
+              </a:defRPr>
+            </a:lvl1pPr>
+            <a:lvl2pPr>
+              <a:defRPr sz="1400"/>
+            </a:lvl2pPr>
+            <a:lvl3pPr>
+              <a:defRPr sz="1200"/>
+            </a:lvl3pPr>
+            <a:lvl4pPr>
+              <a:defRPr sz="1200"/>
+            </a:lvl4pPr>
+            <a:lvl5pPr>
+              <a:defRPr sz="1200"/>
+            </a:lvl5pPr>
+          </a:lstStyle>
+          <a:p>
+            <a:pPr lvl="0"/>
+            <a:r>
+              <a:rPr lang="en-US" dirty="0"/>
+              <a:t>Click to edit Master text styles</a:t>
+            </a:r>
+          </a:p>
+          <a:p>
+            <a:pPr lvl="1"/>
+            <a:r>
+              <a:rPr lang="en-US" dirty="0"/>
+              <a:t>Second level</a:t>
+            </a:r>
+          </a:p>
+          <a:p>
+            <a:pPr lvl="2"/>
+            <a:r>
+              <a:rPr lang="en-US" dirty="0"/>
+              <a:t>Third level</a:t>
+            </a:r>
+          </a:p>
+          <a:p>
+            <a:pPr lvl="3"/>
+            <a:r>
+              <a:rPr lang="en-US" dirty="0"/>
+              <a:t>Fourth level</a:t>
+            </a:r>
+          </a:p>
+          <a:p>
+            <a:pPr lvl="4"/>
+            <a:r>
+              <a:rPr lang="en-US" dirty="0"/>
+              <a:t>Fifth level</a:t>
+            </a:r>
           </a:p>
         </p:txBody>
       </p:sp>
@@ -2075,7 +2169,7 @@
 </p:sldLayout>
 </file>
 
-<file path=ppt/slideLayouts/slideLayout6.xml><?xml version="1.0" encoding="utf-8"?>
+<file path=ppt/slideLayouts/slideLayout7.xml><?xml version="1.0" encoding="utf-8"?>
 <p:sldLayout xmlns:a="http://schemas.openxmlformats.org/drawingml/2006/main" xmlns:r="http://schemas.openxmlformats.org/officeDocument/2006/relationships" xmlns:p="http://schemas.openxmlformats.org/presentationml/2006/main" preserve="1" userDrawn="1">
   <p:cSld name="EO Data Visualization">
     <p:spTree>
@@ -2186,265 +2280,6 @@
           </a:p>
         </p:txBody>
       </p:sp>
-      <p:sp>
-        <p:nvSpPr>
-          <p:cNvPr id="4" name="Text Placeholder 3">
-            <a:extLst>
-              <a:ext uri="{FF2B5EF4-FFF2-40B4-BE49-F238E27FC236}">
-                <a16:creationId xmlns:a16="http://schemas.microsoft.com/office/drawing/2014/main" id="{B7748F3C-3BC8-996A-36FB-230929A17AED}"/>
-              </a:ext>
-            </a:extLst>
-          </p:cNvPr>
-          <p:cNvSpPr>
-            <a:spLocks noGrp="1"/>
-          </p:cNvSpPr>
-          <p:nvPr>
-            <p:ph type="body" sz="quarter" idx="11" hasCustomPrompt="1"/>
-          </p:nvPr>
-        </p:nvSpPr>
-        <p:spPr>
-          <a:xfrm>
-            <a:off x="257042" y="685597"/>
-            <a:ext cx="4049196" cy="311477"/>
-          </a:xfrm>
-          <a:prstGeom prst="rect">
-            <a:avLst/>
-          </a:prstGeom>
-        </p:spPr>
-        <p:txBody>
-          <a:bodyPr/>
-          <a:lstStyle>
-            <a:lvl1pPr marL="0" indent="0">
-              <a:buNone/>
-              <a:defRPr sz="1800" b="1">
-                <a:solidFill>
-                  <a:srgbClr val="C00000"/>
-                </a:solidFill>
-                <a:latin typeface="Arial" panose="020B0604020202020204" pitchFamily="34" charset="0"/>
-                <a:cs typeface="Arial" panose="020B0604020202020204" pitchFamily="34" charset="0"/>
-              </a:defRPr>
-            </a:lvl1pPr>
-            <a:lvl2pPr>
-              <a:defRPr sz="1600">
-                <a:latin typeface="Arial" panose="020B0604020202020204" pitchFamily="34" charset="0"/>
-                <a:cs typeface="Arial" panose="020B0604020202020204" pitchFamily="34" charset="0"/>
-              </a:defRPr>
-            </a:lvl2pPr>
-            <a:lvl3pPr>
-              <a:defRPr sz="1600">
-                <a:latin typeface="Arial" panose="020B0604020202020204" pitchFamily="34" charset="0"/>
-                <a:cs typeface="Arial" panose="020B0604020202020204" pitchFamily="34" charset="0"/>
-              </a:defRPr>
-            </a:lvl3pPr>
-          </a:lstStyle>
-          <a:p>
-            <a:pPr lvl="0"/>
-            <a:r>
-              <a:rPr lang="en-US" dirty="0"/>
-              <a:t>Key Insights</a:t>
-            </a:r>
-          </a:p>
-        </p:txBody>
-      </p:sp>
-      <p:sp>
-        <p:nvSpPr>
-          <p:cNvPr id="7" name="Text Placeholder 6">
-            <a:extLst>
-              <a:ext uri="{FF2B5EF4-FFF2-40B4-BE49-F238E27FC236}">
-                <a16:creationId xmlns:a16="http://schemas.microsoft.com/office/drawing/2014/main" id="{0CE2B78D-7F18-9BA1-5A5B-CE499AD0C89A}"/>
-              </a:ext>
-            </a:extLst>
-          </p:cNvPr>
-          <p:cNvSpPr>
-            <a:spLocks noGrp="1"/>
-          </p:cNvSpPr>
-          <p:nvPr>
-            <p:ph type="body" sz="quarter" idx="13" hasCustomPrompt="1"/>
-          </p:nvPr>
-        </p:nvSpPr>
-        <p:spPr>
-          <a:xfrm>
-            <a:off x="257174" y="1076366"/>
-            <a:ext cx="4049063" cy="3351493"/>
-          </a:xfrm>
-          <a:prstGeom prst="rect">
-            <a:avLst/>
-          </a:prstGeom>
-        </p:spPr>
-        <p:txBody>
-          <a:bodyPr/>
-          <a:lstStyle>
-            <a:lvl1pPr marL="0" indent="0">
-              <a:buNone/>
-              <a:defRPr sz="1500">
-                <a:latin typeface="Arial" panose="020B0604020202020204" pitchFamily="34" charset="0"/>
-                <a:cs typeface="Arial" panose="020B0604020202020204" pitchFamily="34" charset="0"/>
-              </a:defRPr>
-            </a:lvl1pPr>
-            <a:lvl2pPr>
-              <a:defRPr sz="1500">
-                <a:latin typeface="Arial" panose="020B0604020202020204" pitchFamily="34" charset="0"/>
-                <a:cs typeface="Arial" panose="020B0604020202020204" pitchFamily="34" charset="0"/>
-              </a:defRPr>
-            </a:lvl2pPr>
-            <a:lvl3pPr>
-              <a:defRPr sz="1500">
-                <a:latin typeface="Arial" panose="020B0604020202020204" pitchFamily="34" charset="0"/>
-                <a:cs typeface="Arial" panose="020B0604020202020204" pitchFamily="34" charset="0"/>
-              </a:defRPr>
-            </a:lvl3pPr>
-            <a:lvl4pPr>
-              <a:defRPr sz="1500">
-                <a:latin typeface="Arial" panose="020B0604020202020204" pitchFamily="34" charset="0"/>
-                <a:cs typeface="Arial" panose="020B0604020202020204" pitchFamily="34" charset="0"/>
-              </a:defRPr>
-            </a:lvl4pPr>
-            <a:lvl5pPr>
-              <a:defRPr sz="1500">
-                <a:latin typeface="Arial" panose="020B0604020202020204" pitchFamily="34" charset="0"/>
-                <a:cs typeface="Arial" panose="020B0604020202020204" pitchFamily="34" charset="0"/>
-              </a:defRPr>
-            </a:lvl5pPr>
-          </a:lstStyle>
-          <a:p>
-            <a:pPr marL="85725" marR="0" lvl="0" indent="-85725" algn="l" defTabSz="914400" rtl="0" eaLnBrk="1" fontAlgn="auto" latinLnBrk="0" hangingPunct="1">
-              <a:lnSpc>
-                <a:spcPts val="2100"/>
-              </a:lnSpc>
-              <a:spcBef>
-                <a:spcPts val="0"/>
-              </a:spcBef>
-              <a:spcAft>
-                <a:spcPts val="0"/>
-              </a:spcAft>
-              <a:buClrTx/>
-              <a:buSzPct val="100000"/>
-              <a:buFontTx/>
-              <a:buChar char="•"/>
-              <a:tabLst/>
-              <a:defRPr/>
-            </a:pPr>
-            <a:r>
-              <a:rPr kumimoji="0" lang="en-US" sz="1350" b="0" i="0" u="none" strike="noStrike" kern="1200" cap="none" spc="0" normalizeH="0" baseline="0" noProof="0" dirty="0">
-                <a:ln>
-                  <a:noFill/>
-                </a:ln>
-                <a:solidFill>
-                  <a:srgbClr val="2C3E50"/>
-                </a:solidFill>
-                <a:effectLst/>
-                <a:uLnTx/>
-                <a:uFillTx/>
-                <a:latin typeface="Arial" pitchFamily="34" charset="0"/>
-                <a:ea typeface="Arial" pitchFamily="34" charset="-122"/>
-                <a:cs typeface="Arial" pitchFamily="34" charset="-120"/>
-              </a:rPr>
-              <a:t>First data insight</a:t>
-            </a:r>
-            <a:endParaRPr kumimoji="0" lang="en-US" sz="1350" b="0" i="0" u="none" strike="noStrike" kern="1200" cap="none" spc="0" normalizeH="0" baseline="0" noProof="0" dirty="0">
-              <a:ln>
-                <a:noFill/>
-              </a:ln>
-              <a:solidFill>
-                <a:prstClr val="black"/>
-              </a:solidFill>
-              <a:effectLst/>
-              <a:uLnTx/>
-              <a:uFillTx/>
-              <a:latin typeface="Calibri" panose="020F0502020204030204"/>
-              <a:ea typeface="+mn-ea"/>
-              <a:cs typeface="+mn-cs"/>
-            </a:endParaRPr>
-          </a:p>
-          <a:p>
-            <a:pPr marL="85725" marR="0" lvl="0" indent="-85725" algn="l" defTabSz="914400" rtl="0" eaLnBrk="1" fontAlgn="auto" latinLnBrk="0" hangingPunct="1">
-              <a:lnSpc>
-                <a:spcPts val="2100"/>
-              </a:lnSpc>
-              <a:spcBef>
-                <a:spcPts val="0"/>
-              </a:spcBef>
-              <a:spcAft>
-                <a:spcPts val="0"/>
-              </a:spcAft>
-              <a:buClrTx/>
-              <a:buSzPct val="100000"/>
-              <a:buFontTx/>
-              <a:buChar char="•"/>
-              <a:tabLst/>
-              <a:defRPr/>
-            </a:pPr>
-            <a:r>
-              <a:rPr kumimoji="0" lang="en-US" sz="1350" b="0" i="0" u="none" strike="noStrike" kern="1200" cap="none" spc="0" normalizeH="0" baseline="0" noProof="0" dirty="0">
-                <a:ln>
-                  <a:noFill/>
-                </a:ln>
-                <a:solidFill>
-                  <a:srgbClr val="2C3E50"/>
-                </a:solidFill>
-                <a:effectLst/>
-                <a:uLnTx/>
-                <a:uFillTx/>
-                <a:latin typeface="Arial" pitchFamily="34" charset="0"/>
-                <a:ea typeface="Arial" pitchFamily="34" charset="-122"/>
-                <a:cs typeface="Arial" pitchFamily="34" charset="-120"/>
-              </a:rPr>
-              <a:t>Second key finding</a:t>
-            </a:r>
-            <a:endParaRPr kumimoji="0" lang="en-US" sz="1350" b="0" i="0" u="none" strike="noStrike" kern="1200" cap="none" spc="0" normalizeH="0" baseline="0" noProof="0" dirty="0">
-              <a:ln>
-                <a:noFill/>
-              </a:ln>
-              <a:solidFill>
-                <a:prstClr val="black"/>
-              </a:solidFill>
-              <a:effectLst/>
-              <a:uLnTx/>
-              <a:uFillTx/>
-              <a:latin typeface="Calibri" panose="020F0502020204030204"/>
-              <a:ea typeface="+mn-ea"/>
-              <a:cs typeface="+mn-cs"/>
-            </a:endParaRPr>
-          </a:p>
-          <a:p>
-            <a:pPr marL="85725" marR="0" lvl="0" indent="-85725" algn="l" defTabSz="914400" rtl="0" eaLnBrk="1" fontAlgn="auto" latinLnBrk="0" hangingPunct="1">
-              <a:lnSpc>
-                <a:spcPts val="2100"/>
-              </a:lnSpc>
-              <a:spcBef>
-                <a:spcPts val="0"/>
-              </a:spcBef>
-              <a:spcAft>
-                <a:spcPts val="0"/>
-              </a:spcAft>
-              <a:buClrTx/>
-              <a:buSzPct val="100000"/>
-              <a:buFontTx/>
-              <a:buChar char="•"/>
-              <a:tabLst/>
-              <a:defRPr/>
-            </a:pPr>
-            <a:r>
-              <a:rPr kumimoji="0" lang="en-US" sz="1350" b="0" i="0" u="none" strike="noStrike" kern="1200" cap="none" spc="0" normalizeH="0" baseline="0" noProof="0" dirty="0">
-                <a:ln>
-                  <a:noFill/>
-                </a:ln>
-                <a:solidFill>
-                  <a:srgbClr val="2C3E50"/>
-                </a:solidFill>
-                <a:effectLst/>
-                <a:uLnTx/>
-                <a:uFillTx/>
-                <a:latin typeface="Arial" pitchFamily="34" charset="0"/>
-                <a:ea typeface="Arial" pitchFamily="34" charset="-122"/>
-                <a:cs typeface="Arial" pitchFamily="34" charset="-120"/>
-              </a:rPr>
-              <a:t>Third important trend</a:t>
-            </a:r>
-            <a:endParaRPr lang="en-US" dirty="0"/>
-          </a:p>
-        </p:txBody>
-      </p:sp>
       <p:pic>
         <p:nvPicPr>
           <p:cNvPr id="8" name="Image 0" descr="/home/claude/eo-framework-logo.png">
@@ -2527,7 +2362,7 @@
         <p:spPr>
           <a:xfrm>
             <a:off x="4572000" y="685597"/>
-            <a:ext cx="4325938" cy="3741941"/>
+            <a:ext cx="4325938" cy="3778347"/>
           </a:xfrm>
           <a:prstGeom prst="rect">
             <a:avLst/>
@@ -2538,6 +2373,91 @@
           <a:lstStyle/>
           <a:p>
             <a:endParaRPr lang="en-US"/>
+          </a:p>
+        </p:txBody>
+      </p:sp>
+      <p:sp>
+        <p:nvSpPr>
+          <p:cNvPr id="6" name="Content Placeholder 5">
+            <a:extLst>
+              <a:ext uri="{FF2B5EF4-FFF2-40B4-BE49-F238E27FC236}">
+                <a16:creationId xmlns:a16="http://schemas.microsoft.com/office/drawing/2014/main" id="{D0B730E7-C68E-A3E8-1745-8AF89C786D5F}"/>
+              </a:ext>
+            </a:extLst>
+          </p:cNvPr>
+          <p:cNvSpPr>
+            <a:spLocks noGrp="1"/>
+          </p:cNvSpPr>
+          <p:nvPr>
+            <p:ph sz="quarter" idx="16"/>
+          </p:nvPr>
+        </p:nvSpPr>
+        <p:spPr>
+          <a:xfrm>
+            <a:off x="136525" y="678433"/>
+            <a:ext cx="4237038" cy="3785513"/>
+          </a:xfrm>
+          <a:prstGeom prst="rect">
+            <a:avLst/>
+          </a:prstGeom>
+        </p:spPr>
+        <p:txBody>
+          <a:bodyPr/>
+          <a:lstStyle>
+            <a:lvl1pPr>
+              <a:defRPr sz="1800">
+                <a:solidFill>
+                  <a:srgbClr val="C00000"/>
+                </a:solidFill>
+              </a:defRPr>
+            </a:lvl1pPr>
+            <a:lvl2pPr>
+              <a:defRPr sz="1400"/>
+            </a:lvl2pPr>
+            <a:lvl3pPr>
+              <a:defRPr sz="1200"/>
+            </a:lvl3pPr>
+            <a:lvl4pPr>
+              <a:defRPr sz="1200"/>
+            </a:lvl4pPr>
+            <a:lvl5pPr>
+              <a:defRPr sz="1200"/>
+            </a:lvl5pPr>
+          </a:lstStyle>
+          <a:p>
+            <a:pPr lvl="0"/>
+            <a:r>
+              <a:rPr lang="en-US" dirty="0"/>
+              <a:t>Click to edit Master text styles</a:t>
+            </a:r>
+          </a:p>
+          <a:p>
+            <a:pPr lvl="1"/>
+            <a:r>
+              <a:rPr lang="en-US" dirty="0"/>
+              <a:t>Second level</a:t>
+            </a:r>
+          </a:p>
+          <a:p>
+            <a:pPr lvl="2"/>
+            <a:r>
+              <a:rPr lang="en-US" dirty="0"/>
+              <a:t>Third level</a:t>
+            </a:r>
+          </a:p>
+          <a:p>
+            <a:pPr lvl="3"/>
+            <a:r>
+              <a:rPr lang="en-US" dirty="0"/>
+              <a:t>Fourth level</a:t>
+            </a:r>
+          </a:p>
+          <a:p>
+            <a:pPr lvl="4"/>
+            <a:r>
+              <a:rPr lang="en-US" dirty="0"/>
+              <a:t>Fifth level</a:t>
+            </a:r>
           </a:p>
         </p:txBody>
       </p:sp>
@@ -2554,7 +2474,7 @@
 </p:sldLayout>
 </file>
 
-<file path=ppt/slideLayouts/slideLayout7.xml><?xml version="1.0" encoding="utf-8"?>
+<file path=ppt/slideLayouts/slideLayout8.xml><?xml version="1.0" encoding="utf-8"?>
 <p:sldLayout xmlns:a="http://schemas.openxmlformats.org/drawingml/2006/main" xmlns:r="http://schemas.openxmlformats.org/officeDocument/2006/relationships" xmlns:p="http://schemas.openxmlformats.org/presentationml/2006/main" preserve="1" userDrawn="1">
   <p:cSld name="EO Thank You">
     <p:spTree>
@@ -2652,7 +2572,7 @@
         </p:nvSpPr>
         <p:spPr>
           <a:xfrm>
-            <a:off x="538528" y="1886679"/>
+            <a:off x="736356" y="2247927"/>
             <a:ext cx="7671288" cy="527050"/>
           </a:xfrm>
           <a:prstGeom prst="rect">
@@ -2690,6 +2610,14 @@
               </a:rPr>
               <a:t>Thank You</a:t>
             </a:r>
+          </a:p>
+          <a:p>
+            <a:pPr marL="0" indent="0" algn="ctr">
+              <a:lnSpc>
+                <a:spcPts val="3600"/>
+              </a:lnSpc>
+              <a:buNone/>
+            </a:pPr>
             <a:endParaRPr lang="en-US" sz="3600" dirty="0"/>
           </a:p>
         </p:txBody>
@@ -2783,7 +2711,7 @@
         </p:nvSpPr>
         <p:spPr>
           <a:xfrm>
-            <a:off x="1059473" y="2437679"/>
+            <a:off x="1024304" y="1874962"/>
             <a:ext cx="6629399" cy="334598"/>
           </a:xfrm>
           <a:prstGeom prst="rect">
@@ -2944,6 +2872,83 @@
                 </a:schemeClr>
               </a:solidFill>
             </a:endParaRPr>
+          </a:p>
+        </p:txBody>
+      </p:sp>
+      <p:sp>
+        <p:nvSpPr>
+          <p:cNvPr id="16" name="Text Placeholder 9">
+            <a:extLst>
+              <a:ext uri="{FF2B5EF4-FFF2-40B4-BE49-F238E27FC236}">
+                <a16:creationId xmlns:a16="http://schemas.microsoft.com/office/drawing/2014/main" id="{2DED039B-C555-DCF4-1CA7-CA1E44823784}"/>
+              </a:ext>
+            </a:extLst>
+          </p:cNvPr>
+          <p:cNvSpPr>
+            <a:spLocks noGrp="1"/>
+          </p:cNvSpPr>
+          <p:nvPr>
+            <p:ph type="body" sz="quarter" idx="15" hasCustomPrompt="1"/>
+          </p:nvPr>
+        </p:nvSpPr>
+        <p:spPr>
+          <a:xfrm>
+            <a:off x="268165" y="3131272"/>
+            <a:ext cx="8480181" cy="334598"/>
+          </a:xfrm>
+          <a:prstGeom prst="rect">
+            <a:avLst/>
+          </a:prstGeom>
+        </p:spPr>
+        <p:txBody>
+          <a:bodyPr/>
+          <a:lstStyle>
+            <a:lvl1pPr marL="0" marR="0" indent="0" algn="ctr" defTabSz="914400" rtl="0" eaLnBrk="1" fontAlgn="auto" latinLnBrk="0" hangingPunct="1">
+              <a:lnSpc>
+                <a:spcPct val="100000"/>
+              </a:lnSpc>
+              <a:spcBef>
+                <a:spcPct val="20000"/>
+              </a:spcBef>
+              <a:spcAft>
+                <a:spcPts val="0"/>
+              </a:spcAft>
+              <a:buClrTx/>
+              <a:buSzTx/>
+              <a:buFont typeface="Arial" pitchFamily="34" charset="0"/>
+              <a:buNone/>
+              <a:tabLst/>
+              <a:defRPr sz="1800" b="0">
+                <a:solidFill>
+                  <a:schemeClr val="tx1"/>
+                </a:solidFill>
+                <a:latin typeface="Arial" panose="020B0604020202020204" pitchFamily="34" charset="0"/>
+                <a:cs typeface="Arial" panose="020B0604020202020204" pitchFamily="34" charset="0"/>
+              </a:defRPr>
+            </a:lvl1pPr>
+          </a:lstStyle>
+          <a:p>
+            <a:pPr>
+              <a:spcAft>
+                <a:spcPts val="1200"/>
+              </a:spcAft>
+            </a:pPr>
+            <a:r>
+              <a:rPr lang="en-US" sz="1800" b="1" dirty="0">
+                <a:solidFill>
+                  <a:srgbClr val="000000"/>
+                </a:solidFill>
+              </a:rPr>
+              <a:t>Account Manager:</a:t>
+            </a:r>
+            <a:r>
+              <a:rPr lang="en-US" sz="1800" dirty="0">
+                <a:solidFill>
+                  <a:srgbClr val="000000"/>
+                </a:solidFill>
+              </a:rPr>
+              <a:t> [Name, Title] | [Email] | [Phone]</a:t>
+            </a:r>
           </a:p>
         </p:txBody>
       </p:sp>
@@ -2988,11 +2993,12 @@
   <p:sldLayoutIdLst>
     <p:sldLayoutId id="2147483651" r:id="rId1"/>
     <p:sldLayoutId id="2147483653" r:id="rId2"/>
-    <p:sldLayoutId id="2147483654" r:id="rId3"/>
-    <p:sldLayoutId id="2147483655" r:id="rId4"/>
-    <p:sldLayoutId id="2147483656" r:id="rId5"/>
-    <p:sldLayoutId id="2147483657" r:id="rId6"/>
-    <p:sldLayoutId id="2147483658" r:id="rId7"/>
+    <p:sldLayoutId id="2147483659" r:id="rId3"/>
+    <p:sldLayoutId id="2147483654" r:id="rId4"/>
+    <p:sldLayoutId id="2147483655" r:id="rId5"/>
+    <p:sldLayoutId id="2147483656" r:id="rId6"/>
+    <p:sldLayoutId id="2147483657" r:id="rId7"/>
+    <p:sldLayoutId id="2147483658" r:id="rId8"/>
   </p:sldLayoutIdLst>
   <p:hf sldNum="0" hdr="0" ftr="0" dt="0"/>
   <p:txStyles>
@@ -3258,18 +3264,25 @@
         <p:nvPr/>
       </p:nvGrpSpPr>
       <p:grpSpPr/>
-      <p:sp>
-        <p:nvSpPr>
-          <p:cNvPr id="2" name="Picture Placeholder 1"/>
-          <p:cNvSpPr>
-            <a:spLocks noGrp="1"/>
-          </p:cNvSpPr>
+      <p:pic>
+        <p:nvPicPr>
+          <p:cNvPr id="2" name="Picture Placeholder 1" descr="client_logo.png"/>
+          <p:cNvPicPr>
+            <a:picLocks noGrp="1" noChangeAspect="1"/>
+          </p:cNvPicPr>
           <p:nvPr>
             <p:ph type="pic" idx="10" sz="quarter"/>
           </p:nvPr>
-        </p:nvSpPr>
+        </p:nvPicPr>
+        <p:blipFill>
+          <a:blip r:embed="rId2"/>
+          <a:srcRect t="433" b="433"/>
+          <a:stretch>
+            <a:fillRect/>
+          </a:stretch>
+        </p:blipFill>
         <p:spPr/>
-      </p:sp>
+      </p:pic>
       <p:sp>
         <p:nvSpPr>
           <p:cNvPr id="3" name="Text Placeholder 2"/>
@@ -3286,23 +3299,30 @@
           <a:lstStyle/>
           <a:p>
             <a:r>
-              <a:t>Presentation Title</a:t>
+              <a:t>Solution Briefing</a:t>
             </a:r>
           </a:p>
         </p:txBody>
       </p:sp>
-      <p:sp>
-        <p:nvSpPr>
-          <p:cNvPr id="4" name="Picture Placeholder 3"/>
-          <p:cNvSpPr>
-            <a:spLocks noGrp="1"/>
-          </p:cNvSpPr>
+      <p:pic>
+        <p:nvPicPr>
+          <p:cNvPr id="4" name="Picture Placeholder 3" descr="consulting_company_logo.png"/>
+          <p:cNvPicPr>
+            <a:picLocks noGrp="1" noChangeAspect="1"/>
+          </p:cNvPicPr>
           <p:nvPr>
             <p:ph type="pic" idx="13" sz="quarter"/>
           </p:nvPr>
-        </p:nvSpPr>
+        </p:nvPicPr>
+        <p:blipFill>
+          <a:blip r:embed="rId3"/>
+          <a:srcRect t="5856" b="5856"/>
+          <a:stretch>
+            <a:fillRect/>
+          </a:stretch>
+        </p:blipFill>
         <p:spPr/>
-      </p:sp>
+      </p:pic>
       <p:sp>
         <p:nvSpPr>
           <p:cNvPr id="5" name="Text Placeholder 4"/>
@@ -3319,7 +3339,7 @@
           <a:lstStyle/>
           <a:p>
             <a:r>
-              <a:t>Solution Name</a:t>
+              <a:t>AWS Intelligent Document Processing</a:t>
             </a:r>
           </a:p>
         </p:txBody>
@@ -3340,11 +3360,35 @@
           <a:lstStyle/>
           <a:p>
             <a:r>
-              <a:t>Presenter Name | November 10, 2025</a:t>
+              <a:t>[Presenter Name] | November 15, 2025</a:t>
             </a:r>
           </a:p>
         </p:txBody>
       </p:sp>
+      <p:pic>
+        <p:nvPicPr>
+          <p:cNvPr id="7" name="Picture 6" descr="eo-framework-logo-real.png"/>
+          <p:cNvPicPr>
+            <a:picLocks noChangeAspect="1"/>
+          </p:cNvPicPr>
+          <p:nvPr/>
+        </p:nvPicPr>
+        <p:blipFill>
+          <a:blip r:embed="rId4"/>
+          <a:stretch>
+            <a:fillRect/>
+          </a:stretch>
+        </p:blipFill>
+        <p:spPr>
+          <a:xfrm>
+            <a:off x="6684264" y="4535424"/>
+            <a:ext cx="2139696" cy="530352"/>
+          </a:xfrm>
+          <a:prstGeom prst="rect">
+            <a:avLst/>
+          </a:prstGeom>
+        </p:spPr>
+      </p:pic>
     </p:spTree>
   </p:cSld>
   <p:clrMapOvr>
@@ -3363,14 +3407,33 @@
         <p:nvPr/>
       </p:nvGrpSpPr>
       <p:grpSpPr/>
-      <p:sp>
-        <p:nvSpPr>
-          <p:cNvPr id="2" name="Text Placeholder 1"/>
+      <p:pic>
+        <p:nvPicPr>
+          <p:cNvPr id="2" name="Picture Placeholder 1" descr="client_logo.png"/>
+          <p:cNvPicPr>
+            <a:picLocks noGrp="1" noChangeAspect="1"/>
+          </p:cNvPicPr>
+          <p:nvPr>
+            <p:ph type="pic" idx="10" sz="quarter"/>
+          </p:nvPr>
+        </p:nvPicPr>
+        <p:blipFill>
+          <a:blip r:embed="rId2"/>
+          <a:srcRect t="433" b="433"/>
+          <a:stretch>
+            <a:fillRect/>
+          </a:stretch>
+        </p:blipFill>
+        <p:spPr/>
+      </p:pic>
+      <p:sp>
+        <p:nvSpPr>
+          <p:cNvPr id="3" name="Text Placeholder 2"/>
           <p:cNvSpPr>
             <a:spLocks noGrp="1"/>
           </p:cNvSpPr>
           <p:nvPr>
-            <p:ph type="body" idx="10" sz="quarter"/>
+            <p:ph type="body" idx="12" sz="quarter"/>
           </p:nvPr>
         </p:nvSpPr>
         <p:spPr/>
@@ -3379,178 +3442,38 @@
           <a:lstStyle/>
           <a:p>
             <a:r>
-              <a:t>Slide 10: Investment Summary</a:t>
+              <a:t>Thank You</a:t>
             </a:r>
           </a:p>
         </p:txBody>
       </p:sp>
-      <p:sp>
-        <p:nvSpPr>
-          <p:cNvPr id="3" name="Text Placeholder 2"/>
+      <p:pic>
+        <p:nvPicPr>
+          <p:cNvPr id="4" name="Picture Placeholder 3" descr="consulting_company_logo.png"/>
+          <p:cNvPicPr>
+            <a:picLocks noGrp="1" noChangeAspect="1"/>
+          </p:cNvPicPr>
+          <p:nvPr>
+            <p:ph type="pic" idx="13" sz="quarter"/>
+          </p:nvPr>
+        </p:nvPicPr>
+        <p:blipFill>
+          <a:blip r:embed="rId3"/>
+          <a:srcRect t="7166" b="7166"/>
+          <a:stretch>
+            <a:fillRect/>
+          </a:stretch>
+        </p:blipFill>
+        <p:spPr/>
+      </p:pic>
+      <p:sp>
+        <p:nvSpPr>
+          <p:cNvPr id="5" name="Text Placeholder 4"/>
           <p:cNvSpPr>
             <a:spLocks noGrp="1"/>
           </p:cNvSpPr>
           <p:nvPr>
-            <p:ph type="body" idx="11" sz="quarter"/>
-          </p:nvPr>
-        </p:nvSpPr>
-        <p:spPr/>
-        <p:txBody>
-          <a:bodyPr/>
-          <a:lstStyle/>
-          <a:p>
-            <a:pPr/>
-            <a:r>
-              <a:rPr>
-                <a:solidFill>
-                  <a:srgbClr val="000000"/>
-                </a:solidFill>
-              </a:rPr>
-              <a:t>Implementation Services: $[Amount] (AWS environment setup, ML model development, integration)</a:t>
-            </a:r>
-          </a:p>
-          <a:p>
-            <a:pPr/>
-            <a:r>
-              <a:rPr>
-                <a:solidFill>
-                  <a:srgbClr val="000000"/>
-                </a:solidFill>
-              </a:rPr>
-              <a:t>AWS Services (Year 1): $[Amount] (Textract, Comprehend, Lambda, S3, etc.)</a:t>
-            </a:r>
-          </a:p>
-          <a:p>
-            <a:pPr/>
-            <a:r>
-              <a:rPr>
-                <a:solidFill>
-                  <a:srgbClr val="000000"/>
-                </a:solidFill>
-              </a:rPr>
-              <a:t>Training &amp; Change Management: $[Amount]</a:t>
-            </a:r>
-          </a:p>
-          <a:p>
-            <a:pPr/>
-            <a:r>
-              <a:rPr>
-                <a:solidFill>
-                  <a:srgbClr val="000000"/>
-                </a:solidFill>
-              </a:rPr>
-              <a:t>AWS Platform Services: $[Amount] (Textract/Comprehend usage, compute, storage)</a:t>
-            </a:r>
-          </a:p>
-          <a:p>
-            <a:pPr/>
-            <a:r>
-              <a:rPr>
-                <a:solidFill>
-                  <a:srgbClr val="000000"/>
-                </a:solidFill>
-              </a:rPr>
-              <a:t>Support &amp; Maintenance: $[Amount]</a:t>
-            </a:r>
-          </a:p>
-          <a:p>
-            <a:pPr/>
-            <a:r>
-              <a:rPr>
-                <a:solidFill>
-                  <a:srgbClr val="000000"/>
-                </a:solidFill>
-              </a:rPr>
-              <a:t>Reduced Labor Costs: $[Amount] (70-80% reduction in processing staff)</a:t>
-            </a:r>
-          </a:p>
-          <a:p>
-            <a:pPr/>
-            <a:r>
-              <a:rPr>
-                <a:solidFill>
-                  <a:srgbClr val="000000"/>
-                </a:solidFill>
-              </a:rPr>
-              <a:t>ROI: [X]% over 3 years</a:t>
-            </a:r>
-          </a:p>
-          <a:p>
-            <a:pPr/>
-            <a:r>
-              <a:rPr>
-                <a:solidFill>
-                  <a:srgbClr val="000000"/>
-                </a:solidFill>
-              </a:rPr>
-              <a:t>Payback Period: [Y] months</a:t>
-            </a:r>
-          </a:p>
-          <a:p>
-            <a:pPr/>
-            <a:r>
-              <a:rPr>
-                <a:solidFill>
-                  <a:srgbClr val="000000"/>
-                </a:solidFill>
-              </a:rPr>
-              <a:t>NPV: $[Amount] (at [Z]% discount rate)</a:t>
-            </a:r>
-          </a:p>
-          <a:p>
-            <a:pPr/>
-            <a:r>
-              <a:rPr>
-                <a:solidFill>
-                  <a:srgbClr val="000000"/>
-                </a:solidFill>
-              </a:rPr>
-              <a:t>Year 1 Net Benefit: $[Amount]</a:t>
-            </a:r>
-          </a:p>
-          <a:p>
-            <a:pPr/>
-            <a:r>
-              <a:rPr>
-                <a:solidFill>
-                  <a:srgbClr val="000000"/>
-                </a:solidFill>
-              </a:rPr>
-              <a:t>Current Annual Cost: $[Amount] (labor, errors, delays)</a:t>
-            </a:r>
-          </a:p>
-          <a:p>
-            <a:pPr/>
-            <a:r>
-              <a:rPr>
-                <a:solidFill>
-                  <a:srgbClr val="000000"/>
-                </a:solidFill>
-              </a:rPr>
-              <a:t>Future Annual Cost: $[Amount] (AWS services, reduced staff)</a:t>
-            </a:r>
-          </a:p>
-          <a:p>
-            <a:pPr/>
-            <a:r>
-              <a:rPr>
-                <a:solidFill>
-                  <a:srgbClr val="000000"/>
-                </a:solidFill>
-              </a:rPr>
-              <a:t>Annual Savings: $[Amount]</a:t>
-            </a:r>
-          </a:p>
-        </p:txBody>
-      </p:sp>
-      <p:sp>
-        <p:nvSpPr>
-          <p:cNvPr id="4" name="Text Placeholder 3"/>
-          <p:cNvSpPr>
-            <a:spLocks noGrp="1"/>
-          </p:cNvSpPr>
-          <p:nvPr>
-            <p:ph type="body" idx="13" sz="quarter"/>
+            <p:ph type="body" idx="14" sz="quarter"/>
           </p:nvPr>
         </p:nvSpPr>
         <p:spPr/>
@@ -3562,54 +3485,12 @@
       </p:sp>
       <p:sp>
         <p:nvSpPr>
-          <p:cNvPr id="5" name="Picture Placeholder 4"/>
+          <p:cNvPr id="6" name="Text Placeholder 5"/>
           <p:cNvSpPr>
             <a:spLocks noGrp="1"/>
           </p:cNvSpPr>
           <p:nvPr>
-            <p:ph type="pic" idx="14" sz="quarter"/>
-          </p:nvPr>
-        </p:nvSpPr>
-        <p:spPr/>
-      </p:sp>
-      <p:sp>
-        <p:nvSpPr>
-          <p:cNvPr id="6" name="Chart Placeholder 5"/>
-          <p:cNvSpPr>
-            <a:spLocks noGrp="1"/>
-          </p:cNvSpPr>
-          <p:nvPr>
-            <p:ph type="chart" idx="15" sz="quarter"/>
-          </p:nvPr>
-        </p:nvSpPr>
-        <p:spPr/>
-      </p:sp>
-    </p:spTree>
-  </p:cSld>
-  <p:clrMapOvr>
-    <a:masterClrMapping/>
-  </p:clrMapOvr>
-</p:sld>
-</file>
-
-<file path=ppt/slides/slide11.xml><?xml version="1.0" encoding="utf-8"?>
-<p:sld xmlns:a="http://schemas.openxmlformats.org/drawingml/2006/main" xmlns:p="http://schemas.openxmlformats.org/presentationml/2006/main" xmlns:r="http://schemas.openxmlformats.org/officeDocument/2006/relationships">
-  <p:cSld>
-    <p:spTree>
-      <p:nvGrpSpPr>
-        <p:cNvPr id="1" name=""/>
-        <p:cNvGrpSpPr/>
-        <p:nvPr/>
-      </p:nvGrpSpPr>
-      <p:grpSpPr/>
-      <p:sp>
-        <p:nvSpPr>
-          <p:cNvPr id="2" name="Text Placeholder 1"/>
-          <p:cNvSpPr>
-            <a:spLocks noGrp="1"/>
-          </p:cNvSpPr>
-          <p:nvPr>
-            <p:ph type="body" idx="10" sz="quarter"/>
+            <p:ph type="body" idx="15" sz="quarter"/>
           </p:nvPr>
         </p:nvSpPr>
         <p:spPr/>
@@ -3617,1015 +3498,41 @@
           <a:bodyPr/>
           <a:lstStyle/>
           <a:p>
-            <a:r>
-              <a:t>Slide 11: Timeline &amp; Milestones</a:t>
+            <a:pPr/>
+            <a:r>
+              <a:rPr b="1"/>
+              <a:t>Your Account Manager:</a:t>
+            </a:r>
+            <a:r>
+              <a:t> [Name, Title] | [Email] | [Phone]</a:t>
             </a:r>
           </a:p>
         </p:txBody>
       </p:sp>
-      <p:sp>
-        <p:nvSpPr>
-          <p:cNvPr id="3" name="Picture Placeholder 2"/>
-          <p:cNvSpPr>
-            <a:spLocks noGrp="1"/>
-          </p:cNvSpPr>
-          <p:nvPr>
-            <p:ph type="pic" idx="13" sz="quarter"/>
-          </p:nvPr>
-        </p:nvSpPr>
-        <p:spPr/>
-      </p:sp>
-      <p:sp>
-        <p:nvSpPr>
-          <p:cNvPr id="4" name="Text Placeholder 3"/>
-          <p:cNvSpPr>
-            <a:spLocks noGrp="1"/>
-          </p:cNvSpPr>
-          <p:nvPr>
-            <p:ph type="body" idx="14" sz="quarter"/>
-          </p:nvPr>
-        </p:nvSpPr>
-        <p:spPr/>
-        <p:txBody>
-          <a:bodyPr/>
-          <a:lstStyle/>
-          <a:p>
-            <a:pPr/>
-            <a:r>
-              <a:rPr>
-                <a:solidFill>
-                  <a:srgbClr val="000000"/>
-                </a:solidFill>
-              </a:rPr>
-              <a:t>Month 1: Pilot environment operational, initial document testing begins</a:t>
-            </a:r>
-          </a:p>
-          <a:p>
-            <a:pPr/>
-            <a:r>
-              <a:rPr>
-                <a:solidFill>
-                  <a:srgbClr val="000000"/>
-                </a:solidFill>
-              </a:rPr>
-              <a:t>Month 2: Accuracy validation complete (&gt;95%), integration testing done</a:t>
-            </a:r>
-          </a:p>
-          <a:p>
-            <a:pPr/>
-            <a:r>
-              <a:rPr>
-                <a:solidFill>
-                  <a:srgbClr val="000000"/>
-                </a:solidFill>
-              </a:rPr>
-              <a:t>Month 4: Production scaling achieved, additional document types deployed</a:t>
-            </a:r>
-          </a:p>
-          <a:p>
-            <a:pPr/>
-            <a:r>
-              <a:rPr>
-                <a:solidFill>
-                  <a:srgbClr val="000000"/>
-                </a:solidFill>
-              </a:rPr>
-              <a:t>Month 6: Full ROI realization, complete automation achieved</a:t>
-            </a:r>
-          </a:p>
-          <a:p>
-            <a:pPr/>
-            <a:r>
-              <a:rPr>
-                <a:solidFill>
-                  <a:srgbClr val="000000"/>
-                </a:solidFill>
-              </a:rPr>
-              <a:t>Month 7+: Ongoing optimization and potential expansion to new use cases</a:t>
-            </a:r>
-          </a:p>
-          <a:p>
-            <a:pPr/>
-            <a:r>
-              <a:rPr>
-                <a:solidFill>
-                  <a:srgbClr val="000000"/>
-                </a:solidFill>
-              </a:rPr>
-              <a:t>Month 2: Pilot document type automated - early productivity gains</a:t>
-            </a:r>
-          </a:p>
-          <a:p>
-            <a:pPr/>
-            <a:r>
-              <a:rPr>
-                <a:solidFill>
-                  <a:srgbClr val="000000"/>
-                </a:solidFill>
-              </a:rPr>
-              <a:t>Month 3: Integration complete - seamless data flow to business systems</a:t>
-            </a:r>
-          </a:p>
-          <a:p>
-            <a:pPr/>
-            <a:r>
-              <a:rPr>
-                <a:solidFill>
-                  <a:srgbClr val="000000"/>
-                </a:solidFill>
-              </a:rPr>
-              <a:t>Month 4: 50%+ of documents automated - significant cost reduction begins</a:t>
-            </a:r>
-          </a:p>
-          <a:p>
-            <a:pPr/>
-            <a:r>
-              <a:rPr>
-                <a:solidFill>
-                  <a:srgbClr val="000000"/>
-                </a:solidFill>
-              </a:rPr>
-              <a:t>Week 2: Requirements and document analysis complete</a:t>
-            </a:r>
-          </a:p>
-          <a:p>
-            <a:pPr/>
-            <a:r>
-              <a:rPr>
-                <a:solidFill>
-                  <a:srgbClr val="000000"/>
-                </a:solidFill>
-              </a:rPr>
-              <a:t>Week 3: Solution architecture approved</a:t>
-            </a:r>
-          </a:p>
-          <a:p>
-            <a:pPr/>
-            <a:r>
-              <a:rPr>
-                <a:solidFill>
-                  <a:srgbClr val="000000"/>
-                </a:solidFill>
-              </a:rPr>
-              <a:t>Week 8: Pilot deployment complete</a:t>
-            </a:r>
-          </a:p>
-          <a:p>
-            <a:pPr/>
-            <a:r>
-              <a:rPr>
-                <a:solidFill>
-                  <a:srgbClr val="000000"/>
-                </a:solidFill>
-              </a:rPr>
-              <a:t>Week 12: Testing and validation complete</a:t>
-            </a:r>
-          </a:p>
-          <a:p>
-            <a:pPr/>
-            <a:r>
-              <a:rPr>
-                <a:solidFill>
-                  <a:srgbClr val="000000"/>
-                </a:solidFill>
-              </a:rPr>
-              <a:t>Week 16: Production deployment and go-live</a:t>
-            </a:r>
-          </a:p>
-        </p:txBody>
-      </p:sp>
-    </p:spTree>
-  </p:cSld>
-  <p:clrMapOvr>
-    <a:masterClrMapping/>
-  </p:clrMapOvr>
-</p:sld>
-</file>
-
-<file path=ppt/slides/slide12.xml><?xml version="1.0" encoding="utf-8"?>
-<p:sld xmlns:a="http://schemas.openxmlformats.org/drawingml/2006/main" xmlns:p="http://schemas.openxmlformats.org/presentationml/2006/main" xmlns:r="http://schemas.openxmlformats.org/officeDocument/2006/relationships">
-  <p:cSld>
-    <p:spTree>
-      <p:nvGrpSpPr>
-        <p:cNvPr id="1" name=""/>
-        <p:cNvGrpSpPr/>
-        <p:nvPr/>
-      </p:nvGrpSpPr>
-      <p:grpSpPr/>
-      <p:sp>
-        <p:nvSpPr>
-          <p:cNvPr id="2" name="Text Placeholder 1"/>
-          <p:cNvSpPr>
-            <a:spLocks noGrp="1"/>
-          </p:cNvSpPr>
-          <p:nvPr>
-            <p:ph type="body" idx="10" sz="quarter"/>
-          </p:nvPr>
-        </p:nvSpPr>
-        <p:spPr/>
-        <p:txBody>
-          <a:bodyPr/>
-          <a:lstStyle/>
-          <a:p>
-            <a:r>
-              <a:t>Slide 12: Success Stories</a:t>
-            </a:r>
-          </a:p>
-        </p:txBody>
-      </p:sp>
-      <p:sp>
-        <p:nvSpPr>
-          <p:cNvPr id="3" name="Picture Placeholder 2"/>
-          <p:cNvSpPr>
-            <a:spLocks noGrp="1"/>
-          </p:cNvSpPr>
-          <p:nvPr>
-            <p:ph type="pic" idx="13" sz="quarter"/>
-          </p:nvPr>
-        </p:nvSpPr>
-        <p:spPr/>
-      </p:sp>
-      <p:sp>
-        <p:nvSpPr>
-          <p:cNvPr id="4" name="Text Placeholder 3"/>
-          <p:cNvSpPr>
-            <a:spLocks noGrp="1"/>
-          </p:cNvSpPr>
-          <p:nvPr>
-            <p:ph type="body" idx="14" sz="quarter"/>
-          </p:nvPr>
-        </p:nvSpPr>
-        <p:spPr/>
-        <p:txBody>
-          <a:bodyPr/>
-          <a:lstStyle/>
-          <a:p>
-            <a:pPr/>
-            <a:r>
-              <a:rPr>
-                <a:solidFill>
-                  <a:srgbClr val="000000"/>
-                </a:solidFill>
-              </a:rPr>
-              <a:t>Challenge: 50,000 loan applications monthly requiring manual review</a:t>
-            </a:r>
-          </a:p>
-          <a:p>
-            <a:pPr/>
-            <a:r>
-              <a:rPr>
-                <a:solidFill>
-                  <a:srgbClr val="000000"/>
-                </a:solidFill>
-              </a:rPr>
-              <a:t>Solution: AWS IDP with custom classification models for financial documents</a:t>
-            </a:r>
-          </a:p>
-          <a:p>
-            <a:pPr/>
-            <a:r>
-              <a:rPr>
-                <a:solidFill>
-                  <a:srgbClr val="000000"/>
-                </a:solidFill>
-              </a:rPr>
-              <a:t>Results:</a:t>
-            </a:r>
-          </a:p>
-          <a:p>
-            <a:pPr lvl="1"/>
-            <a:r>
-              <a:rPr>
-                <a:solidFill>
-                  <a:srgbClr val="000000"/>
-                </a:solidFill>
-              </a:rPr>
-              <a:t>90% processing time reduction (days → hours)</a:t>
-            </a:r>
-          </a:p>
-          <a:p>
-            <a:pPr lvl="1"/>
-            <a:r>
-              <a:rPr>
-                <a:solidFill>
-                  <a:srgbClr val="000000"/>
-                </a:solidFill>
-              </a:rPr>
-              <a:t>$2M annual savings through automation</a:t>
-            </a:r>
-          </a:p>
-          <a:p>
-            <a:pPr lvl="1"/>
-            <a:r>
-              <a:rPr>
-                <a:solidFill>
-                  <a:srgbClr val="000000"/>
-                </a:solidFill>
-              </a:rPr>
-              <a:t>99%+ accuracy in data extraction</a:t>
-            </a:r>
-          </a:p>
-          <a:p>
-            <a:pPr lvl="1"/>
-            <a:r>
-              <a:rPr>
-                <a:solidFill>
-                  <a:srgbClr val="000000"/>
-                </a:solidFill>
-              </a:rPr>
-              <a:t>ROI: 340% over 3 years</a:t>
-            </a:r>
-          </a:p>
-          <a:p>
-            <a:pPr/>
-            <a:r>
-              <a:rPr>
-                <a:solidFill>
-                  <a:srgbClr val="000000"/>
-                </a:solidFill>
-              </a:rPr>
-              <a:t>Challenge: Medical records digitization with HIPAA compliance requirements</a:t>
-            </a:r>
-          </a:p>
-          <a:p>
-            <a:pPr/>
-            <a:r>
-              <a:rPr>
-                <a:solidFill>
-                  <a:srgbClr val="000000"/>
-                </a:solidFill>
-              </a:rPr>
-              <a:t>Solution: AWS IDP with secure document processing and PHI protection</a:t>
-            </a:r>
-          </a:p>
-          <a:p>
-            <a:pPr/>
-            <a:r>
-              <a:rPr>
-                <a:solidFill>
-                  <a:srgbClr val="000000"/>
-                </a:solidFill>
-              </a:rPr>
-              <a:t>Results:</a:t>
-            </a:r>
-          </a:p>
-          <a:p>
-            <a:pPr lvl="1"/>
-            <a:r>
-              <a:rPr>
-                <a:solidFill>
-                  <a:srgbClr val="000000"/>
-                </a:solidFill>
-              </a:rPr>
-              <a:t>95% accuracy with human review for complex cases</a:t>
-            </a:r>
-          </a:p>
-          <a:p>
-            <a:pPr lvl="1"/>
-            <a:r>
-              <a:rPr>
-                <a:solidFill>
-                  <a:srgbClr val="000000"/>
-                </a:solidFill>
-              </a:rPr>
-              <a:t>HIPAA-compliant architecture with audit trails</a:t>
-            </a:r>
-          </a:p>
-          <a:p>
-            <a:pPr lvl="1"/>
-            <a:r>
-              <a:rPr>
-                <a:solidFill>
-                  <a:srgbClr val="000000"/>
-                </a:solidFill>
-              </a:rPr>
-              <a:t>80% cost reduction in records processing</a:t>
-            </a:r>
-          </a:p>
-          <a:p>
-            <a:pPr lvl="1"/>
-            <a:r>
-              <a:rPr>
-                <a:solidFill>
-                  <a:srgbClr val="000000"/>
-                </a:solidFill>
-              </a:rPr>
-              <a:t>ROI: 280% over 3 years</a:t>
-            </a:r>
-          </a:p>
-          <a:p>
-            <a:pPr/>
-            <a:r>
-              <a:rPr>
-                <a:solidFill>
-                  <a:srgbClr val="000000"/>
-                </a:solidFill>
-              </a:rPr>
-              <a:t>Challenge: Citizen service forms processing during peak periods</a:t>
-            </a:r>
-          </a:p>
-          <a:p>
-            <a:pPr/>
-            <a:r>
-              <a:rPr>
-                <a:solidFill>
-                  <a:srgbClr val="000000"/>
-                </a:solidFill>
-              </a:rPr>
-              <a:t>Solution: AWS IDP with scalable serverless architecture</a:t>
-            </a:r>
-          </a:p>
-          <a:p>
-            <a:pPr/>
-            <a:r>
-              <a:rPr>
-                <a:solidFill>
-                  <a:srgbClr val="000000"/>
-                </a:solidFill>
-              </a:rPr>
-              <a:t>Results:</a:t>
-            </a:r>
-          </a:p>
-          <a:p>
-            <a:pPr lvl="1"/>
-            <a:r>
-              <a:rPr>
-                <a:solidFill>
-                  <a:srgbClr val="000000"/>
-                </a:solidFill>
-              </a:rPr>
-              <a:t>24/7 processing capability with no manual intervention</a:t>
-            </a:r>
-          </a:p>
-          <a:p>
-            <a:pPr lvl="1"/>
-            <a:r>
-              <a:rPr>
-                <a:solidFill>
-                  <a:srgbClr val="000000"/>
-                </a:solidFill>
-              </a:rPr>
-              <a:t>85% staff redeployment to citizen-facing roles</a:t>
-            </a:r>
-          </a:p>
-          <a:p>
-            <a:pPr lvl="1"/>
-            <a:r>
-              <a:rPr>
-                <a:solidFill>
-                  <a:srgbClr val="000000"/>
-                </a:solidFill>
-              </a:rPr>
-              <a:t>Improved citizen satisfaction scores</a:t>
-            </a:r>
-          </a:p>
-          <a:p>
-            <a:pPr lvl="1"/>
-            <a:r>
-              <a:rPr>
-                <a:solidFill>
-                  <a:srgbClr val="000000"/>
-                </a:solidFill>
-              </a:rPr>
-              <a:t>ROI: 250% over 3 years</a:t>
-            </a:r>
-          </a:p>
-          <a:p>
-            <a:pPr/>
-            <a:r>
-              <a:rPr>
-                <a:solidFill>
-                  <a:srgbClr val="000000"/>
-                </a:solidFill>
-              </a:rPr>
-              <a:t>AWS Premier Consulting Partner</a:t>
-            </a:r>
-          </a:p>
-          <a:p>
-            <a:pPr/>
-            <a:r>
-              <a:rPr>
-                <a:solidFill>
-                  <a:srgbClr val="000000"/>
-                </a:solidFill>
-              </a:rPr>
-              <a:t>AWS AI/ML Competency certified</a:t>
-            </a:r>
-          </a:p>
-          <a:p>
-            <a:pPr/>
-            <a:r>
-              <a:rPr>
-                <a:solidFill>
-                  <a:srgbClr val="000000"/>
-                </a:solidFill>
-              </a:rPr>
-              <a:t>[X] successful IDP implementations</a:t>
-            </a:r>
-          </a:p>
-        </p:txBody>
-      </p:sp>
-    </p:spTree>
-  </p:cSld>
-  <p:clrMapOvr>
-    <a:masterClrMapping/>
-  </p:clrMapOvr>
-</p:sld>
-</file>
-
-<file path=ppt/slides/slide13.xml><?xml version="1.0" encoding="utf-8"?>
-<p:sld xmlns:a="http://schemas.openxmlformats.org/drawingml/2006/main" xmlns:p="http://schemas.openxmlformats.org/presentationml/2006/main" xmlns:r="http://schemas.openxmlformats.org/officeDocument/2006/relationships">
-  <p:cSld>
-    <p:spTree>
-      <p:nvGrpSpPr>
-        <p:cNvPr id="1" name=""/>
-        <p:cNvGrpSpPr/>
-        <p:nvPr/>
-      </p:nvGrpSpPr>
-      <p:grpSpPr/>
-      <p:sp>
-        <p:nvSpPr>
-          <p:cNvPr id="2" name="Text Placeholder 1"/>
-          <p:cNvSpPr>
-            <a:spLocks noGrp="1"/>
-          </p:cNvSpPr>
-          <p:nvPr>
-            <p:ph type="body" idx="10" sz="quarter"/>
-          </p:nvPr>
-        </p:nvSpPr>
-        <p:spPr/>
-        <p:txBody>
-          <a:bodyPr/>
-          <a:lstStyle/>
-          <a:p>
-            <a:r>
-              <a:t>Slide 13: Our Partnership Advantage</a:t>
-            </a:r>
-          </a:p>
-        </p:txBody>
-      </p:sp>
-      <p:sp>
-        <p:nvSpPr>
-          <p:cNvPr id="3" name="Picture Placeholder 2"/>
-          <p:cNvSpPr>
-            <a:spLocks noGrp="1"/>
-          </p:cNvSpPr>
-          <p:nvPr>
-            <p:ph type="pic" idx="13" sz="quarter"/>
-          </p:nvPr>
-        </p:nvSpPr>
-        <p:spPr/>
-      </p:sp>
-      <p:sp>
-        <p:nvSpPr>
-          <p:cNvPr id="4" name="Text Placeholder 3"/>
-          <p:cNvSpPr>
-            <a:spLocks noGrp="1"/>
-          </p:cNvSpPr>
-          <p:nvPr>
-            <p:ph type="body" idx="14" sz="quarter"/>
-          </p:nvPr>
-        </p:nvSpPr>
-        <p:spPr/>
-        <p:txBody>
-          <a:bodyPr/>
-          <a:lstStyle/>
-          <a:p>
-            <a:pPr/>
-            <a:r>
-              <a:rPr>
-                <a:solidFill>
-                  <a:srgbClr val="000000"/>
-                </a:solidFill>
-              </a:rPr>
-              <a:t>AWS Premier Consulting Partner with AI/ML Competency</a:t>
-            </a:r>
-          </a:p>
-          <a:p>
-            <a:pPr/>
-            <a:r>
-              <a:rPr>
-                <a:solidFill>
-                  <a:srgbClr val="000000"/>
-                </a:solidFill>
-              </a:rPr>
-              <a:t>[X] years of experience with AWS AI services</a:t>
-            </a:r>
-          </a:p>
-          <a:p>
-            <a:pPr/>
-            <a:r>
-              <a:rPr>
-                <a:solidFill>
-                  <a:srgbClr val="000000"/>
-                </a:solidFill>
-              </a:rPr>
-              <a:t>[Y] successful intelligent document processing implementations</a:t>
-            </a:r>
-          </a:p>
-          <a:p>
-            <a:pPr/>
-            <a:r>
-              <a:rPr>
-                <a:solidFill>
-                  <a:srgbClr val="000000"/>
-                </a:solidFill>
-              </a:rPr>
-              <a:t>Certified AWS Solutions Architects and ML specialists</a:t>
-            </a:r>
-          </a:p>
-          <a:p>
-            <a:pPr/>
-            <a:r>
-              <a:rPr>
-                <a:solidFill>
-                  <a:srgbClr val="000000"/>
-                </a:solidFill>
-              </a:rPr>
-              <a:t>End-to-end implementation from assessment to production</a:t>
-            </a:r>
-          </a:p>
-          <a:p>
-            <a:pPr/>
-            <a:r>
-              <a:rPr>
-                <a:solidFill>
-                  <a:srgbClr val="000000"/>
-                </a:solidFill>
-              </a:rPr>
-              <a:t>ML model development and optimization</a:t>
-            </a:r>
-          </a:p>
-          <a:p>
-            <a:pPr/>
-            <a:r>
-              <a:rPr>
-                <a:solidFill>
-                  <a:srgbClr val="000000"/>
-                </a:solidFill>
-              </a:rPr>
-              <a:t>Integration with existing business systems</a:t>
-            </a:r>
-          </a:p>
-          <a:p>
-            <a:pPr/>
-            <a:r>
-              <a:rPr>
-                <a:solidFill>
-                  <a:srgbClr val="000000"/>
-                </a:solidFill>
-              </a:rPr>
-              <a:t>Post-launch hypercare and ongoing optimization</a:t>
-            </a:r>
-          </a:p>
-          <a:p>
-            <a:pPr/>
-            <a:r>
-              <a:rPr>
-                <a:solidFill>
-                  <a:srgbClr val="000000"/>
-                </a:solidFill>
-              </a:rPr>
-              <a:t>24/7 support options available</a:t>
-            </a:r>
-          </a:p>
-          <a:p>
-            <a:pPr/>
-            <a:r>
-              <a:rPr>
-                <a:solidFill>
-                  <a:srgbClr val="000000"/>
-                </a:solidFill>
-              </a:rPr>
-              <a:t>Deep expertise in document processing automation</a:t>
-            </a:r>
-          </a:p>
-          <a:p>
-            <a:pPr/>
-            <a:r>
-              <a:rPr>
-                <a:solidFill>
-                  <a:srgbClr val="000000"/>
-                </a:solidFill>
-              </a:rPr>
-              <a:t>Proven methodologies for AI/ML implementation</a:t>
-            </a:r>
-          </a:p>
-          <a:p>
-            <a:pPr/>
-            <a:r>
-              <a:rPr>
-                <a:solidFill>
-                  <a:srgbClr val="000000"/>
-                </a:solidFill>
-              </a:rPr>
-              <a:t>Strong track record of ROI delivery</a:t>
-            </a:r>
-          </a:p>
-          <a:p>
-            <a:pPr/>
-            <a:r>
-              <a:rPr>
-                <a:solidFill>
-                  <a:srgbClr val="000000"/>
-                </a:solidFill>
-              </a:rPr>
-              <a:t>Commitment to knowledge transfer and enablement</a:t>
-            </a:r>
-          </a:p>
-          <a:p>
-            <a:pPr/>
-            <a:r>
-              <a:rPr>
-                <a:solidFill>
-                  <a:srgbClr val="000000"/>
-                </a:solidFill>
-              </a:rPr>
-              <a:t>Access to latest AWS AI/ML innovations</a:t>
-            </a:r>
-          </a:p>
-          <a:p>
-            <a:pPr/>
-            <a:r>
-              <a:rPr>
-                <a:solidFill>
-                  <a:srgbClr val="000000"/>
-                </a:solidFill>
-              </a:rPr>
-              <a:t>Leverage AWS managed services for reduced operational overhead</a:t>
-            </a:r>
-          </a:p>
-          <a:p>
-            <a:pPr/>
-            <a:r>
-              <a:rPr>
-                <a:solidFill>
-                  <a:srgbClr val="000000"/>
-                </a:solidFill>
-              </a:rPr>
-              <a:t>Benefit from continuous AWS model improvements</a:t>
-            </a:r>
-          </a:p>
-          <a:p>
-            <a:pPr/>
-            <a:r>
-              <a:rPr>
-                <a:solidFill>
-                  <a:srgbClr val="000000"/>
-                </a:solidFill>
-              </a:rPr>
-              <a:t>Pay-per-use pricing with no upfront licensing costs</a:t>
-            </a:r>
-          </a:p>
-        </p:txBody>
-      </p:sp>
-    </p:spTree>
-  </p:cSld>
-  <p:clrMapOvr>
-    <a:masterClrMapping/>
-  </p:clrMapOvr>
-</p:sld>
-</file>
-
-<file path=ppt/slides/slide14.xml><?xml version="1.0" encoding="utf-8"?>
-<p:sld xmlns:a="http://schemas.openxmlformats.org/drawingml/2006/main" xmlns:p="http://schemas.openxmlformats.org/presentationml/2006/main" xmlns:r="http://schemas.openxmlformats.org/officeDocument/2006/relationships">
-  <p:cSld>
-    <p:spTree>
-      <p:nvGrpSpPr>
-        <p:cNvPr id="1" name=""/>
-        <p:cNvGrpSpPr/>
-        <p:nvPr/>
-      </p:nvGrpSpPr>
-      <p:grpSpPr/>
-      <p:sp>
-        <p:nvSpPr>
-          <p:cNvPr id="2" name="Picture Placeholder 1"/>
-          <p:cNvSpPr>
-            <a:spLocks noGrp="1"/>
-          </p:cNvSpPr>
-          <p:nvPr>
-            <p:ph type="pic" idx="10" sz="quarter"/>
-          </p:nvPr>
-        </p:nvSpPr>
-        <p:spPr/>
-      </p:sp>
-      <p:sp>
-        <p:nvSpPr>
-          <p:cNvPr id="3" name="Text Placeholder 2"/>
-          <p:cNvSpPr>
-            <a:spLocks noGrp="1"/>
-          </p:cNvSpPr>
-          <p:nvPr>
-            <p:ph type="body" idx="12" sz="quarter"/>
-          </p:nvPr>
-        </p:nvSpPr>
-        <p:spPr/>
-        <p:txBody>
-          <a:bodyPr/>
-          <a:lstStyle/>
-          <a:p>
-            <a:r>
-              <a:t>Slide 14: Next Steps</a:t>
-            </a:r>
-          </a:p>
-        </p:txBody>
-      </p:sp>
-      <p:sp>
-        <p:nvSpPr>
-          <p:cNvPr id="4" name="Picture Placeholder 3"/>
-          <p:cNvSpPr>
-            <a:spLocks noGrp="1"/>
-          </p:cNvSpPr>
-          <p:nvPr>
-            <p:ph type="pic" idx="13" sz="quarter"/>
-          </p:nvPr>
-        </p:nvSpPr>
-        <p:spPr/>
-      </p:sp>
-      <p:sp>
-        <p:nvSpPr>
-          <p:cNvPr id="5" name="Text Placeholder 4"/>
-          <p:cNvSpPr>
-            <a:spLocks noGrp="1"/>
-          </p:cNvSpPr>
-          <p:nvPr>
-            <p:ph type="body" idx="14" sz="quarter"/>
-          </p:nvPr>
-        </p:nvSpPr>
-        <p:spPr/>
-        <p:txBody>
-          <a:bodyPr/>
-          <a:lstStyle/>
-          <a:p>
-            <a:pPr/>
-            <a:r>
-              <a:rPr>
-                <a:solidFill>
-                  <a:srgbClr val="000000"/>
-                </a:solidFill>
-              </a:rPr>
-              <a:t>Week 1: Contract finalization and AWS environment setup</a:t>
-            </a:r>
-          </a:p>
-          <a:p>
-            <a:pPr/>
-            <a:r>
-              <a:rPr>
-                <a:solidFill>
-                  <a:srgbClr val="000000"/>
-                </a:solidFill>
-              </a:rPr>
-              <a:t>Week 2: Requirements gathering and document analysis workshop</a:t>
-            </a:r>
-          </a:p>
-          <a:p>
-            <a:pPr/>
-            <a:r>
-              <a:rPr>
-                <a:solidFill>
-                  <a:srgbClr val="000000"/>
-                </a:solidFill>
-              </a:rPr>
-              <a:t>Week 3: Solution architecture design and review</a:t>
-            </a:r>
-          </a:p>
-          <a:p>
-            <a:pPr/>
-            <a:r>
-              <a:rPr>
-                <a:solidFill>
-                  <a:srgbClr val="000000"/>
-                </a:solidFill>
-              </a:rPr>
-              <a:t>Week 4: Pilot environment deployment and initial testing</a:t>
-            </a:r>
-          </a:p>
-          <a:p>
-            <a:pPr/>
-            <a:r>
-              <a:rPr>
-                <a:solidFill>
-                  <a:srgbClr val="000000"/>
-                </a:solidFill>
-              </a:rPr>
-              <a:t>Budget Authorization: $[Amount] total investment over [X] months</a:t>
-            </a:r>
-          </a:p>
-          <a:p>
-            <a:pPr/>
-            <a:r>
-              <a:rPr>
-                <a:solidFill>
-                  <a:srgbClr val="000000"/>
-                </a:solidFill>
-              </a:rPr>
-              <a:t>Resource Commitment: Project manager and business SMEs (~20% time)</a:t>
-            </a:r>
-          </a:p>
-          <a:p>
-            <a:pPr/>
-            <a:r>
-              <a:rPr>
-                <a:solidFill>
-                  <a:srgbClr val="000000"/>
-                </a:solidFill>
-              </a:rPr>
-              <a:t>Timeline Approval: 6-month implementation timeline acceptable</a:t>
-            </a:r>
-          </a:p>
-          <a:p>
-            <a:pPr/>
-            <a:r>
-              <a:rPr>
-                <a:solidFill>
-                  <a:srgbClr val="000000"/>
-                </a:solidFill>
-              </a:rPr>
-              <a:t>Success Criteria Agreement: 95%+ accuracy, 90% time reduction targets</a:t>
-            </a:r>
-          </a:p>
-        </p:txBody>
-      </p:sp>
-    </p:spTree>
-  </p:cSld>
-  <p:clrMapOvr>
-    <a:masterClrMapping/>
-  </p:clrMapOvr>
-</p:sld>
-</file>
-
-<file path=ppt/slides/slide15.xml><?xml version="1.0" encoding="utf-8"?>
-<p:sld xmlns:a="http://schemas.openxmlformats.org/drawingml/2006/main" xmlns:p="http://schemas.openxmlformats.org/presentationml/2006/main" xmlns:r="http://schemas.openxmlformats.org/officeDocument/2006/relationships">
-  <p:cSld>
-    <p:spTree>
-      <p:nvGrpSpPr>
-        <p:cNvPr id="1" name=""/>
-        <p:cNvGrpSpPr/>
-        <p:nvPr/>
-      </p:nvGrpSpPr>
-      <p:grpSpPr/>
-      <p:sp>
-        <p:nvSpPr>
-          <p:cNvPr id="2" name="Picture Placeholder 1"/>
-          <p:cNvSpPr>
-            <a:spLocks noGrp="1"/>
-          </p:cNvSpPr>
-          <p:nvPr>
-            <p:ph type="pic" idx="10" sz="quarter"/>
-          </p:nvPr>
-        </p:nvSpPr>
-        <p:spPr/>
-      </p:sp>
-      <p:sp>
-        <p:nvSpPr>
-          <p:cNvPr id="3" name="Text Placeholder 2"/>
-          <p:cNvSpPr>
-            <a:spLocks noGrp="1"/>
-          </p:cNvSpPr>
-          <p:nvPr>
-            <p:ph type="body" idx="12" sz="quarter"/>
-          </p:nvPr>
-        </p:nvSpPr>
-        <p:spPr/>
-        <p:txBody>
-          <a:bodyPr/>
-          <a:lstStyle/>
-          <a:p>
-            <a:r>
-              <a:t>Slide 15: Contact Information</a:t>
-            </a:r>
-          </a:p>
-        </p:txBody>
-      </p:sp>
-      <p:sp>
-        <p:nvSpPr>
-          <p:cNvPr id="4" name="Picture Placeholder 3"/>
-          <p:cNvSpPr>
-            <a:spLocks noGrp="1"/>
-          </p:cNvSpPr>
-          <p:nvPr>
-            <p:ph type="pic" idx="13" sz="quarter"/>
-          </p:nvPr>
-        </p:nvSpPr>
-        <p:spPr/>
-      </p:sp>
-      <p:sp>
-        <p:nvSpPr>
-          <p:cNvPr id="5" name="Text Placeholder 4"/>
-          <p:cNvSpPr>
-            <a:spLocks noGrp="1"/>
-          </p:cNvSpPr>
-          <p:nvPr>
-            <p:ph type="body" idx="14" sz="quarter"/>
-          </p:nvPr>
-        </p:nvSpPr>
-        <p:spPr/>
-        <p:txBody>
-          <a:bodyPr/>
-          <a:lstStyle/>
-          <a:p/>
-        </p:txBody>
-      </p:sp>
+      <p:pic>
+        <p:nvPicPr>
+          <p:cNvPr id="7" name="Picture 6" descr="eo-framework-logo-real.png"/>
+          <p:cNvPicPr>
+            <a:picLocks noChangeAspect="1"/>
+          </p:cNvPicPr>
+          <p:nvPr/>
+        </p:nvPicPr>
+        <p:blipFill>
+          <a:blip r:embed="rId4"/>
+          <a:stretch>
+            <a:fillRect/>
+          </a:stretch>
+        </p:blipFill>
+        <p:spPr>
+          <a:xfrm>
+            <a:off x="6684264" y="4535424"/>
+            <a:ext cx="2139696" cy="530352"/>
+          </a:xfrm>
+          <a:prstGeom prst="rect">
+            <a:avLst/>
+          </a:prstGeom>
+        </p:spPr>
+      </p:pic>
     </p:spTree>
   </p:cSld>
   <p:clrMapOvr>
@@ -4660,23 +3567,30 @@
           <a:lstStyle/>
           <a:p>
             <a:r>
-              <a:t>Slide 2: Agenda</a:t>
+              <a:t>Business Opportunity</a:t>
             </a:r>
           </a:p>
         </p:txBody>
       </p:sp>
-      <p:sp>
-        <p:nvSpPr>
-          <p:cNvPr id="3" name="Picture Placeholder 2"/>
-          <p:cNvSpPr>
-            <a:spLocks noGrp="1"/>
-          </p:cNvSpPr>
+      <p:pic>
+        <p:nvPicPr>
+          <p:cNvPr id="3" name="Picture Placeholder 2" descr="consulting_company_logo.png"/>
+          <p:cNvPicPr>
+            <a:picLocks noGrp="1" noChangeAspect="1"/>
+          </p:cNvPicPr>
           <p:nvPr>
             <p:ph type="pic" idx="13" sz="quarter"/>
           </p:nvPr>
-        </p:nvSpPr>
+        </p:nvPicPr>
+        <p:blipFill>
+          <a:blip r:embed="rId2"/>
+          <a:srcRect t="6762" b="6762"/>
+          <a:stretch>
+            <a:fillRect/>
+          </a:stretch>
+        </p:blipFill>
         <p:spPr/>
-      </p:sp>
+      </p:pic>
       <p:sp>
         <p:nvSpPr>
           <p:cNvPr id="4" name="Text Placeholder 3"/>
@@ -4691,9 +3605,82 @@
         <p:txBody>
           <a:bodyPr/>
           <a:lstStyle/>
-          <a:p/>
+          <a:p>
+            <a:pPr/>
+            <a:r>
+              <a:rPr b="1"/>
+              <a:t>Opportunity</a:t>
+            </a:r>
+          </a:p>
+          <a:p>
+            <a:pPr lvl="1"/>
+            <a:r>
+              <a:t>Eliminate manual data entry bottlenecks and reduce processing time from hours to minutes</a:t>
+            </a:r>
+          </a:p>
+          <a:p>
+            <a:pPr lvl="1"/>
+            <a:r>
+              <a:t>Achieve 99%+ accuracy with AI-powered extraction replacing error-prone manual processes</a:t>
+            </a:r>
+          </a:p>
+          <a:p>
+            <a:pPr lvl="1"/>
+            <a:r>
+              <a:t>Scale effortlessly to handle volume fluctuations without adding headcount</a:t>
+            </a:r>
+          </a:p>
+          <a:p>
+            <a:pPr/>
+            <a:r>
+              <a:rPr b="1"/>
+              <a:t>Success Criteria</a:t>
+            </a:r>
+          </a:p>
+          <a:p>
+            <a:pPr lvl="1"/>
+            <a:r>
+              <a:t>90% reduction in document processing time with measurable productivity gains</a:t>
+            </a:r>
+          </a:p>
+          <a:p>
+            <a:pPr lvl="1"/>
+            <a:r>
+              <a:t>95%+ data extraction accuracy validated against business requirements</a:t>
+            </a:r>
+          </a:p>
+          <a:p>
+            <a:pPr lvl="1"/>
+            <a:r>
+              <a:t>ROI realization within 12-18 months through labor cost savings and efficiency gains</a:t>
+            </a:r>
+          </a:p>
         </p:txBody>
       </p:sp>
+      <p:pic>
+        <p:nvPicPr>
+          <p:cNvPr id="5" name="Picture 4" descr="eo-framework-logo-real.png"/>
+          <p:cNvPicPr>
+            <a:picLocks noChangeAspect="1"/>
+          </p:cNvPicPr>
+          <p:nvPr/>
+        </p:nvPicPr>
+        <p:blipFill>
+          <a:blip r:embed="rId3"/>
+          <a:stretch>
+            <a:fillRect/>
+          </a:stretch>
+        </p:blipFill>
+        <p:spPr>
+          <a:xfrm>
+            <a:off x="6684264" y="4535424"/>
+            <a:ext cx="2139696" cy="530352"/>
+          </a:xfrm>
+          <a:prstGeom prst="rect">
+            <a:avLst/>
+          </a:prstGeom>
+        </p:spPr>
+      </p:pic>
     </p:spTree>
   </p:cSld>
   <p:clrMapOvr>
@@ -4728,31 +3715,50 @@
           <a:lstStyle/>
           <a:p>
             <a:r>
-              <a:t>Slide 3: Business Challenge &amp; Impact</a:t>
+              <a:t>Solution Overview</a:t>
             </a:r>
           </a:p>
         </p:txBody>
       </p:sp>
-      <p:sp>
-        <p:nvSpPr>
-          <p:cNvPr id="3" name="Picture Placeholder 2"/>
+      <p:pic>
+        <p:nvPicPr>
+          <p:cNvPr id="3" name="Picture Placeholder 2" descr="consulting_company_logo.png"/>
+          <p:cNvPicPr>
+            <a:picLocks noGrp="1" noChangeAspect="1"/>
+          </p:cNvPicPr>
+          <p:nvPr>
+            <p:ph type="pic" idx="14" sz="quarter"/>
+          </p:nvPr>
+        </p:nvPicPr>
+        <p:blipFill>
+          <a:blip r:embed="rId2"/>
+          <a:srcRect t="6494" b="6494"/>
+          <a:stretch>
+            <a:fillRect/>
+          </a:stretch>
+        </p:blipFill>
+        <p:spPr/>
+      </p:pic>
+      <p:sp>
+        <p:nvSpPr>
+          <p:cNvPr id="4" name="Picture Placeholder 3"/>
           <p:cNvSpPr>
             <a:spLocks noGrp="1"/>
           </p:cNvSpPr>
           <p:nvPr>
-            <p:ph type="pic" idx="13" sz="quarter"/>
+            <p:ph type="pic" idx="15" sz="quarter"/>
           </p:nvPr>
         </p:nvSpPr>
         <p:spPr/>
       </p:sp>
       <p:sp>
         <p:nvSpPr>
-          <p:cNvPr id="4" name="Text Placeholder 3"/>
+          <p:cNvPr id="5" name="Text Placeholder 4"/>
           <p:cNvSpPr>
             <a:spLocks noGrp="1"/>
           </p:cNvSpPr>
           <p:nvPr>
-            <p:ph type="body" idx="14" sz="quarter"/>
+            <p:ph type="body" idx="16" sz="quarter"/>
           </p:nvPr>
         </p:nvSpPr>
         <p:spPr/>
@@ -4762,126 +3768,79 @@
           <a:p>
             <a:pPr/>
             <a:r>
-              <a:rPr>
-                <a:solidFill>
-                  <a:srgbClr val="000000"/>
-                </a:solidFill>
-              </a:rPr>
-              <a:t>Manual processing of thousands of documents creates operational bottlenecks</a:t>
+              <a:rPr b="1"/>
+              <a:t>AI/ML Services</a:t>
+            </a:r>
+          </a:p>
+          <a:p>
+            <a:pPr lvl="1"/>
+            <a:r>
+              <a:t>Amazon Textract for OCR and intelligent form/table extraction from documents</a:t>
+            </a:r>
+          </a:p>
+          <a:p>
+            <a:pPr lvl="1"/>
+            <a:r>
+              <a:t>Amazon Comprehend for NLP entity recognition and document classification</a:t>
+            </a:r>
+          </a:p>
+          <a:p>
+            <a:pPr lvl="1"/>
+            <a:r>
+              <a:t>Amazon A2I for human review and quality assurance on low-confidence results</a:t>
             </a:r>
           </a:p>
           <a:p>
             <a:pPr/>
             <a:r>
-              <a:rPr>
-                <a:solidFill>
-                  <a:srgbClr val="000000"/>
-                </a:solidFill>
-              </a:rPr>
-              <a:t>High labor costs and processing delays impact business competitiveness</a:t>
-            </a:r>
-          </a:p>
-          <a:p>
-            <a:pPr/>
-            <a:r>
-              <a:rPr>
-                <a:solidFill>
-                  <a:srgbClr val="000000"/>
-                </a:solidFill>
-              </a:rPr>
-              <a:t>Human errors in data entry require costly rework and corrections</a:t>
-            </a:r>
-          </a:p>
-          <a:p>
-            <a:pPr/>
-            <a:r>
-              <a:rPr>
-                <a:solidFill>
-                  <a:srgbClr val="000000"/>
-                </a:solidFill>
-              </a:rPr>
-              <a:t>Processing Bottlenecks: Average processing time of hours per document</a:t>
-            </a:r>
-          </a:p>
-          <a:p>
-            <a:pPr/>
-            <a:r>
-              <a:rPr>
-                <a:solidFill>
-                  <a:srgbClr val="000000"/>
-                </a:solidFill>
-              </a:rPr>
-              <a:t>High Error Rates: Manual data entry errors requiring costly rework</a:t>
-            </a:r>
-          </a:p>
-          <a:p>
-            <a:pPr/>
-            <a:r>
-              <a:rPr>
-                <a:solidFill>
-                  <a:srgbClr val="000000"/>
-                </a:solidFill>
-              </a:rPr>
-              <a:t>Resource Intensive: Skilled employees performing repetitive, low-value tasks</a:t>
-            </a:r>
-          </a:p>
-          <a:p>
-            <a:pPr/>
-            <a:r>
-              <a:rPr>
-                <a:solidFill>
-                  <a:srgbClr val="000000"/>
-                </a:solidFill>
-              </a:rPr>
-              <a:t>Scalability Limits: Cannot handle volume fluctuations or business growth</a:t>
-            </a:r>
-          </a:p>
-          <a:p>
-            <a:pPr/>
-            <a:r>
-              <a:rPr>
-                <a:solidFill>
-                  <a:srgbClr val="000000"/>
-                </a:solidFill>
-              </a:rPr>
-              <a:t>Labor Costs: $[Amount] annually for document processing staff</a:t>
-            </a:r>
-          </a:p>
-          <a:p>
-            <a:pPr/>
-            <a:r>
-              <a:rPr>
-                <a:solidFill>
-                  <a:srgbClr val="000000"/>
-                </a:solidFill>
-              </a:rPr>
-              <a:t>Error Costs: $[Amount] annually for rework and corrections</a:t>
-            </a:r>
-          </a:p>
-          <a:p>
-            <a:pPr/>
-            <a:r>
-              <a:rPr>
-                <a:solidFill>
-                  <a:srgbClr val="000000"/>
-                </a:solidFill>
-              </a:rPr>
-              <a:t>Delay Costs: Processing delays impact customer satisfaction and revenue</a:t>
-            </a:r>
-          </a:p>
-          <a:p>
-            <a:pPr/>
-            <a:r>
-              <a:rPr>
-                <a:solidFill>
-                  <a:srgbClr val="000000"/>
-                </a:solidFill>
-              </a:rPr>
-              <a:t>Opportunity Costs: Staff could be redeployed to higher-value activities</a:t>
+              <a:rPr b="1"/>
+              <a:t>Platform Architecture</a:t>
+            </a:r>
+          </a:p>
+          <a:p>
+            <a:pPr lvl="1"/>
+            <a:r>
+              <a:t>Serverless processing with Lambda and Step Functions for scalable workflows</a:t>
+            </a:r>
+          </a:p>
+          <a:p>
+            <a:pPr lvl="1"/>
+            <a:r>
+              <a:t>S3 storage, DynamoDB metadata, and API Gateway for integration</a:t>
+            </a:r>
+          </a:p>
+          <a:p>
+            <a:pPr lvl="1"/>
+            <a:r>
+              <a:t>CloudWatch monitoring and CloudTrail for compliance and audit logging</a:t>
             </a:r>
           </a:p>
         </p:txBody>
       </p:sp>
+      <p:pic>
+        <p:nvPicPr>
+          <p:cNvPr id="6" name="Picture 5" descr="architecture-diagram.png"/>
+          <p:cNvPicPr>
+            <a:picLocks noChangeAspect="1"/>
+          </p:cNvPicPr>
+          <p:nvPr/>
+        </p:nvPicPr>
+        <p:blipFill>
+          <a:blip r:embed="rId4"/>
+          <a:stretch>
+            <a:fillRect/>
+          </a:stretch>
+        </p:blipFill>
+        <p:spPr>
+          <a:xfrm>
+            <a:off x="4662488" y="816851"/>
+            <a:ext cx="4337050" cy="3553755"/>
+          </a:xfrm>
+          <a:prstGeom prst="rect">
+            <a:avLst/>
+          </a:prstGeom>
+        </p:spPr>
+      </p:pic>
     </p:spTree>
   </p:cSld>
   <p:clrMapOvr>
@@ -4916,23 +3875,30 @@
           <a:lstStyle/>
           <a:p>
             <a:r>
-              <a:t>Slide 4: Success Framework</a:t>
+              <a:t>Implementation Approach</a:t>
             </a:r>
           </a:p>
         </p:txBody>
       </p:sp>
-      <p:sp>
-        <p:nvSpPr>
-          <p:cNvPr id="3" name="Picture Placeholder 2"/>
-          <p:cNvSpPr>
-            <a:spLocks noGrp="1"/>
-          </p:cNvSpPr>
+      <p:pic>
+        <p:nvPicPr>
+          <p:cNvPr id="3" name="Picture Placeholder 2" descr="consulting_company_logo.png"/>
+          <p:cNvPicPr>
+            <a:picLocks noGrp="1" noChangeAspect="1"/>
+          </p:cNvPicPr>
           <p:nvPr>
             <p:ph type="pic" idx="13" sz="quarter"/>
           </p:nvPr>
-        </p:nvSpPr>
+        </p:nvPicPr>
+        <p:blipFill>
+          <a:blip r:embed="rId2"/>
+          <a:srcRect t="6762" b="6762"/>
+          <a:stretch>
+            <a:fillRect/>
+          </a:stretch>
+        </p:blipFill>
         <p:spPr/>
-      </p:sp>
+      </p:pic>
       <p:sp>
         <p:nvSpPr>
           <p:cNvPr id="4" name="Text Placeholder 3"/>
@@ -4950,93 +3916,113 @@
           <a:p>
             <a:pPr/>
             <a:r>
-              <a:rPr>
-                <a:solidFill>
-                  <a:srgbClr val="000000"/>
-                </a:solidFill>
-              </a:rPr>
-              <a:t>Operations Team: Seeking to eliminate manual data entry and reduce errors</a:t>
+              <a:rPr b="1"/>
+              <a:t>Phase 1: Pilot</a:t>
+            </a:r>
+            <a:r>
+              <a:t> *(Months 1-2)*</a:t>
+            </a:r>
+          </a:p>
+          <a:p>
+            <a:pPr lvl="1"/>
+            <a:r>
+              <a:t>Deploy single document type to validate AI accuracy and business value</a:t>
+            </a:r>
+          </a:p>
+          <a:p>
+            <a:pPr lvl="1"/>
+            <a:r>
+              <a:t>Configure Textract/Comprehend models with sample documents</a:t>
+            </a:r>
+          </a:p>
+          <a:p>
+            <a:pPr lvl="1"/>
+            <a:r>
+              <a:t>Establish human review workflow and quality benchmarks</a:t>
             </a:r>
           </a:p>
           <a:p>
             <a:pPr/>
             <a:r>
-              <a:rPr>
-                <a:solidFill>
-                  <a:srgbClr val="000000"/>
-                </a:solidFill>
-              </a:rPr>
-              <a:t>IT Leadership: Looking for scalable, secure AI/ML automation platform</a:t>
+              <a:rPr b="1"/>
+              <a:t>Phase 2: Expansion</a:t>
+            </a:r>
+            <a:r>
+              <a:t> *(Months 3-4)*</a:t>
+            </a:r>
+          </a:p>
+          <a:p>
+            <a:pPr lvl="1"/>
+            <a:r>
+              <a:t>Extend to additional document types and higher volumes</a:t>
+            </a:r>
+          </a:p>
+          <a:p>
+            <a:pPr lvl="1"/>
+            <a:r>
+              <a:t>Implement API integrations with downstream business systems</a:t>
+            </a:r>
+          </a:p>
+          <a:p>
+            <a:pPr lvl="1"/>
+            <a:r>
+              <a:t>Configure automated routing and exception handling</a:t>
             </a:r>
           </a:p>
           <a:p>
             <a:pPr/>
             <a:r>
-              <a:rPr>
-                <a:solidFill>
-                  <a:srgbClr val="000000"/>
-                </a:solidFill>
-              </a:rPr>
-              <a:t>Finance: Focused on cost reduction and ROI realization</a:t>
-            </a:r>
-          </a:p>
-          <a:p>
-            <a:pPr/>
-            <a:r>
-              <a:rPr>
-                <a:solidFill>
-                  <a:srgbClr val="000000"/>
-                </a:solidFill>
-              </a:rPr>
-              <a:t>Compliance: Ensuring data security and regulatory requirements are met</a:t>
-            </a:r>
-          </a:p>
-          <a:p>
-            <a:pPr/>
-            <a:r>
-              <a:rPr>
-                <a:solidFill>
-                  <a:srgbClr val="000000"/>
-                </a:solidFill>
-              </a:rPr>
-              <a:t>95%+ Data Extraction Accuracy: AI-powered extraction meets quality standards</a:t>
-            </a:r>
-          </a:p>
-          <a:p>
-            <a:pPr/>
-            <a:r>
-              <a:rPr>
-                <a:solidFill>
-                  <a:srgbClr val="000000"/>
-                </a:solidFill>
-              </a:rPr>
-              <a:t>90% Processing Time Reduction: Hours to minutes for document processing</a:t>
-            </a:r>
-          </a:p>
-          <a:p>
-            <a:pPr/>
-            <a:r>
-              <a:rPr>
-                <a:solidFill>
-                  <a:srgbClr val="000000"/>
-                </a:solidFill>
-              </a:rPr>
-              <a:t>70% Cost Savings: Significant reduction in document operations costs</a:t>
-            </a:r>
-          </a:p>
-          <a:p>
-            <a:pPr/>
-            <a:r>
-              <a:rPr>
-                <a:solidFill>
-                  <a:srgbClr val="000000"/>
-                </a:solidFill>
-              </a:rPr>
-              <a:t>6-Month Implementation: Rapid time-to-value with phased deployment</a:t>
+              <a:rPr b="1"/>
+              <a:t>Phase 3: Optimization</a:t>
+            </a:r>
+            <a:r>
+              <a:t> *(Months 5-6)*</a:t>
+            </a:r>
+          </a:p>
+          <a:p>
+            <a:pPr lvl="1"/>
+            <a:r>
+              <a:t>Fine-tune AI models based on production data and feedback</a:t>
+            </a:r>
+          </a:p>
+          <a:p>
+            <a:pPr lvl="1"/>
+            <a:r>
+              <a:t>Implement advanced features like multi-language support</a:t>
+            </a:r>
+          </a:p>
+          <a:p>
+            <a:pPr lvl="1"/>
+            <a:r>
+              <a:t>Complete training and transition to operations team</a:t>
             </a:r>
           </a:p>
         </p:txBody>
       </p:sp>
+      <p:pic>
+        <p:nvPicPr>
+          <p:cNvPr id="5" name="Picture 4" descr="eo-framework-logo-real.png"/>
+          <p:cNvPicPr>
+            <a:picLocks noChangeAspect="1"/>
+          </p:cNvPicPr>
+          <p:nvPr/>
+        </p:nvPicPr>
+        <p:blipFill>
+          <a:blip r:embed="rId3"/>
+          <a:stretch>
+            <a:fillRect/>
+          </a:stretch>
+        </p:blipFill>
+        <p:spPr>
+          <a:xfrm>
+            <a:off x="6684264" y="4535424"/>
+            <a:ext cx="2139696" cy="530352"/>
+          </a:xfrm>
+          <a:prstGeom prst="rect">
+            <a:avLst/>
+          </a:prstGeom>
+        </p:spPr>
+      </p:pic>
     </p:spTree>
   </p:cSld>
   <p:clrMapOvr>
@@ -5070,146 +4056,383 @@
           <a:bodyPr/>
           <a:lstStyle/>
           <a:p>
-            <a:r>
-              <a:t>Slide 5: Solution Overview</a:t>
+            <a:pPr algn="l"/>
+            <a:r>
+              <a:rPr b="1"/>
+              <a:t>Timeline &amp; Milestones</a:t>
             </a:r>
           </a:p>
         </p:txBody>
       </p:sp>
-      <p:sp>
-        <p:nvSpPr>
-          <p:cNvPr id="3" name="Text Placeholder 2"/>
-          <p:cNvSpPr>
-            <a:spLocks noGrp="1"/>
-          </p:cNvSpPr>
-          <p:nvPr>
-            <p:ph type="body" idx="11" sz="quarter"/>
-          </p:nvPr>
-        </p:nvSpPr>
+      <p:pic>
+        <p:nvPicPr>
+          <p:cNvPr id="3" name="Picture Placeholder 2" descr="consulting_company_logo.png"/>
+          <p:cNvPicPr>
+            <a:picLocks noGrp="1" noChangeAspect="1"/>
+          </p:cNvPicPr>
+          <p:nvPr>
+            <p:ph type="pic" idx="13" sz="quarter"/>
+          </p:nvPr>
+        </p:nvPicPr>
+        <p:blipFill>
+          <a:blip r:embed="rId2"/>
+          <a:srcRect t="6404" b="6404"/>
+          <a:stretch>
+            <a:fillRect/>
+          </a:stretch>
+        </p:blipFill>
         <p:spPr/>
-        <p:txBody>
-          <a:bodyPr/>
-          <a:lstStyle/>
-          <a:p>
-            <a:pPr/>
-            <a:r>
-              <a:rPr>
-                <a:solidFill>
-                  <a:srgbClr val="000000"/>
-                </a:solidFill>
-              </a:rPr>
-              <a:t>Amazon Textract: Advanced OCR and document analysis for forms, tables, and text extraction</a:t>
-            </a:r>
-          </a:p>
-          <a:p>
-            <a:pPr/>
-            <a:r>
-              <a:rPr>
-                <a:solidFill>
-                  <a:srgbClr val="000000"/>
-                </a:solidFill>
-              </a:rPr>
-              <a:t>Amazon Comprehend: Natural language processing and entity recognition</a:t>
-            </a:r>
-          </a:p>
-          <a:p>
-            <a:pPr/>
-            <a:r>
-              <a:rPr>
-                <a:solidFill>
-                  <a:srgbClr val="000000"/>
-                </a:solidFill>
-              </a:rPr>
-              <a:t>Amazon A2I (Augmented AI): Human-in-the-loop quality assurance for low-confidence results</a:t>
-            </a:r>
-          </a:p>
-          <a:p>
-            <a:pPr/>
-            <a:r>
-              <a:rPr>
-                <a:solidFill>
-                  <a:srgbClr val="000000"/>
-                </a:solidFill>
-              </a:rPr>
-              <a:t>Serverless Architecture: AWS Lambda, S3, DynamoDB for scalable processing</a:t>
-            </a:r>
-          </a:p>
-          <a:p>
-            <a:pPr/>
-            <a:r>
-              <a:rPr>
-                <a:solidFill>
-                  <a:srgbClr val="000000"/>
-                </a:solidFill>
-              </a:rPr>
-              <a:t>Document Processing Pipeline: Automated ingestion, analysis, validation, and integration</a:t>
-            </a:r>
-          </a:p>
-          <a:p>
-            <a:pPr/>
-            <a:r>
-              <a:rPr>
-                <a:solidFill>
-                  <a:srgbClr val="000000"/>
-                </a:solidFill>
-              </a:rPr>
-              <a:t>API Gateway: REST APIs for document submission and results retrieval</a:t>
-            </a:r>
-          </a:p>
-          <a:p>
-            <a:pPr/>
-            <a:r>
-              <a:rPr>
-                <a:solidFill>
-                  <a:srgbClr val="000000"/>
-                </a:solidFill>
-              </a:rPr>
-              <a:t>Monitoring &amp; Security: CloudWatch monitoring, CloudTrail audit logs, encryption at rest and in transit</a:t>
-            </a:r>
-          </a:p>
-        </p:txBody>
-      </p:sp>
-      <p:sp>
-        <p:nvSpPr>
-          <p:cNvPr id="4" name="Text Placeholder 3"/>
-          <p:cNvSpPr>
-            <a:spLocks noGrp="1"/>
-          </p:cNvSpPr>
-          <p:nvPr>
-            <p:ph type="body" idx="13" sz="quarter"/>
-          </p:nvPr>
-        </p:nvSpPr>
-        <p:spPr/>
-        <p:txBody>
-          <a:bodyPr/>
-          <a:lstStyle/>
-          <a:p/>
-        </p:txBody>
-      </p:sp>
-      <p:sp>
-        <p:nvSpPr>
-          <p:cNvPr id="5" name="Picture Placeholder 4"/>
-          <p:cNvSpPr>
-            <a:spLocks noGrp="1"/>
-          </p:cNvSpPr>
-          <p:nvPr>
-            <p:ph type="pic" idx="14" sz="quarter"/>
-          </p:nvPr>
-        </p:nvSpPr>
-        <p:spPr/>
-      </p:sp>
-      <p:sp>
-        <p:nvSpPr>
-          <p:cNvPr id="6" name="Picture Placeholder 5"/>
-          <p:cNvSpPr>
-            <a:spLocks noGrp="1"/>
-          </p:cNvSpPr>
-          <p:nvPr>
-            <p:ph type="pic" idx="15" sz="quarter"/>
-          </p:nvPr>
-        </p:nvSpPr>
-        <p:spPr/>
-      </p:sp>
+      </p:pic>
+      <p:graphicFrame>
+        <p:nvGraphicFramePr>
+          <p:cNvPr id="4" name="Table Placeholder 3"/>
+          <p:cNvGraphicFramePr>
+            <a:graphicFrameLocks noGrp="1"/>
+          </p:cNvGraphicFramePr>
+          <p:nvPr>
+            <p:ph type="tbl" idx="14" sz="quarter"/>
+          </p:nvPr>
+        </p:nvGraphicFramePr>
+        <p:xfrm>
+          <a:off x="256855" y="677011"/>
+          <a:ext cx="8710930" cy="1483360"/>
+        </p:xfrm>
+        <a:graphic>
+          <a:graphicData uri="http://schemas.openxmlformats.org/drawingml/2006/table">
+            <a:tbl>
+              <a:tblPr firstRow="1" bandRow="1">
+                <a:tableStyleId>{5C22544A-7EE6-4342-B048-85BDC9FD1C3A}</a:tableStyleId>
+              </a:tblPr>
+              <a:tblGrid>
+                <a:gridCol w="1045311"/>
+                <a:gridCol w="2177733"/>
+                <a:gridCol w="1045311"/>
+                <a:gridCol w="4442575"/>
+              </a:tblGrid>
+              <a:tr h="370840">
+                <a:tc>
+                  <a:txBody>
+                    <a:bodyPr/>
+                    <a:lstStyle/>
+                    <a:p>
+                      <a:r>
+                        <a:rPr b="1" sz="1400">
+                          <a:solidFill>
+                            <a:srgbClr val="FFFFFF"/>
+                          </a:solidFill>
+                        </a:rPr>
+                        <a:t>Phase No</a:t>
+                      </a:r>
+                    </a:p>
+                  </a:txBody>
+                  <a:tcPr>
+                    <a:solidFill>
+                      <a:srgbClr val="A01C02"/>
+                    </a:solidFill>
+                  </a:tcPr>
+                </a:tc>
+                <a:tc>
+                  <a:txBody>
+                    <a:bodyPr/>
+                    <a:lstStyle/>
+                    <a:p>
+                      <a:r>
+                        <a:rPr b="1" sz="1400">
+                          <a:solidFill>
+                            <a:srgbClr val="FFFFFF"/>
+                          </a:solidFill>
+                        </a:rPr>
+                        <a:t>Phase Description</a:t>
+                      </a:r>
+                    </a:p>
+                  </a:txBody>
+                  <a:tcPr>
+                    <a:solidFill>
+                      <a:srgbClr val="A01C02"/>
+                    </a:solidFill>
+                  </a:tcPr>
+                </a:tc>
+                <a:tc>
+                  <a:txBody>
+                    <a:bodyPr/>
+                    <a:lstStyle/>
+                    <a:p>
+                      <a:r>
+                        <a:rPr b="1" sz="1400">
+                          <a:solidFill>
+                            <a:srgbClr val="FFFFFF"/>
+                          </a:solidFill>
+                        </a:rPr>
+                        <a:t>Timeline</a:t>
+                      </a:r>
+                    </a:p>
+                  </a:txBody>
+                  <a:tcPr>
+                    <a:solidFill>
+                      <a:srgbClr val="A01C02"/>
+                    </a:solidFill>
+                  </a:tcPr>
+                </a:tc>
+                <a:tc>
+                  <a:txBody>
+                    <a:bodyPr/>
+                    <a:lstStyle/>
+                    <a:p>
+                      <a:r>
+                        <a:rPr b="1" sz="1400">
+                          <a:solidFill>
+                            <a:srgbClr val="FFFFFF"/>
+                          </a:solidFill>
+                        </a:rPr>
+                        <a:t>Key Deliverables</a:t>
+                      </a:r>
+                    </a:p>
+                  </a:txBody>
+                  <a:tcPr>
+                    <a:solidFill>
+                      <a:srgbClr val="A01C02"/>
+                    </a:solidFill>
+                  </a:tcPr>
+                </a:tc>
+              </a:tr>
+              <a:tr h="370840">
+                <a:tc>
+                  <a:txBody>
+                    <a:bodyPr/>
+                    <a:lstStyle/>
+                    <a:p>
+                      <a:r>
+                        <a:rPr sz="1100"/>
+                        <a:t>Phase 1</a:t>
+                      </a:r>
+                    </a:p>
+                  </a:txBody>
+                  <a:tcPr>
+                    <a:solidFill>
+                      <a:srgbClr val="E7E6E6"/>
+                    </a:solidFill>
+                  </a:tcPr>
+                </a:tc>
+                <a:tc>
+                  <a:txBody>
+                    <a:bodyPr/>
+                    <a:lstStyle/>
+                    <a:p>
+                      <a:r>
+                        <a:rPr sz="1100"/>
+                        <a:t>Pilot &amp; Validation</a:t>
+                      </a:r>
+                    </a:p>
+                  </a:txBody>
+                  <a:tcPr>
+                    <a:solidFill>
+                      <a:srgbClr val="E7E6E6"/>
+                    </a:solidFill>
+                  </a:tcPr>
+                </a:tc>
+                <a:tc>
+                  <a:txBody>
+                    <a:bodyPr/>
+                    <a:lstStyle/>
+                    <a:p>
+                      <a:r>
+                        <a:rPr sz="1100"/>
+                        <a:t>Months 1-2</a:t>
+                      </a:r>
+                    </a:p>
+                  </a:txBody>
+                  <a:tcPr>
+                    <a:solidFill>
+                      <a:srgbClr val="E7E6E6"/>
+                    </a:solidFill>
+                  </a:tcPr>
+                </a:tc>
+                <a:tc>
+                  <a:txBody>
+                    <a:bodyPr/>
+                    <a:lstStyle/>
+                    <a:p>
+                      <a:r>
+                        <a:rPr sz="1100"/>
+                        <a:t>Single document type automated, 95%+ accuracy validated, Human review workflow operational</a:t>
+                      </a:r>
+                    </a:p>
+                  </a:txBody>
+                  <a:tcPr>
+                    <a:solidFill>
+                      <a:srgbClr val="E7E6E6"/>
+                    </a:solidFill>
+                  </a:tcPr>
+                </a:tc>
+              </a:tr>
+              <a:tr h="370840">
+                <a:tc>
+                  <a:txBody>
+                    <a:bodyPr/>
+                    <a:lstStyle/>
+                    <a:p>
+                      <a:r>
+                        <a:rPr sz="1100"/>
+                        <a:t>Phase 2</a:t>
+                      </a:r>
+                    </a:p>
+                  </a:txBody>
+                  <a:tcPr>
+                    <a:solidFill>
+                      <a:srgbClr val="E7E6E6"/>
+                    </a:solidFill>
+                  </a:tcPr>
+                </a:tc>
+                <a:tc>
+                  <a:txBody>
+                    <a:bodyPr/>
+                    <a:lstStyle/>
+                    <a:p>
+                      <a:r>
+                        <a:rPr sz="1100"/>
+                        <a:t>Expansion &amp; Integration</a:t>
+                      </a:r>
+                    </a:p>
+                  </a:txBody>
+                  <a:tcPr>
+                    <a:solidFill>
+                      <a:srgbClr val="E7E6E6"/>
+                    </a:solidFill>
+                  </a:tcPr>
+                </a:tc>
+                <a:tc>
+                  <a:txBody>
+                    <a:bodyPr/>
+                    <a:lstStyle/>
+                    <a:p>
+                      <a:r>
+                        <a:rPr sz="1100"/>
+                        <a:t>Months 3-4</a:t>
+                      </a:r>
+                    </a:p>
+                  </a:txBody>
+                  <a:tcPr>
+                    <a:solidFill>
+                      <a:srgbClr val="E7E6E6"/>
+                    </a:solidFill>
+                  </a:tcPr>
+                </a:tc>
+                <a:tc>
+                  <a:txBody>
+                    <a:bodyPr/>
+                    <a:lstStyle/>
+                    <a:p>
+                      <a:r>
+                        <a:rPr sz="1100"/>
+                        <a:t>Multiple document types supported, API integrations live, Volume processing at scale</a:t>
+                      </a:r>
+                    </a:p>
+                  </a:txBody>
+                  <a:tcPr>
+                    <a:solidFill>
+                      <a:srgbClr val="E7E6E6"/>
+                    </a:solidFill>
+                  </a:tcPr>
+                </a:tc>
+              </a:tr>
+              <a:tr h="370840">
+                <a:tc>
+                  <a:txBody>
+                    <a:bodyPr/>
+                    <a:lstStyle/>
+                    <a:p>
+                      <a:r>
+                        <a:rPr sz="1100"/>
+                        <a:t>Phase 3</a:t>
+                      </a:r>
+                    </a:p>
+                  </a:txBody>
+                  <a:tcPr>
+                    <a:solidFill>
+                      <a:srgbClr val="E7E6E6"/>
+                    </a:solidFill>
+                  </a:tcPr>
+                </a:tc>
+                <a:tc>
+                  <a:txBody>
+                    <a:bodyPr/>
+                    <a:lstStyle/>
+                    <a:p>
+                      <a:r>
+                        <a:rPr sz="1100"/>
+                        <a:t>Optimization &amp; Handoff</a:t>
+                      </a:r>
+                    </a:p>
+                  </a:txBody>
+                  <a:tcPr>
+                    <a:solidFill>
+                      <a:srgbClr val="E7E6E6"/>
+                    </a:solidFill>
+                  </a:tcPr>
+                </a:tc>
+                <a:tc>
+                  <a:txBody>
+                    <a:bodyPr/>
+                    <a:lstStyle/>
+                    <a:p>
+                      <a:r>
+                        <a:rPr sz="1100"/>
+                        <a:t>Months 5-6</a:t>
+                      </a:r>
+                    </a:p>
+                  </a:txBody>
+                  <a:tcPr>
+                    <a:solidFill>
+                      <a:srgbClr val="E7E6E6"/>
+                    </a:solidFill>
+                  </a:tcPr>
+                </a:tc>
+                <a:tc>
+                  <a:txBody>
+                    <a:bodyPr/>
+                    <a:lstStyle/>
+                    <a:p>
+                      <a:r>
+                        <a:rPr sz="1100"/>
+                        <a:t>AI models fine-tuned, Advanced features deployed, Operations team trained</a:t>
+                      </a:r>
+                    </a:p>
+                  </a:txBody>
+                  <a:tcPr>
+                    <a:solidFill>
+                      <a:srgbClr val="E7E6E6"/>
+                    </a:solidFill>
+                  </a:tcPr>
+                </a:tc>
+              </a:tr>
+            </a:tbl>
+          </a:graphicData>
+        </a:graphic>
+      </p:graphicFrame>
+      <p:pic>
+        <p:nvPicPr>
+          <p:cNvPr id="5" name="Picture 4" descr="eo-framework-logo-real.png"/>
+          <p:cNvPicPr>
+            <a:picLocks noChangeAspect="1"/>
+          </p:cNvPicPr>
+          <p:nvPr/>
+        </p:nvPicPr>
+        <p:blipFill>
+          <a:blip r:embed="rId3"/>
+          <a:stretch>
+            <a:fillRect/>
+          </a:stretch>
+        </p:blipFill>
+        <p:spPr>
+          <a:xfrm>
+            <a:off x="6684264" y="4535424"/>
+            <a:ext cx="2139696" cy="530352"/>
+          </a:xfrm>
+          <a:prstGeom prst="rect">
+            <a:avLst/>
+          </a:prstGeom>
+        </p:spPr>
+      </p:pic>
     </p:spTree>
   </p:cSld>
   <p:clrMapOvr>
@@ -5244,19 +4467,38 @@
           <a:lstStyle/>
           <a:p>
             <a:r>
-              <a:t>Slide 6: Why This Solution?</a:t>
+              <a:t>Success Stories</a:t>
             </a:r>
           </a:p>
         </p:txBody>
       </p:sp>
-      <p:sp>
-        <p:nvSpPr>
-          <p:cNvPr id="3" name="Text Placeholder 2"/>
+      <p:pic>
+        <p:nvPicPr>
+          <p:cNvPr id="3" name="Picture Placeholder 2" descr="consulting_company_logo.png"/>
+          <p:cNvPicPr>
+            <a:picLocks noGrp="1" noChangeAspect="1"/>
+          </p:cNvPicPr>
+          <p:nvPr>
+            <p:ph type="pic" idx="13" sz="quarter"/>
+          </p:nvPr>
+        </p:nvPicPr>
+        <p:blipFill>
+          <a:blip r:embed="rId2"/>
+          <a:srcRect t="6762" b="6762"/>
+          <a:stretch>
+            <a:fillRect/>
+          </a:stretch>
+        </p:blipFill>
+        <p:spPr/>
+      </p:pic>
+      <p:sp>
+        <p:nvSpPr>
+          <p:cNvPr id="4" name="Text Placeholder 3"/>
           <p:cNvSpPr>
             <a:spLocks noGrp="1"/>
           </p:cNvSpPr>
           <p:nvPr>
-            <p:ph type="body" idx="11" sz="quarter"/>
+            <p:ph type="body" idx="14" sz="quarter"/>
           </p:nvPr>
         </p:nvSpPr>
         <p:spPr/>
@@ -5266,133 +4508,93 @@
           <a:p>
             <a:pPr/>
             <a:r>
-              <a:rPr>
-                <a:solidFill>
-                  <a:srgbClr val="000000"/>
-                </a:solidFill>
-              </a:rPr>
-              <a:t>Financial Services: 90% processing time reduction, $2M annual savings, 340% ROI</a:t>
-            </a:r>
-          </a:p>
-          <a:p>
-            <a:pPr/>
-            <a:r>
-              <a:rPr>
-                <a:solidFill>
-                  <a:srgbClr val="000000"/>
-                </a:solidFill>
-              </a:rPr>
-              <a:t>Healthcare: 95% accuracy with HIPAA compliance, 80% cost reduction, 280% ROI</a:t>
-            </a:r>
-          </a:p>
-          <a:p>
-            <a:pPr/>
-            <a:r>
-              <a:rPr>
-                <a:solidFill>
-                  <a:srgbClr val="000000"/>
-                </a:solidFill>
-              </a:rPr>
-              <a:t>Government: 24/7 processing capability, 85% staff redeployment, 250% ROI</a:t>
+              <a:rPr b="1"/>
+              <a:t>Client Success: Healthcare Insurance Provider</a:t>
+            </a:r>
+          </a:p>
+          <a:p>
+            <a:pPr lvl="1"/>
+            <a:r>
+              <a:rPr b="1"/>
+              <a:t>Client:</a:t>
+            </a:r>
+            <a:r>
+              <a:t> Regional health insurer processing 50,000+ claims monthly</a:t>
+            </a:r>
+          </a:p>
+          <a:p>
+            <a:pPr lvl="1"/>
+            <a:r>
+              <a:rPr b="1"/>
+              <a:t>Challenge:</a:t>
+            </a:r>
+            <a:r>
+              <a:t> Manual processing taking 24-48 hours, 8% error rate, high labor costs limiting scalability</a:t>
+            </a:r>
+          </a:p>
+          <a:p>
+            <a:pPr lvl="1"/>
+            <a:r>
+              <a:rPr b="1"/>
+              <a:t>Solution:</a:t>
+            </a:r>
+            <a:r>
+              <a:t> AWS IDP with Textract, Comprehend, and A2I for automated claims processing</a:t>
+            </a:r>
+          </a:p>
+          <a:p>
+            <a:pPr lvl="1"/>
+            <a:r>
+              <a:rPr b="1"/>
+              <a:t>Results:</a:t>
+            </a:r>
+            <a:r>
+              <a:t> 92% faster processing (24hrs → 2hrs), 99.2% accuracy, $2.1M annual savings, ROI in 11 months</a:t>
+            </a:r>
+          </a:p>
+          <a:p>
+            <a:pPr lvl="1"/>
+            <a:r>
+              <a:rPr b="1"/>
+              <a:t>Testimonial:</a:t>
+            </a:r>
+            <a:r>
+              <a:t> "The AI accuracy exceeded our expectations. We've redeployed staff to complex cases requiring human judgment, dramatically improving both efficiency and job satisfaction." — </a:t>
+            </a:r>
+            <a:r>
+              <a:rPr b="1"/>
+              <a:t>Sarah Martinez, VP Operations</a:t>
+            </a:r>
+            <a:r>
+              <a:t>, HealthFirst Insurance</a:t>
             </a:r>
           </a:p>
         </p:txBody>
       </p:sp>
-      <p:sp>
-        <p:nvSpPr>
-          <p:cNvPr id="4" name="Text Placeholder 3"/>
-          <p:cNvSpPr>
-            <a:spLocks noGrp="1"/>
-          </p:cNvSpPr>
-          <p:nvPr>
-            <p:ph type="body" idx="12" sz="quarter"/>
-          </p:nvPr>
-        </p:nvSpPr>
-        <p:spPr/>
-        <p:txBody>
-          <a:bodyPr/>
-          <a:lstStyle/>
-          <a:p>
-            <a:pPr/>
-            <a:r>
-              <a:rPr>
-                <a:solidFill>
-                  <a:srgbClr val="000000"/>
-                </a:solidFill>
-              </a:rPr>
-              <a:t>AWS Textract and Comprehend used by Fortune 500 companies</a:t>
-            </a:r>
-          </a:p>
-          <a:p>
-            <a:pPr/>
-            <a:r>
-              <a:rPr>
-                <a:solidFill>
-                  <a:srgbClr val="000000"/>
-                </a:solidFill>
-              </a:rPr>
-              <a:t>99.9% uptime with global infrastructure</a:t>
-            </a:r>
-          </a:p>
-          <a:p>
-            <a:pPr/>
-            <a:r>
-              <a:rPr>
-                <a:solidFill>
-                  <a:srgbClr val="000000"/>
-                </a:solidFill>
-              </a:rPr>
-              <a:t>Enterprise-grade security and compliance (SOC 2, GDPR, HIPAA ready)</a:t>
-            </a:r>
-          </a:p>
-        </p:txBody>
-      </p:sp>
-      <p:sp>
-        <p:nvSpPr>
-          <p:cNvPr id="5" name="Text Placeholder 4"/>
-          <p:cNvSpPr>
-            <a:spLocks noGrp="1"/>
-          </p:cNvSpPr>
-          <p:nvPr>
-            <p:ph type="body" idx="13" sz="quarter"/>
-          </p:nvPr>
-        </p:nvSpPr>
-        <p:spPr/>
-        <p:txBody>
-          <a:bodyPr/>
-          <a:lstStyle/>
-          <a:p/>
-        </p:txBody>
-      </p:sp>
-      <p:sp>
-        <p:nvSpPr>
-          <p:cNvPr id="6" name="Picture Placeholder 5"/>
-          <p:cNvSpPr>
-            <a:spLocks noGrp="1"/>
-          </p:cNvSpPr>
-          <p:nvPr>
-            <p:ph type="pic" idx="14" sz="quarter"/>
-          </p:nvPr>
-        </p:nvSpPr>
-        <p:spPr/>
-      </p:sp>
-      <p:sp>
-        <p:nvSpPr>
-          <p:cNvPr id="7" name="Text Placeholder 6"/>
-          <p:cNvSpPr>
-            <a:spLocks noGrp="1"/>
-          </p:cNvSpPr>
-          <p:nvPr>
-            <p:ph type="body" idx="15" sz="quarter"/>
-          </p:nvPr>
-        </p:nvSpPr>
-        <p:spPr/>
-        <p:txBody>
-          <a:bodyPr/>
-          <a:lstStyle/>
-          <a:p/>
-        </p:txBody>
-      </p:sp>
+      <p:pic>
+        <p:nvPicPr>
+          <p:cNvPr id="5" name="Picture 4" descr="eo-framework-logo-real.png"/>
+          <p:cNvPicPr>
+            <a:picLocks noChangeAspect="1"/>
+          </p:cNvPicPr>
+          <p:nvPr/>
+        </p:nvPicPr>
+        <p:blipFill>
+          <a:blip r:embed="rId3"/>
+          <a:stretch>
+            <a:fillRect/>
+          </a:stretch>
+        </p:blipFill>
+        <p:spPr>
+          <a:xfrm>
+            <a:off x="6684264" y="4535424"/>
+            <a:ext cx="2139696" cy="530352"/>
+          </a:xfrm>
+          <a:prstGeom prst="rect">
+            <a:avLst/>
+          </a:prstGeom>
+        </p:spPr>
+      </p:pic>
     </p:spTree>
   </p:cSld>
   <p:clrMapOvr>
@@ -5427,23 +4629,30 @@
           <a:lstStyle/>
           <a:p>
             <a:r>
-              <a:t>Slide 7: Business Value - Strategic Benefits</a:t>
+              <a:t>Our Partnership Advantage</a:t>
             </a:r>
           </a:p>
         </p:txBody>
       </p:sp>
-      <p:sp>
-        <p:nvSpPr>
-          <p:cNvPr id="3" name="Picture Placeholder 2"/>
-          <p:cNvSpPr>
-            <a:spLocks noGrp="1"/>
-          </p:cNvSpPr>
-          <p:nvPr>
-            <p:ph type="pic" idx="13" sz="quarter"/>
-          </p:nvPr>
-        </p:nvSpPr>
+      <p:pic>
+        <p:nvPicPr>
+          <p:cNvPr id="3" name="Picture Placeholder 2" descr="consulting_company_logo.png"/>
+          <p:cNvPicPr>
+            <a:picLocks noGrp="1" noChangeAspect="1"/>
+          </p:cNvPicPr>
+          <p:nvPr>
+            <p:ph type="pic" idx="14" sz="quarter"/>
+          </p:nvPr>
+        </p:nvPicPr>
+        <p:blipFill>
+          <a:blip r:embed="rId2"/>
+          <a:srcRect t="6314" b="6314"/>
+          <a:stretch>
+            <a:fillRect/>
+          </a:stretch>
+        </p:blipFill>
         <p:spPr/>
-      </p:sp>
+      </p:pic>
       <p:sp>
         <p:nvSpPr>
           <p:cNvPr id="4" name="Text Placeholder 3"/>
@@ -5451,7 +4660,7 @@
             <a:spLocks noGrp="1"/>
           </p:cNvSpPr>
           <p:nvPr>
-            <p:ph type="body" idx="14" sz="quarter"/>
+            <p:ph type="body" idx="16" sz="quarter"/>
           </p:nvPr>
         </p:nvSpPr>
         <p:spPr/>
@@ -5461,203 +4670,119 @@
           <a:p>
             <a:pPr/>
             <a:r>
-              <a:rPr>
-                <a:solidFill>
-                  <a:srgbClr val="000000"/>
-                </a:solidFill>
-              </a:rPr>
-              <a:t>Processing Speed: 95% reduction in document processing time (hours → minutes)</a:t>
-            </a:r>
-          </a:p>
+              <a:rPr b="1"/>
+              <a:t>What We Bring</a:t>
+            </a:r>
+          </a:p>
+          <a:p>
+            <a:pPr lvl="1"/>
+            <a:r>
+              <a:t>10+ years delivering AWS AI/ML solutions with proven results</a:t>
+            </a:r>
+          </a:p>
+          <a:p>
+            <a:pPr lvl="1"/>
+            <a:r>
+              <a:t>50+ successful IDP implementations across healthcare, finance, government</a:t>
+            </a:r>
+          </a:p>
+          <a:p>
+            <a:pPr lvl="1"/>
+            <a:r>
+              <a:t>AWS Advanced Consulting Partner with Machine Learning Competency</a:t>
+            </a:r>
+          </a:p>
+          <a:p>
+            <a:pPr lvl="1"/>
+            <a:r>
+              <a:t>Certified solutions architects with Textract/Comprehend expertise</a:t>
+            </a:r>
+          </a:p>
+          <a:p>
+            <a:pPr lvl="1"/>
+            <a:r>
+              <a:t>Dedicated AI/ML practice with data scientists and ML engineers</a:t>
+            </a:r>
+          </a:p>
+        </p:txBody>
+      </p:sp>
+      <p:sp>
+        <p:nvSpPr>
+          <p:cNvPr id="5" name="Text Placeholder 4"/>
+          <p:cNvSpPr>
+            <a:spLocks noGrp="1"/>
+          </p:cNvSpPr>
+          <p:nvPr>
+            <p:ph type="body" idx="17" sz="quarter"/>
+          </p:nvPr>
+        </p:nvSpPr>
+        <p:spPr/>
+        <p:txBody>
+          <a:bodyPr/>
+          <a:lstStyle/>
           <a:p>
             <a:pPr/>
             <a:r>
-              <a:rPr>
-                <a:solidFill>
-                  <a:srgbClr val="000000"/>
-                </a:solidFill>
-              </a:rPr>
-              <a:t>Accuracy Improvement: 99%+ data extraction accuracy vs 90-95% manual accuracy</a:t>
-            </a:r>
-          </a:p>
-          <a:p>
-            <a:pPr/>
-            <a:r>
-              <a:rPr>
-                <a:solidFill>
-                  <a:srgbClr val="000000"/>
-                </a:solidFill>
-              </a:rPr>
-              <a:t>24/7 Processing: Serverless architecture enables continuous operation</a:t>
-            </a:r>
-          </a:p>
-          <a:p>
-            <a:pPr/>
-            <a:r>
-              <a:rPr>
-                <a:solidFill>
-                  <a:srgbClr val="000000"/>
-                </a:solidFill>
-              </a:rPr>
-              <a:t>Scalability: Handle 10X volume growth without proportional cost increase</a:t>
-            </a:r>
-          </a:p>
-          <a:p>
-            <a:pPr/>
-            <a:r>
-              <a:rPr>
-                <a:solidFill>
-                  <a:srgbClr val="000000"/>
-                </a:solidFill>
-              </a:rPr>
-              <a:t>Labor Cost Savings: $[Amount] - Reduce processing staff by 70-80%</a:t>
-            </a:r>
-          </a:p>
-          <a:p>
-            <a:pPr/>
-            <a:r>
-              <a:rPr>
-                <a:solidFill>
-                  <a:srgbClr val="000000"/>
-                </a:solidFill>
-              </a:rPr>
-              <a:t>Error Reduction: $[Amount] - Eliminate costly rework and corrections</a:t>
-            </a:r>
-          </a:p>
-          <a:p>
-            <a:pPr/>
-            <a:r>
-              <a:rPr>
-                <a:solidFill>
-                  <a:srgbClr val="000000"/>
-                </a:solidFill>
-              </a:rPr>
-              <a:t>Efficiency Gains: $[Amount] - Staff redeployment to higher-value activities</a:t>
-            </a:r>
-          </a:p>
-          <a:p>
-            <a:pPr/>
-            <a:r>
-              <a:rPr>
-                <a:solidFill>
-                  <a:srgbClr val="000000"/>
-                </a:solidFill>
-              </a:rPr>
-              <a:t>Total Annual Benefit: $[Amount]</a:t>
-            </a:r>
-          </a:p>
-          <a:p>
-            <a:pPr/>
-            <a:r>
-              <a:rPr>
-                <a:solidFill>
-                  <a:srgbClr val="000000"/>
-                </a:solidFill>
-              </a:rPr>
-              <a:t>Faster Processing: Industry-leading turnaround times improve customer satisfaction</a:t>
-            </a:r>
-          </a:p>
-          <a:p>
-            <a:pPr/>
-            <a:r>
-              <a:rPr>
-                <a:solidFill>
-                  <a:srgbClr val="000000"/>
-                </a:solidFill>
-              </a:rPr>
-              <a:t>Cost Leadership: Lower cost structure enables competitive pricing</a:t>
-            </a:r>
-          </a:p>
-          <a:p>
-            <a:pPr/>
-            <a:r>
-              <a:rPr>
-                <a:solidFill>
-                  <a:srgbClr val="000000"/>
-                </a:solidFill>
-              </a:rPr>
-              <a:t>Innovation Platform: Foundation for additional AI/ML initiatives across organization</a:t>
-            </a:r>
-          </a:p>
-          <a:p>
-            <a:pPr/>
-            <a:r>
-              <a:rPr>
-                <a:solidFill>
-                  <a:srgbClr val="000000"/>
-                </a:solidFill>
-              </a:rPr>
-              <a:t>Audit Trail: Complete CloudTrail logging for compliance and tracking</a:t>
-            </a:r>
-          </a:p>
-          <a:p>
-            <a:pPr/>
-            <a:r>
-              <a:rPr>
-                <a:solidFill>
-                  <a:srgbClr val="000000"/>
-                </a:solidFill>
-              </a:rPr>
-              <a:t>Data Security: Encryption at rest and in transit, IAM-based access control</a:t>
-            </a:r>
-          </a:p>
-          <a:p>
-            <a:pPr/>
-            <a:r>
-              <a:rPr>
-                <a:solidFill>
-                  <a:srgbClr val="000000"/>
-                </a:solidFill>
-              </a:rPr>
-              <a:t>Business Continuity: Serverless architecture eliminates single points of failure</a:t>
-            </a:r>
-          </a:p>
-          <a:p>
-            <a:pPr/>
-            <a:r>
-              <a:rPr>
-                <a:solidFill>
-                  <a:srgbClr val="000000"/>
-                </a:solidFill>
-              </a:rPr>
-              <a:t>Compliance: SOC 2, GDPR, HIPAA-ready architecture</a:t>
-            </a:r>
-          </a:p>
-          <a:p>
-            <a:pPr/>
-            <a:r>
-              <a:rPr>
-                <a:solidFill>
-                  <a:srgbClr val="000000"/>
-                </a:solidFill>
-              </a:rPr>
-              <a:t>AI/ML Foundation: Platform for expanding automation to other business processes</a:t>
-            </a:r>
-          </a:p>
-          <a:p>
-            <a:pPr/>
-            <a:r>
-              <a:rPr>
-                <a:solidFill>
-                  <a:srgbClr val="000000"/>
-                </a:solidFill>
-              </a:rPr>
-              <a:t>Advanced Analytics: Document pattern analysis and insights from extracted data</a:t>
-            </a:r>
-          </a:p>
-          <a:p>
-            <a:pPr/>
-            <a:r>
-              <a:rPr>
-                <a:solidFill>
-                  <a:srgbClr val="000000"/>
-                </a:solidFill>
-              </a:rPr>
-              <a:t>Future Capabilities: Multi-language support, intelligent routing, predictive analytics</a:t>
+              <a:rPr b="1"/>
+              <a:t>Value to You</a:t>
+            </a:r>
+          </a:p>
+          <a:p>
+            <a:pPr lvl="1"/>
+            <a:r>
+              <a:t>Pre-built document processing templates accelerate deployment</a:t>
+            </a:r>
+          </a:p>
+          <a:p>
+            <a:pPr lvl="1"/>
+            <a:r>
+              <a:t>Proven AI model training methodology reduces time to accuracy</a:t>
+            </a:r>
+          </a:p>
+          <a:p>
+            <a:pPr lvl="1"/>
+            <a:r>
+              <a:t>Direct AWS ML specialist support through partner network</a:t>
+            </a:r>
+          </a:p>
+          <a:p>
+            <a:pPr lvl="1"/>
+            <a:r>
+              <a:t>Best practices from 50+ implementations avoid common pitfalls</a:t>
+            </a:r>
+          </a:p>
+          <a:p>
+            <a:pPr lvl="1"/>
+            <a:r>
+              <a:t>Comprehensive training ensures team self-sufficiency</a:t>
             </a:r>
           </a:p>
         </p:txBody>
       </p:sp>
+      <p:pic>
+        <p:nvPicPr>
+          <p:cNvPr id="6" name="Picture 5" descr="eo-framework-logo-real.png"/>
+          <p:cNvPicPr>
+            <a:picLocks noChangeAspect="1"/>
+          </p:cNvPicPr>
+          <p:nvPr/>
+        </p:nvPicPr>
+        <p:blipFill>
+          <a:blip r:embed="rId3"/>
+          <a:stretch>
+            <a:fillRect/>
+          </a:stretch>
+        </p:blipFill>
+        <p:spPr>
+          <a:xfrm>
+            <a:off x="6684264" y="4535424"/>
+            <a:ext cx="2139696" cy="530352"/>
+          </a:xfrm>
+          <a:prstGeom prst="rect">
+            <a:avLst/>
+          </a:prstGeom>
+        </p:spPr>
+      </p:pic>
     </p:spTree>
   </p:cSld>
   <p:clrMapOvr>
@@ -5691,260 +4816,543 @@
           <a:bodyPr/>
           <a:lstStyle/>
           <a:p>
-            <a:r>
-              <a:t>Slide 8: Implementation Approach</a:t>
+            <a:pPr algn="l"/>
+            <a:r>
+              <a:rPr b="1"/>
+              <a:t>Investment Summary</a:t>
             </a:r>
           </a:p>
         </p:txBody>
       </p:sp>
-      <p:sp>
-        <p:nvSpPr>
-          <p:cNvPr id="3" name="Picture Placeholder 2"/>
-          <p:cNvSpPr>
-            <a:spLocks noGrp="1"/>
-          </p:cNvSpPr>
+      <p:pic>
+        <p:nvPicPr>
+          <p:cNvPr id="3" name="Picture Placeholder 2" descr="consulting_company_logo.png"/>
+          <p:cNvPicPr>
+            <a:picLocks noGrp="1" noChangeAspect="1"/>
+          </p:cNvPicPr>
           <p:nvPr>
             <p:ph type="pic" idx="13" sz="quarter"/>
           </p:nvPr>
-        </p:nvSpPr>
+        </p:nvPicPr>
+        <p:blipFill>
+          <a:blip r:embed="rId2"/>
+          <a:srcRect t="6404" b="6404"/>
+          <a:stretch>
+            <a:fillRect/>
+          </a:stretch>
+        </p:blipFill>
         <p:spPr/>
-      </p:sp>
-      <p:sp>
-        <p:nvSpPr>
-          <p:cNvPr id="4" name="Text Placeholder 3"/>
-          <p:cNvSpPr>
-            <a:spLocks noGrp="1"/>
-          </p:cNvSpPr>
-          <p:nvPr>
-            <p:ph type="body" idx="14" sz="quarter"/>
-          </p:nvPr>
-        </p:nvSpPr>
-        <p:spPr/>
-        <p:txBody>
-          <a:bodyPr/>
-          <a:lstStyle/>
-          <a:p>
-            <a:pPr/>
-            <a:r>
-              <a:rPr>
-                <a:solidFill>
-                  <a:srgbClr val="000000"/>
-                </a:solidFill>
-              </a:rPr>
-              <a:t>Deploy single document type with limited volume</a:t>
-            </a:r>
-          </a:p>
-          <a:p>
-            <a:pPr/>
-            <a:r>
-              <a:rPr>
-                <a:solidFill>
-                  <a:srgbClr val="000000"/>
-                </a:solidFill>
-              </a:rPr>
-              <a:t>Validate AI accuracy with actual documents (&gt;95% target)</a:t>
-            </a:r>
-          </a:p>
-          <a:p>
-            <a:pPr/>
-            <a:r>
-              <a:rPr>
-                <a:solidFill>
-                  <a:srgbClr val="000000"/>
-                </a:solidFill>
-              </a:rPr>
-              <a:t>Complete integration testing with existing systems</a:t>
-            </a:r>
-          </a:p>
-          <a:p>
-            <a:pPr/>
-            <a:r>
-              <a:rPr>
-                <a:solidFill>
-                  <a:srgbClr val="000000"/>
-                </a:solidFill>
-              </a:rPr>
-              <a:t>User acceptance testing and feedback</a:t>
-            </a:r>
-          </a:p>
-          <a:p>
-            <a:pPr/>
-            <a:r>
-              <a:rPr>
-                <a:solidFill>
-                  <a:srgbClr val="000000"/>
-                </a:solidFill>
-              </a:rPr>
-              <a:t>Investment: $[Amount]</a:t>
-            </a:r>
-          </a:p>
-          <a:p>
-            <a:pPr/>
-            <a:r>
-              <a:rPr>
-                <a:solidFill>
-                  <a:srgbClr val="000000"/>
-                </a:solidFill>
-              </a:rPr>
-              <a:t>Add additional document types and increase volume</a:t>
-            </a:r>
-          </a:p>
-          <a:p>
-            <a:pPr/>
-            <a:r>
-              <a:rPr>
-                <a:solidFill>
-                  <a:srgbClr val="000000"/>
-                </a:solidFill>
-              </a:rPr>
-              <a:t>Scale to production processing levels</a:t>
-            </a:r>
-          </a:p>
-          <a:p>
-            <a:pPr/>
-            <a:r>
-              <a:rPr>
-                <a:solidFill>
-                  <a:srgbClr val="000000"/>
-                </a:solidFill>
-              </a:rPr>
-              <a:t>Optimize ML models based on pilot learnings</a:t>
-            </a:r>
-          </a:p>
-          <a:p>
-            <a:pPr/>
-            <a:r>
-              <a:rPr>
-                <a:solidFill>
-                  <a:srgbClr val="000000"/>
-                </a:solidFill>
-              </a:rPr>
-              <a:t>Comprehensive user training and adoption</a:t>
-            </a:r>
-          </a:p>
-          <a:p>
-            <a:pPr/>
-            <a:r>
-              <a:rPr>
-                <a:solidFill>
-                  <a:srgbClr val="000000"/>
-                </a:solidFill>
-              </a:rPr>
-              <a:t>Investment: $[Amount]</a:t>
-            </a:r>
-          </a:p>
-          <a:p>
-            <a:pPr/>
-            <a:r>
-              <a:rPr>
-                <a:solidFill>
-                  <a:srgbClr val="000000"/>
-                </a:solidFill>
-              </a:rPr>
-              <a:t>Complete automation across all document types</a:t>
-            </a:r>
-          </a:p>
-          <a:p>
-            <a:pPr/>
-            <a:r>
-              <a:rPr>
-                <a:solidFill>
-                  <a:srgbClr val="000000"/>
-                </a:solidFill>
-              </a:rPr>
-              <a:t>Staff transition and redeployment</a:t>
-            </a:r>
-          </a:p>
-          <a:p>
-            <a:pPr/>
-            <a:r>
-              <a:rPr>
-                <a:solidFill>
-                  <a:srgbClr val="000000"/>
-                </a:solidFill>
-              </a:rPr>
-              <a:t>Full cost savings realization</a:t>
-            </a:r>
-          </a:p>
-          <a:p>
-            <a:pPr/>
-            <a:r>
-              <a:rPr>
-                <a:solidFill>
-                  <a:srgbClr val="000000"/>
-                </a:solidFill>
-              </a:rPr>
-              <a:t>Performance monitoring and optimization</a:t>
-            </a:r>
-          </a:p>
-          <a:p>
-            <a:pPr/>
-            <a:r>
-              <a:rPr>
-                <a:solidFill>
-                  <a:srgbClr val="000000"/>
-                </a:solidFill>
-              </a:rPr>
-              <a:t>Investment: $[Amount]</a:t>
-            </a:r>
-          </a:p>
-          <a:p>
-            <a:pPr/>
-            <a:r>
-              <a:rPr>
-                <a:solidFill>
-                  <a:srgbClr val="000000"/>
-                </a:solidFill>
-              </a:rPr>
-              <a:t>Dedicated project team with AWS AI/ML expertise</a:t>
-            </a:r>
-          </a:p>
-          <a:p>
-            <a:pPr/>
-            <a:r>
-              <a:rPr>
-                <a:solidFill>
-                  <a:srgbClr val="000000"/>
-                </a:solidFill>
-              </a:rPr>
-              <a:t>Executive sponsorship and stakeholder alignment</a:t>
-            </a:r>
-          </a:p>
-          <a:p>
-            <a:pPr/>
-            <a:r>
-              <a:rPr>
-                <a:solidFill>
-                  <a:srgbClr val="000000"/>
-                </a:solidFill>
-              </a:rPr>
-              <a:t>Change management focus - staff training and communication</a:t>
-            </a:r>
-          </a:p>
-          <a:p>
-            <a:pPr/>
-            <a:r>
-              <a:rPr>
-                <a:solidFill>
-                  <a:srgbClr val="000000"/>
-                </a:solidFill>
-              </a:rPr>
-              <a:t>Proof of concept validation before full commitment</a:t>
-            </a:r>
-          </a:p>
-          <a:p>
-            <a:pPr/>
-            <a:r>
-              <a:rPr>
-                <a:solidFill>
-                  <a:srgbClr val="000000"/>
-                </a:solidFill>
-              </a:rPr>
-              <a:t>Parallel processing initially to minimize risk</a:t>
-            </a:r>
-          </a:p>
-        </p:txBody>
-      </p:sp>
+      </p:pic>
+      <p:graphicFrame>
+        <p:nvGraphicFramePr>
+          <p:cNvPr id="4" name="Table Placeholder 3"/>
+          <p:cNvGraphicFramePr>
+            <a:graphicFrameLocks noGrp="1"/>
+          </p:cNvGraphicFramePr>
+          <p:nvPr>
+            <p:ph type="tbl" idx="14" sz="quarter"/>
+          </p:nvPr>
+        </p:nvGraphicFramePr>
+        <p:xfrm>
+          <a:off x="256855" y="677011"/>
+          <a:ext cx="8710929" cy="1854200"/>
+        </p:xfrm>
+        <a:graphic>
+          <a:graphicData uri="http://schemas.openxmlformats.org/drawingml/2006/table">
+            <a:tbl>
+              <a:tblPr firstRow="1" bandRow="1">
+                <a:tableStyleId>{5C22544A-7EE6-4342-B048-85BDC9FD1C3A}</a:tableStyleId>
+              </a:tblPr>
+              <a:tblGrid>
+                <a:gridCol w="2177733"/>
+                <a:gridCol w="1306639"/>
+                <a:gridCol w="1045311"/>
+                <a:gridCol w="1567967"/>
+                <a:gridCol w="2613279"/>
+              </a:tblGrid>
+              <a:tr h="370840">
+                <a:tc>
+                  <a:txBody>
+                    <a:bodyPr/>
+                    <a:lstStyle/>
+                    <a:p>
+                      <a:r>
+                        <a:rPr b="1" sz="1400">
+                          <a:solidFill>
+                            <a:srgbClr val="FFFFFF"/>
+                          </a:solidFill>
+                        </a:rPr>
+                        <a:t>Cost Category</a:t>
+                      </a:r>
+                    </a:p>
+                  </a:txBody>
+                  <a:tcPr>
+                    <a:solidFill>
+                      <a:srgbClr val="A01C02"/>
+                    </a:solidFill>
+                  </a:tcPr>
+                </a:tc>
+                <a:tc>
+                  <a:txBody>
+                    <a:bodyPr/>
+                    <a:lstStyle/>
+                    <a:p>
+                      <a:r>
+                        <a:rPr b="1" sz="1400">
+                          <a:solidFill>
+                            <a:srgbClr val="FFFFFF"/>
+                          </a:solidFill>
+                        </a:rPr>
+                        <a:t>Year 1</a:t>
+                      </a:r>
+                    </a:p>
+                  </a:txBody>
+                  <a:tcPr>
+                    <a:solidFill>
+                      <a:srgbClr val="A01C02"/>
+                    </a:solidFill>
+                  </a:tcPr>
+                </a:tc>
+                <a:tc>
+                  <a:txBody>
+                    <a:bodyPr/>
+                    <a:lstStyle/>
+                    <a:p>
+                      <a:r>
+                        <a:rPr b="1" sz="1400">
+                          <a:solidFill>
+                            <a:srgbClr val="FFFFFF"/>
+                          </a:solidFill>
+                        </a:rPr>
+                        <a:t>Year 2</a:t>
+                      </a:r>
+                    </a:p>
+                  </a:txBody>
+                  <a:tcPr>
+                    <a:solidFill>
+                      <a:srgbClr val="A01C02"/>
+                    </a:solidFill>
+                  </a:tcPr>
+                </a:tc>
+                <a:tc>
+                  <a:txBody>
+                    <a:bodyPr/>
+                    <a:lstStyle/>
+                    <a:p>
+                      <a:r>
+                        <a:rPr b="1" sz="1400">
+                          <a:solidFill>
+                            <a:srgbClr val="FFFFFF"/>
+                          </a:solidFill>
+                        </a:rPr>
+                        <a:t>Year 3</a:t>
+                      </a:r>
+                    </a:p>
+                  </a:txBody>
+                  <a:tcPr>
+                    <a:solidFill>
+                      <a:srgbClr val="A01C02"/>
+                    </a:solidFill>
+                  </a:tcPr>
+                </a:tc>
+                <a:tc>
+                  <a:txBody>
+                    <a:bodyPr/>
+                    <a:lstStyle/>
+                    <a:p>
+                      <a:r>
+                        <a:rPr b="1" sz="1400">
+                          <a:solidFill>
+                            <a:srgbClr val="FFFFFF"/>
+                          </a:solidFill>
+                        </a:rPr>
+                        <a:t>3-Year Total</a:t>
+                      </a:r>
+                    </a:p>
+                  </a:txBody>
+                  <a:tcPr>
+                    <a:solidFill>
+                      <a:srgbClr val="A01C02"/>
+                    </a:solidFill>
+                  </a:tcPr>
+                </a:tc>
+              </a:tr>
+              <a:tr h="370840">
+                <a:tc>
+                  <a:txBody>
+                    <a:bodyPr/>
+                    <a:lstStyle/>
+                    <a:p>
+                      <a:r>
+                        <a:rPr sz="1100"/>
+                        <a:t>Professional Services</a:t>
+                      </a:r>
+                    </a:p>
+                  </a:txBody>
+                  <a:tcPr>
+                    <a:solidFill>
+                      <a:srgbClr val="E7E6E6"/>
+                    </a:solidFill>
+                  </a:tcPr>
+                </a:tc>
+                <a:tc>
+                  <a:txBody>
+                    <a:bodyPr/>
+                    <a:lstStyle/>
+                    <a:p>
+                      <a:r>
+                        <a:rPr sz="1100"/>
+                        <a:t>$364,000</a:t>
+                      </a:r>
+                    </a:p>
+                  </a:txBody>
+                  <a:tcPr>
+                    <a:solidFill>
+                      <a:srgbClr val="E7E6E6"/>
+                    </a:solidFill>
+                  </a:tcPr>
+                </a:tc>
+                <a:tc>
+                  <a:txBody>
+                    <a:bodyPr/>
+                    <a:lstStyle/>
+                    <a:p>
+                      <a:r>
+                        <a:rPr sz="1100"/>
+                        <a:t>$0</a:t>
+                      </a:r>
+                    </a:p>
+                  </a:txBody>
+                  <a:tcPr>
+                    <a:solidFill>
+                      <a:srgbClr val="E7E6E6"/>
+                    </a:solidFill>
+                  </a:tcPr>
+                </a:tc>
+                <a:tc>
+                  <a:txBody>
+                    <a:bodyPr/>
+                    <a:lstStyle/>
+                    <a:p>
+                      <a:r>
+                        <a:rPr sz="1100"/>
+                        <a:t>$0</a:t>
+                      </a:r>
+                    </a:p>
+                  </a:txBody>
+                  <a:tcPr>
+                    <a:solidFill>
+                      <a:srgbClr val="E7E6E6"/>
+                    </a:solidFill>
+                  </a:tcPr>
+                </a:tc>
+                <a:tc>
+                  <a:txBody>
+                    <a:bodyPr/>
+                    <a:lstStyle/>
+                    <a:p>
+                      <a:r>
+                        <a:rPr sz="1100"/>
+                        <a:t>$364,000</a:t>
+                      </a:r>
+                    </a:p>
+                  </a:txBody>
+                  <a:tcPr>
+                    <a:solidFill>
+                      <a:srgbClr val="E7E6E6"/>
+                    </a:solidFill>
+                  </a:tcPr>
+                </a:tc>
+              </a:tr>
+              <a:tr h="370840">
+                <a:tc>
+                  <a:txBody>
+                    <a:bodyPr/>
+                    <a:lstStyle/>
+                    <a:p>
+                      <a:r>
+                        <a:rPr sz="1100"/>
+                        <a:t>Cloud Infrastructure</a:t>
+                      </a:r>
+                    </a:p>
+                  </a:txBody>
+                  <a:tcPr>
+                    <a:solidFill>
+                      <a:srgbClr val="E7E6E6"/>
+                    </a:solidFill>
+                  </a:tcPr>
+                </a:tc>
+                <a:tc>
+                  <a:txBody>
+                    <a:bodyPr/>
+                    <a:lstStyle/>
+                    <a:p>
+                      <a:r>
+                        <a:rPr sz="1100"/>
+                        <a:t>$27,248</a:t>
+                      </a:r>
+                    </a:p>
+                  </a:txBody>
+                  <a:tcPr>
+                    <a:solidFill>
+                      <a:srgbClr val="E7E6E6"/>
+                    </a:solidFill>
+                  </a:tcPr>
+                </a:tc>
+                <a:tc>
+                  <a:txBody>
+                    <a:bodyPr/>
+                    <a:lstStyle/>
+                    <a:p>
+                      <a:r>
+                        <a:rPr sz="1100"/>
+                        <a:t>$27,248</a:t>
+                      </a:r>
+                    </a:p>
+                  </a:txBody>
+                  <a:tcPr>
+                    <a:solidFill>
+                      <a:srgbClr val="E7E6E6"/>
+                    </a:solidFill>
+                  </a:tcPr>
+                </a:tc>
+                <a:tc>
+                  <a:txBody>
+                    <a:bodyPr/>
+                    <a:lstStyle/>
+                    <a:p>
+                      <a:r>
+                        <a:rPr sz="1100"/>
+                        <a:t>$27,248</a:t>
+                      </a:r>
+                    </a:p>
+                  </a:txBody>
+                  <a:tcPr>
+                    <a:solidFill>
+                      <a:srgbClr val="E7E6E6"/>
+                    </a:solidFill>
+                  </a:tcPr>
+                </a:tc>
+                <a:tc>
+                  <a:txBody>
+                    <a:bodyPr/>
+                    <a:lstStyle/>
+                    <a:p>
+                      <a:r>
+                        <a:rPr sz="1100"/>
+                        <a:t>$81,744</a:t>
+                      </a:r>
+                    </a:p>
+                  </a:txBody>
+                  <a:tcPr>
+                    <a:solidFill>
+                      <a:srgbClr val="E7E6E6"/>
+                    </a:solidFill>
+                  </a:tcPr>
+                </a:tc>
+              </a:tr>
+              <a:tr h="370840">
+                <a:tc>
+                  <a:txBody>
+                    <a:bodyPr/>
+                    <a:lstStyle/>
+                    <a:p>
+                      <a:r>
+                        <a:rPr sz="1100"/>
+                        <a:t>Software Licenses &amp; Subscriptions</a:t>
+                      </a:r>
+                    </a:p>
+                  </a:txBody>
+                  <a:tcPr>
+                    <a:solidFill>
+                      <a:srgbClr val="E7E6E6"/>
+                    </a:solidFill>
+                  </a:tcPr>
+                </a:tc>
+                <a:tc>
+                  <a:txBody>
+                    <a:bodyPr/>
+                    <a:lstStyle/>
+                    <a:p>
+                      <a:r>
+                        <a:rPr sz="1100"/>
+                        <a:t>$6,720</a:t>
+                      </a:r>
+                    </a:p>
+                  </a:txBody>
+                  <a:tcPr>
+                    <a:solidFill>
+                      <a:srgbClr val="E7E6E6"/>
+                    </a:solidFill>
+                  </a:tcPr>
+                </a:tc>
+                <a:tc>
+                  <a:txBody>
+                    <a:bodyPr/>
+                    <a:lstStyle/>
+                    <a:p>
+                      <a:r>
+                        <a:rPr sz="1100"/>
+                        <a:t>$6,720</a:t>
+                      </a:r>
+                    </a:p>
+                  </a:txBody>
+                  <a:tcPr>
+                    <a:solidFill>
+                      <a:srgbClr val="E7E6E6"/>
+                    </a:solidFill>
+                  </a:tcPr>
+                </a:tc>
+                <a:tc>
+                  <a:txBody>
+                    <a:bodyPr/>
+                    <a:lstStyle/>
+                    <a:p>
+                      <a:r>
+                        <a:rPr sz="1100"/>
+                        <a:t>$6,720</a:t>
+                      </a:r>
+                    </a:p>
+                  </a:txBody>
+                  <a:tcPr>
+                    <a:solidFill>
+                      <a:srgbClr val="E7E6E6"/>
+                    </a:solidFill>
+                  </a:tcPr>
+                </a:tc>
+                <a:tc>
+                  <a:txBody>
+                    <a:bodyPr/>
+                    <a:lstStyle/>
+                    <a:p>
+                      <a:r>
+                        <a:rPr sz="1100"/>
+                        <a:t>$20,160</a:t>
+                      </a:r>
+                    </a:p>
+                  </a:txBody>
+                  <a:tcPr>
+                    <a:solidFill>
+                      <a:srgbClr val="E7E6E6"/>
+                    </a:solidFill>
+                  </a:tcPr>
+                </a:tc>
+              </a:tr>
+              <a:tr h="370840">
+                <a:tc>
+                  <a:txBody>
+                    <a:bodyPr/>
+                    <a:lstStyle/>
+                    <a:p>
+                      <a:r>
+                        <a:rPr sz="1100"/>
+                        <a:t>TOTAL SOLUTION INVESTMENT</a:t>
+                      </a:r>
+                    </a:p>
+                  </a:txBody>
+                  <a:tcPr>
+                    <a:solidFill>
+                      <a:srgbClr val="E7E6E6"/>
+                    </a:solidFill>
+                  </a:tcPr>
+                </a:tc>
+                <a:tc>
+                  <a:txBody>
+                    <a:bodyPr/>
+                    <a:lstStyle/>
+                    <a:p>
+                      <a:r>
+                        <a:rPr sz="1100"/>
+                        <a:t>$697,968</a:t>
+                      </a:r>
+                    </a:p>
+                  </a:txBody>
+                  <a:tcPr>
+                    <a:solidFill>
+                      <a:srgbClr val="E7E6E6"/>
+                    </a:solidFill>
+                  </a:tcPr>
+                </a:tc>
+                <a:tc>
+                  <a:txBody>
+                    <a:bodyPr/>
+                    <a:lstStyle/>
+                    <a:p>
+                      <a:r>
+                        <a:rPr sz="1100"/>
+                        <a:t>$33,968</a:t>
+                      </a:r>
+                    </a:p>
+                  </a:txBody>
+                  <a:tcPr>
+                    <a:solidFill>
+                      <a:srgbClr val="E7E6E6"/>
+                    </a:solidFill>
+                  </a:tcPr>
+                </a:tc>
+                <a:tc>
+                  <a:txBody>
+                    <a:bodyPr/>
+                    <a:lstStyle/>
+                    <a:p>
+                      <a:r>
+                        <a:rPr sz="1100"/>
+                        <a:t>$33,968</a:t>
+                      </a:r>
+                    </a:p>
+                  </a:txBody>
+                  <a:tcPr>
+                    <a:solidFill>
+                      <a:srgbClr val="E7E6E6"/>
+                    </a:solidFill>
+                  </a:tcPr>
+                </a:tc>
+                <a:tc>
+                  <a:txBody>
+                    <a:bodyPr/>
+                    <a:lstStyle/>
+                    <a:p>
+                      <a:r>
+                        <a:rPr sz="1100"/>
+                        <a:t>$765,904</a:t>
+                      </a:r>
+                    </a:p>
+                  </a:txBody>
+                  <a:tcPr>
+                    <a:solidFill>
+                      <a:srgbClr val="E7E6E6"/>
+                    </a:solidFill>
+                  </a:tcPr>
+                </a:tc>
+              </a:tr>
+            </a:tbl>
+          </a:graphicData>
+        </a:graphic>
+      </p:graphicFrame>
+      <p:pic>
+        <p:nvPicPr>
+          <p:cNvPr id="5" name="Picture 4" descr="eo-framework-logo-real.png"/>
+          <p:cNvPicPr>
+            <a:picLocks noChangeAspect="1"/>
+          </p:cNvPicPr>
+          <p:nvPr/>
+        </p:nvPicPr>
+        <p:blipFill>
+          <a:blip r:embed="rId3"/>
+          <a:stretch>
+            <a:fillRect/>
+          </a:stretch>
+        </p:blipFill>
+        <p:spPr>
+          <a:xfrm>
+            <a:off x="6684264" y="4535424"/>
+            <a:ext cx="2139696" cy="530352"/>
+          </a:xfrm>
+          <a:prstGeom prst="rect">
+            <a:avLst/>
+          </a:prstGeom>
+        </p:spPr>
+      </p:pic>
     </p:spTree>
   </p:cSld>
   <p:clrMapOvr>
@@ -5979,23 +5387,30 @@
           <a:lstStyle/>
           <a:p>
             <a:r>
-              <a:t>Slide 9: Risk Mitigation</a:t>
+              <a:t>Next Steps</a:t>
             </a:r>
           </a:p>
         </p:txBody>
       </p:sp>
-      <p:sp>
-        <p:nvSpPr>
-          <p:cNvPr id="3" name="Picture Placeholder 2"/>
-          <p:cNvSpPr>
-            <a:spLocks noGrp="1"/>
-          </p:cNvSpPr>
+      <p:pic>
+        <p:nvPicPr>
+          <p:cNvPr id="3" name="Picture Placeholder 2" descr="consulting_company_logo.png"/>
+          <p:cNvPicPr>
+            <a:picLocks noGrp="1" noChangeAspect="1"/>
+          </p:cNvPicPr>
           <p:nvPr>
             <p:ph type="pic" idx="13" sz="quarter"/>
           </p:nvPr>
-        </p:nvSpPr>
+        </p:nvPicPr>
+        <p:blipFill>
+          <a:blip r:embed="rId2"/>
+          <a:srcRect t="6762" b="6762"/>
+          <a:stretch>
+            <a:fillRect/>
+          </a:stretch>
+        </p:blipFill>
         <p:spPr/>
-      </p:sp>
+      </p:pic>
       <p:sp>
         <p:nvSpPr>
           <p:cNvPr id="4" name="Text Placeholder 3"/>
@@ -6013,60 +5428,71 @@
           <a:p>
             <a:pPr/>
             <a:r>
-              <a:rPr>
-                <a:solidFill>
-                  <a:srgbClr val="000000"/>
-                </a:solidFill>
-              </a:rPr>
-              <a:t>Fixed-Price Implementation: No cost overrun risk on implementation services</a:t>
+              <a:t>Decision: Executive approval for pilot phase by [specific date]</a:t>
             </a:r>
           </a:p>
           <a:p>
             <a:pPr/>
             <a:r>
-              <a:rPr>
-                <a:solidFill>
-                  <a:srgbClr val="000000"/>
-                </a:solidFill>
-              </a:rPr>
-              <a:t>Proof of Concept: Validate ROI assumptions with actual documents before full deployment</a:t>
+              <a:t>Kickoff: Target pilot start date [30 days from approval]</a:t>
             </a:r>
           </a:p>
           <a:p>
             <a:pPr/>
             <a:r>
-              <a:rPr>
-                <a:solidFill>
-                  <a:srgbClr val="000000"/>
-                </a:solidFill>
-              </a:rPr>
-              <a:t>Phased Investment: Staged funding reduces financial exposure</a:t>
+              <a:t>Team Formation: Identify business SME, IT contact, document samples</a:t>
             </a:r>
           </a:p>
           <a:p>
             <a:pPr/>
             <a:r>
-              <a:rPr>
-                <a:solidFill>
-                  <a:srgbClr val="000000"/>
-                </a:solidFill>
-              </a:rPr>
-              <a:t>Parallel Processing: Maintain manual backup initially for business continuity</a:t>
+              <a:t>Week 1: Contract finalization and AWS account setup</a:t>
             </a:r>
           </a:p>
           <a:p>
             <a:pPr/>
             <a:r>
-              <a:rPr>
-                <a:solidFill>
-                  <a:srgbClr val="000000"/>
-                </a:solidFill>
-              </a:rPr>
-              <a:t>30-Day Warranty: Post-implementation support and issue resolution</a:t>
+              <a:t>Week 2: Document sample collection and AI model configuration</a:t>
+            </a:r>
+          </a:p>
+          <a:p>
+            <a:pPr/>
+            <a:r>
+              <a:t>Week 3: Textract/Comprehend training and initial testing</a:t>
+            </a:r>
+          </a:p>
+          <a:p>
+            <a:pPr/>
+            <a:r>
+              <a:t>Week 4: First production documents processed with validation</a:t>
             </a:r>
           </a:p>
         </p:txBody>
       </p:sp>
+      <p:pic>
+        <p:nvPicPr>
+          <p:cNvPr id="5" name="Picture 4" descr="eo-framework-logo-real.png"/>
+          <p:cNvPicPr>
+            <a:picLocks noChangeAspect="1"/>
+          </p:cNvPicPr>
+          <p:nvPr/>
+        </p:nvPicPr>
+        <p:blipFill>
+          <a:blip r:embed="rId3"/>
+          <a:stretch>
+            <a:fillRect/>
+          </a:stretch>
+        </p:blipFill>
+        <p:spPr>
+          <a:xfrm>
+            <a:off x="6684264" y="4535424"/>
+            <a:ext cx="2139696" cy="530352"/>
+          </a:xfrm>
+          <a:prstGeom prst="rect">
+            <a:avLst/>
+          </a:prstGeom>
+        </p:spPr>
+      </p:pic>
     </p:spTree>
   </p:cSld>
   <p:clrMapOvr>

--- a/solutions/aws/ai/intelligent-document-processing/presales/solution-briefing.pptx
+++ b/solutions/aws/ai/intelligent-document-processing/presales/solution-briefing.pptx
@@ -3917,10 +3917,7 @@
             <a:pPr/>
             <a:r>
               <a:rPr b="1"/>
-              <a:t>Phase 1: Pilot</a:t>
-            </a:r>
-            <a:r>
-              <a:t> *(Months 1-2)*</a:t>
+              <a:t>Phase 1: Pilot (Months 1-2)</a:t>
             </a:r>
           </a:p>
           <a:p>
@@ -3945,10 +3942,7 @@
             <a:pPr/>
             <a:r>
               <a:rPr b="1"/>
-              <a:t>Phase 2: Expansion</a:t>
-            </a:r>
-            <a:r>
-              <a:t> *(Months 3-4)*</a:t>
+              <a:t>Phase 2: Expansion (Months 3-4)</a:t>
             </a:r>
           </a:p>
           <a:p>
@@ -3973,10 +3967,7 @@
             <a:pPr/>
             <a:r>
               <a:rPr b="1"/>
-              <a:t>Phase 3: Optimization</a:t>
-            </a:r>
-            <a:r>
-              <a:t> *(Months 5-6)*</a:t>
+              <a:t>Phase 3: Optimization (Months 5-6)</a:t>
             </a:r>
           </a:p>
           <a:p>

--- a/solutions/aws/ai/intelligent-document-processing/presales/solution-briefing.pptx
+++ b/solutions/aws/ai/intelligent-document-processing/presales/solution-briefing.pptx
@@ -4333,7 +4333,7 @@
                     <a:lstStyle/>
                     <a:p>
                       <a:r>
-                        <a:rPr sz="1100"/>
+                        <a:rPr b="1" sz="1100"/>
                         <a:t>Phase 3</a:t>
                       </a:r>
                     </a:p>
@@ -4350,7 +4350,7 @@
                     <a:lstStyle/>
                     <a:p>
                       <a:r>
-                        <a:rPr sz="1100"/>
+                        <a:rPr b="1" sz="1100"/>
                         <a:t>Optimization &amp; Handoff</a:t>
                       </a:r>
                     </a:p>
@@ -4367,7 +4367,7 @@
                     <a:lstStyle/>
                     <a:p>
                       <a:r>
-                        <a:rPr sz="1100"/>
+                        <a:rPr b="1" sz="1100"/>
                         <a:t>Months 5-6</a:t>
                       </a:r>
                     </a:p>
@@ -4384,7 +4384,7 @@
                     <a:lstStyle/>
                     <a:p>
                       <a:r>
-                        <a:rPr sz="1100"/>
+                        <a:rPr b="1" sz="1100"/>
                         <a:t>AI models fine-tuned, Advanced features deployed, Operations team trained</a:t>
                       </a:r>
                     </a:p>
@@ -4846,7 +4846,7 @@
         </p:nvGraphicFramePr>
         <p:xfrm>
           <a:off x="256855" y="677011"/>
-          <a:ext cx="8710929" cy="1854200"/>
+          <a:ext cx="8719641" cy="2225040"/>
         </p:xfrm>
         <a:graphic>
           <a:graphicData uri="http://schemas.openxmlformats.org/drawingml/2006/table">
@@ -4855,11 +4855,13 @@
                 <a:tableStyleId>{5C22544A-7EE6-4342-B048-85BDC9FD1C3A}</a:tableStyleId>
               </a:tblPr>
               <a:tblGrid>
-                <a:gridCol w="2177733"/>
-                <a:gridCol w="1306639"/>
-                <a:gridCol w="1045311"/>
                 <a:gridCol w="1567967"/>
-                <a:gridCol w="2613279"/>
+                <a:gridCol w="1132421"/>
+                <a:gridCol w="1742186"/>
+                <a:gridCol w="1132421"/>
+                <a:gridCol w="993046"/>
+                <a:gridCol w="993046"/>
+                <a:gridCol w="1158554"/>
               </a:tblGrid>
               <a:tr h="370840">
                 <a:tc>
@@ -4894,7 +4896,49 @@
                             <a:srgbClr val="FFFFFF"/>
                           </a:solidFill>
                         </a:rPr>
-                        <a:t>Year 1</a:t>
+                        <a:t>Year 1 List</a:t>
+                      </a:r>
+                    </a:p>
+                  </a:txBody>
+                  <a:tcPr>
+                    <a:solidFill>
+                      <a:srgbClr val="A01C02"/>
+                    </a:solidFill>
+                  </a:tcPr>
+                </a:tc>
+                <a:tc>
+                  <a:txBody>
+                    <a:bodyPr/>
+                    <a:lstStyle/>
+                    <a:p>
+                      <a:r>
+                        <a:rPr b="1" sz="1400">
+                          <a:solidFill>
+                            <a:srgbClr val="FFFFFF"/>
+                          </a:solidFill>
+                        </a:rPr>
+                        <a:t>AWS/Partner Credits</a:t>
+                      </a:r>
+                    </a:p>
+                  </a:txBody>
+                  <a:tcPr>
+                    <a:solidFill>
+                      <a:srgbClr val="A01C02"/>
+                    </a:solidFill>
+                  </a:tcPr>
+                </a:tc>
+                <a:tc>
+                  <a:txBody>
+                    <a:bodyPr/>
+                    <a:lstStyle/>
+                    <a:p>
+                      <a:r>
+                        <a:rPr b="1" sz="1400">
+                          <a:solidFill>
+                            <a:srgbClr val="FFFFFF"/>
+                          </a:solidFill>
+                        </a:rPr>
+                        <a:t>Year 1 Net</a:t>
                       </a:r>
                     </a:p>
                   </a:txBody>
@@ -4993,7 +5037,41 @@
                     <a:p>
                       <a:r>
                         <a:rPr sz="1100"/>
-                        <a:t>$364,000</a:t>
+                        <a:t>$82,250</a:t>
+                      </a:r>
+                    </a:p>
+                  </a:txBody>
+                  <a:tcPr>
+                    <a:solidFill>
+                      <a:srgbClr val="E7E6E6"/>
+                    </a:solidFill>
+                  </a:tcPr>
+                </a:tc>
+                <a:tc>
+                  <a:txBody>
+                    <a:bodyPr/>
+                    <a:lstStyle/>
+                    <a:p>
+                      <a:r>
+                        <a:rPr sz="1100"/>
+                        <a:t>($10,000)</a:t>
+                      </a:r>
+                    </a:p>
+                  </a:txBody>
+                  <a:tcPr>
+                    <a:solidFill>
+                      <a:srgbClr val="E7E6E6"/>
+                    </a:solidFill>
+                  </a:tcPr>
+                </a:tc>
+                <a:tc>
+                  <a:txBody>
+                    <a:bodyPr/>
+                    <a:lstStyle/>
+                    <a:p>
+                      <a:r>
+                        <a:rPr sz="1100"/>
+                        <a:t>$72,250</a:t>
                       </a:r>
                     </a:p>
                   </a:txBody>
@@ -5044,7 +5122,7 @@
                     <a:p>
                       <a:r>
                         <a:rPr sz="1100"/>
-                        <a:t>$364,000</a:t>
+                        <a:t>$72,250</a:t>
                       </a:r>
                     </a:p>
                   </a:txBody>
@@ -5080,7 +5158,7 @@
                     <a:p>
                       <a:r>
                         <a:rPr sz="1100"/>
-                        <a:t>$27,248</a:t>
+                        <a:t>$26,830</a:t>
                       </a:r>
                     </a:p>
                   </a:txBody>
@@ -5097,7 +5175,7 @@
                     <a:p>
                       <a:r>
                         <a:rPr sz="1100"/>
-                        <a:t>$27,248</a:t>
+                        <a:t>($5,000)</a:t>
                       </a:r>
                     </a:p>
                   </a:txBody>
@@ -5114,7 +5192,7 @@
                     <a:p>
                       <a:r>
                         <a:rPr sz="1100"/>
-                        <a:t>$27,248</a:t>
+                        <a:t>$21,830</a:t>
                       </a:r>
                     </a:p>
                   </a:txBody>
@@ -5131,7 +5209,41 @@
                     <a:p>
                       <a:r>
                         <a:rPr sz="1100"/>
-                        <a:t>$81,744</a:t>
+                        <a:t>$26,830</a:t>
+                      </a:r>
+                    </a:p>
+                  </a:txBody>
+                  <a:tcPr>
+                    <a:solidFill>
+                      <a:srgbClr val="E7E6E6"/>
+                    </a:solidFill>
+                  </a:tcPr>
+                </a:tc>
+                <a:tc>
+                  <a:txBody>
+                    <a:bodyPr/>
+                    <a:lstStyle/>
+                    <a:p>
+                      <a:r>
+                        <a:rPr sz="1100"/>
+                        <a:t>$26,830</a:t>
+                      </a:r>
+                    </a:p>
+                  </a:txBody>
+                  <a:tcPr>
+                    <a:solidFill>
+                      <a:srgbClr val="E7E6E6"/>
+                    </a:solidFill>
+                  </a:tcPr>
+                </a:tc>
+                <a:tc>
+                  <a:txBody>
+                    <a:bodyPr/>
+                    <a:lstStyle/>
+                    <a:p>
+                      <a:r>
+                        <a:rPr sz="1100"/>
+                        <a:t>$75,490</a:t>
                       </a:r>
                     </a:p>
                   </a:txBody>
@@ -5167,7 +5279,7 @@
                     <a:p>
                       <a:r>
                         <a:rPr sz="1100"/>
-                        <a:t>$6,720</a:t>
+                        <a:t>$2,784</a:t>
                       </a:r>
                     </a:p>
                   </a:txBody>
@@ -5184,7 +5296,7 @@
                     <a:p>
                       <a:r>
                         <a:rPr sz="1100"/>
-                        <a:t>$6,720</a:t>
+                        <a:t>$0</a:t>
                       </a:r>
                     </a:p>
                   </a:txBody>
@@ -5201,7 +5313,7 @@
                     <a:p>
                       <a:r>
                         <a:rPr sz="1100"/>
-                        <a:t>$6,720</a:t>
+                        <a:t>$2,784</a:t>
                       </a:r>
                     </a:p>
                   </a:txBody>
@@ -5218,7 +5330,41 @@
                     <a:p>
                       <a:r>
                         <a:rPr sz="1100"/>
-                        <a:t>$20,160</a:t>
+                        <a:t>$2,784</a:t>
+                      </a:r>
+                    </a:p>
+                  </a:txBody>
+                  <a:tcPr>
+                    <a:solidFill>
+                      <a:srgbClr val="E7E6E6"/>
+                    </a:solidFill>
+                  </a:tcPr>
+                </a:tc>
+                <a:tc>
+                  <a:txBody>
+                    <a:bodyPr/>
+                    <a:lstStyle/>
+                    <a:p>
+                      <a:r>
+                        <a:rPr sz="1100"/>
+                        <a:t>$2,784</a:t>
+                      </a:r>
+                    </a:p>
+                  </a:txBody>
+                  <a:tcPr>
+                    <a:solidFill>
+                      <a:srgbClr val="E7E6E6"/>
+                    </a:solidFill>
+                  </a:tcPr>
+                </a:tc>
+                <a:tc>
+                  <a:txBody>
+                    <a:bodyPr/>
+                    <a:lstStyle/>
+                    <a:p>
+                      <a:r>
+                        <a:rPr sz="1100"/>
+                        <a:t>$8,352</a:t>
                       </a:r>
                     </a:p>
                   </a:txBody>
@@ -5237,7 +5383,7 @@
                     <a:p>
                       <a:r>
                         <a:rPr sz="1100"/>
-                        <a:t>TOTAL SOLUTION INVESTMENT</a:t>
+                        <a:t>Support &amp; Maintenance</a:t>
                       </a:r>
                     </a:p>
                   </a:txBody>
@@ -5254,7 +5400,7 @@
                     <a:p>
                       <a:r>
                         <a:rPr sz="1100"/>
-                        <a:t>$697,968</a:t>
+                        <a:t>$4,087</a:t>
                       </a:r>
                     </a:p>
                   </a:txBody>
@@ -5271,7 +5417,7 @@
                     <a:p>
                       <a:r>
                         <a:rPr sz="1100"/>
-                        <a:t>$33,968</a:t>
+                        <a:t>$0</a:t>
                       </a:r>
                     </a:p>
                   </a:txBody>
@@ -5288,7 +5434,7 @@
                     <a:p>
                       <a:r>
                         <a:rPr sz="1100"/>
-                        <a:t>$33,968</a:t>
+                        <a:t>$4,087</a:t>
                       </a:r>
                     </a:p>
                   </a:txBody>
@@ -5305,7 +5451,162 @@
                     <a:p>
                       <a:r>
                         <a:rPr sz="1100"/>
-                        <a:t>$765,904</a:t>
+                        <a:t>$4,087</a:t>
+                      </a:r>
+                    </a:p>
+                  </a:txBody>
+                  <a:tcPr>
+                    <a:solidFill>
+                      <a:srgbClr val="E7E6E6"/>
+                    </a:solidFill>
+                  </a:tcPr>
+                </a:tc>
+                <a:tc>
+                  <a:txBody>
+                    <a:bodyPr/>
+                    <a:lstStyle/>
+                    <a:p>
+                      <a:r>
+                        <a:rPr sz="1100"/>
+                        <a:t>$4,087</a:t>
+                      </a:r>
+                    </a:p>
+                  </a:txBody>
+                  <a:tcPr>
+                    <a:solidFill>
+                      <a:srgbClr val="E7E6E6"/>
+                    </a:solidFill>
+                  </a:tcPr>
+                </a:tc>
+                <a:tc>
+                  <a:txBody>
+                    <a:bodyPr/>
+                    <a:lstStyle/>
+                    <a:p>
+                      <a:r>
+                        <a:rPr sz="1100"/>
+                        <a:t>$12,261</a:t>
+                      </a:r>
+                    </a:p>
+                  </a:txBody>
+                  <a:tcPr>
+                    <a:solidFill>
+                      <a:srgbClr val="E7E6E6"/>
+                    </a:solidFill>
+                  </a:tcPr>
+                </a:tc>
+              </a:tr>
+              <a:tr h="370840">
+                <a:tc>
+                  <a:txBody>
+                    <a:bodyPr/>
+                    <a:lstStyle/>
+                    <a:p>
+                      <a:r>
+                        <a:rPr b="1" sz="1100"/>
+                        <a:t>TOTAL INVESTMENT</a:t>
+                      </a:r>
+                    </a:p>
+                  </a:txBody>
+                  <a:tcPr>
+                    <a:solidFill>
+                      <a:srgbClr val="E7E6E6"/>
+                    </a:solidFill>
+                  </a:tcPr>
+                </a:tc>
+                <a:tc>
+                  <a:txBody>
+                    <a:bodyPr/>
+                    <a:lstStyle/>
+                    <a:p>
+                      <a:r>
+                        <a:rPr b="1" sz="1100"/>
+                        <a:t>$115,951</a:t>
+                      </a:r>
+                    </a:p>
+                  </a:txBody>
+                  <a:tcPr>
+                    <a:solidFill>
+                      <a:srgbClr val="E7E6E6"/>
+                    </a:solidFill>
+                  </a:tcPr>
+                </a:tc>
+                <a:tc>
+                  <a:txBody>
+                    <a:bodyPr/>
+                    <a:lstStyle/>
+                    <a:p>
+                      <a:r>
+                        <a:rPr b="1" sz="1100"/>
+                        <a:t>($15,000)</a:t>
+                      </a:r>
+                    </a:p>
+                  </a:txBody>
+                  <a:tcPr>
+                    <a:solidFill>
+                      <a:srgbClr val="E7E6E6"/>
+                    </a:solidFill>
+                  </a:tcPr>
+                </a:tc>
+                <a:tc>
+                  <a:txBody>
+                    <a:bodyPr/>
+                    <a:lstStyle/>
+                    <a:p>
+                      <a:r>
+                        <a:rPr b="1" sz="1100"/>
+                        <a:t>$100,951</a:t>
+                      </a:r>
+                    </a:p>
+                  </a:txBody>
+                  <a:tcPr>
+                    <a:solidFill>
+                      <a:srgbClr val="E7E6E6"/>
+                    </a:solidFill>
+                  </a:tcPr>
+                </a:tc>
+                <a:tc>
+                  <a:txBody>
+                    <a:bodyPr/>
+                    <a:lstStyle/>
+                    <a:p>
+                      <a:r>
+                        <a:rPr b="1" sz="1100"/>
+                        <a:t>$33,701</a:t>
+                      </a:r>
+                    </a:p>
+                  </a:txBody>
+                  <a:tcPr>
+                    <a:solidFill>
+                      <a:srgbClr val="E7E6E6"/>
+                    </a:solidFill>
+                  </a:tcPr>
+                </a:tc>
+                <a:tc>
+                  <a:txBody>
+                    <a:bodyPr/>
+                    <a:lstStyle/>
+                    <a:p>
+                      <a:r>
+                        <a:rPr b="1" sz="1100"/>
+                        <a:t>$33,701</a:t>
+                      </a:r>
+                    </a:p>
+                  </a:txBody>
+                  <a:tcPr>
+                    <a:solidFill>
+                      <a:srgbClr val="E7E6E6"/>
+                    </a:solidFill>
+                  </a:tcPr>
+                </a:tc>
+                <a:tc>
+                  <a:txBody>
+                    <a:bodyPr/>
+                    <a:lstStyle/>
+                    <a:p>
+                      <a:r>
+                        <a:rPr b="1" sz="1100"/>
+                        <a:t>$168,353</a:t>
                       </a:r>
                     </a:p>
                   </a:txBody>

--- a/solutions/aws/ai/intelligent-document-processing/presales/solution-briefing.pptx
+++ b/solutions/aws/ai/intelligent-document-processing/presales/solution-briefing.pptx
@@ -3579,12 +3579,12 @@
             <a:picLocks noGrp="1" noChangeAspect="1"/>
           </p:cNvPicPr>
           <p:nvPr>
-            <p:ph type="pic" idx="13" sz="quarter"/>
+            <p:ph type="pic" idx="14" sz="quarter"/>
           </p:nvPr>
         </p:nvPicPr>
         <p:blipFill>
           <a:blip r:embed="rId2"/>
-          <a:srcRect t="6762" b="6762"/>
+          <a:srcRect t="6314" b="6314"/>
           <a:stretch>
             <a:fillRect/>
           </a:stretch>
@@ -3598,7 +3598,7 @@
             <a:spLocks noGrp="1"/>
           </p:cNvSpPr>
           <p:nvPr>
-            <p:ph type="body" idx="14" sz="quarter"/>
+            <p:ph type="body" idx="16" sz="quarter"/>
           </p:nvPr>
         </p:nvSpPr>
         <p:spPr/>
@@ -3630,6 +3630,22 @@
               <a:t>Scale effortlessly to handle volume fluctuations without adding headcount</a:t>
             </a:r>
           </a:p>
+        </p:txBody>
+      </p:sp>
+      <p:sp>
+        <p:nvSpPr>
+          <p:cNvPr id="5" name="Text Placeholder 4"/>
+          <p:cNvSpPr>
+            <a:spLocks noGrp="1"/>
+          </p:cNvSpPr>
+          <p:nvPr>
+            <p:ph type="body" idx="17" sz="quarter"/>
+          </p:nvPr>
+        </p:nvSpPr>
+        <p:spPr/>
+        <p:txBody>
+          <a:bodyPr/>
+          <a:lstStyle/>
           <a:p>
             <a:pPr/>
             <a:r>
@@ -3659,7 +3675,7 @@
       </p:sp>
       <p:pic>
         <p:nvPicPr>
-          <p:cNvPr id="5" name="Picture 4" descr="eo-framework-logo-real.png"/>
+          <p:cNvPr id="6" name="Picture 5" descr="eo-framework-logo-real.png"/>
           <p:cNvPicPr>
             <a:picLocks noChangeAspect="1"/>
           </p:cNvPicPr>

--- a/solutions/aws/ai/intelligent-document-processing/presales/solution-briefing.pptx
+++ b/solutions/aws/ai/intelligent-document-processing/presales/solution-briefing.pptx
@@ -4123,7 +4123,7 @@
                     <a:lstStyle/>
                     <a:p>
                       <a:r>
-                        <a:rPr b="1" sz="1400">
+                        <a:rPr sz="1400">
                           <a:solidFill>
                             <a:srgbClr val="FFFFFF"/>
                           </a:solidFill>
@@ -4144,7 +4144,7 @@
                     <a:lstStyle/>
                     <a:p>
                       <a:r>
-                        <a:rPr b="1" sz="1400">
+                        <a:rPr sz="1400">
                           <a:solidFill>
                             <a:srgbClr val="FFFFFF"/>
                           </a:solidFill>
@@ -4165,7 +4165,7 @@
                     <a:lstStyle/>
                     <a:p>
                       <a:r>
-                        <a:rPr b="1" sz="1400">
+                        <a:rPr sz="1400">
                           <a:solidFill>
                             <a:srgbClr val="FFFFFF"/>
                           </a:solidFill>
@@ -4186,7 +4186,7 @@
                     <a:lstStyle/>
                     <a:p>
                       <a:r>
-                        <a:rPr b="1" sz="1400">
+                        <a:rPr sz="1400">
                           <a:solidFill>
                             <a:srgbClr val="FFFFFF"/>
                           </a:solidFill>
@@ -4349,7 +4349,7 @@
                     <a:lstStyle/>
                     <a:p>
                       <a:r>
-                        <a:rPr b="1" sz="1100"/>
+                        <a:rPr sz="1100"/>
                         <a:t>Phase 3</a:t>
                       </a:r>
                     </a:p>
@@ -4366,7 +4366,7 @@
                     <a:lstStyle/>
                     <a:p>
                       <a:r>
-                        <a:rPr b="1" sz="1100"/>
+                        <a:rPr sz="1100"/>
                         <a:t>Optimization &amp; Handoff</a:t>
                       </a:r>
                     </a:p>
@@ -4383,7 +4383,7 @@
                     <a:lstStyle/>
                     <a:p>
                       <a:r>
-                        <a:rPr b="1" sz="1100"/>
+                        <a:rPr sz="1100"/>
                         <a:t>Months 5-6</a:t>
                       </a:r>
                     </a:p>
@@ -4400,7 +4400,7 @@
                     <a:lstStyle/>
                     <a:p>
                       <a:r>
-                        <a:rPr b="1" sz="1100"/>
+                        <a:rPr sz="1100"/>
                         <a:t>AI models fine-tuned, Advanced features deployed, Operations team trained</a:t>
                       </a:r>
                     </a:p>
@@ -4886,7 +4886,7 @@
                     <a:lstStyle/>
                     <a:p>
                       <a:r>
-                        <a:rPr b="1" sz="1400">
+                        <a:rPr sz="1400">
                           <a:solidFill>
                             <a:srgbClr val="FFFFFF"/>
                           </a:solidFill>
@@ -4907,7 +4907,7 @@
                     <a:lstStyle/>
                     <a:p>
                       <a:r>
-                        <a:rPr b="1" sz="1400">
+                        <a:rPr sz="1400">
                           <a:solidFill>
                             <a:srgbClr val="FFFFFF"/>
                           </a:solidFill>
@@ -4928,7 +4928,7 @@
                     <a:lstStyle/>
                     <a:p>
                       <a:r>
-                        <a:rPr b="1" sz="1400">
+                        <a:rPr sz="1400">
                           <a:solidFill>
                             <a:srgbClr val="FFFFFF"/>
                           </a:solidFill>
@@ -4949,7 +4949,7 @@
                     <a:lstStyle/>
                     <a:p>
                       <a:r>
-                        <a:rPr b="1" sz="1400">
+                        <a:rPr sz="1400">
                           <a:solidFill>
                             <a:srgbClr val="FFFFFF"/>
                           </a:solidFill>
@@ -4970,7 +4970,7 @@
                     <a:lstStyle/>
                     <a:p>
                       <a:r>
-                        <a:rPr b="1" sz="1400">
+                        <a:rPr sz="1400">
                           <a:solidFill>
                             <a:srgbClr val="FFFFFF"/>
                           </a:solidFill>
@@ -4991,7 +4991,7 @@
                     <a:lstStyle/>
                     <a:p>
                       <a:r>
-                        <a:rPr b="1" sz="1400">
+                        <a:rPr sz="1400">
                           <a:solidFill>
                             <a:srgbClr val="FFFFFF"/>
                           </a:solidFill>
@@ -5012,7 +5012,7 @@
                     <a:lstStyle/>
                     <a:p>
                       <a:r>
-                        <a:rPr b="1" sz="1400">
+                        <a:rPr sz="1400">
                           <a:solidFill>
                             <a:srgbClr val="FFFFFF"/>
                           </a:solidFill>
@@ -5736,43 +5736,71 @@
           <a:p>
             <a:pPr/>
             <a:r>
-              <a:t>Decision: Executive approval for pilot phase by [specific date]</a:t>
+              <a:rPr b="1"/>
+              <a:t>Decision:</a:t>
+            </a:r>
+            <a:r>
+              <a:t> Executive approval for pilot phase by [specific date]</a:t>
             </a:r>
           </a:p>
           <a:p>
             <a:pPr/>
             <a:r>
-              <a:t>Kickoff: Target pilot start date [30 days from approval]</a:t>
+              <a:rPr b="1"/>
+              <a:t>Kickoff:</a:t>
+            </a:r>
+            <a:r>
+              <a:t> Target pilot start date [30 days from approval]</a:t>
             </a:r>
           </a:p>
           <a:p>
             <a:pPr/>
             <a:r>
-              <a:t>Team Formation: Identify business SME, IT contact, document samples</a:t>
+              <a:rPr b="1"/>
+              <a:t>Team Formation:</a:t>
+            </a:r>
+            <a:r>
+              <a:t> Identify business SME, IT contact, document samples</a:t>
             </a:r>
           </a:p>
           <a:p>
             <a:pPr/>
             <a:r>
-              <a:t>Week 1: Contract finalization and AWS account setup</a:t>
+              <a:rPr b="1"/>
+              <a:t>Week 1:</a:t>
+            </a:r>
+            <a:r>
+              <a:t> Contract finalization and AWS account setup</a:t>
             </a:r>
           </a:p>
           <a:p>
             <a:pPr/>
             <a:r>
-              <a:t>Week 2: Document sample collection and AI model configuration</a:t>
+              <a:rPr b="1"/>
+              <a:t>Week 2:</a:t>
+            </a:r>
+            <a:r>
+              <a:t> Document sample collection and AI model configuration</a:t>
             </a:r>
           </a:p>
           <a:p>
             <a:pPr/>
             <a:r>
-              <a:t>Week 3: Textract/Comprehend training and initial testing</a:t>
+              <a:rPr b="1"/>
+              <a:t>Week 3:</a:t>
+            </a:r>
+            <a:r>
+              <a:t> Textract/Comprehend training and initial testing</a:t>
             </a:r>
           </a:p>
           <a:p>
             <a:pPr/>
             <a:r>
-              <a:t>Week 4: First production documents processed with validation</a:t>
+              <a:rPr b="1"/>
+              <a:t>Week 4:</a:t>
+            </a:r>
+            <a:r>
+              <a:t> First production documents processed with validation</a:t>
             </a:r>
           </a:p>
         </p:txBody>

--- a/solutions/aws/ai/intelligent-document-processing/presales/solution-briefing.pptx
+++ b/solutions/aws/ai/intelligent-document-processing/presales/solution-briefing.pptx
@@ -4102,7 +4102,7 @@
         </p:nvGraphicFramePr>
         <p:xfrm>
           <a:off x="256855" y="677011"/>
-          <a:ext cx="8710930" cy="1483360"/>
+          <a:ext cx="8710931" cy="1483360"/>
         </p:xfrm>
         <a:graphic>
           <a:graphicData uri="http://schemas.openxmlformats.org/drawingml/2006/table">
@@ -4111,10 +4111,10 @@
                 <a:tableStyleId>{5C22544A-7EE6-4342-B048-85BDC9FD1C3A}</a:tableStyleId>
               </a:tblPr>
               <a:tblGrid>
-                <a:gridCol w="1045311"/>
+                <a:gridCol w="871093"/>
                 <a:gridCol w="2177733"/>
-                <a:gridCol w="1045311"/>
-                <a:gridCol w="4442575"/>
+                <a:gridCol w="1306639"/>
+                <a:gridCol w="4355466"/>
               </a:tblGrid>
               <a:tr h="370840">
                 <a:tc>
@@ -4862,7 +4862,7 @@
         </p:nvGraphicFramePr>
         <p:xfrm>
           <a:off x="256855" y="677011"/>
-          <a:ext cx="8719641" cy="2225040"/>
+          <a:ext cx="8710929" cy="2225040"/>
         </p:xfrm>
         <a:graphic>
           <a:graphicData uri="http://schemas.openxmlformats.org/drawingml/2006/table">
@@ -4871,13 +4871,13 @@
                 <a:tableStyleId>{5C22544A-7EE6-4342-B048-85BDC9FD1C3A}</a:tableStyleId>
               </a:tblPr>
               <a:tblGrid>
-                <a:gridCol w="1567967"/>
+                <a:gridCol w="1742186"/>
+                <a:gridCol w="1045311"/>
+                <a:gridCol w="2003514"/>
                 <a:gridCol w="1132421"/>
-                <a:gridCol w="1742186"/>
-                <a:gridCol w="1132421"/>
-                <a:gridCol w="993046"/>
-                <a:gridCol w="993046"/>
-                <a:gridCol w="1158554"/>
+                <a:gridCol w="871093"/>
+                <a:gridCol w="871093"/>
+                <a:gridCol w="1045311"/>
               </a:tblGrid>
               <a:tr h="370840">
                 <a:tc>

--- a/solutions/aws/ai/intelligent-document-processing/presales/solution-briefing.pptx
+++ b/solutions/aws/ai/intelligent-document-processing/presales/solution-briefing.pptx
@@ -18,6 +18,7 @@
     <p:sldId id="263" r:id="rId14"/>
     <p:sldId id="264" r:id="rId15"/>
     <p:sldId id="265" r:id="rId16"/>
+    <p:sldId id="266" r:id="rId17"/>
   </p:sldIdLst>
   <p:sldSz cx="9144000" cy="5143500" type="screen16x9"/>
   <p:notesSz cx="5143500" cy="9144000"/>
@@ -3360,7 +3361,7 @@
           <a:lstStyle/>
           <a:p>
             <a:r>
-              <a:t>[Presenter Name] | November 15, 2025</a:t>
+              <a:t>[Presenter Name] | November 16, 2025</a:t>
             </a:r>
           </a:p>
         </p:txBody>
@@ -3398,6 +3399,174 @@
 </file>
 
 <file path=ppt/slides/slide10.xml><?xml version="1.0" encoding="utf-8"?>
+<p:sld xmlns:a="http://schemas.openxmlformats.org/drawingml/2006/main" xmlns:p="http://schemas.openxmlformats.org/presentationml/2006/main" xmlns:r="http://schemas.openxmlformats.org/officeDocument/2006/relationships">
+  <p:cSld>
+    <p:spTree>
+      <p:nvGrpSpPr>
+        <p:cNvPr id="1" name=""/>
+        <p:cNvGrpSpPr/>
+        <p:nvPr/>
+      </p:nvGrpSpPr>
+      <p:grpSpPr/>
+      <p:sp>
+        <p:nvSpPr>
+          <p:cNvPr id="2" name="Text Placeholder 1"/>
+          <p:cNvSpPr>
+            <a:spLocks noGrp="1"/>
+          </p:cNvSpPr>
+          <p:nvPr>
+            <p:ph type="body" idx="10" sz="quarter"/>
+          </p:nvPr>
+        </p:nvSpPr>
+        <p:spPr/>
+        <p:txBody>
+          <a:bodyPr/>
+          <a:lstStyle/>
+          <a:p>
+            <a:r>
+              <a:t>Next Steps</a:t>
+            </a:r>
+          </a:p>
+        </p:txBody>
+      </p:sp>
+      <p:pic>
+        <p:nvPicPr>
+          <p:cNvPr id="3" name="Picture Placeholder 2" descr="consulting_company_logo.png"/>
+          <p:cNvPicPr>
+            <a:picLocks noGrp="1" noChangeAspect="1"/>
+          </p:cNvPicPr>
+          <p:nvPr>
+            <p:ph type="pic" idx="13" sz="quarter"/>
+          </p:nvPr>
+        </p:nvPicPr>
+        <p:blipFill>
+          <a:blip r:embed="rId2"/>
+          <a:srcRect t="6762" b="6762"/>
+          <a:stretch>
+            <a:fillRect/>
+          </a:stretch>
+        </p:blipFill>
+        <p:spPr/>
+      </p:pic>
+      <p:sp>
+        <p:nvSpPr>
+          <p:cNvPr id="4" name="Text Placeholder 3"/>
+          <p:cNvSpPr>
+            <a:spLocks noGrp="1"/>
+          </p:cNvSpPr>
+          <p:nvPr>
+            <p:ph type="body" idx="14" sz="quarter"/>
+          </p:nvPr>
+        </p:nvSpPr>
+        <p:spPr/>
+        <p:txBody>
+          <a:bodyPr/>
+          <a:lstStyle/>
+          <a:p>
+            <a:pPr/>
+            <a:r>
+              <a:rPr b="1"/>
+              <a:t>Decision:</a:t>
+            </a:r>
+            <a:r>
+              <a:t> Executive approval for pilot phase by [specific date]</a:t>
+            </a:r>
+          </a:p>
+          <a:p>
+            <a:pPr/>
+            <a:r>
+              <a:rPr b="1"/>
+              <a:t>Kickoff:</a:t>
+            </a:r>
+            <a:r>
+              <a:t> Target pilot start date [30 days from approval]</a:t>
+            </a:r>
+          </a:p>
+          <a:p>
+            <a:pPr/>
+            <a:r>
+              <a:rPr b="1"/>
+              <a:t>Team Formation:</a:t>
+            </a:r>
+            <a:r>
+              <a:t> Identify business SME, IT contact, document samples</a:t>
+            </a:r>
+          </a:p>
+          <a:p>
+            <a:pPr/>
+            <a:r>
+              <a:rPr b="1"/>
+              <a:t>Week 1:</a:t>
+            </a:r>
+            <a:r>
+              <a:t> Contract finalization and AWS account setup</a:t>
+            </a:r>
+          </a:p>
+          <a:p>
+            <a:pPr/>
+            <a:r>
+              <a:rPr b="1"/>
+              <a:t>Week 2:</a:t>
+            </a:r>
+            <a:r>
+              <a:t> Document sample collection and AI model configuration</a:t>
+            </a:r>
+          </a:p>
+          <a:p>
+            <a:pPr/>
+            <a:r>
+              <a:rPr b="1"/>
+              <a:t>Week 3:</a:t>
+            </a:r>
+            <a:r>
+              <a:t> Textract/Comprehend training and initial testing</a:t>
+            </a:r>
+          </a:p>
+          <a:p>
+            <a:pPr/>
+            <a:r>
+              <a:rPr b="1"/>
+              <a:t>Week 4:</a:t>
+            </a:r>
+            <a:r>
+              <a:t> First production documents processed with validation</a:t>
+            </a:r>
+          </a:p>
+        </p:txBody>
+      </p:sp>
+      <p:pic>
+        <p:nvPicPr>
+          <p:cNvPr id="5" name="Picture 4" descr="eo-framework-logo-real.png"/>
+          <p:cNvPicPr>
+            <a:picLocks noChangeAspect="1"/>
+          </p:cNvPicPr>
+          <p:nvPr/>
+        </p:nvPicPr>
+        <p:blipFill>
+          <a:blip r:embed="rId3"/>
+          <a:stretch>
+            <a:fillRect/>
+          </a:stretch>
+        </p:blipFill>
+        <p:spPr>
+          <a:xfrm>
+            <a:off x="6684264" y="4535424"/>
+            <a:ext cx="2139696" cy="530352"/>
+          </a:xfrm>
+          <a:prstGeom prst="rect">
+            <a:avLst/>
+          </a:prstGeom>
+        </p:spPr>
+      </p:pic>
+    </p:spTree>
+  </p:cSld>
+  <p:clrMapOvr>
+    <a:masterClrMapping/>
+  </p:clrMapOvr>
+</p:sld>
+</file>
+
+<file path=ppt/slides/slide11.xml><?xml version="1.0" encoding="utf-8"?>
 <p:sld xmlns:a="http://schemas.openxmlformats.org/drawingml/2006/main" xmlns:p="http://schemas.openxmlformats.org/presentationml/2006/main" xmlns:r="http://schemas.openxmlformats.org/officeDocument/2006/relationships">
   <p:cSld>
     <p:spTree>
@@ -3730,6 +3899,1032 @@
           <a:bodyPr/>
           <a:lstStyle/>
           <a:p>
+            <a:pPr algn="l"/>
+            <a:r>
+              <a:rPr b="1"/>
+              <a:t>Engagement Scope</a:t>
+            </a:r>
+          </a:p>
+        </p:txBody>
+      </p:sp>
+      <p:pic>
+        <p:nvPicPr>
+          <p:cNvPr id="3" name="Picture Placeholder 2" descr="consulting_company_logo.png"/>
+          <p:cNvPicPr>
+            <a:picLocks noGrp="1" noChangeAspect="1"/>
+          </p:cNvPicPr>
+          <p:nvPr>
+            <p:ph type="pic" idx="13" sz="quarter"/>
+          </p:nvPr>
+        </p:nvPicPr>
+        <p:blipFill>
+          <a:blip r:embed="rId2"/>
+          <a:srcRect t="6404" b="6404"/>
+          <a:stretch>
+            <a:fillRect/>
+          </a:stretch>
+        </p:blipFill>
+        <p:spPr/>
+      </p:pic>
+      <p:graphicFrame>
+        <p:nvGraphicFramePr>
+          <p:cNvPr id="4" name="Table Placeholder 3"/>
+          <p:cNvGraphicFramePr>
+            <a:graphicFrameLocks noGrp="1"/>
+          </p:cNvGraphicFramePr>
+          <p:nvPr>
+            <p:ph type="tbl" idx="14" sz="quarter"/>
+          </p:nvPr>
+        </p:nvGraphicFramePr>
+        <p:xfrm>
+          <a:off x="256855" y="677011"/>
+          <a:ext cx="8710931" cy="6304280"/>
+        </p:xfrm>
+        <a:graphic>
+          <a:graphicData uri="http://schemas.openxmlformats.org/drawingml/2006/table">
+            <a:tbl>
+              <a:tblPr firstRow="1" bandRow="1">
+                <a:tableStyleId>{5C22544A-7EE6-4342-B048-85BDC9FD1C3A}</a:tableStyleId>
+              </a:tblPr>
+              <a:tblGrid>
+                <a:gridCol w="2613279"/>
+                <a:gridCol w="3048826"/>
+                <a:gridCol w="3048826"/>
+              </a:tblGrid>
+              <a:tr h="370840">
+                <a:tc>
+                  <a:txBody>
+                    <a:bodyPr/>
+                    <a:lstStyle/>
+                    <a:p>
+                      <a:r>
+                        <a:rPr sz="1400">
+                          <a:solidFill>
+                            <a:srgbClr val="FFFFFF"/>
+                          </a:solidFill>
+                        </a:rPr>
+                        <a:t>Category</a:t>
+                      </a:r>
+                    </a:p>
+                  </a:txBody>
+                  <a:tcPr>
+                    <a:solidFill>
+                      <a:srgbClr val="A01C02"/>
+                    </a:solidFill>
+                  </a:tcPr>
+                </a:tc>
+                <a:tc>
+                  <a:txBody>
+                    <a:bodyPr/>
+                    <a:lstStyle/>
+                    <a:p>
+                      <a:r>
+                        <a:rPr sz="1400">
+                          <a:solidFill>
+                            <a:srgbClr val="FFFFFF"/>
+                          </a:solidFill>
+                        </a:rPr>
+                        <a:t>Parameter</a:t>
+                      </a:r>
+                    </a:p>
+                  </a:txBody>
+                  <a:tcPr>
+                    <a:solidFill>
+                      <a:srgbClr val="A01C02"/>
+                    </a:solidFill>
+                  </a:tcPr>
+                </a:tc>
+                <a:tc>
+                  <a:txBody>
+                    <a:bodyPr/>
+                    <a:lstStyle/>
+                    <a:p>
+                      <a:r>
+                        <a:rPr sz="1400">
+                          <a:solidFill>
+                            <a:srgbClr val="FFFFFF"/>
+                          </a:solidFill>
+                        </a:rPr>
+                        <a:t>Scope</a:t>
+                      </a:r>
+                    </a:p>
+                  </a:txBody>
+                  <a:tcPr>
+                    <a:solidFill>
+                      <a:srgbClr val="A01C02"/>
+                    </a:solidFill>
+                  </a:tcPr>
+                </a:tc>
+              </a:tr>
+              <a:tr h="370840">
+                <a:tc>
+                  <a:txBody>
+                    <a:bodyPr/>
+                    <a:lstStyle/>
+                    <a:p>
+                      <a:r>
+                        <a:rPr sz="1100"/>
+                        <a:t>Solution Scope</a:t>
+                      </a:r>
+                    </a:p>
+                  </a:txBody>
+                  <a:tcPr>
+                    <a:solidFill>
+                      <a:srgbClr val="E7E6E6"/>
+                    </a:solidFill>
+                  </a:tcPr>
+                </a:tc>
+                <a:tc>
+                  <a:txBody>
+                    <a:bodyPr/>
+                    <a:lstStyle/>
+                    <a:p>
+                      <a:r>
+                        <a:rPr sz="1100"/>
+                        <a:t>Document Types</a:t>
+                      </a:r>
+                    </a:p>
+                  </a:txBody>
+                  <a:tcPr>
+                    <a:solidFill>
+                      <a:srgbClr val="E7E6E6"/>
+                    </a:solidFill>
+                  </a:tcPr>
+                </a:tc>
+                <a:tc>
+                  <a:txBody>
+                    <a:bodyPr/>
+                    <a:lstStyle/>
+                    <a:p>
+                      <a:r>
+                        <a:rPr sz="1100"/>
+                        <a:t>2-3 document types</a:t>
+                      </a:r>
+                    </a:p>
+                  </a:txBody>
+                  <a:tcPr>
+                    <a:solidFill>
+                      <a:srgbClr val="E7E6E6"/>
+                    </a:solidFill>
+                  </a:tcPr>
+                </a:tc>
+              </a:tr>
+              <a:tr h="370840">
+                <a:tc>
+                  <a:txBody>
+                    <a:bodyPr/>
+                    <a:lstStyle/>
+                    <a:p>
+                      <a:r>
+                        <a:rPr sz="1100"/>
+                        <a:t>Solution Scope</a:t>
+                      </a:r>
+                    </a:p>
+                  </a:txBody>
+                  <a:tcPr>
+                    <a:solidFill>
+                      <a:srgbClr val="E7E6E6"/>
+                    </a:solidFill>
+                  </a:tcPr>
+                </a:tc>
+                <a:tc>
+                  <a:txBody>
+                    <a:bodyPr/>
+                    <a:lstStyle/>
+                    <a:p>
+                      <a:r>
+                        <a:rPr sz="1100"/>
+                        <a:t>AI/ML Complexity</a:t>
+                      </a:r>
+                    </a:p>
+                  </a:txBody>
+                  <a:tcPr>
+                    <a:solidFill>
+                      <a:srgbClr val="E7E6E6"/>
+                    </a:solidFill>
+                  </a:tcPr>
+                </a:tc>
+                <a:tc>
+                  <a:txBody>
+                    <a:bodyPr/>
+                    <a:lstStyle/>
+                    <a:p>
+                      <a:r>
+                        <a:rPr sz="1100"/>
+                        <a:t>AWS Textract/Comprehend only</a:t>
+                      </a:r>
+                    </a:p>
+                  </a:txBody>
+                  <a:tcPr>
+                    <a:solidFill>
+                      <a:srgbClr val="E7E6E6"/>
+                    </a:solidFill>
+                  </a:tcPr>
+                </a:tc>
+              </a:tr>
+              <a:tr h="370840">
+                <a:tc>
+                  <a:txBody>
+                    <a:bodyPr/>
+                    <a:lstStyle/>
+                    <a:p>
+                      <a:r>
+                        <a:rPr sz="1100"/>
+                        <a:t>Integration</a:t>
+                      </a:r>
+                    </a:p>
+                  </a:txBody>
+                  <a:tcPr>
+                    <a:solidFill>
+                      <a:srgbClr val="E7E6E6"/>
+                    </a:solidFill>
+                  </a:tcPr>
+                </a:tc>
+                <a:tc>
+                  <a:txBody>
+                    <a:bodyPr/>
+                    <a:lstStyle/>
+                    <a:p>
+                      <a:r>
+                        <a:rPr sz="1100"/>
+                        <a:t>External System Integrations</a:t>
+                      </a:r>
+                    </a:p>
+                  </a:txBody>
+                  <a:tcPr>
+                    <a:solidFill>
+                      <a:srgbClr val="E7E6E6"/>
+                    </a:solidFill>
+                  </a:tcPr>
+                </a:tc>
+                <a:tc>
+                  <a:txBody>
+                    <a:bodyPr/>
+                    <a:lstStyle/>
+                    <a:p>
+                      <a:r>
+                        <a:rPr sz="1100"/>
+                        <a:t>2 REST APIs</a:t>
+                      </a:r>
+                    </a:p>
+                  </a:txBody>
+                  <a:tcPr>
+                    <a:solidFill>
+                      <a:srgbClr val="E7E6E6"/>
+                    </a:solidFill>
+                  </a:tcPr>
+                </a:tc>
+              </a:tr>
+              <a:tr h="370840">
+                <a:tc>
+                  <a:txBody>
+                    <a:bodyPr/>
+                    <a:lstStyle/>
+                    <a:p>
+                      <a:r>
+                        <a:rPr sz="1100"/>
+                        <a:t>Integration</a:t>
+                      </a:r>
+                    </a:p>
+                  </a:txBody>
+                  <a:tcPr>
+                    <a:solidFill>
+                      <a:srgbClr val="E7E6E6"/>
+                    </a:solidFill>
+                  </a:tcPr>
+                </a:tc>
+                <a:tc>
+                  <a:txBody>
+                    <a:bodyPr/>
+                    <a:lstStyle/>
+                    <a:p>
+                      <a:r>
+                        <a:rPr sz="1100"/>
+                        <a:t>Data Sources</a:t>
+                      </a:r>
+                    </a:p>
+                  </a:txBody>
+                  <a:tcPr>
+                    <a:solidFill>
+                      <a:srgbClr val="E7E6E6"/>
+                    </a:solidFill>
+                  </a:tcPr>
+                </a:tc>
+                <a:tc>
+                  <a:txBody>
+                    <a:bodyPr/>
+                    <a:lstStyle/>
+                    <a:p>
+                      <a:r>
+                        <a:rPr sz="1100"/>
+                        <a:t>S3 and email ingestion</a:t>
+                      </a:r>
+                    </a:p>
+                  </a:txBody>
+                  <a:tcPr>
+                    <a:solidFill>
+                      <a:srgbClr val="E7E6E6"/>
+                    </a:solidFill>
+                  </a:tcPr>
+                </a:tc>
+              </a:tr>
+              <a:tr h="370840">
+                <a:tc>
+                  <a:txBody>
+                    <a:bodyPr/>
+                    <a:lstStyle/>
+                    <a:p>
+                      <a:r>
+                        <a:rPr sz="1100"/>
+                        <a:t>User Base</a:t>
+                      </a:r>
+                    </a:p>
+                  </a:txBody>
+                  <a:tcPr>
+                    <a:solidFill>
+                      <a:srgbClr val="E7E6E6"/>
+                    </a:solidFill>
+                  </a:tcPr>
+                </a:tc>
+                <a:tc>
+                  <a:txBody>
+                    <a:bodyPr/>
+                    <a:lstStyle/>
+                    <a:p>
+                      <a:r>
+                        <a:rPr sz="1100"/>
+                        <a:t>Total Users</a:t>
+                      </a:r>
+                    </a:p>
+                  </a:txBody>
+                  <a:tcPr>
+                    <a:solidFill>
+                      <a:srgbClr val="E7E6E6"/>
+                    </a:solidFill>
+                  </a:tcPr>
+                </a:tc>
+                <a:tc>
+                  <a:txBody>
+                    <a:bodyPr/>
+                    <a:lstStyle/>
+                    <a:p>
+                      <a:r>
+                        <a:rPr sz="1100"/>
+                        <a:t>50 users</a:t>
+                      </a:r>
+                    </a:p>
+                  </a:txBody>
+                  <a:tcPr>
+                    <a:solidFill>
+                      <a:srgbClr val="E7E6E6"/>
+                    </a:solidFill>
+                  </a:tcPr>
+                </a:tc>
+              </a:tr>
+              <a:tr h="370840">
+                <a:tc>
+                  <a:txBody>
+                    <a:bodyPr/>
+                    <a:lstStyle/>
+                    <a:p>
+                      <a:r>
+                        <a:rPr sz="1100"/>
+                        <a:t>User Base</a:t>
+                      </a:r>
+                    </a:p>
+                  </a:txBody>
+                  <a:tcPr>
+                    <a:solidFill>
+                      <a:srgbClr val="E7E6E6"/>
+                    </a:solidFill>
+                  </a:tcPr>
+                </a:tc>
+                <a:tc>
+                  <a:txBody>
+                    <a:bodyPr/>
+                    <a:lstStyle/>
+                    <a:p>
+                      <a:r>
+                        <a:rPr sz="1100"/>
+                        <a:t>User Roles</a:t>
+                      </a:r>
+                    </a:p>
+                  </a:txBody>
+                  <a:tcPr>
+                    <a:solidFill>
+                      <a:srgbClr val="E7E6E6"/>
+                    </a:solidFill>
+                  </a:tcPr>
+                </a:tc>
+                <a:tc>
+                  <a:txBody>
+                    <a:bodyPr/>
+                    <a:lstStyle/>
+                    <a:p>
+                      <a:r>
+                        <a:rPr sz="1100"/>
+                        <a:t>3 roles (submitter reviewer admin)</a:t>
+                      </a:r>
+                    </a:p>
+                  </a:txBody>
+                  <a:tcPr>
+                    <a:solidFill>
+                      <a:srgbClr val="E7E6E6"/>
+                    </a:solidFill>
+                  </a:tcPr>
+                </a:tc>
+              </a:tr>
+              <a:tr h="370840">
+                <a:tc>
+                  <a:txBody>
+                    <a:bodyPr/>
+                    <a:lstStyle/>
+                    <a:p>
+                      <a:r>
+                        <a:rPr sz="1100"/>
+                        <a:t>Data Volume</a:t>
+                      </a:r>
+                    </a:p>
+                  </a:txBody>
+                  <a:tcPr>
+                    <a:solidFill>
+                      <a:srgbClr val="E7E6E6"/>
+                    </a:solidFill>
+                  </a:tcPr>
+                </a:tc>
+                <a:tc>
+                  <a:txBody>
+                    <a:bodyPr/>
+                    <a:lstStyle/>
+                    <a:p>
+                      <a:r>
+                        <a:rPr sz="1100"/>
+                        <a:t>Document Processing Volume</a:t>
+                      </a:r>
+                    </a:p>
+                  </a:txBody>
+                  <a:tcPr>
+                    <a:solidFill>
+                      <a:srgbClr val="E7E6E6"/>
+                    </a:solidFill>
+                  </a:tcPr>
+                </a:tc>
+                <a:tc>
+                  <a:txBody>
+                    <a:bodyPr/>
+                    <a:lstStyle/>
+                    <a:p>
+                      <a:r>
+                        <a:rPr sz="1100"/>
+                        <a:t>1000-5000 docs/month</a:t>
+                      </a:r>
+                    </a:p>
+                  </a:txBody>
+                  <a:tcPr>
+                    <a:solidFill>
+                      <a:srgbClr val="E7E6E6"/>
+                    </a:solidFill>
+                  </a:tcPr>
+                </a:tc>
+              </a:tr>
+              <a:tr h="370840">
+                <a:tc>
+                  <a:txBody>
+                    <a:bodyPr/>
+                    <a:lstStyle/>
+                    <a:p>
+                      <a:r>
+                        <a:rPr sz="1100"/>
+                        <a:t>Data Volume</a:t>
+                      </a:r>
+                    </a:p>
+                  </a:txBody>
+                  <a:tcPr>
+                    <a:solidFill>
+                      <a:srgbClr val="E7E6E6"/>
+                    </a:solidFill>
+                  </a:tcPr>
+                </a:tc>
+                <a:tc>
+                  <a:txBody>
+                    <a:bodyPr/>
+                    <a:lstStyle/>
+                    <a:p>
+                      <a:r>
+                        <a:rPr sz="1100"/>
+                        <a:t>Data Storage Requirements</a:t>
+                      </a:r>
+                    </a:p>
+                  </a:txBody>
+                  <a:tcPr>
+                    <a:solidFill>
+                      <a:srgbClr val="E7E6E6"/>
+                    </a:solidFill>
+                  </a:tcPr>
+                </a:tc>
+                <a:tc>
+                  <a:txBody>
+                    <a:bodyPr/>
+                    <a:lstStyle/>
+                    <a:p>
+                      <a:r>
+                        <a:rPr sz="1100"/>
+                        <a:t>500 GB</a:t>
+                      </a:r>
+                    </a:p>
+                  </a:txBody>
+                  <a:tcPr>
+                    <a:solidFill>
+                      <a:srgbClr val="E7E6E6"/>
+                    </a:solidFill>
+                  </a:tcPr>
+                </a:tc>
+              </a:tr>
+              <a:tr h="370840">
+                <a:tc>
+                  <a:txBody>
+                    <a:bodyPr/>
+                    <a:lstStyle/>
+                    <a:p>
+                      <a:r>
+                        <a:rPr sz="1100"/>
+                        <a:t>Technical Environment</a:t>
+                      </a:r>
+                    </a:p>
+                  </a:txBody>
+                  <a:tcPr>
+                    <a:solidFill>
+                      <a:srgbClr val="E7E6E6"/>
+                    </a:solidFill>
+                  </a:tcPr>
+                </a:tc>
+                <a:tc>
+                  <a:txBody>
+                    <a:bodyPr/>
+                    <a:lstStyle/>
+                    <a:p>
+                      <a:r>
+                        <a:rPr sz="1100"/>
+                        <a:t>Deployment Regions</a:t>
+                      </a:r>
+                    </a:p>
+                  </a:txBody>
+                  <a:tcPr>
+                    <a:solidFill>
+                      <a:srgbClr val="E7E6E6"/>
+                    </a:solidFill>
+                  </a:tcPr>
+                </a:tc>
+                <a:tc>
+                  <a:txBody>
+                    <a:bodyPr/>
+                    <a:lstStyle/>
+                    <a:p>
+                      <a:r>
+                        <a:rPr sz="1100"/>
+                        <a:t>Single AWS region (us-east-1)</a:t>
+                      </a:r>
+                    </a:p>
+                  </a:txBody>
+                  <a:tcPr>
+                    <a:solidFill>
+                      <a:srgbClr val="E7E6E6"/>
+                    </a:solidFill>
+                  </a:tcPr>
+                </a:tc>
+              </a:tr>
+              <a:tr h="370840">
+                <a:tc>
+                  <a:txBody>
+                    <a:bodyPr/>
+                    <a:lstStyle/>
+                    <a:p>
+                      <a:r>
+                        <a:rPr sz="1100"/>
+                        <a:t>Technical Environment</a:t>
+                      </a:r>
+                    </a:p>
+                  </a:txBody>
+                  <a:tcPr>
+                    <a:solidFill>
+                      <a:srgbClr val="E7E6E6"/>
+                    </a:solidFill>
+                  </a:tcPr>
+                </a:tc>
+                <a:tc>
+                  <a:txBody>
+                    <a:bodyPr/>
+                    <a:lstStyle/>
+                    <a:p>
+                      <a:r>
+                        <a:rPr sz="1100"/>
+                        <a:t>Availability Requirements</a:t>
+                      </a:r>
+                    </a:p>
+                  </a:txBody>
+                  <a:tcPr>
+                    <a:solidFill>
+                      <a:srgbClr val="E7E6E6"/>
+                    </a:solidFill>
+                  </a:tcPr>
+                </a:tc>
+                <a:tc>
+                  <a:txBody>
+                    <a:bodyPr/>
+                    <a:lstStyle/>
+                    <a:p>
+                      <a:r>
+                        <a:rPr sz="1100"/>
+                        <a:t>Standard (99.5%)</a:t>
+                      </a:r>
+                    </a:p>
+                  </a:txBody>
+                  <a:tcPr>
+                    <a:solidFill>
+                      <a:srgbClr val="E7E6E6"/>
+                    </a:solidFill>
+                  </a:tcPr>
+                </a:tc>
+              </a:tr>
+              <a:tr h="370840">
+                <a:tc>
+                  <a:txBody>
+                    <a:bodyPr/>
+                    <a:lstStyle/>
+                    <a:p>
+                      <a:r>
+                        <a:rPr sz="1100"/>
+                        <a:t>Technical Environment</a:t>
+                      </a:r>
+                    </a:p>
+                  </a:txBody>
+                  <a:tcPr>
+                    <a:solidFill>
+                      <a:srgbClr val="E7E6E6"/>
+                    </a:solidFill>
+                  </a:tcPr>
+                </a:tc>
+                <a:tc>
+                  <a:txBody>
+                    <a:bodyPr/>
+                    <a:lstStyle/>
+                    <a:p>
+                      <a:r>
+                        <a:rPr sz="1100"/>
+                        <a:t>Infrastructure Complexity</a:t>
+                      </a:r>
+                    </a:p>
+                  </a:txBody>
+                  <a:tcPr>
+                    <a:solidFill>
+                      <a:srgbClr val="E7E6E6"/>
+                    </a:solidFill>
+                  </a:tcPr>
+                </a:tc>
+                <a:tc>
+                  <a:txBody>
+                    <a:bodyPr/>
+                    <a:lstStyle/>
+                    <a:p>
+                      <a:r>
+                        <a:rPr sz="1100"/>
+                        <a:t>Serverless (Lambda S3 Textract)</a:t>
+                      </a:r>
+                    </a:p>
+                  </a:txBody>
+                  <a:tcPr>
+                    <a:solidFill>
+                      <a:srgbClr val="E7E6E6"/>
+                    </a:solidFill>
+                  </a:tcPr>
+                </a:tc>
+              </a:tr>
+              <a:tr h="370840">
+                <a:tc>
+                  <a:txBody>
+                    <a:bodyPr/>
+                    <a:lstStyle/>
+                    <a:p>
+                      <a:r>
+                        <a:rPr sz="1100"/>
+                        <a:t>Security &amp; Compliance</a:t>
+                      </a:r>
+                    </a:p>
+                  </a:txBody>
+                  <a:tcPr>
+                    <a:solidFill>
+                      <a:srgbClr val="E7E6E6"/>
+                    </a:solidFill>
+                  </a:tcPr>
+                </a:tc>
+                <a:tc>
+                  <a:txBody>
+                    <a:bodyPr/>
+                    <a:lstStyle/>
+                    <a:p>
+                      <a:r>
+                        <a:rPr sz="1100"/>
+                        <a:t>Security Requirements</a:t>
+                      </a:r>
+                    </a:p>
+                  </a:txBody>
+                  <a:tcPr>
+                    <a:solidFill>
+                      <a:srgbClr val="E7E6E6"/>
+                    </a:solidFill>
+                  </a:tcPr>
+                </a:tc>
+                <a:tc>
+                  <a:txBody>
+                    <a:bodyPr/>
+                    <a:lstStyle/>
+                    <a:p>
+                      <a:r>
+                        <a:rPr sz="1100"/>
+                        <a:t>Basic encryption IAM SSE-S3</a:t>
+                      </a:r>
+                    </a:p>
+                  </a:txBody>
+                  <a:tcPr>
+                    <a:solidFill>
+                      <a:srgbClr val="E7E6E6"/>
+                    </a:solidFill>
+                  </a:tcPr>
+                </a:tc>
+              </a:tr>
+              <a:tr h="370840">
+                <a:tc>
+                  <a:txBody>
+                    <a:bodyPr/>
+                    <a:lstStyle/>
+                    <a:p>
+                      <a:r>
+                        <a:rPr sz="1100"/>
+                        <a:t>Security &amp; Compliance</a:t>
+                      </a:r>
+                    </a:p>
+                  </a:txBody>
+                  <a:tcPr>
+                    <a:solidFill>
+                      <a:srgbClr val="E7E6E6"/>
+                    </a:solidFill>
+                  </a:tcPr>
+                </a:tc>
+                <a:tc>
+                  <a:txBody>
+                    <a:bodyPr/>
+                    <a:lstStyle/>
+                    <a:p>
+                      <a:r>
+                        <a:rPr sz="1100"/>
+                        <a:t>Compliance Frameworks</a:t>
+                      </a:r>
+                    </a:p>
+                  </a:txBody>
+                  <a:tcPr>
+                    <a:solidFill>
+                      <a:srgbClr val="E7E6E6"/>
+                    </a:solidFill>
+                  </a:tcPr>
+                </a:tc>
+                <a:tc>
+                  <a:txBody>
+                    <a:bodyPr/>
+                    <a:lstStyle/>
+                    <a:p>
+                      <a:r>
+                        <a:rPr sz="1100"/>
+                        <a:t>SOC2</a:t>
+                      </a:r>
+                    </a:p>
+                  </a:txBody>
+                  <a:tcPr>
+                    <a:solidFill>
+                      <a:srgbClr val="E7E6E6"/>
+                    </a:solidFill>
+                  </a:tcPr>
+                </a:tc>
+              </a:tr>
+              <a:tr h="370840">
+                <a:tc>
+                  <a:txBody>
+                    <a:bodyPr/>
+                    <a:lstStyle/>
+                    <a:p>
+                      <a:r>
+                        <a:rPr sz="1100"/>
+                        <a:t>Performance</a:t>
+                      </a:r>
+                    </a:p>
+                  </a:txBody>
+                  <a:tcPr>
+                    <a:solidFill>
+                      <a:srgbClr val="E7E6E6"/>
+                    </a:solidFill>
+                  </a:tcPr>
+                </a:tc>
+                <a:tc>
+                  <a:txBody>
+                    <a:bodyPr/>
+                    <a:lstStyle/>
+                    <a:p>
+                      <a:r>
+                        <a:rPr sz="1100"/>
+                        <a:t>Accuracy Requirements</a:t>
+                      </a:r>
+                    </a:p>
+                  </a:txBody>
+                  <a:tcPr>
+                    <a:solidFill>
+                      <a:srgbClr val="E7E6E6"/>
+                    </a:solidFill>
+                  </a:tcPr>
+                </a:tc>
+                <a:tc>
+                  <a:txBody>
+                    <a:bodyPr/>
+                    <a:lstStyle/>
+                    <a:p>
+                      <a:r>
+                        <a:rPr sz="1100"/>
+                        <a:t>95%+ extraction accuracy</a:t>
+                      </a:r>
+                    </a:p>
+                  </a:txBody>
+                  <a:tcPr>
+                    <a:solidFill>
+                      <a:srgbClr val="E7E6E6"/>
+                    </a:solidFill>
+                  </a:tcPr>
+                </a:tc>
+              </a:tr>
+              <a:tr h="370840">
+                <a:tc>
+                  <a:txBody>
+                    <a:bodyPr/>
+                    <a:lstStyle/>
+                    <a:p>
+                      <a:r>
+                        <a:rPr sz="1100"/>
+                        <a:t>Performance</a:t>
+                      </a:r>
+                    </a:p>
+                  </a:txBody>
+                  <a:tcPr>
+                    <a:solidFill>
+                      <a:srgbClr val="E7E6E6"/>
+                    </a:solidFill>
+                  </a:tcPr>
+                </a:tc>
+                <a:tc>
+                  <a:txBody>
+                    <a:bodyPr/>
+                    <a:lstStyle/>
+                    <a:p>
+                      <a:r>
+                        <a:rPr sz="1100"/>
+                        <a:t>Processing Speed</a:t>
+                      </a:r>
+                    </a:p>
+                  </a:txBody>
+                  <a:tcPr>
+                    <a:solidFill>
+                      <a:srgbClr val="E7E6E6"/>
+                    </a:solidFill>
+                  </a:tcPr>
+                </a:tc>
+                <a:tc>
+                  <a:txBody>
+                    <a:bodyPr/>
+                    <a:lstStyle/>
+                    <a:p>
+                      <a:r>
+                        <a:rPr sz="1100"/>
+                        <a:t>Standard batch processing</a:t>
+                      </a:r>
+                    </a:p>
+                  </a:txBody>
+                  <a:tcPr>
+                    <a:solidFill>
+                      <a:srgbClr val="E7E6E6"/>
+                    </a:solidFill>
+                  </a:tcPr>
+                </a:tc>
+              </a:tr>
+              <a:tr h="370840">
+                <a:tc>
+                  <a:txBody>
+                    <a:bodyPr/>
+                    <a:lstStyle/>
+                    <a:p>
+                      <a:r>
+                        <a:rPr sz="1100"/>
+                        <a:t>Environment</a:t>
+                      </a:r>
+                    </a:p>
+                  </a:txBody>
+                  <a:tcPr>
+                    <a:solidFill>
+                      <a:srgbClr val="E7E6E6"/>
+                    </a:solidFill>
+                  </a:tcPr>
+                </a:tc>
+                <a:tc>
+                  <a:txBody>
+                    <a:bodyPr/>
+                    <a:lstStyle/>
+                    <a:p>
+                      <a:r>
+                        <a:rPr sz="1100"/>
+                        <a:t>Deployment Environments</a:t>
+                      </a:r>
+                    </a:p>
+                  </a:txBody>
+                  <a:tcPr>
+                    <a:solidFill>
+                      <a:srgbClr val="E7E6E6"/>
+                    </a:solidFill>
+                  </a:tcPr>
+                </a:tc>
+                <a:tc>
+                  <a:txBody>
+                    <a:bodyPr/>
+                    <a:lstStyle/>
+                    <a:p>
+                      <a:r>
+                        <a:rPr sz="1100"/>
+                        <a:t>2 environments (dev prod)</a:t>
+                      </a:r>
+                    </a:p>
+                  </a:txBody>
+                  <a:tcPr>
+                    <a:solidFill>
+                      <a:srgbClr val="E7E6E6"/>
+                    </a:solidFill>
+                  </a:tcPr>
+                </a:tc>
+              </a:tr>
+            </a:tbl>
+          </a:graphicData>
+        </a:graphic>
+      </p:graphicFrame>
+      <p:pic>
+        <p:nvPicPr>
+          <p:cNvPr id="5" name="Picture 4" descr="eo-framework-logo-real.png"/>
+          <p:cNvPicPr>
+            <a:picLocks noChangeAspect="1"/>
+          </p:cNvPicPr>
+          <p:nvPr/>
+        </p:nvPicPr>
+        <p:blipFill>
+          <a:blip r:embed="rId3"/>
+          <a:stretch>
+            <a:fillRect/>
+          </a:stretch>
+        </p:blipFill>
+        <p:spPr>
+          <a:xfrm>
+            <a:off x="6684264" y="4535424"/>
+            <a:ext cx="2139696" cy="530352"/>
+          </a:xfrm>
+          <a:prstGeom prst="rect">
+            <a:avLst/>
+          </a:prstGeom>
+        </p:spPr>
+      </p:pic>
+    </p:spTree>
+  </p:cSld>
+  <p:clrMapOvr>
+    <a:masterClrMapping/>
+  </p:clrMapOvr>
+</p:sld>
+</file>
+
+<file path=ppt/slides/slide4.xml><?xml version="1.0" encoding="utf-8"?>
+<p:sld xmlns:a="http://schemas.openxmlformats.org/drawingml/2006/main" xmlns:p="http://schemas.openxmlformats.org/presentationml/2006/main" xmlns:r="http://schemas.openxmlformats.org/officeDocument/2006/relationships">
+  <p:cSld>
+    <p:spTree>
+      <p:nvGrpSpPr>
+        <p:cNvPr id="1" name=""/>
+        <p:cNvGrpSpPr/>
+        <p:nvPr/>
+      </p:nvGrpSpPr>
+      <p:grpSpPr/>
+      <p:sp>
+        <p:nvSpPr>
+          <p:cNvPr id="2" name="Text Placeholder 1"/>
+          <p:cNvSpPr>
+            <a:spLocks noGrp="1"/>
+          </p:cNvSpPr>
+          <p:nvPr>
+            <p:ph type="body" idx="10" sz="quarter"/>
+          </p:nvPr>
+        </p:nvSpPr>
+        <p:spPr/>
+        <p:txBody>
+          <a:bodyPr/>
+          <a:lstStyle/>
+          <a:p>
             <a:r>
               <a:t>Solution Overview</a:t>
             </a:r>
@@ -3865,7 +5060,7 @@
 </p:sld>
 </file>
 
-<file path=ppt/slides/slide4.xml><?xml version="1.0" encoding="utf-8"?>
+<file path=ppt/slides/slide5.xml><?xml version="1.0" encoding="utf-8"?>
 <p:sld xmlns:a="http://schemas.openxmlformats.org/drawingml/2006/main" xmlns:p="http://schemas.openxmlformats.org/presentationml/2006/main" xmlns:r="http://schemas.openxmlformats.org/officeDocument/2006/relationships">
   <p:cSld>
     <p:spTree>
@@ -4006,416 +5201,6 @@
           </a:p>
         </p:txBody>
       </p:sp>
-      <p:pic>
-        <p:nvPicPr>
-          <p:cNvPr id="5" name="Picture 4" descr="eo-framework-logo-real.png"/>
-          <p:cNvPicPr>
-            <a:picLocks noChangeAspect="1"/>
-          </p:cNvPicPr>
-          <p:nvPr/>
-        </p:nvPicPr>
-        <p:blipFill>
-          <a:blip r:embed="rId3"/>
-          <a:stretch>
-            <a:fillRect/>
-          </a:stretch>
-        </p:blipFill>
-        <p:spPr>
-          <a:xfrm>
-            <a:off x="6684264" y="4535424"/>
-            <a:ext cx="2139696" cy="530352"/>
-          </a:xfrm>
-          <a:prstGeom prst="rect">
-            <a:avLst/>
-          </a:prstGeom>
-        </p:spPr>
-      </p:pic>
-    </p:spTree>
-  </p:cSld>
-  <p:clrMapOvr>
-    <a:masterClrMapping/>
-  </p:clrMapOvr>
-</p:sld>
-</file>
-
-<file path=ppt/slides/slide5.xml><?xml version="1.0" encoding="utf-8"?>
-<p:sld xmlns:a="http://schemas.openxmlformats.org/drawingml/2006/main" xmlns:p="http://schemas.openxmlformats.org/presentationml/2006/main" xmlns:r="http://schemas.openxmlformats.org/officeDocument/2006/relationships">
-  <p:cSld>
-    <p:spTree>
-      <p:nvGrpSpPr>
-        <p:cNvPr id="1" name=""/>
-        <p:cNvGrpSpPr/>
-        <p:nvPr/>
-      </p:nvGrpSpPr>
-      <p:grpSpPr/>
-      <p:sp>
-        <p:nvSpPr>
-          <p:cNvPr id="2" name="Text Placeholder 1"/>
-          <p:cNvSpPr>
-            <a:spLocks noGrp="1"/>
-          </p:cNvSpPr>
-          <p:nvPr>
-            <p:ph type="body" idx="10" sz="quarter"/>
-          </p:nvPr>
-        </p:nvSpPr>
-        <p:spPr/>
-        <p:txBody>
-          <a:bodyPr/>
-          <a:lstStyle/>
-          <a:p>
-            <a:pPr algn="l"/>
-            <a:r>
-              <a:rPr b="1"/>
-              <a:t>Timeline &amp; Milestones</a:t>
-            </a:r>
-          </a:p>
-        </p:txBody>
-      </p:sp>
-      <p:pic>
-        <p:nvPicPr>
-          <p:cNvPr id="3" name="Picture Placeholder 2" descr="consulting_company_logo.png"/>
-          <p:cNvPicPr>
-            <a:picLocks noGrp="1" noChangeAspect="1"/>
-          </p:cNvPicPr>
-          <p:nvPr>
-            <p:ph type="pic" idx="13" sz="quarter"/>
-          </p:nvPr>
-        </p:nvPicPr>
-        <p:blipFill>
-          <a:blip r:embed="rId2"/>
-          <a:srcRect t="6404" b="6404"/>
-          <a:stretch>
-            <a:fillRect/>
-          </a:stretch>
-        </p:blipFill>
-        <p:spPr/>
-      </p:pic>
-      <p:graphicFrame>
-        <p:nvGraphicFramePr>
-          <p:cNvPr id="4" name="Table Placeholder 3"/>
-          <p:cNvGraphicFramePr>
-            <a:graphicFrameLocks noGrp="1"/>
-          </p:cNvGraphicFramePr>
-          <p:nvPr>
-            <p:ph type="tbl" idx="14" sz="quarter"/>
-          </p:nvPr>
-        </p:nvGraphicFramePr>
-        <p:xfrm>
-          <a:off x="256855" y="677011"/>
-          <a:ext cx="8710931" cy="1483360"/>
-        </p:xfrm>
-        <a:graphic>
-          <a:graphicData uri="http://schemas.openxmlformats.org/drawingml/2006/table">
-            <a:tbl>
-              <a:tblPr firstRow="1" bandRow="1">
-                <a:tableStyleId>{5C22544A-7EE6-4342-B048-85BDC9FD1C3A}</a:tableStyleId>
-              </a:tblPr>
-              <a:tblGrid>
-                <a:gridCol w="871093"/>
-                <a:gridCol w="2177733"/>
-                <a:gridCol w="1306639"/>
-                <a:gridCol w="4355466"/>
-              </a:tblGrid>
-              <a:tr h="370840">
-                <a:tc>
-                  <a:txBody>
-                    <a:bodyPr/>
-                    <a:lstStyle/>
-                    <a:p>
-                      <a:r>
-                        <a:rPr sz="1400">
-                          <a:solidFill>
-                            <a:srgbClr val="FFFFFF"/>
-                          </a:solidFill>
-                        </a:rPr>
-                        <a:t>Phase No</a:t>
-                      </a:r>
-                    </a:p>
-                  </a:txBody>
-                  <a:tcPr>
-                    <a:solidFill>
-                      <a:srgbClr val="A01C02"/>
-                    </a:solidFill>
-                  </a:tcPr>
-                </a:tc>
-                <a:tc>
-                  <a:txBody>
-                    <a:bodyPr/>
-                    <a:lstStyle/>
-                    <a:p>
-                      <a:r>
-                        <a:rPr sz="1400">
-                          <a:solidFill>
-                            <a:srgbClr val="FFFFFF"/>
-                          </a:solidFill>
-                        </a:rPr>
-                        <a:t>Phase Description</a:t>
-                      </a:r>
-                    </a:p>
-                  </a:txBody>
-                  <a:tcPr>
-                    <a:solidFill>
-                      <a:srgbClr val="A01C02"/>
-                    </a:solidFill>
-                  </a:tcPr>
-                </a:tc>
-                <a:tc>
-                  <a:txBody>
-                    <a:bodyPr/>
-                    <a:lstStyle/>
-                    <a:p>
-                      <a:r>
-                        <a:rPr sz="1400">
-                          <a:solidFill>
-                            <a:srgbClr val="FFFFFF"/>
-                          </a:solidFill>
-                        </a:rPr>
-                        <a:t>Timeline</a:t>
-                      </a:r>
-                    </a:p>
-                  </a:txBody>
-                  <a:tcPr>
-                    <a:solidFill>
-                      <a:srgbClr val="A01C02"/>
-                    </a:solidFill>
-                  </a:tcPr>
-                </a:tc>
-                <a:tc>
-                  <a:txBody>
-                    <a:bodyPr/>
-                    <a:lstStyle/>
-                    <a:p>
-                      <a:r>
-                        <a:rPr sz="1400">
-                          <a:solidFill>
-                            <a:srgbClr val="FFFFFF"/>
-                          </a:solidFill>
-                        </a:rPr>
-                        <a:t>Key Deliverables</a:t>
-                      </a:r>
-                    </a:p>
-                  </a:txBody>
-                  <a:tcPr>
-                    <a:solidFill>
-                      <a:srgbClr val="A01C02"/>
-                    </a:solidFill>
-                  </a:tcPr>
-                </a:tc>
-              </a:tr>
-              <a:tr h="370840">
-                <a:tc>
-                  <a:txBody>
-                    <a:bodyPr/>
-                    <a:lstStyle/>
-                    <a:p>
-                      <a:r>
-                        <a:rPr sz="1100"/>
-                        <a:t>Phase 1</a:t>
-                      </a:r>
-                    </a:p>
-                  </a:txBody>
-                  <a:tcPr>
-                    <a:solidFill>
-                      <a:srgbClr val="E7E6E6"/>
-                    </a:solidFill>
-                  </a:tcPr>
-                </a:tc>
-                <a:tc>
-                  <a:txBody>
-                    <a:bodyPr/>
-                    <a:lstStyle/>
-                    <a:p>
-                      <a:r>
-                        <a:rPr sz="1100"/>
-                        <a:t>Pilot &amp; Validation</a:t>
-                      </a:r>
-                    </a:p>
-                  </a:txBody>
-                  <a:tcPr>
-                    <a:solidFill>
-                      <a:srgbClr val="E7E6E6"/>
-                    </a:solidFill>
-                  </a:tcPr>
-                </a:tc>
-                <a:tc>
-                  <a:txBody>
-                    <a:bodyPr/>
-                    <a:lstStyle/>
-                    <a:p>
-                      <a:r>
-                        <a:rPr sz="1100"/>
-                        <a:t>Months 1-2</a:t>
-                      </a:r>
-                    </a:p>
-                  </a:txBody>
-                  <a:tcPr>
-                    <a:solidFill>
-                      <a:srgbClr val="E7E6E6"/>
-                    </a:solidFill>
-                  </a:tcPr>
-                </a:tc>
-                <a:tc>
-                  <a:txBody>
-                    <a:bodyPr/>
-                    <a:lstStyle/>
-                    <a:p>
-                      <a:r>
-                        <a:rPr sz="1100"/>
-                        <a:t>Single document type automated, 95%+ accuracy validated, Human review workflow operational</a:t>
-                      </a:r>
-                    </a:p>
-                  </a:txBody>
-                  <a:tcPr>
-                    <a:solidFill>
-                      <a:srgbClr val="E7E6E6"/>
-                    </a:solidFill>
-                  </a:tcPr>
-                </a:tc>
-              </a:tr>
-              <a:tr h="370840">
-                <a:tc>
-                  <a:txBody>
-                    <a:bodyPr/>
-                    <a:lstStyle/>
-                    <a:p>
-                      <a:r>
-                        <a:rPr sz="1100"/>
-                        <a:t>Phase 2</a:t>
-                      </a:r>
-                    </a:p>
-                  </a:txBody>
-                  <a:tcPr>
-                    <a:solidFill>
-                      <a:srgbClr val="E7E6E6"/>
-                    </a:solidFill>
-                  </a:tcPr>
-                </a:tc>
-                <a:tc>
-                  <a:txBody>
-                    <a:bodyPr/>
-                    <a:lstStyle/>
-                    <a:p>
-                      <a:r>
-                        <a:rPr sz="1100"/>
-                        <a:t>Expansion &amp; Integration</a:t>
-                      </a:r>
-                    </a:p>
-                  </a:txBody>
-                  <a:tcPr>
-                    <a:solidFill>
-                      <a:srgbClr val="E7E6E6"/>
-                    </a:solidFill>
-                  </a:tcPr>
-                </a:tc>
-                <a:tc>
-                  <a:txBody>
-                    <a:bodyPr/>
-                    <a:lstStyle/>
-                    <a:p>
-                      <a:r>
-                        <a:rPr sz="1100"/>
-                        <a:t>Months 3-4</a:t>
-                      </a:r>
-                    </a:p>
-                  </a:txBody>
-                  <a:tcPr>
-                    <a:solidFill>
-                      <a:srgbClr val="E7E6E6"/>
-                    </a:solidFill>
-                  </a:tcPr>
-                </a:tc>
-                <a:tc>
-                  <a:txBody>
-                    <a:bodyPr/>
-                    <a:lstStyle/>
-                    <a:p>
-                      <a:r>
-                        <a:rPr sz="1100"/>
-                        <a:t>Multiple document types supported, API integrations live, Volume processing at scale</a:t>
-                      </a:r>
-                    </a:p>
-                  </a:txBody>
-                  <a:tcPr>
-                    <a:solidFill>
-                      <a:srgbClr val="E7E6E6"/>
-                    </a:solidFill>
-                  </a:tcPr>
-                </a:tc>
-              </a:tr>
-              <a:tr h="370840">
-                <a:tc>
-                  <a:txBody>
-                    <a:bodyPr/>
-                    <a:lstStyle/>
-                    <a:p>
-                      <a:r>
-                        <a:rPr sz="1100"/>
-                        <a:t>Phase 3</a:t>
-                      </a:r>
-                    </a:p>
-                  </a:txBody>
-                  <a:tcPr>
-                    <a:solidFill>
-                      <a:srgbClr val="E7E6E6"/>
-                    </a:solidFill>
-                  </a:tcPr>
-                </a:tc>
-                <a:tc>
-                  <a:txBody>
-                    <a:bodyPr/>
-                    <a:lstStyle/>
-                    <a:p>
-                      <a:r>
-                        <a:rPr sz="1100"/>
-                        <a:t>Optimization &amp; Handoff</a:t>
-                      </a:r>
-                    </a:p>
-                  </a:txBody>
-                  <a:tcPr>
-                    <a:solidFill>
-                      <a:srgbClr val="E7E6E6"/>
-                    </a:solidFill>
-                  </a:tcPr>
-                </a:tc>
-                <a:tc>
-                  <a:txBody>
-                    <a:bodyPr/>
-                    <a:lstStyle/>
-                    <a:p>
-                      <a:r>
-                        <a:rPr sz="1100"/>
-                        <a:t>Months 5-6</a:t>
-                      </a:r>
-                    </a:p>
-                  </a:txBody>
-                  <a:tcPr>
-                    <a:solidFill>
-                      <a:srgbClr val="E7E6E6"/>
-                    </a:solidFill>
-                  </a:tcPr>
-                </a:tc>
-                <a:tc>
-                  <a:txBody>
-                    <a:bodyPr/>
-                    <a:lstStyle/>
-                    <a:p>
-                      <a:r>
-                        <a:rPr sz="1100"/>
-                        <a:t>AI models fine-tuned, Advanced features deployed, Operations team trained</a:t>
-                      </a:r>
-                    </a:p>
-                  </a:txBody>
-                  <a:tcPr>
-                    <a:solidFill>
-                      <a:srgbClr val="E7E6E6"/>
-                    </a:solidFill>
-                  </a:tcPr>
-                </a:tc>
-              </a:tr>
-            </a:tbl>
-          </a:graphicData>
-        </a:graphic>
-      </p:graphicFrame>
       <p:pic>
         <p:nvPicPr>
           <p:cNvPr id="5" name="Picture 4" descr="eo-framework-logo-real.png"/>
@@ -4473,8 +5258,10 @@
           <a:bodyPr/>
           <a:lstStyle/>
           <a:p>
-            <a:r>
-              <a:t>Success Stories</a:t>
+            <a:pPr algn="l"/>
+            <a:r>
+              <a:rPr b="1"/>
+              <a:t>Timeline &amp; Milestones</a:t>
             </a:r>
           </a:p>
         </p:txBody>
@@ -4491,93 +5278,339 @@
         </p:nvPicPr>
         <p:blipFill>
           <a:blip r:embed="rId2"/>
-          <a:srcRect t="6762" b="6762"/>
+          <a:srcRect t="6404" b="6404"/>
           <a:stretch>
             <a:fillRect/>
           </a:stretch>
         </p:blipFill>
         <p:spPr/>
       </p:pic>
-      <p:sp>
-        <p:nvSpPr>
-          <p:cNvPr id="4" name="Text Placeholder 3"/>
-          <p:cNvSpPr>
-            <a:spLocks noGrp="1"/>
-          </p:cNvSpPr>
+      <p:graphicFrame>
+        <p:nvGraphicFramePr>
+          <p:cNvPr id="4" name="Table Placeholder 3"/>
+          <p:cNvGraphicFramePr>
+            <a:graphicFrameLocks noGrp="1"/>
+          </p:cNvGraphicFramePr>
           <p:nvPr>
-            <p:ph type="body" idx="14" sz="quarter"/>
+            <p:ph type="tbl" idx="14" sz="quarter"/>
           </p:nvPr>
-        </p:nvSpPr>
-        <p:spPr/>
-        <p:txBody>
-          <a:bodyPr/>
-          <a:lstStyle/>
-          <a:p>
-            <a:pPr/>
-            <a:r>
-              <a:rPr b="1"/>
-              <a:t>Client Success: Healthcare Insurance Provider</a:t>
-            </a:r>
-          </a:p>
-          <a:p>
-            <a:pPr lvl="1"/>
-            <a:r>
-              <a:rPr b="1"/>
-              <a:t>Client:</a:t>
-            </a:r>
-            <a:r>
-              <a:t> Regional health insurer processing 50,000+ claims monthly</a:t>
-            </a:r>
-          </a:p>
-          <a:p>
-            <a:pPr lvl="1"/>
-            <a:r>
-              <a:rPr b="1"/>
-              <a:t>Challenge:</a:t>
-            </a:r>
-            <a:r>
-              <a:t> Manual processing taking 24-48 hours, 8% error rate, high labor costs limiting scalability</a:t>
-            </a:r>
-          </a:p>
-          <a:p>
-            <a:pPr lvl="1"/>
-            <a:r>
-              <a:rPr b="1"/>
-              <a:t>Solution:</a:t>
-            </a:r>
-            <a:r>
-              <a:t> AWS IDP with Textract, Comprehend, and A2I for automated claims processing</a:t>
-            </a:r>
-          </a:p>
-          <a:p>
-            <a:pPr lvl="1"/>
-            <a:r>
-              <a:rPr b="1"/>
-              <a:t>Results:</a:t>
-            </a:r>
-            <a:r>
-              <a:t> 92% faster processing (24hrs → 2hrs), 99.2% accuracy, $2.1M annual savings, ROI in 11 months</a:t>
-            </a:r>
-          </a:p>
-          <a:p>
-            <a:pPr lvl="1"/>
-            <a:r>
-              <a:rPr b="1"/>
-              <a:t>Testimonial:</a:t>
-            </a:r>
-            <a:r>
-              <a:t> "The AI accuracy exceeded our expectations. We've redeployed staff to complex cases requiring human judgment, dramatically improving both efficiency and job satisfaction." — </a:t>
-            </a:r>
-            <a:r>
-              <a:rPr b="1"/>
-              <a:t>Sarah Martinez, VP Operations</a:t>
-            </a:r>
-            <a:r>
-              <a:t>, HealthFirst Insurance</a:t>
-            </a:r>
-          </a:p>
-        </p:txBody>
-      </p:sp>
+        </p:nvGraphicFramePr>
+        <p:xfrm>
+          <a:off x="256855" y="677011"/>
+          <a:ext cx="8710931" cy="1483360"/>
+        </p:xfrm>
+        <a:graphic>
+          <a:graphicData uri="http://schemas.openxmlformats.org/drawingml/2006/table">
+            <a:tbl>
+              <a:tblPr firstRow="1" bandRow="1">
+                <a:tableStyleId>{5C22544A-7EE6-4342-B048-85BDC9FD1C3A}</a:tableStyleId>
+              </a:tblPr>
+              <a:tblGrid>
+                <a:gridCol w="871093"/>
+                <a:gridCol w="2177733"/>
+                <a:gridCol w="1306639"/>
+                <a:gridCol w="4355466"/>
+              </a:tblGrid>
+              <a:tr h="370840">
+                <a:tc>
+                  <a:txBody>
+                    <a:bodyPr/>
+                    <a:lstStyle/>
+                    <a:p>
+                      <a:r>
+                        <a:rPr sz="1400">
+                          <a:solidFill>
+                            <a:srgbClr val="FFFFFF"/>
+                          </a:solidFill>
+                        </a:rPr>
+                        <a:t>Phase No</a:t>
+                      </a:r>
+                    </a:p>
+                  </a:txBody>
+                  <a:tcPr>
+                    <a:solidFill>
+                      <a:srgbClr val="A01C02"/>
+                    </a:solidFill>
+                  </a:tcPr>
+                </a:tc>
+                <a:tc>
+                  <a:txBody>
+                    <a:bodyPr/>
+                    <a:lstStyle/>
+                    <a:p>
+                      <a:r>
+                        <a:rPr sz="1400">
+                          <a:solidFill>
+                            <a:srgbClr val="FFFFFF"/>
+                          </a:solidFill>
+                        </a:rPr>
+                        <a:t>Phase Description</a:t>
+                      </a:r>
+                    </a:p>
+                  </a:txBody>
+                  <a:tcPr>
+                    <a:solidFill>
+                      <a:srgbClr val="A01C02"/>
+                    </a:solidFill>
+                  </a:tcPr>
+                </a:tc>
+                <a:tc>
+                  <a:txBody>
+                    <a:bodyPr/>
+                    <a:lstStyle/>
+                    <a:p>
+                      <a:r>
+                        <a:rPr sz="1400">
+                          <a:solidFill>
+                            <a:srgbClr val="FFFFFF"/>
+                          </a:solidFill>
+                        </a:rPr>
+                        <a:t>Timeline</a:t>
+                      </a:r>
+                    </a:p>
+                  </a:txBody>
+                  <a:tcPr>
+                    <a:solidFill>
+                      <a:srgbClr val="A01C02"/>
+                    </a:solidFill>
+                  </a:tcPr>
+                </a:tc>
+                <a:tc>
+                  <a:txBody>
+                    <a:bodyPr/>
+                    <a:lstStyle/>
+                    <a:p>
+                      <a:r>
+                        <a:rPr sz="1400">
+                          <a:solidFill>
+                            <a:srgbClr val="FFFFFF"/>
+                          </a:solidFill>
+                        </a:rPr>
+                        <a:t>Key Deliverables</a:t>
+                      </a:r>
+                    </a:p>
+                  </a:txBody>
+                  <a:tcPr>
+                    <a:solidFill>
+                      <a:srgbClr val="A01C02"/>
+                    </a:solidFill>
+                  </a:tcPr>
+                </a:tc>
+              </a:tr>
+              <a:tr h="370840">
+                <a:tc>
+                  <a:txBody>
+                    <a:bodyPr/>
+                    <a:lstStyle/>
+                    <a:p>
+                      <a:r>
+                        <a:rPr sz="1100"/>
+                        <a:t>Phase 1</a:t>
+                      </a:r>
+                    </a:p>
+                  </a:txBody>
+                  <a:tcPr>
+                    <a:solidFill>
+                      <a:srgbClr val="E7E6E6"/>
+                    </a:solidFill>
+                  </a:tcPr>
+                </a:tc>
+                <a:tc>
+                  <a:txBody>
+                    <a:bodyPr/>
+                    <a:lstStyle/>
+                    <a:p>
+                      <a:r>
+                        <a:rPr sz="1100"/>
+                        <a:t>Pilot &amp; Validation</a:t>
+                      </a:r>
+                    </a:p>
+                  </a:txBody>
+                  <a:tcPr>
+                    <a:solidFill>
+                      <a:srgbClr val="E7E6E6"/>
+                    </a:solidFill>
+                  </a:tcPr>
+                </a:tc>
+                <a:tc>
+                  <a:txBody>
+                    <a:bodyPr/>
+                    <a:lstStyle/>
+                    <a:p>
+                      <a:r>
+                        <a:rPr sz="1100"/>
+                        <a:t>Months 1-2</a:t>
+                      </a:r>
+                    </a:p>
+                  </a:txBody>
+                  <a:tcPr>
+                    <a:solidFill>
+                      <a:srgbClr val="E7E6E6"/>
+                    </a:solidFill>
+                  </a:tcPr>
+                </a:tc>
+                <a:tc>
+                  <a:txBody>
+                    <a:bodyPr/>
+                    <a:lstStyle/>
+                    <a:p>
+                      <a:r>
+                        <a:rPr sz="1100"/>
+                        <a:t>Single document type automated, 95%+ accuracy validated, Human review workflow operational</a:t>
+                      </a:r>
+                    </a:p>
+                  </a:txBody>
+                  <a:tcPr>
+                    <a:solidFill>
+                      <a:srgbClr val="E7E6E6"/>
+                    </a:solidFill>
+                  </a:tcPr>
+                </a:tc>
+              </a:tr>
+              <a:tr h="370840">
+                <a:tc>
+                  <a:txBody>
+                    <a:bodyPr/>
+                    <a:lstStyle/>
+                    <a:p>
+                      <a:r>
+                        <a:rPr sz="1100"/>
+                        <a:t>Phase 2</a:t>
+                      </a:r>
+                    </a:p>
+                  </a:txBody>
+                  <a:tcPr>
+                    <a:solidFill>
+                      <a:srgbClr val="E7E6E6"/>
+                    </a:solidFill>
+                  </a:tcPr>
+                </a:tc>
+                <a:tc>
+                  <a:txBody>
+                    <a:bodyPr/>
+                    <a:lstStyle/>
+                    <a:p>
+                      <a:r>
+                        <a:rPr sz="1100"/>
+                        <a:t>Expansion &amp; Integration</a:t>
+                      </a:r>
+                    </a:p>
+                  </a:txBody>
+                  <a:tcPr>
+                    <a:solidFill>
+                      <a:srgbClr val="E7E6E6"/>
+                    </a:solidFill>
+                  </a:tcPr>
+                </a:tc>
+                <a:tc>
+                  <a:txBody>
+                    <a:bodyPr/>
+                    <a:lstStyle/>
+                    <a:p>
+                      <a:r>
+                        <a:rPr sz="1100"/>
+                        <a:t>Months 3-4</a:t>
+                      </a:r>
+                    </a:p>
+                  </a:txBody>
+                  <a:tcPr>
+                    <a:solidFill>
+                      <a:srgbClr val="E7E6E6"/>
+                    </a:solidFill>
+                  </a:tcPr>
+                </a:tc>
+                <a:tc>
+                  <a:txBody>
+                    <a:bodyPr/>
+                    <a:lstStyle/>
+                    <a:p>
+                      <a:r>
+                        <a:rPr sz="1100"/>
+                        <a:t>Multiple document types supported, API integrations live, Volume processing at scale</a:t>
+                      </a:r>
+                    </a:p>
+                  </a:txBody>
+                  <a:tcPr>
+                    <a:solidFill>
+                      <a:srgbClr val="E7E6E6"/>
+                    </a:solidFill>
+                  </a:tcPr>
+                </a:tc>
+              </a:tr>
+              <a:tr h="370840">
+                <a:tc>
+                  <a:txBody>
+                    <a:bodyPr/>
+                    <a:lstStyle/>
+                    <a:p>
+                      <a:r>
+                        <a:rPr sz="1100"/>
+                        <a:t>Phase 3</a:t>
+                      </a:r>
+                    </a:p>
+                  </a:txBody>
+                  <a:tcPr>
+                    <a:solidFill>
+                      <a:srgbClr val="E7E6E6"/>
+                    </a:solidFill>
+                  </a:tcPr>
+                </a:tc>
+                <a:tc>
+                  <a:txBody>
+                    <a:bodyPr/>
+                    <a:lstStyle/>
+                    <a:p>
+                      <a:r>
+                        <a:rPr sz="1100"/>
+                        <a:t>Optimization &amp; Handoff</a:t>
+                      </a:r>
+                    </a:p>
+                  </a:txBody>
+                  <a:tcPr>
+                    <a:solidFill>
+                      <a:srgbClr val="E7E6E6"/>
+                    </a:solidFill>
+                  </a:tcPr>
+                </a:tc>
+                <a:tc>
+                  <a:txBody>
+                    <a:bodyPr/>
+                    <a:lstStyle/>
+                    <a:p>
+                      <a:r>
+                        <a:rPr sz="1100"/>
+                        <a:t>Months 5-6</a:t>
+                      </a:r>
+                    </a:p>
+                  </a:txBody>
+                  <a:tcPr>
+                    <a:solidFill>
+                      <a:srgbClr val="E7E6E6"/>
+                    </a:solidFill>
+                  </a:tcPr>
+                </a:tc>
+                <a:tc>
+                  <a:txBody>
+                    <a:bodyPr/>
+                    <a:lstStyle/>
+                    <a:p>
+                      <a:r>
+                        <a:rPr sz="1100"/>
+                        <a:t>AI models fine-tuned, Advanced features deployed, Operations team trained</a:t>
+                      </a:r>
+                    </a:p>
+                  </a:txBody>
+                  <a:tcPr>
+                    <a:solidFill>
+                      <a:srgbClr val="E7E6E6"/>
+                    </a:solidFill>
+                  </a:tcPr>
+                </a:tc>
+              </a:tr>
+            </a:tbl>
+          </a:graphicData>
+        </a:graphic>
+      </p:graphicFrame>
       <p:pic>
         <p:nvPicPr>
           <p:cNvPr id="5" name="Picture 4" descr="eo-framework-logo-real.png"/>
@@ -4636,7 +5669,7 @@
           <a:lstStyle/>
           <a:p>
             <a:r>
-              <a:t>Our Partnership Advantage</a:t>
+              <a:t>Success Stories</a:t>
             </a:r>
           </a:p>
         </p:txBody>
@@ -4648,12 +5681,12 @@
             <a:picLocks noGrp="1" noChangeAspect="1"/>
           </p:cNvPicPr>
           <p:nvPr>
-            <p:ph type="pic" idx="14" sz="quarter"/>
+            <p:ph type="pic" idx="13" sz="quarter"/>
           </p:nvPr>
         </p:nvPicPr>
         <p:blipFill>
           <a:blip r:embed="rId2"/>
-          <a:srcRect t="6314" b="6314"/>
+          <a:srcRect t="6762" b="6762"/>
           <a:stretch>
             <a:fillRect/>
           </a:stretch>
@@ -4667,7 +5700,7 @@
             <a:spLocks noGrp="1"/>
           </p:cNvSpPr>
           <p:nvPr>
-            <p:ph type="body" idx="16" sz="quarter"/>
+            <p:ph type="body" idx="14" sz="quarter"/>
           </p:nvPr>
         </p:nvSpPr>
         <p:spPr/>
@@ -4678,97 +5711,71 @@
             <a:pPr/>
             <a:r>
               <a:rPr b="1"/>
-              <a:t>What We Bring</a:t>
+              <a:t>Client Success: Healthcare Insurance Provider</a:t>
             </a:r>
           </a:p>
           <a:p>
             <a:pPr lvl="1"/>
             <a:r>
-              <a:t>10+ years delivering AWS AI/ML solutions with proven results</a:t>
+              <a:rPr b="1"/>
+              <a:t>Client:</a:t>
+            </a:r>
+            <a:r>
+              <a:t> Regional health insurer processing 50,000+ claims monthly</a:t>
             </a:r>
           </a:p>
           <a:p>
             <a:pPr lvl="1"/>
             <a:r>
-              <a:t>50+ successful IDP implementations across healthcare, finance, government</a:t>
+              <a:rPr b="1"/>
+              <a:t>Challenge:</a:t>
+            </a:r>
+            <a:r>
+              <a:t> Manual processing taking 24-48 hours, 8% error rate, high labor costs limiting scalability</a:t>
             </a:r>
           </a:p>
           <a:p>
             <a:pPr lvl="1"/>
             <a:r>
-              <a:t>AWS Advanced Consulting Partner with Machine Learning Competency</a:t>
+              <a:rPr b="1"/>
+              <a:t>Solution:</a:t>
+            </a:r>
+            <a:r>
+              <a:t> AWS IDP with Textract, Comprehend, and A2I for automated claims processing</a:t>
             </a:r>
           </a:p>
           <a:p>
             <a:pPr lvl="1"/>
             <a:r>
-              <a:t>Certified solutions architects with Textract/Comprehend expertise</a:t>
+              <a:rPr b="1"/>
+              <a:t>Results:</a:t>
+            </a:r>
+            <a:r>
+              <a:t> 92% faster processing (24hrs → 2hrs), 99.2% accuracy, $2.1M annual savings, ROI in 11 months</a:t>
             </a:r>
           </a:p>
           <a:p>
             <a:pPr lvl="1"/>
             <a:r>
-              <a:t>Dedicated AI/ML practice with data scientists and ML engineers</a:t>
-            </a:r>
-          </a:p>
-        </p:txBody>
-      </p:sp>
-      <p:sp>
-        <p:nvSpPr>
-          <p:cNvPr id="5" name="Text Placeholder 4"/>
-          <p:cNvSpPr>
-            <a:spLocks noGrp="1"/>
-          </p:cNvSpPr>
-          <p:nvPr>
-            <p:ph type="body" idx="17" sz="quarter"/>
-          </p:nvPr>
-        </p:nvSpPr>
-        <p:spPr/>
-        <p:txBody>
-          <a:bodyPr/>
-          <a:lstStyle/>
-          <a:p>
-            <a:pPr/>
-            <a:r>
               <a:rPr b="1"/>
-              <a:t>Value to You</a:t>
-            </a:r>
-          </a:p>
-          <a:p>
-            <a:pPr lvl="1"/>
-            <a:r>
-              <a:t>Pre-built document processing templates accelerate deployment</a:t>
-            </a:r>
-          </a:p>
-          <a:p>
-            <a:pPr lvl="1"/>
-            <a:r>
-              <a:t>Proven AI model training methodology reduces time to accuracy</a:t>
-            </a:r>
-          </a:p>
-          <a:p>
-            <a:pPr lvl="1"/>
-            <a:r>
-              <a:t>Direct AWS ML specialist support through partner network</a:t>
-            </a:r>
-          </a:p>
-          <a:p>
-            <a:pPr lvl="1"/>
-            <a:r>
-              <a:t>Best practices from 50+ implementations avoid common pitfalls</a:t>
-            </a:r>
-          </a:p>
-          <a:p>
-            <a:pPr lvl="1"/>
-            <a:r>
-              <a:t>Comprehensive training ensures team self-sufficiency</a:t>
+              <a:t>Testimonial:</a:t>
+            </a:r>
+            <a:r>
+              <a:t> "The AI accuracy exceeded our expectations. We've redeployed staff to complex cases requiring human judgment, dramatically improving both efficiency and job satisfaction." — </a:t>
+            </a:r>
+            <a:r>
+              <a:rPr b="1"/>
+              <a:t>Sarah Martinez, VP Operations</a:t>
+            </a:r>
+            <a:r>
+              <a:t>, HealthFirst Insurance</a:t>
             </a:r>
           </a:p>
         </p:txBody>
       </p:sp>
       <p:pic>
         <p:nvPicPr>
-          <p:cNvPr id="6" name="Picture 5" descr="eo-framework-logo-real.png"/>
+          <p:cNvPr id="5" name="Picture 4" descr="eo-framework-logo-real.png"/>
           <p:cNvPicPr>
             <a:picLocks noChangeAspect="1"/>
           </p:cNvPicPr>
@@ -4823,10 +5830,8 @@
           <a:bodyPr/>
           <a:lstStyle/>
           <a:p>
-            <a:pPr algn="l"/>
-            <a:r>
-              <a:rPr b="1"/>
-              <a:t>Investment Summary</a:t>
+            <a:r>
+              <a:t>Our Partnership Advantage</a:t>
             </a:r>
           </a:p>
         </p:txBody>
@@ -4838,808 +5843,127 @@
             <a:picLocks noGrp="1" noChangeAspect="1"/>
           </p:cNvPicPr>
           <p:nvPr>
-            <p:ph type="pic" idx="13" sz="quarter"/>
+            <p:ph type="pic" idx="14" sz="quarter"/>
           </p:nvPr>
         </p:nvPicPr>
         <p:blipFill>
           <a:blip r:embed="rId2"/>
-          <a:srcRect t="6404" b="6404"/>
+          <a:srcRect t="6314" b="6314"/>
           <a:stretch>
             <a:fillRect/>
           </a:stretch>
         </p:blipFill>
         <p:spPr/>
       </p:pic>
-      <p:graphicFrame>
-        <p:nvGraphicFramePr>
-          <p:cNvPr id="4" name="Table Placeholder 3"/>
-          <p:cNvGraphicFramePr>
-            <a:graphicFrameLocks noGrp="1"/>
-          </p:cNvGraphicFramePr>
+      <p:sp>
+        <p:nvSpPr>
+          <p:cNvPr id="4" name="Text Placeholder 3"/>
+          <p:cNvSpPr>
+            <a:spLocks noGrp="1"/>
+          </p:cNvSpPr>
           <p:nvPr>
-            <p:ph type="tbl" idx="14" sz="quarter"/>
+            <p:ph type="body" idx="16" sz="quarter"/>
           </p:nvPr>
-        </p:nvGraphicFramePr>
-        <p:xfrm>
-          <a:off x="256855" y="677011"/>
-          <a:ext cx="8710929" cy="2225040"/>
-        </p:xfrm>
-        <a:graphic>
-          <a:graphicData uri="http://schemas.openxmlformats.org/drawingml/2006/table">
-            <a:tbl>
-              <a:tblPr firstRow="1" bandRow="1">
-                <a:tableStyleId>{5C22544A-7EE6-4342-B048-85BDC9FD1C3A}</a:tableStyleId>
-              </a:tblPr>
-              <a:tblGrid>
-                <a:gridCol w="1742186"/>
-                <a:gridCol w="1045311"/>
-                <a:gridCol w="2003514"/>
-                <a:gridCol w="1132421"/>
-                <a:gridCol w="871093"/>
-                <a:gridCol w="871093"/>
-                <a:gridCol w="1045311"/>
-              </a:tblGrid>
-              <a:tr h="370840">
-                <a:tc>
-                  <a:txBody>
-                    <a:bodyPr/>
-                    <a:lstStyle/>
-                    <a:p>
-                      <a:r>
-                        <a:rPr sz="1400">
-                          <a:solidFill>
-                            <a:srgbClr val="FFFFFF"/>
-                          </a:solidFill>
-                        </a:rPr>
-                        <a:t>Cost Category</a:t>
-                      </a:r>
-                    </a:p>
-                  </a:txBody>
-                  <a:tcPr>
-                    <a:solidFill>
-                      <a:srgbClr val="A01C02"/>
-                    </a:solidFill>
-                  </a:tcPr>
-                </a:tc>
-                <a:tc>
-                  <a:txBody>
-                    <a:bodyPr/>
-                    <a:lstStyle/>
-                    <a:p>
-                      <a:r>
-                        <a:rPr sz="1400">
-                          <a:solidFill>
-                            <a:srgbClr val="FFFFFF"/>
-                          </a:solidFill>
-                        </a:rPr>
-                        <a:t>Year 1 List</a:t>
-                      </a:r>
-                    </a:p>
-                  </a:txBody>
-                  <a:tcPr>
-                    <a:solidFill>
-                      <a:srgbClr val="A01C02"/>
-                    </a:solidFill>
-                  </a:tcPr>
-                </a:tc>
-                <a:tc>
-                  <a:txBody>
-                    <a:bodyPr/>
-                    <a:lstStyle/>
-                    <a:p>
-                      <a:r>
-                        <a:rPr sz="1400">
-                          <a:solidFill>
-                            <a:srgbClr val="FFFFFF"/>
-                          </a:solidFill>
-                        </a:rPr>
-                        <a:t>AWS/Partner Credits</a:t>
-                      </a:r>
-                    </a:p>
-                  </a:txBody>
-                  <a:tcPr>
-                    <a:solidFill>
-                      <a:srgbClr val="A01C02"/>
-                    </a:solidFill>
-                  </a:tcPr>
-                </a:tc>
-                <a:tc>
-                  <a:txBody>
-                    <a:bodyPr/>
-                    <a:lstStyle/>
-                    <a:p>
-                      <a:r>
-                        <a:rPr sz="1400">
-                          <a:solidFill>
-                            <a:srgbClr val="FFFFFF"/>
-                          </a:solidFill>
-                        </a:rPr>
-                        <a:t>Year 1 Net</a:t>
-                      </a:r>
-                    </a:p>
-                  </a:txBody>
-                  <a:tcPr>
-                    <a:solidFill>
-                      <a:srgbClr val="A01C02"/>
-                    </a:solidFill>
-                  </a:tcPr>
-                </a:tc>
-                <a:tc>
-                  <a:txBody>
-                    <a:bodyPr/>
-                    <a:lstStyle/>
-                    <a:p>
-                      <a:r>
-                        <a:rPr sz="1400">
-                          <a:solidFill>
-                            <a:srgbClr val="FFFFFF"/>
-                          </a:solidFill>
-                        </a:rPr>
-                        <a:t>Year 2</a:t>
-                      </a:r>
-                    </a:p>
-                  </a:txBody>
-                  <a:tcPr>
-                    <a:solidFill>
-                      <a:srgbClr val="A01C02"/>
-                    </a:solidFill>
-                  </a:tcPr>
-                </a:tc>
-                <a:tc>
-                  <a:txBody>
-                    <a:bodyPr/>
-                    <a:lstStyle/>
-                    <a:p>
-                      <a:r>
-                        <a:rPr sz="1400">
-                          <a:solidFill>
-                            <a:srgbClr val="FFFFFF"/>
-                          </a:solidFill>
-                        </a:rPr>
-                        <a:t>Year 3</a:t>
-                      </a:r>
-                    </a:p>
-                  </a:txBody>
-                  <a:tcPr>
-                    <a:solidFill>
-                      <a:srgbClr val="A01C02"/>
-                    </a:solidFill>
-                  </a:tcPr>
-                </a:tc>
-                <a:tc>
-                  <a:txBody>
-                    <a:bodyPr/>
-                    <a:lstStyle/>
-                    <a:p>
-                      <a:r>
-                        <a:rPr sz="1400">
-                          <a:solidFill>
-                            <a:srgbClr val="FFFFFF"/>
-                          </a:solidFill>
-                        </a:rPr>
-                        <a:t>3-Year Total</a:t>
-                      </a:r>
-                    </a:p>
-                  </a:txBody>
-                  <a:tcPr>
-                    <a:solidFill>
-                      <a:srgbClr val="A01C02"/>
-                    </a:solidFill>
-                  </a:tcPr>
-                </a:tc>
-              </a:tr>
-              <a:tr h="370840">
-                <a:tc>
-                  <a:txBody>
-                    <a:bodyPr/>
-                    <a:lstStyle/>
-                    <a:p>
-                      <a:r>
-                        <a:rPr sz="1100"/>
-                        <a:t>Professional Services</a:t>
-                      </a:r>
-                    </a:p>
-                  </a:txBody>
-                  <a:tcPr>
-                    <a:solidFill>
-                      <a:srgbClr val="E7E6E6"/>
-                    </a:solidFill>
-                  </a:tcPr>
-                </a:tc>
-                <a:tc>
-                  <a:txBody>
-                    <a:bodyPr/>
-                    <a:lstStyle/>
-                    <a:p>
-                      <a:r>
-                        <a:rPr sz="1100"/>
-                        <a:t>$82,250</a:t>
-                      </a:r>
-                    </a:p>
-                  </a:txBody>
-                  <a:tcPr>
-                    <a:solidFill>
-                      <a:srgbClr val="E7E6E6"/>
-                    </a:solidFill>
-                  </a:tcPr>
-                </a:tc>
-                <a:tc>
-                  <a:txBody>
-                    <a:bodyPr/>
-                    <a:lstStyle/>
-                    <a:p>
-                      <a:r>
-                        <a:rPr sz="1100"/>
-                        <a:t>($10,000)</a:t>
-                      </a:r>
-                    </a:p>
-                  </a:txBody>
-                  <a:tcPr>
-                    <a:solidFill>
-                      <a:srgbClr val="E7E6E6"/>
-                    </a:solidFill>
-                  </a:tcPr>
-                </a:tc>
-                <a:tc>
-                  <a:txBody>
-                    <a:bodyPr/>
-                    <a:lstStyle/>
-                    <a:p>
-                      <a:r>
-                        <a:rPr sz="1100"/>
-                        <a:t>$72,250</a:t>
-                      </a:r>
-                    </a:p>
-                  </a:txBody>
-                  <a:tcPr>
-                    <a:solidFill>
-                      <a:srgbClr val="E7E6E6"/>
-                    </a:solidFill>
-                  </a:tcPr>
-                </a:tc>
-                <a:tc>
-                  <a:txBody>
-                    <a:bodyPr/>
-                    <a:lstStyle/>
-                    <a:p>
-                      <a:r>
-                        <a:rPr sz="1100"/>
-                        <a:t>$0</a:t>
-                      </a:r>
-                    </a:p>
-                  </a:txBody>
-                  <a:tcPr>
-                    <a:solidFill>
-                      <a:srgbClr val="E7E6E6"/>
-                    </a:solidFill>
-                  </a:tcPr>
-                </a:tc>
-                <a:tc>
-                  <a:txBody>
-                    <a:bodyPr/>
-                    <a:lstStyle/>
-                    <a:p>
-                      <a:r>
-                        <a:rPr sz="1100"/>
-                        <a:t>$0</a:t>
-                      </a:r>
-                    </a:p>
-                  </a:txBody>
-                  <a:tcPr>
-                    <a:solidFill>
-                      <a:srgbClr val="E7E6E6"/>
-                    </a:solidFill>
-                  </a:tcPr>
-                </a:tc>
-                <a:tc>
-                  <a:txBody>
-                    <a:bodyPr/>
-                    <a:lstStyle/>
-                    <a:p>
-                      <a:r>
-                        <a:rPr sz="1100"/>
-                        <a:t>$72,250</a:t>
-                      </a:r>
-                    </a:p>
-                  </a:txBody>
-                  <a:tcPr>
-                    <a:solidFill>
-                      <a:srgbClr val="E7E6E6"/>
-                    </a:solidFill>
-                  </a:tcPr>
-                </a:tc>
-              </a:tr>
-              <a:tr h="370840">
-                <a:tc>
-                  <a:txBody>
-                    <a:bodyPr/>
-                    <a:lstStyle/>
-                    <a:p>
-                      <a:r>
-                        <a:rPr sz="1100"/>
-                        <a:t>Cloud Infrastructure</a:t>
-                      </a:r>
-                    </a:p>
-                  </a:txBody>
-                  <a:tcPr>
-                    <a:solidFill>
-                      <a:srgbClr val="E7E6E6"/>
-                    </a:solidFill>
-                  </a:tcPr>
-                </a:tc>
-                <a:tc>
-                  <a:txBody>
-                    <a:bodyPr/>
-                    <a:lstStyle/>
-                    <a:p>
-                      <a:r>
-                        <a:rPr sz="1100"/>
-                        <a:t>$26,830</a:t>
-                      </a:r>
-                    </a:p>
-                  </a:txBody>
-                  <a:tcPr>
-                    <a:solidFill>
-                      <a:srgbClr val="E7E6E6"/>
-                    </a:solidFill>
-                  </a:tcPr>
-                </a:tc>
-                <a:tc>
-                  <a:txBody>
-                    <a:bodyPr/>
-                    <a:lstStyle/>
-                    <a:p>
-                      <a:r>
-                        <a:rPr sz="1100"/>
-                        <a:t>($5,000)</a:t>
-                      </a:r>
-                    </a:p>
-                  </a:txBody>
-                  <a:tcPr>
-                    <a:solidFill>
-                      <a:srgbClr val="E7E6E6"/>
-                    </a:solidFill>
-                  </a:tcPr>
-                </a:tc>
-                <a:tc>
-                  <a:txBody>
-                    <a:bodyPr/>
-                    <a:lstStyle/>
-                    <a:p>
-                      <a:r>
-                        <a:rPr sz="1100"/>
-                        <a:t>$21,830</a:t>
-                      </a:r>
-                    </a:p>
-                  </a:txBody>
-                  <a:tcPr>
-                    <a:solidFill>
-                      <a:srgbClr val="E7E6E6"/>
-                    </a:solidFill>
-                  </a:tcPr>
-                </a:tc>
-                <a:tc>
-                  <a:txBody>
-                    <a:bodyPr/>
-                    <a:lstStyle/>
-                    <a:p>
-                      <a:r>
-                        <a:rPr sz="1100"/>
-                        <a:t>$26,830</a:t>
-                      </a:r>
-                    </a:p>
-                  </a:txBody>
-                  <a:tcPr>
-                    <a:solidFill>
-                      <a:srgbClr val="E7E6E6"/>
-                    </a:solidFill>
-                  </a:tcPr>
-                </a:tc>
-                <a:tc>
-                  <a:txBody>
-                    <a:bodyPr/>
-                    <a:lstStyle/>
-                    <a:p>
-                      <a:r>
-                        <a:rPr sz="1100"/>
-                        <a:t>$26,830</a:t>
-                      </a:r>
-                    </a:p>
-                  </a:txBody>
-                  <a:tcPr>
-                    <a:solidFill>
-                      <a:srgbClr val="E7E6E6"/>
-                    </a:solidFill>
-                  </a:tcPr>
-                </a:tc>
-                <a:tc>
-                  <a:txBody>
-                    <a:bodyPr/>
-                    <a:lstStyle/>
-                    <a:p>
-                      <a:r>
-                        <a:rPr sz="1100"/>
-                        <a:t>$75,490</a:t>
-                      </a:r>
-                    </a:p>
-                  </a:txBody>
-                  <a:tcPr>
-                    <a:solidFill>
-                      <a:srgbClr val="E7E6E6"/>
-                    </a:solidFill>
-                  </a:tcPr>
-                </a:tc>
-              </a:tr>
-              <a:tr h="370840">
-                <a:tc>
-                  <a:txBody>
-                    <a:bodyPr/>
-                    <a:lstStyle/>
-                    <a:p>
-                      <a:r>
-                        <a:rPr sz="1100"/>
-                        <a:t>Software Licenses &amp; Subscriptions</a:t>
-                      </a:r>
-                    </a:p>
-                  </a:txBody>
-                  <a:tcPr>
-                    <a:solidFill>
-                      <a:srgbClr val="E7E6E6"/>
-                    </a:solidFill>
-                  </a:tcPr>
-                </a:tc>
-                <a:tc>
-                  <a:txBody>
-                    <a:bodyPr/>
-                    <a:lstStyle/>
-                    <a:p>
-                      <a:r>
-                        <a:rPr sz="1100"/>
-                        <a:t>$2,784</a:t>
-                      </a:r>
-                    </a:p>
-                  </a:txBody>
-                  <a:tcPr>
-                    <a:solidFill>
-                      <a:srgbClr val="E7E6E6"/>
-                    </a:solidFill>
-                  </a:tcPr>
-                </a:tc>
-                <a:tc>
-                  <a:txBody>
-                    <a:bodyPr/>
-                    <a:lstStyle/>
-                    <a:p>
-                      <a:r>
-                        <a:rPr sz="1100"/>
-                        <a:t>$0</a:t>
-                      </a:r>
-                    </a:p>
-                  </a:txBody>
-                  <a:tcPr>
-                    <a:solidFill>
-                      <a:srgbClr val="E7E6E6"/>
-                    </a:solidFill>
-                  </a:tcPr>
-                </a:tc>
-                <a:tc>
-                  <a:txBody>
-                    <a:bodyPr/>
-                    <a:lstStyle/>
-                    <a:p>
-                      <a:r>
-                        <a:rPr sz="1100"/>
-                        <a:t>$2,784</a:t>
-                      </a:r>
-                    </a:p>
-                  </a:txBody>
-                  <a:tcPr>
-                    <a:solidFill>
-                      <a:srgbClr val="E7E6E6"/>
-                    </a:solidFill>
-                  </a:tcPr>
-                </a:tc>
-                <a:tc>
-                  <a:txBody>
-                    <a:bodyPr/>
-                    <a:lstStyle/>
-                    <a:p>
-                      <a:r>
-                        <a:rPr sz="1100"/>
-                        <a:t>$2,784</a:t>
-                      </a:r>
-                    </a:p>
-                  </a:txBody>
-                  <a:tcPr>
-                    <a:solidFill>
-                      <a:srgbClr val="E7E6E6"/>
-                    </a:solidFill>
-                  </a:tcPr>
-                </a:tc>
-                <a:tc>
-                  <a:txBody>
-                    <a:bodyPr/>
-                    <a:lstStyle/>
-                    <a:p>
-                      <a:r>
-                        <a:rPr sz="1100"/>
-                        <a:t>$2,784</a:t>
-                      </a:r>
-                    </a:p>
-                  </a:txBody>
-                  <a:tcPr>
-                    <a:solidFill>
-                      <a:srgbClr val="E7E6E6"/>
-                    </a:solidFill>
-                  </a:tcPr>
-                </a:tc>
-                <a:tc>
-                  <a:txBody>
-                    <a:bodyPr/>
-                    <a:lstStyle/>
-                    <a:p>
-                      <a:r>
-                        <a:rPr sz="1100"/>
-                        <a:t>$8,352</a:t>
-                      </a:r>
-                    </a:p>
-                  </a:txBody>
-                  <a:tcPr>
-                    <a:solidFill>
-                      <a:srgbClr val="E7E6E6"/>
-                    </a:solidFill>
-                  </a:tcPr>
-                </a:tc>
-              </a:tr>
-              <a:tr h="370840">
-                <a:tc>
-                  <a:txBody>
-                    <a:bodyPr/>
-                    <a:lstStyle/>
-                    <a:p>
-                      <a:r>
-                        <a:rPr sz="1100"/>
-                        <a:t>Support &amp; Maintenance</a:t>
-                      </a:r>
-                    </a:p>
-                  </a:txBody>
-                  <a:tcPr>
-                    <a:solidFill>
-                      <a:srgbClr val="E7E6E6"/>
-                    </a:solidFill>
-                  </a:tcPr>
-                </a:tc>
-                <a:tc>
-                  <a:txBody>
-                    <a:bodyPr/>
-                    <a:lstStyle/>
-                    <a:p>
-                      <a:r>
-                        <a:rPr sz="1100"/>
-                        <a:t>$4,087</a:t>
-                      </a:r>
-                    </a:p>
-                  </a:txBody>
-                  <a:tcPr>
-                    <a:solidFill>
-                      <a:srgbClr val="E7E6E6"/>
-                    </a:solidFill>
-                  </a:tcPr>
-                </a:tc>
-                <a:tc>
-                  <a:txBody>
-                    <a:bodyPr/>
-                    <a:lstStyle/>
-                    <a:p>
-                      <a:r>
-                        <a:rPr sz="1100"/>
-                        <a:t>$0</a:t>
-                      </a:r>
-                    </a:p>
-                  </a:txBody>
-                  <a:tcPr>
-                    <a:solidFill>
-                      <a:srgbClr val="E7E6E6"/>
-                    </a:solidFill>
-                  </a:tcPr>
-                </a:tc>
-                <a:tc>
-                  <a:txBody>
-                    <a:bodyPr/>
-                    <a:lstStyle/>
-                    <a:p>
-                      <a:r>
-                        <a:rPr sz="1100"/>
-                        <a:t>$4,087</a:t>
-                      </a:r>
-                    </a:p>
-                  </a:txBody>
-                  <a:tcPr>
-                    <a:solidFill>
-                      <a:srgbClr val="E7E6E6"/>
-                    </a:solidFill>
-                  </a:tcPr>
-                </a:tc>
-                <a:tc>
-                  <a:txBody>
-                    <a:bodyPr/>
-                    <a:lstStyle/>
-                    <a:p>
-                      <a:r>
-                        <a:rPr sz="1100"/>
-                        <a:t>$4,087</a:t>
-                      </a:r>
-                    </a:p>
-                  </a:txBody>
-                  <a:tcPr>
-                    <a:solidFill>
-                      <a:srgbClr val="E7E6E6"/>
-                    </a:solidFill>
-                  </a:tcPr>
-                </a:tc>
-                <a:tc>
-                  <a:txBody>
-                    <a:bodyPr/>
-                    <a:lstStyle/>
-                    <a:p>
-                      <a:r>
-                        <a:rPr sz="1100"/>
-                        <a:t>$4,087</a:t>
-                      </a:r>
-                    </a:p>
-                  </a:txBody>
-                  <a:tcPr>
-                    <a:solidFill>
-                      <a:srgbClr val="E7E6E6"/>
-                    </a:solidFill>
-                  </a:tcPr>
-                </a:tc>
-                <a:tc>
-                  <a:txBody>
-                    <a:bodyPr/>
-                    <a:lstStyle/>
-                    <a:p>
-                      <a:r>
-                        <a:rPr sz="1100"/>
-                        <a:t>$12,261</a:t>
-                      </a:r>
-                    </a:p>
-                  </a:txBody>
-                  <a:tcPr>
-                    <a:solidFill>
-                      <a:srgbClr val="E7E6E6"/>
-                    </a:solidFill>
-                  </a:tcPr>
-                </a:tc>
-              </a:tr>
-              <a:tr h="370840">
-                <a:tc>
-                  <a:txBody>
-                    <a:bodyPr/>
-                    <a:lstStyle/>
-                    <a:p>
-                      <a:r>
-                        <a:rPr b="1" sz="1100"/>
-                        <a:t>TOTAL INVESTMENT</a:t>
-                      </a:r>
-                    </a:p>
-                  </a:txBody>
-                  <a:tcPr>
-                    <a:solidFill>
-                      <a:srgbClr val="E7E6E6"/>
-                    </a:solidFill>
-                  </a:tcPr>
-                </a:tc>
-                <a:tc>
-                  <a:txBody>
-                    <a:bodyPr/>
-                    <a:lstStyle/>
-                    <a:p>
-                      <a:r>
-                        <a:rPr b="1" sz="1100"/>
-                        <a:t>$115,951</a:t>
-                      </a:r>
-                    </a:p>
-                  </a:txBody>
-                  <a:tcPr>
-                    <a:solidFill>
-                      <a:srgbClr val="E7E6E6"/>
-                    </a:solidFill>
-                  </a:tcPr>
-                </a:tc>
-                <a:tc>
-                  <a:txBody>
-                    <a:bodyPr/>
-                    <a:lstStyle/>
-                    <a:p>
-                      <a:r>
-                        <a:rPr b="1" sz="1100"/>
-                        <a:t>($15,000)</a:t>
-                      </a:r>
-                    </a:p>
-                  </a:txBody>
-                  <a:tcPr>
-                    <a:solidFill>
-                      <a:srgbClr val="E7E6E6"/>
-                    </a:solidFill>
-                  </a:tcPr>
-                </a:tc>
-                <a:tc>
-                  <a:txBody>
-                    <a:bodyPr/>
-                    <a:lstStyle/>
-                    <a:p>
-                      <a:r>
-                        <a:rPr b="1" sz="1100"/>
-                        <a:t>$100,951</a:t>
-                      </a:r>
-                    </a:p>
-                  </a:txBody>
-                  <a:tcPr>
-                    <a:solidFill>
-                      <a:srgbClr val="E7E6E6"/>
-                    </a:solidFill>
-                  </a:tcPr>
-                </a:tc>
-                <a:tc>
-                  <a:txBody>
-                    <a:bodyPr/>
-                    <a:lstStyle/>
-                    <a:p>
-                      <a:r>
-                        <a:rPr b="1" sz="1100"/>
-                        <a:t>$33,701</a:t>
-                      </a:r>
-                    </a:p>
-                  </a:txBody>
-                  <a:tcPr>
-                    <a:solidFill>
-                      <a:srgbClr val="E7E6E6"/>
-                    </a:solidFill>
-                  </a:tcPr>
-                </a:tc>
-                <a:tc>
-                  <a:txBody>
-                    <a:bodyPr/>
-                    <a:lstStyle/>
-                    <a:p>
-                      <a:r>
-                        <a:rPr b="1" sz="1100"/>
-                        <a:t>$33,701</a:t>
-                      </a:r>
-                    </a:p>
-                  </a:txBody>
-                  <a:tcPr>
-                    <a:solidFill>
-                      <a:srgbClr val="E7E6E6"/>
-                    </a:solidFill>
-                  </a:tcPr>
-                </a:tc>
-                <a:tc>
-                  <a:txBody>
-                    <a:bodyPr/>
-                    <a:lstStyle/>
-                    <a:p>
-                      <a:r>
-                        <a:rPr b="1" sz="1100"/>
-                        <a:t>$168,353</a:t>
-                      </a:r>
-                    </a:p>
-                  </a:txBody>
-                  <a:tcPr>
-                    <a:solidFill>
-                      <a:srgbClr val="E7E6E6"/>
-                    </a:solidFill>
-                  </a:tcPr>
-                </a:tc>
-              </a:tr>
-            </a:tbl>
-          </a:graphicData>
-        </a:graphic>
-      </p:graphicFrame>
+        </p:nvSpPr>
+        <p:spPr/>
+        <p:txBody>
+          <a:bodyPr/>
+          <a:lstStyle/>
+          <a:p>
+            <a:pPr/>
+            <a:r>
+              <a:rPr b="1"/>
+              <a:t>What We Bring</a:t>
+            </a:r>
+          </a:p>
+          <a:p>
+            <a:pPr lvl="1"/>
+            <a:r>
+              <a:t>10+ years delivering AWS AI/ML solutions with proven results</a:t>
+            </a:r>
+          </a:p>
+          <a:p>
+            <a:pPr lvl="1"/>
+            <a:r>
+              <a:t>50+ successful IDP implementations across healthcare, finance, government</a:t>
+            </a:r>
+          </a:p>
+          <a:p>
+            <a:pPr lvl="1"/>
+            <a:r>
+              <a:t>AWS Advanced Consulting Partner with Machine Learning Competency</a:t>
+            </a:r>
+          </a:p>
+          <a:p>
+            <a:pPr lvl="1"/>
+            <a:r>
+              <a:t>Certified solutions architects with Textract/Comprehend expertise</a:t>
+            </a:r>
+          </a:p>
+          <a:p>
+            <a:pPr lvl="1"/>
+            <a:r>
+              <a:t>Dedicated AI/ML practice with data scientists and ML engineers</a:t>
+            </a:r>
+          </a:p>
+        </p:txBody>
+      </p:sp>
+      <p:sp>
+        <p:nvSpPr>
+          <p:cNvPr id="5" name="Text Placeholder 4"/>
+          <p:cNvSpPr>
+            <a:spLocks noGrp="1"/>
+          </p:cNvSpPr>
+          <p:nvPr>
+            <p:ph type="body" idx="17" sz="quarter"/>
+          </p:nvPr>
+        </p:nvSpPr>
+        <p:spPr/>
+        <p:txBody>
+          <a:bodyPr/>
+          <a:lstStyle/>
+          <a:p>
+            <a:pPr/>
+            <a:r>
+              <a:rPr b="1"/>
+              <a:t>Value to You</a:t>
+            </a:r>
+          </a:p>
+          <a:p>
+            <a:pPr lvl="1"/>
+            <a:r>
+              <a:t>Pre-built document processing templates accelerate deployment</a:t>
+            </a:r>
+          </a:p>
+          <a:p>
+            <a:pPr lvl="1"/>
+            <a:r>
+              <a:t>Proven AI model training methodology reduces time to accuracy</a:t>
+            </a:r>
+          </a:p>
+          <a:p>
+            <a:pPr lvl="1"/>
+            <a:r>
+              <a:t>Direct AWS ML specialist support through partner network</a:t>
+            </a:r>
+          </a:p>
+          <a:p>
+            <a:pPr lvl="1"/>
+            <a:r>
+              <a:t>Best practices from 50+ implementations avoid common pitfalls</a:t>
+            </a:r>
+          </a:p>
+          <a:p>
+            <a:pPr lvl="1"/>
+            <a:r>
+              <a:t>Comprehensive training ensures team self-sufficiency</a:t>
+            </a:r>
+          </a:p>
+        </p:txBody>
+      </p:sp>
       <p:pic>
         <p:nvPicPr>
-          <p:cNvPr id="5" name="Picture 4" descr="eo-framework-logo-real.png"/>
+          <p:cNvPr id="6" name="Picture 5" descr="eo-framework-logo-real.png"/>
           <p:cNvPicPr>
             <a:picLocks noChangeAspect="1"/>
           </p:cNvPicPr>
@@ -5694,8 +6018,10 @@
           <a:bodyPr/>
           <a:lstStyle/>
           <a:p>
-            <a:r>
-              <a:t>Next Steps</a:t>
+            <a:pPr algn="l"/>
+            <a:r>
+              <a:rPr b="1"/>
+              <a:t>Investment Summary</a:t>
             </a:r>
           </a:p>
         </p:txBody>
@@ -5712,99 +6038,800 @@
         </p:nvPicPr>
         <p:blipFill>
           <a:blip r:embed="rId2"/>
-          <a:srcRect t="6762" b="6762"/>
+          <a:srcRect t="6404" b="6404"/>
           <a:stretch>
             <a:fillRect/>
           </a:stretch>
         </p:blipFill>
         <p:spPr/>
       </p:pic>
-      <p:sp>
-        <p:nvSpPr>
-          <p:cNvPr id="4" name="Text Placeholder 3"/>
-          <p:cNvSpPr>
-            <a:spLocks noGrp="1"/>
-          </p:cNvSpPr>
+      <p:graphicFrame>
+        <p:nvGraphicFramePr>
+          <p:cNvPr id="4" name="Table Placeholder 3"/>
+          <p:cNvGraphicFramePr>
+            <a:graphicFrameLocks noGrp="1"/>
+          </p:cNvGraphicFramePr>
           <p:nvPr>
-            <p:ph type="body" idx="14" sz="quarter"/>
+            <p:ph type="tbl" idx="14" sz="quarter"/>
           </p:nvPr>
-        </p:nvSpPr>
-        <p:spPr/>
-        <p:txBody>
-          <a:bodyPr/>
-          <a:lstStyle/>
-          <a:p>
-            <a:pPr/>
-            <a:r>
-              <a:rPr b="1"/>
-              <a:t>Decision:</a:t>
-            </a:r>
-            <a:r>
-              <a:t> Executive approval for pilot phase by [specific date]</a:t>
-            </a:r>
-          </a:p>
-          <a:p>
-            <a:pPr/>
-            <a:r>
-              <a:rPr b="1"/>
-              <a:t>Kickoff:</a:t>
-            </a:r>
-            <a:r>
-              <a:t> Target pilot start date [30 days from approval]</a:t>
-            </a:r>
-          </a:p>
-          <a:p>
-            <a:pPr/>
-            <a:r>
-              <a:rPr b="1"/>
-              <a:t>Team Formation:</a:t>
-            </a:r>
-            <a:r>
-              <a:t> Identify business SME, IT contact, document samples</a:t>
-            </a:r>
-          </a:p>
-          <a:p>
-            <a:pPr/>
-            <a:r>
-              <a:rPr b="1"/>
-              <a:t>Week 1:</a:t>
-            </a:r>
-            <a:r>
-              <a:t> Contract finalization and AWS account setup</a:t>
-            </a:r>
-          </a:p>
-          <a:p>
-            <a:pPr/>
-            <a:r>
-              <a:rPr b="1"/>
-              <a:t>Week 2:</a:t>
-            </a:r>
-            <a:r>
-              <a:t> Document sample collection and AI model configuration</a:t>
-            </a:r>
-          </a:p>
-          <a:p>
-            <a:pPr/>
-            <a:r>
-              <a:rPr b="1"/>
-              <a:t>Week 3:</a:t>
-            </a:r>
-            <a:r>
-              <a:t> Textract/Comprehend training and initial testing</a:t>
-            </a:r>
-          </a:p>
-          <a:p>
-            <a:pPr/>
-            <a:r>
-              <a:rPr b="1"/>
-              <a:t>Week 4:</a:t>
-            </a:r>
-            <a:r>
-              <a:t> First production documents processed with validation</a:t>
-            </a:r>
-          </a:p>
-        </p:txBody>
-      </p:sp>
+        </p:nvGraphicFramePr>
+        <p:xfrm>
+          <a:off x="256855" y="677011"/>
+          <a:ext cx="8710929" cy="2225040"/>
+        </p:xfrm>
+        <a:graphic>
+          <a:graphicData uri="http://schemas.openxmlformats.org/drawingml/2006/table">
+            <a:tbl>
+              <a:tblPr firstRow="1" bandRow="1">
+                <a:tableStyleId>{5C22544A-7EE6-4342-B048-85BDC9FD1C3A}</a:tableStyleId>
+              </a:tblPr>
+              <a:tblGrid>
+                <a:gridCol w="1742186"/>
+                <a:gridCol w="1045311"/>
+                <a:gridCol w="2003514"/>
+                <a:gridCol w="1132421"/>
+                <a:gridCol w="871093"/>
+                <a:gridCol w="871093"/>
+                <a:gridCol w="1045311"/>
+              </a:tblGrid>
+              <a:tr h="370840">
+                <a:tc>
+                  <a:txBody>
+                    <a:bodyPr/>
+                    <a:lstStyle/>
+                    <a:p>
+                      <a:r>
+                        <a:rPr sz="1400">
+                          <a:solidFill>
+                            <a:srgbClr val="FFFFFF"/>
+                          </a:solidFill>
+                        </a:rPr>
+                        <a:t>Cost Category</a:t>
+                      </a:r>
+                    </a:p>
+                  </a:txBody>
+                  <a:tcPr>
+                    <a:solidFill>
+                      <a:srgbClr val="A01C02"/>
+                    </a:solidFill>
+                  </a:tcPr>
+                </a:tc>
+                <a:tc>
+                  <a:txBody>
+                    <a:bodyPr/>
+                    <a:lstStyle/>
+                    <a:p>
+                      <a:r>
+                        <a:rPr sz="1400">
+                          <a:solidFill>
+                            <a:srgbClr val="FFFFFF"/>
+                          </a:solidFill>
+                        </a:rPr>
+                        <a:t>Year 1 List</a:t>
+                      </a:r>
+                    </a:p>
+                  </a:txBody>
+                  <a:tcPr>
+                    <a:solidFill>
+                      <a:srgbClr val="A01C02"/>
+                    </a:solidFill>
+                  </a:tcPr>
+                </a:tc>
+                <a:tc>
+                  <a:txBody>
+                    <a:bodyPr/>
+                    <a:lstStyle/>
+                    <a:p>
+                      <a:r>
+                        <a:rPr sz="1400">
+                          <a:solidFill>
+                            <a:srgbClr val="FFFFFF"/>
+                          </a:solidFill>
+                        </a:rPr>
+                        <a:t>AWS/Partner Credits</a:t>
+                      </a:r>
+                    </a:p>
+                  </a:txBody>
+                  <a:tcPr>
+                    <a:solidFill>
+                      <a:srgbClr val="A01C02"/>
+                    </a:solidFill>
+                  </a:tcPr>
+                </a:tc>
+                <a:tc>
+                  <a:txBody>
+                    <a:bodyPr/>
+                    <a:lstStyle/>
+                    <a:p>
+                      <a:r>
+                        <a:rPr sz="1400">
+                          <a:solidFill>
+                            <a:srgbClr val="FFFFFF"/>
+                          </a:solidFill>
+                        </a:rPr>
+                        <a:t>Year 1 Net</a:t>
+                      </a:r>
+                    </a:p>
+                  </a:txBody>
+                  <a:tcPr>
+                    <a:solidFill>
+                      <a:srgbClr val="A01C02"/>
+                    </a:solidFill>
+                  </a:tcPr>
+                </a:tc>
+                <a:tc>
+                  <a:txBody>
+                    <a:bodyPr/>
+                    <a:lstStyle/>
+                    <a:p>
+                      <a:r>
+                        <a:rPr sz="1400">
+                          <a:solidFill>
+                            <a:srgbClr val="FFFFFF"/>
+                          </a:solidFill>
+                        </a:rPr>
+                        <a:t>Year 2</a:t>
+                      </a:r>
+                    </a:p>
+                  </a:txBody>
+                  <a:tcPr>
+                    <a:solidFill>
+                      <a:srgbClr val="A01C02"/>
+                    </a:solidFill>
+                  </a:tcPr>
+                </a:tc>
+                <a:tc>
+                  <a:txBody>
+                    <a:bodyPr/>
+                    <a:lstStyle/>
+                    <a:p>
+                      <a:r>
+                        <a:rPr sz="1400">
+                          <a:solidFill>
+                            <a:srgbClr val="FFFFFF"/>
+                          </a:solidFill>
+                        </a:rPr>
+                        <a:t>Year 3</a:t>
+                      </a:r>
+                    </a:p>
+                  </a:txBody>
+                  <a:tcPr>
+                    <a:solidFill>
+                      <a:srgbClr val="A01C02"/>
+                    </a:solidFill>
+                  </a:tcPr>
+                </a:tc>
+                <a:tc>
+                  <a:txBody>
+                    <a:bodyPr/>
+                    <a:lstStyle/>
+                    <a:p>
+                      <a:r>
+                        <a:rPr sz="1400">
+                          <a:solidFill>
+                            <a:srgbClr val="FFFFFF"/>
+                          </a:solidFill>
+                        </a:rPr>
+                        <a:t>3-Year Total</a:t>
+                      </a:r>
+                    </a:p>
+                  </a:txBody>
+                  <a:tcPr>
+                    <a:solidFill>
+                      <a:srgbClr val="A01C02"/>
+                    </a:solidFill>
+                  </a:tcPr>
+                </a:tc>
+              </a:tr>
+              <a:tr h="370840">
+                <a:tc>
+                  <a:txBody>
+                    <a:bodyPr/>
+                    <a:lstStyle/>
+                    <a:p>
+                      <a:r>
+                        <a:rPr sz="1100"/>
+                        <a:t>Professional Services</a:t>
+                      </a:r>
+                    </a:p>
+                  </a:txBody>
+                  <a:tcPr>
+                    <a:solidFill>
+                      <a:srgbClr val="E7E6E6"/>
+                    </a:solidFill>
+                  </a:tcPr>
+                </a:tc>
+                <a:tc>
+                  <a:txBody>
+                    <a:bodyPr/>
+                    <a:lstStyle/>
+                    <a:p>
+                      <a:r>
+                        <a:rPr sz="1100"/>
+                        <a:t>$82,250</a:t>
+                      </a:r>
+                    </a:p>
+                  </a:txBody>
+                  <a:tcPr>
+                    <a:solidFill>
+                      <a:srgbClr val="E7E6E6"/>
+                    </a:solidFill>
+                  </a:tcPr>
+                </a:tc>
+                <a:tc>
+                  <a:txBody>
+                    <a:bodyPr/>
+                    <a:lstStyle/>
+                    <a:p>
+                      <a:r>
+                        <a:rPr sz="1100"/>
+                        <a:t>($10,000)</a:t>
+                      </a:r>
+                    </a:p>
+                  </a:txBody>
+                  <a:tcPr>
+                    <a:solidFill>
+                      <a:srgbClr val="E7E6E6"/>
+                    </a:solidFill>
+                  </a:tcPr>
+                </a:tc>
+                <a:tc>
+                  <a:txBody>
+                    <a:bodyPr/>
+                    <a:lstStyle/>
+                    <a:p>
+                      <a:r>
+                        <a:rPr sz="1100"/>
+                        <a:t>$72,250</a:t>
+                      </a:r>
+                    </a:p>
+                  </a:txBody>
+                  <a:tcPr>
+                    <a:solidFill>
+                      <a:srgbClr val="E7E6E6"/>
+                    </a:solidFill>
+                  </a:tcPr>
+                </a:tc>
+                <a:tc>
+                  <a:txBody>
+                    <a:bodyPr/>
+                    <a:lstStyle/>
+                    <a:p>
+                      <a:r>
+                        <a:rPr sz="1100"/>
+                        <a:t>$0</a:t>
+                      </a:r>
+                    </a:p>
+                  </a:txBody>
+                  <a:tcPr>
+                    <a:solidFill>
+                      <a:srgbClr val="E7E6E6"/>
+                    </a:solidFill>
+                  </a:tcPr>
+                </a:tc>
+                <a:tc>
+                  <a:txBody>
+                    <a:bodyPr/>
+                    <a:lstStyle/>
+                    <a:p>
+                      <a:r>
+                        <a:rPr sz="1100"/>
+                        <a:t>$0</a:t>
+                      </a:r>
+                    </a:p>
+                  </a:txBody>
+                  <a:tcPr>
+                    <a:solidFill>
+                      <a:srgbClr val="E7E6E6"/>
+                    </a:solidFill>
+                  </a:tcPr>
+                </a:tc>
+                <a:tc>
+                  <a:txBody>
+                    <a:bodyPr/>
+                    <a:lstStyle/>
+                    <a:p>
+                      <a:r>
+                        <a:rPr sz="1100"/>
+                        <a:t>$72,250</a:t>
+                      </a:r>
+                    </a:p>
+                  </a:txBody>
+                  <a:tcPr>
+                    <a:solidFill>
+                      <a:srgbClr val="E7E6E6"/>
+                    </a:solidFill>
+                  </a:tcPr>
+                </a:tc>
+              </a:tr>
+              <a:tr h="370840">
+                <a:tc>
+                  <a:txBody>
+                    <a:bodyPr/>
+                    <a:lstStyle/>
+                    <a:p>
+                      <a:r>
+                        <a:rPr sz="1100"/>
+                        <a:t>Cloud Infrastructure</a:t>
+                      </a:r>
+                    </a:p>
+                  </a:txBody>
+                  <a:tcPr>
+                    <a:solidFill>
+                      <a:srgbClr val="E7E6E6"/>
+                    </a:solidFill>
+                  </a:tcPr>
+                </a:tc>
+                <a:tc>
+                  <a:txBody>
+                    <a:bodyPr/>
+                    <a:lstStyle/>
+                    <a:p>
+                      <a:r>
+                        <a:rPr sz="1100"/>
+                        <a:t>$26,830</a:t>
+                      </a:r>
+                    </a:p>
+                  </a:txBody>
+                  <a:tcPr>
+                    <a:solidFill>
+                      <a:srgbClr val="E7E6E6"/>
+                    </a:solidFill>
+                  </a:tcPr>
+                </a:tc>
+                <a:tc>
+                  <a:txBody>
+                    <a:bodyPr/>
+                    <a:lstStyle/>
+                    <a:p>
+                      <a:r>
+                        <a:rPr sz="1100"/>
+                        <a:t>($5,000)</a:t>
+                      </a:r>
+                    </a:p>
+                  </a:txBody>
+                  <a:tcPr>
+                    <a:solidFill>
+                      <a:srgbClr val="E7E6E6"/>
+                    </a:solidFill>
+                  </a:tcPr>
+                </a:tc>
+                <a:tc>
+                  <a:txBody>
+                    <a:bodyPr/>
+                    <a:lstStyle/>
+                    <a:p>
+                      <a:r>
+                        <a:rPr sz="1100"/>
+                        <a:t>$21,830</a:t>
+                      </a:r>
+                    </a:p>
+                  </a:txBody>
+                  <a:tcPr>
+                    <a:solidFill>
+                      <a:srgbClr val="E7E6E6"/>
+                    </a:solidFill>
+                  </a:tcPr>
+                </a:tc>
+                <a:tc>
+                  <a:txBody>
+                    <a:bodyPr/>
+                    <a:lstStyle/>
+                    <a:p>
+                      <a:r>
+                        <a:rPr sz="1100"/>
+                        <a:t>$26,830</a:t>
+                      </a:r>
+                    </a:p>
+                  </a:txBody>
+                  <a:tcPr>
+                    <a:solidFill>
+                      <a:srgbClr val="E7E6E6"/>
+                    </a:solidFill>
+                  </a:tcPr>
+                </a:tc>
+                <a:tc>
+                  <a:txBody>
+                    <a:bodyPr/>
+                    <a:lstStyle/>
+                    <a:p>
+                      <a:r>
+                        <a:rPr sz="1100"/>
+                        <a:t>$26,830</a:t>
+                      </a:r>
+                    </a:p>
+                  </a:txBody>
+                  <a:tcPr>
+                    <a:solidFill>
+                      <a:srgbClr val="E7E6E6"/>
+                    </a:solidFill>
+                  </a:tcPr>
+                </a:tc>
+                <a:tc>
+                  <a:txBody>
+                    <a:bodyPr/>
+                    <a:lstStyle/>
+                    <a:p>
+                      <a:r>
+                        <a:rPr sz="1100"/>
+                        <a:t>$75,490</a:t>
+                      </a:r>
+                    </a:p>
+                  </a:txBody>
+                  <a:tcPr>
+                    <a:solidFill>
+                      <a:srgbClr val="E7E6E6"/>
+                    </a:solidFill>
+                  </a:tcPr>
+                </a:tc>
+              </a:tr>
+              <a:tr h="370840">
+                <a:tc>
+                  <a:txBody>
+                    <a:bodyPr/>
+                    <a:lstStyle/>
+                    <a:p>
+                      <a:r>
+                        <a:rPr sz="1100"/>
+                        <a:t>Software Licenses &amp; Subscriptions</a:t>
+                      </a:r>
+                    </a:p>
+                  </a:txBody>
+                  <a:tcPr>
+                    <a:solidFill>
+                      <a:srgbClr val="E7E6E6"/>
+                    </a:solidFill>
+                  </a:tcPr>
+                </a:tc>
+                <a:tc>
+                  <a:txBody>
+                    <a:bodyPr/>
+                    <a:lstStyle/>
+                    <a:p>
+                      <a:r>
+                        <a:rPr sz="1100"/>
+                        <a:t>$2,784</a:t>
+                      </a:r>
+                    </a:p>
+                  </a:txBody>
+                  <a:tcPr>
+                    <a:solidFill>
+                      <a:srgbClr val="E7E6E6"/>
+                    </a:solidFill>
+                  </a:tcPr>
+                </a:tc>
+                <a:tc>
+                  <a:txBody>
+                    <a:bodyPr/>
+                    <a:lstStyle/>
+                    <a:p>
+                      <a:r>
+                        <a:rPr sz="1100"/>
+                        <a:t>$0</a:t>
+                      </a:r>
+                    </a:p>
+                  </a:txBody>
+                  <a:tcPr>
+                    <a:solidFill>
+                      <a:srgbClr val="E7E6E6"/>
+                    </a:solidFill>
+                  </a:tcPr>
+                </a:tc>
+                <a:tc>
+                  <a:txBody>
+                    <a:bodyPr/>
+                    <a:lstStyle/>
+                    <a:p>
+                      <a:r>
+                        <a:rPr sz="1100"/>
+                        <a:t>$2,784</a:t>
+                      </a:r>
+                    </a:p>
+                  </a:txBody>
+                  <a:tcPr>
+                    <a:solidFill>
+                      <a:srgbClr val="E7E6E6"/>
+                    </a:solidFill>
+                  </a:tcPr>
+                </a:tc>
+                <a:tc>
+                  <a:txBody>
+                    <a:bodyPr/>
+                    <a:lstStyle/>
+                    <a:p>
+                      <a:r>
+                        <a:rPr sz="1100"/>
+                        <a:t>$2,784</a:t>
+                      </a:r>
+                    </a:p>
+                  </a:txBody>
+                  <a:tcPr>
+                    <a:solidFill>
+                      <a:srgbClr val="E7E6E6"/>
+                    </a:solidFill>
+                  </a:tcPr>
+                </a:tc>
+                <a:tc>
+                  <a:txBody>
+                    <a:bodyPr/>
+                    <a:lstStyle/>
+                    <a:p>
+                      <a:r>
+                        <a:rPr sz="1100"/>
+                        <a:t>$2,784</a:t>
+                      </a:r>
+                    </a:p>
+                  </a:txBody>
+                  <a:tcPr>
+                    <a:solidFill>
+                      <a:srgbClr val="E7E6E6"/>
+                    </a:solidFill>
+                  </a:tcPr>
+                </a:tc>
+                <a:tc>
+                  <a:txBody>
+                    <a:bodyPr/>
+                    <a:lstStyle/>
+                    <a:p>
+                      <a:r>
+                        <a:rPr sz="1100"/>
+                        <a:t>$8,352</a:t>
+                      </a:r>
+                    </a:p>
+                  </a:txBody>
+                  <a:tcPr>
+                    <a:solidFill>
+                      <a:srgbClr val="E7E6E6"/>
+                    </a:solidFill>
+                  </a:tcPr>
+                </a:tc>
+              </a:tr>
+              <a:tr h="370840">
+                <a:tc>
+                  <a:txBody>
+                    <a:bodyPr/>
+                    <a:lstStyle/>
+                    <a:p>
+                      <a:r>
+                        <a:rPr sz="1100"/>
+                        <a:t>Support &amp; Maintenance</a:t>
+                      </a:r>
+                    </a:p>
+                  </a:txBody>
+                  <a:tcPr>
+                    <a:solidFill>
+                      <a:srgbClr val="E7E6E6"/>
+                    </a:solidFill>
+                  </a:tcPr>
+                </a:tc>
+                <a:tc>
+                  <a:txBody>
+                    <a:bodyPr/>
+                    <a:lstStyle/>
+                    <a:p>
+                      <a:r>
+                        <a:rPr sz="1100"/>
+                        <a:t>$4,087</a:t>
+                      </a:r>
+                    </a:p>
+                  </a:txBody>
+                  <a:tcPr>
+                    <a:solidFill>
+                      <a:srgbClr val="E7E6E6"/>
+                    </a:solidFill>
+                  </a:tcPr>
+                </a:tc>
+                <a:tc>
+                  <a:txBody>
+                    <a:bodyPr/>
+                    <a:lstStyle/>
+                    <a:p>
+                      <a:r>
+                        <a:rPr sz="1100"/>
+                        <a:t>$0</a:t>
+                      </a:r>
+                    </a:p>
+                  </a:txBody>
+                  <a:tcPr>
+                    <a:solidFill>
+                      <a:srgbClr val="E7E6E6"/>
+                    </a:solidFill>
+                  </a:tcPr>
+                </a:tc>
+                <a:tc>
+                  <a:txBody>
+                    <a:bodyPr/>
+                    <a:lstStyle/>
+                    <a:p>
+                      <a:r>
+                        <a:rPr sz="1100"/>
+                        <a:t>$4,087</a:t>
+                      </a:r>
+                    </a:p>
+                  </a:txBody>
+                  <a:tcPr>
+                    <a:solidFill>
+                      <a:srgbClr val="E7E6E6"/>
+                    </a:solidFill>
+                  </a:tcPr>
+                </a:tc>
+                <a:tc>
+                  <a:txBody>
+                    <a:bodyPr/>
+                    <a:lstStyle/>
+                    <a:p>
+                      <a:r>
+                        <a:rPr sz="1100"/>
+                        <a:t>$4,087</a:t>
+                      </a:r>
+                    </a:p>
+                  </a:txBody>
+                  <a:tcPr>
+                    <a:solidFill>
+                      <a:srgbClr val="E7E6E6"/>
+                    </a:solidFill>
+                  </a:tcPr>
+                </a:tc>
+                <a:tc>
+                  <a:txBody>
+                    <a:bodyPr/>
+                    <a:lstStyle/>
+                    <a:p>
+                      <a:r>
+                        <a:rPr sz="1100"/>
+                        <a:t>$4,087</a:t>
+                      </a:r>
+                    </a:p>
+                  </a:txBody>
+                  <a:tcPr>
+                    <a:solidFill>
+                      <a:srgbClr val="E7E6E6"/>
+                    </a:solidFill>
+                  </a:tcPr>
+                </a:tc>
+                <a:tc>
+                  <a:txBody>
+                    <a:bodyPr/>
+                    <a:lstStyle/>
+                    <a:p>
+                      <a:r>
+                        <a:rPr sz="1100"/>
+                        <a:t>$12,261</a:t>
+                      </a:r>
+                    </a:p>
+                  </a:txBody>
+                  <a:tcPr>
+                    <a:solidFill>
+                      <a:srgbClr val="E7E6E6"/>
+                    </a:solidFill>
+                  </a:tcPr>
+                </a:tc>
+              </a:tr>
+              <a:tr h="370840">
+                <a:tc>
+                  <a:txBody>
+                    <a:bodyPr/>
+                    <a:lstStyle/>
+                    <a:p>
+                      <a:r>
+                        <a:rPr b="1" sz="1100"/>
+                        <a:t>TOTAL INVESTMENT</a:t>
+                      </a:r>
+                    </a:p>
+                  </a:txBody>
+                  <a:tcPr>
+                    <a:solidFill>
+                      <a:srgbClr val="E7E6E6"/>
+                    </a:solidFill>
+                  </a:tcPr>
+                </a:tc>
+                <a:tc>
+                  <a:txBody>
+                    <a:bodyPr/>
+                    <a:lstStyle/>
+                    <a:p>
+                      <a:r>
+                        <a:rPr b="1" sz="1100"/>
+                        <a:t>$115,951</a:t>
+                      </a:r>
+                    </a:p>
+                  </a:txBody>
+                  <a:tcPr>
+                    <a:solidFill>
+                      <a:srgbClr val="E7E6E6"/>
+                    </a:solidFill>
+                  </a:tcPr>
+                </a:tc>
+                <a:tc>
+                  <a:txBody>
+                    <a:bodyPr/>
+                    <a:lstStyle/>
+                    <a:p>
+                      <a:r>
+                        <a:rPr b="1" sz="1100"/>
+                        <a:t>($15,000)</a:t>
+                      </a:r>
+                    </a:p>
+                  </a:txBody>
+                  <a:tcPr>
+                    <a:solidFill>
+                      <a:srgbClr val="E7E6E6"/>
+                    </a:solidFill>
+                  </a:tcPr>
+                </a:tc>
+                <a:tc>
+                  <a:txBody>
+                    <a:bodyPr/>
+                    <a:lstStyle/>
+                    <a:p>
+                      <a:r>
+                        <a:rPr b="1" sz="1100"/>
+                        <a:t>$100,951</a:t>
+                      </a:r>
+                    </a:p>
+                  </a:txBody>
+                  <a:tcPr>
+                    <a:solidFill>
+                      <a:srgbClr val="E7E6E6"/>
+                    </a:solidFill>
+                  </a:tcPr>
+                </a:tc>
+                <a:tc>
+                  <a:txBody>
+                    <a:bodyPr/>
+                    <a:lstStyle/>
+                    <a:p>
+                      <a:r>
+                        <a:rPr b="1" sz="1100"/>
+                        <a:t>$33,701</a:t>
+                      </a:r>
+                    </a:p>
+                  </a:txBody>
+                  <a:tcPr>
+                    <a:solidFill>
+                      <a:srgbClr val="E7E6E6"/>
+                    </a:solidFill>
+                  </a:tcPr>
+                </a:tc>
+                <a:tc>
+                  <a:txBody>
+                    <a:bodyPr/>
+                    <a:lstStyle/>
+                    <a:p>
+                      <a:r>
+                        <a:rPr b="1" sz="1100"/>
+                        <a:t>$33,701</a:t>
+                      </a:r>
+                    </a:p>
+                  </a:txBody>
+                  <a:tcPr>
+                    <a:solidFill>
+                      <a:srgbClr val="E7E6E6"/>
+                    </a:solidFill>
+                  </a:tcPr>
+                </a:tc>
+                <a:tc>
+                  <a:txBody>
+                    <a:bodyPr/>
+                    <a:lstStyle/>
+                    <a:p>
+                      <a:r>
+                        <a:rPr b="1" sz="1100"/>
+                        <a:t>$168,353</a:t>
+                      </a:r>
+                    </a:p>
+                  </a:txBody>
+                  <a:tcPr>
+                    <a:solidFill>
+                      <a:srgbClr val="E7E6E6"/>
+                    </a:solidFill>
+                  </a:tcPr>
+                </a:tc>
+              </a:tr>
+            </a:tbl>
+          </a:graphicData>
+        </a:graphic>
+      </p:graphicFrame>
       <p:pic>
         <p:nvPicPr>
           <p:cNvPr id="5" name="Picture 4" descr="eo-framework-logo-real.png"/>

--- a/solutions/aws/ai/intelligent-document-processing/presales/solution-briefing.pptx
+++ b/solutions/aws/ai/intelligent-document-processing/presales/solution-briefing.pptx
@@ -3361,7 +3361,7 @@
           <a:lstStyle/>
           <a:p>
             <a:r>
-              <a:t>[Presenter Name] | November 16, 2025</a:t>
+              <a:t>[Presenter Name] | November 17, 2025</a:t>
             </a:r>
           </a:p>
         </p:txBody>
@@ -3938,7 +3938,7 @@
         </p:nvGraphicFramePr>
         <p:xfrm>
           <a:off x="256855" y="677011"/>
-          <a:ext cx="8710931" cy="6304280"/>
+          <a:ext cx="8710929" cy="3337560"/>
         </p:xfrm>
         <a:graphic>
           <a:graphicData uri="http://schemas.openxmlformats.org/drawingml/2006/table">
@@ -3947,32 +3947,13 @@
                 <a:tableStyleId>{5C22544A-7EE6-4342-B048-85BDC9FD1C3A}</a:tableStyleId>
               </a:tblPr>
               <a:tblGrid>
+                <a:gridCol w="1567967"/>
+                <a:gridCol w="2526170"/>
+                <a:gridCol w="435546"/>
+                <a:gridCol w="1567967"/>
                 <a:gridCol w="2613279"/>
-                <a:gridCol w="3048826"/>
-                <a:gridCol w="3048826"/>
               </a:tblGrid>
               <a:tr h="370840">
-                <a:tc>
-                  <a:txBody>
-                    <a:bodyPr/>
-                    <a:lstStyle/>
-                    <a:p>
-                      <a:r>
-                        <a:rPr sz="1400">
-                          <a:solidFill>
-                            <a:srgbClr val="FFFFFF"/>
-                          </a:solidFill>
-                        </a:rPr>
-                        <a:t>Category</a:t>
-                      </a:r>
-                    </a:p>
-                  </a:txBody>
-                  <a:tcPr>
-                    <a:solidFill>
-                      <a:srgbClr val="A01C02"/>
-                    </a:solidFill>
-                  </a:tcPr>
-                </a:tc>
                 <a:tc>
                   <a:txBody>
                     <a:bodyPr/>
@@ -4015,6 +3996,65 @@
                     </a:solidFill>
                   </a:tcPr>
                 </a:tc>
+                <a:tc>
+                  <a:txBody>
+                    <a:bodyPr/>
+                    <a:lstStyle/>
+                    <a:p/>
+                  </a:txBody>
+                  <a:tcPr>
+                    <a:solidFill>
+                      <a:srgbClr val="FFFFFF"/>
+                    </a:solidFill>
+                    <a:lnL w="12700">
+                      <a:solidFill>
+                        <a:srgbClr val="D0D0D0"/>
+                      </a:solidFill>
+                    </a:lnL>
+                  </a:tcPr>
+                </a:tc>
+                <a:tc>
+                  <a:txBody>
+                    <a:bodyPr/>
+                    <a:lstStyle/>
+                    <a:p>
+                      <a:r>
+                        <a:rPr sz="1400">
+                          <a:solidFill>
+                            <a:srgbClr val="FFFFFF"/>
+                          </a:solidFill>
+                        </a:rPr>
+                        <a:t>Parameter</a:t>
+                      </a:r>
+                    </a:p>
+                  </a:txBody>
+                  <a:tcPr>
+                    <a:solidFill>
+                      <a:srgbClr val="A01C02"/>
+                    </a:solidFill>
+                  </a:tcPr>
+                </a:tc>
+                <a:tc>
+                  <a:txBody>
+                    <a:bodyPr/>
+                    <a:lstStyle/>
+                    <a:p>
+                      <a:r>
+                        <a:rPr sz="1400">
+                          <a:solidFill>
+                            <a:srgbClr val="FFFFFF"/>
+                          </a:solidFill>
+                        </a:rPr>
+                        <a:t>Scope</a:t>
+                      </a:r>
+                    </a:p>
+                  </a:txBody>
+                  <a:tcPr>
+                    <a:solidFill>
+                      <a:srgbClr val="A01C02"/>
+                    </a:solidFill>
+                  </a:tcPr>
+                </a:tc>
               </a:tr>
               <a:tr h="370840">
                 <a:tc>
@@ -4023,24 +4063,7 @@
                     <a:lstStyle/>
                     <a:p>
                       <a:r>
-                        <a:rPr sz="1100"/>
-                        <a:t>Solution Scope</a:t>
-                      </a:r>
-                    </a:p>
-                  </a:txBody>
-                  <a:tcPr>
-                    <a:solidFill>
-                      <a:srgbClr val="E7E6E6"/>
-                    </a:solidFill>
-                  </a:tcPr>
-                </a:tc>
-                <a:tc>
-                  <a:txBody>
-                    <a:bodyPr/>
-                    <a:lstStyle/>
-                    <a:p>
-                      <a:r>
-                        <a:rPr sz="1100"/>
+                        <a:rPr b="1" sz="1100"/>
                         <a:t>Document Types</a:t>
                       </a:r>
                     </a:p>
@@ -4068,8 +4091,40 @@
                     </a:solidFill>
                   </a:tcPr>
                 </a:tc>
-              </a:tr>
-              <a:tr h="370840">
+                <a:tc>
+                  <a:txBody>
+                    <a:bodyPr/>
+                    <a:lstStyle/>
+                    <a:p/>
+                  </a:txBody>
+                  <a:tcPr>
+                    <a:solidFill>
+                      <a:srgbClr val="FFFFFF"/>
+                    </a:solidFill>
+                    <a:lnL w="12700">
+                      <a:solidFill>
+                        <a:srgbClr val="D0D0D0"/>
+                      </a:solidFill>
+                    </a:lnL>
+                  </a:tcPr>
+                </a:tc>
+                <a:tc>
+                  <a:txBody>
+                    <a:bodyPr/>
+                    <a:lstStyle/>
+                    <a:p>
+                      <a:r>
+                        <a:rPr b="1" sz="1100"/>
+                        <a:t>Deployment Regions</a:t>
+                      </a:r>
+                    </a:p>
+                  </a:txBody>
+                  <a:tcPr>
+                    <a:solidFill>
+                      <a:srgbClr val="E7E6E6"/>
+                    </a:solidFill>
+                  </a:tcPr>
+                </a:tc>
                 <a:tc>
                   <a:txBody>
                     <a:bodyPr/>
@@ -4077,7 +4132,7 @@
                     <a:p>
                       <a:r>
                         <a:rPr sz="1100"/>
-                        <a:t>Solution Scope</a:t>
+                        <a:t>Single AWS region (us-east-1)</a:t>
                       </a:r>
                     </a:p>
                   </a:txBody>
@@ -4087,13 +4142,15 @@
                     </a:solidFill>
                   </a:tcPr>
                 </a:tc>
+              </a:tr>
+              <a:tr h="370840">
                 <a:tc>
                   <a:txBody>
                     <a:bodyPr/>
                     <a:lstStyle/>
                     <a:p>
                       <a:r>
-                        <a:rPr sz="1100"/>
+                        <a:rPr b="1" sz="1100"/>
                         <a:t>AI/ML Complexity</a:t>
                       </a:r>
                     </a:p>
@@ -4121,8 +4178,40 @@
                     </a:solidFill>
                   </a:tcPr>
                 </a:tc>
-              </a:tr>
-              <a:tr h="370840">
+                <a:tc>
+                  <a:txBody>
+                    <a:bodyPr/>
+                    <a:lstStyle/>
+                    <a:p/>
+                  </a:txBody>
+                  <a:tcPr>
+                    <a:solidFill>
+                      <a:srgbClr val="FFFFFF"/>
+                    </a:solidFill>
+                    <a:lnL w="12700">
+                      <a:solidFill>
+                        <a:srgbClr val="D0D0D0"/>
+                      </a:solidFill>
+                    </a:lnL>
+                  </a:tcPr>
+                </a:tc>
+                <a:tc>
+                  <a:txBody>
+                    <a:bodyPr/>
+                    <a:lstStyle/>
+                    <a:p>
+                      <a:r>
+                        <a:rPr b="1" sz="1100"/>
+                        <a:t>Availability Requirements</a:t>
+                      </a:r>
+                    </a:p>
+                  </a:txBody>
+                  <a:tcPr>
+                    <a:solidFill>
+                      <a:srgbClr val="E7E6E6"/>
+                    </a:solidFill>
+                  </a:tcPr>
+                </a:tc>
                 <a:tc>
                   <a:txBody>
                     <a:bodyPr/>
@@ -4130,7 +4219,7 @@
                     <a:p>
                       <a:r>
                         <a:rPr sz="1100"/>
-                        <a:t>Integration</a:t>
+                        <a:t>Standard (99.5%)</a:t>
                       </a:r>
                     </a:p>
                   </a:txBody>
@@ -4140,13 +4229,15 @@
                     </a:solidFill>
                   </a:tcPr>
                 </a:tc>
+              </a:tr>
+              <a:tr h="370840">
                 <a:tc>
                   <a:txBody>
                     <a:bodyPr/>
                     <a:lstStyle/>
                     <a:p>
                       <a:r>
-                        <a:rPr sz="1100"/>
+                        <a:rPr b="1" sz="1100"/>
                         <a:t>External System Integrations</a:t>
                       </a:r>
                     </a:p>
@@ -4174,8 +4265,40 @@
                     </a:solidFill>
                   </a:tcPr>
                 </a:tc>
-              </a:tr>
-              <a:tr h="370840">
+                <a:tc>
+                  <a:txBody>
+                    <a:bodyPr/>
+                    <a:lstStyle/>
+                    <a:p/>
+                  </a:txBody>
+                  <a:tcPr>
+                    <a:solidFill>
+                      <a:srgbClr val="FFFFFF"/>
+                    </a:solidFill>
+                    <a:lnL w="12700">
+                      <a:solidFill>
+                        <a:srgbClr val="D0D0D0"/>
+                      </a:solidFill>
+                    </a:lnL>
+                  </a:tcPr>
+                </a:tc>
+                <a:tc>
+                  <a:txBody>
+                    <a:bodyPr/>
+                    <a:lstStyle/>
+                    <a:p>
+                      <a:r>
+                        <a:rPr b="1" sz="1100"/>
+                        <a:t>Infrastructure Complexity</a:t>
+                      </a:r>
+                    </a:p>
+                  </a:txBody>
+                  <a:tcPr>
+                    <a:solidFill>
+                      <a:srgbClr val="E7E6E6"/>
+                    </a:solidFill>
+                  </a:tcPr>
+                </a:tc>
                 <a:tc>
                   <a:txBody>
                     <a:bodyPr/>
@@ -4183,7 +4306,7 @@
                     <a:p>
                       <a:r>
                         <a:rPr sz="1100"/>
-                        <a:t>Integration</a:t>
+                        <a:t>Serverless (Lambda S3 Textract)</a:t>
                       </a:r>
                     </a:p>
                   </a:txBody>
@@ -4193,13 +4316,15 @@
                     </a:solidFill>
                   </a:tcPr>
                 </a:tc>
+              </a:tr>
+              <a:tr h="370840">
                 <a:tc>
                   <a:txBody>
                     <a:bodyPr/>
                     <a:lstStyle/>
                     <a:p>
                       <a:r>
-                        <a:rPr sz="1100"/>
+                        <a:rPr b="1" sz="1100"/>
                         <a:t>Data Sources</a:t>
                       </a:r>
                     </a:p>
@@ -4227,8 +4352,40 @@
                     </a:solidFill>
                   </a:tcPr>
                 </a:tc>
-              </a:tr>
-              <a:tr h="370840">
+                <a:tc>
+                  <a:txBody>
+                    <a:bodyPr/>
+                    <a:lstStyle/>
+                    <a:p/>
+                  </a:txBody>
+                  <a:tcPr>
+                    <a:solidFill>
+                      <a:srgbClr val="FFFFFF"/>
+                    </a:solidFill>
+                    <a:lnL w="12700">
+                      <a:solidFill>
+                        <a:srgbClr val="D0D0D0"/>
+                      </a:solidFill>
+                    </a:lnL>
+                  </a:tcPr>
+                </a:tc>
+                <a:tc>
+                  <a:txBody>
+                    <a:bodyPr/>
+                    <a:lstStyle/>
+                    <a:p>
+                      <a:r>
+                        <a:rPr b="1" sz="1100"/>
+                        <a:t>Security Requirements</a:t>
+                      </a:r>
+                    </a:p>
+                  </a:txBody>
+                  <a:tcPr>
+                    <a:solidFill>
+                      <a:srgbClr val="E7E6E6"/>
+                    </a:solidFill>
+                  </a:tcPr>
+                </a:tc>
                 <a:tc>
                   <a:txBody>
                     <a:bodyPr/>
@@ -4236,7 +4393,7 @@
                     <a:p>
                       <a:r>
                         <a:rPr sz="1100"/>
-                        <a:t>User Base</a:t>
+                        <a:t>Basic encryption IAM SSE-S3</a:t>
                       </a:r>
                     </a:p>
                   </a:txBody>
@@ -4246,13 +4403,15 @@
                     </a:solidFill>
                   </a:tcPr>
                 </a:tc>
+              </a:tr>
+              <a:tr h="370840">
                 <a:tc>
                   <a:txBody>
                     <a:bodyPr/>
                     <a:lstStyle/>
                     <a:p>
                       <a:r>
-                        <a:rPr sz="1100"/>
+                        <a:rPr b="1" sz="1100"/>
                         <a:t>Total Users</a:t>
                       </a:r>
                     </a:p>
@@ -4280,8 +4439,40 @@
                     </a:solidFill>
                   </a:tcPr>
                 </a:tc>
-              </a:tr>
-              <a:tr h="370840">
+                <a:tc>
+                  <a:txBody>
+                    <a:bodyPr/>
+                    <a:lstStyle/>
+                    <a:p/>
+                  </a:txBody>
+                  <a:tcPr>
+                    <a:solidFill>
+                      <a:srgbClr val="FFFFFF"/>
+                    </a:solidFill>
+                    <a:lnL w="12700">
+                      <a:solidFill>
+                        <a:srgbClr val="D0D0D0"/>
+                      </a:solidFill>
+                    </a:lnL>
+                  </a:tcPr>
+                </a:tc>
+                <a:tc>
+                  <a:txBody>
+                    <a:bodyPr/>
+                    <a:lstStyle/>
+                    <a:p>
+                      <a:r>
+                        <a:rPr b="1" sz="1100"/>
+                        <a:t>Compliance Frameworks</a:t>
+                      </a:r>
+                    </a:p>
+                  </a:txBody>
+                  <a:tcPr>
+                    <a:solidFill>
+                      <a:srgbClr val="E7E6E6"/>
+                    </a:solidFill>
+                  </a:tcPr>
+                </a:tc>
                 <a:tc>
                   <a:txBody>
                     <a:bodyPr/>
@@ -4289,7 +4480,7 @@
                     <a:p>
                       <a:r>
                         <a:rPr sz="1100"/>
-                        <a:t>User Base</a:t>
+                        <a:t>SOC2</a:t>
                       </a:r>
                     </a:p>
                   </a:txBody>
@@ -4299,13 +4490,15 @@
                     </a:solidFill>
                   </a:tcPr>
                 </a:tc>
+              </a:tr>
+              <a:tr h="370840">
                 <a:tc>
                   <a:txBody>
                     <a:bodyPr/>
                     <a:lstStyle/>
                     <a:p>
                       <a:r>
-                        <a:rPr sz="1100"/>
+                        <a:rPr b="1" sz="1100"/>
                         <a:t>User Roles</a:t>
                       </a:r>
                     </a:p>
@@ -4333,8 +4526,40 @@
                     </a:solidFill>
                   </a:tcPr>
                 </a:tc>
-              </a:tr>
-              <a:tr h="370840">
+                <a:tc>
+                  <a:txBody>
+                    <a:bodyPr/>
+                    <a:lstStyle/>
+                    <a:p/>
+                  </a:txBody>
+                  <a:tcPr>
+                    <a:solidFill>
+                      <a:srgbClr val="FFFFFF"/>
+                    </a:solidFill>
+                    <a:lnL w="12700">
+                      <a:solidFill>
+                        <a:srgbClr val="D0D0D0"/>
+                      </a:solidFill>
+                    </a:lnL>
+                  </a:tcPr>
+                </a:tc>
+                <a:tc>
+                  <a:txBody>
+                    <a:bodyPr/>
+                    <a:lstStyle/>
+                    <a:p>
+                      <a:r>
+                        <a:rPr b="1" sz="1100"/>
+                        <a:t>Accuracy Requirements</a:t>
+                      </a:r>
+                    </a:p>
+                  </a:txBody>
+                  <a:tcPr>
+                    <a:solidFill>
+                      <a:srgbClr val="E7E6E6"/>
+                    </a:solidFill>
+                  </a:tcPr>
+                </a:tc>
                 <a:tc>
                   <a:txBody>
                     <a:bodyPr/>
@@ -4342,7 +4567,7 @@
                     <a:p>
                       <a:r>
                         <a:rPr sz="1100"/>
-                        <a:t>Data Volume</a:t>
+                        <a:t>95%+ extraction accuracy</a:t>
                       </a:r>
                     </a:p>
                   </a:txBody>
@@ -4352,13 +4577,15 @@
                     </a:solidFill>
                   </a:tcPr>
                 </a:tc>
+              </a:tr>
+              <a:tr h="370840">
                 <a:tc>
                   <a:txBody>
                     <a:bodyPr/>
                     <a:lstStyle/>
                     <a:p>
                       <a:r>
-                        <a:rPr sz="1100"/>
+                        <a:rPr b="1" sz="1100"/>
                         <a:t>Document Processing Volume</a:t>
                       </a:r>
                     </a:p>
@@ -4386,8 +4613,40 @@
                     </a:solidFill>
                   </a:tcPr>
                 </a:tc>
-              </a:tr>
-              <a:tr h="370840">
+                <a:tc>
+                  <a:txBody>
+                    <a:bodyPr/>
+                    <a:lstStyle/>
+                    <a:p/>
+                  </a:txBody>
+                  <a:tcPr>
+                    <a:solidFill>
+                      <a:srgbClr val="FFFFFF"/>
+                    </a:solidFill>
+                    <a:lnL w="12700">
+                      <a:solidFill>
+                        <a:srgbClr val="D0D0D0"/>
+                      </a:solidFill>
+                    </a:lnL>
+                  </a:tcPr>
+                </a:tc>
+                <a:tc>
+                  <a:txBody>
+                    <a:bodyPr/>
+                    <a:lstStyle/>
+                    <a:p>
+                      <a:r>
+                        <a:rPr b="1" sz="1100"/>
+                        <a:t>Processing Speed</a:t>
+                      </a:r>
+                    </a:p>
+                  </a:txBody>
+                  <a:tcPr>
+                    <a:solidFill>
+                      <a:srgbClr val="E7E6E6"/>
+                    </a:solidFill>
+                  </a:tcPr>
+                </a:tc>
                 <a:tc>
                   <a:txBody>
                     <a:bodyPr/>
@@ -4395,7 +4654,7 @@
                     <a:p>
                       <a:r>
                         <a:rPr sz="1100"/>
-                        <a:t>Data Volume</a:t>
+                        <a:t>Standard batch processing</a:t>
                       </a:r>
                     </a:p>
                   </a:txBody>
@@ -4405,13 +4664,15 @@
                     </a:solidFill>
                   </a:tcPr>
                 </a:tc>
+              </a:tr>
+              <a:tr h="370840">
                 <a:tc>
                   <a:txBody>
                     <a:bodyPr/>
                     <a:lstStyle/>
                     <a:p>
                       <a:r>
-                        <a:rPr sz="1100"/>
+                        <a:rPr b="1" sz="1100"/>
                         <a:t>Data Storage Requirements</a:t>
                       </a:r>
                     </a:p>
@@ -4439,403 +4700,30 @@
                     </a:solidFill>
                   </a:tcPr>
                 </a:tc>
-              </a:tr>
-              <a:tr h="370840">
+                <a:tc>
+                  <a:txBody>
+                    <a:bodyPr/>
+                    <a:lstStyle/>
+                    <a:p/>
+                  </a:txBody>
+                  <a:tcPr>
+                    <a:solidFill>
+                      <a:srgbClr val="FFFFFF"/>
+                    </a:solidFill>
+                    <a:lnL w="12700">
+                      <a:solidFill>
+                        <a:srgbClr val="D0D0D0"/>
+                      </a:solidFill>
+                    </a:lnL>
+                  </a:tcPr>
+                </a:tc>
                 <a:tc>
                   <a:txBody>
                     <a:bodyPr/>
                     <a:lstStyle/>
                     <a:p>
                       <a:r>
-                        <a:rPr sz="1100"/>
-                        <a:t>Technical Environment</a:t>
-                      </a:r>
-                    </a:p>
-                  </a:txBody>
-                  <a:tcPr>
-                    <a:solidFill>
-                      <a:srgbClr val="E7E6E6"/>
-                    </a:solidFill>
-                  </a:tcPr>
-                </a:tc>
-                <a:tc>
-                  <a:txBody>
-                    <a:bodyPr/>
-                    <a:lstStyle/>
-                    <a:p>
-                      <a:r>
-                        <a:rPr sz="1100"/>
-                        <a:t>Deployment Regions</a:t>
-                      </a:r>
-                    </a:p>
-                  </a:txBody>
-                  <a:tcPr>
-                    <a:solidFill>
-                      <a:srgbClr val="E7E6E6"/>
-                    </a:solidFill>
-                  </a:tcPr>
-                </a:tc>
-                <a:tc>
-                  <a:txBody>
-                    <a:bodyPr/>
-                    <a:lstStyle/>
-                    <a:p>
-                      <a:r>
-                        <a:rPr sz="1100"/>
-                        <a:t>Single AWS region (us-east-1)</a:t>
-                      </a:r>
-                    </a:p>
-                  </a:txBody>
-                  <a:tcPr>
-                    <a:solidFill>
-                      <a:srgbClr val="E7E6E6"/>
-                    </a:solidFill>
-                  </a:tcPr>
-                </a:tc>
-              </a:tr>
-              <a:tr h="370840">
-                <a:tc>
-                  <a:txBody>
-                    <a:bodyPr/>
-                    <a:lstStyle/>
-                    <a:p>
-                      <a:r>
-                        <a:rPr sz="1100"/>
-                        <a:t>Technical Environment</a:t>
-                      </a:r>
-                    </a:p>
-                  </a:txBody>
-                  <a:tcPr>
-                    <a:solidFill>
-                      <a:srgbClr val="E7E6E6"/>
-                    </a:solidFill>
-                  </a:tcPr>
-                </a:tc>
-                <a:tc>
-                  <a:txBody>
-                    <a:bodyPr/>
-                    <a:lstStyle/>
-                    <a:p>
-                      <a:r>
-                        <a:rPr sz="1100"/>
-                        <a:t>Availability Requirements</a:t>
-                      </a:r>
-                    </a:p>
-                  </a:txBody>
-                  <a:tcPr>
-                    <a:solidFill>
-                      <a:srgbClr val="E7E6E6"/>
-                    </a:solidFill>
-                  </a:tcPr>
-                </a:tc>
-                <a:tc>
-                  <a:txBody>
-                    <a:bodyPr/>
-                    <a:lstStyle/>
-                    <a:p>
-                      <a:r>
-                        <a:rPr sz="1100"/>
-                        <a:t>Standard (99.5%)</a:t>
-                      </a:r>
-                    </a:p>
-                  </a:txBody>
-                  <a:tcPr>
-                    <a:solidFill>
-                      <a:srgbClr val="E7E6E6"/>
-                    </a:solidFill>
-                  </a:tcPr>
-                </a:tc>
-              </a:tr>
-              <a:tr h="370840">
-                <a:tc>
-                  <a:txBody>
-                    <a:bodyPr/>
-                    <a:lstStyle/>
-                    <a:p>
-                      <a:r>
-                        <a:rPr sz="1100"/>
-                        <a:t>Technical Environment</a:t>
-                      </a:r>
-                    </a:p>
-                  </a:txBody>
-                  <a:tcPr>
-                    <a:solidFill>
-                      <a:srgbClr val="E7E6E6"/>
-                    </a:solidFill>
-                  </a:tcPr>
-                </a:tc>
-                <a:tc>
-                  <a:txBody>
-                    <a:bodyPr/>
-                    <a:lstStyle/>
-                    <a:p>
-                      <a:r>
-                        <a:rPr sz="1100"/>
-                        <a:t>Infrastructure Complexity</a:t>
-                      </a:r>
-                    </a:p>
-                  </a:txBody>
-                  <a:tcPr>
-                    <a:solidFill>
-                      <a:srgbClr val="E7E6E6"/>
-                    </a:solidFill>
-                  </a:tcPr>
-                </a:tc>
-                <a:tc>
-                  <a:txBody>
-                    <a:bodyPr/>
-                    <a:lstStyle/>
-                    <a:p>
-                      <a:r>
-                        <a:rPr sz="1100"/>
-                        <a:t>Serverless (Lambda S3 Textract)</a:t>
-                      </a:r>
-                    </a:p>
-                  </a:txBody>
-                  <a:tcPr>
-                    <a:solidFill>
-                      <a:srgbClr val="E7E6E6"/>
-                    </a:solidFill>
-                  </a:tcPr>
-                </a:tc>
-              </a:tr>
-              <a:tr h="370840">
-                <a:tc>
-                  <a:txBody>
-                    <a:bodyPr/>
-                    <a:lstStyle/>
-                    <a:p>
-                      <a:r>
-                        <a:rPr sz="1100"/>
-                        <a:t>Security &amp; Compliance</a:t>
-                      </a:r>
-                    </a:p>
-                  </a:txBody>
-                  <a:tcPr>
-                    <a:solidFill>
-                      <a:srgbClr val="E7E6E6"/>
-                    </a:solidFill>
-                  </a:tcPr>
-                </a:tc>
-                <a:tc>
-                  <a:txBody>
-                    <a:bodyPr/>
-                    <a:lstStyle/>
-                    <a:p>
-                      <a:r>
-                        <a:rPr sz="1100"/>
-                        <a:t>Security Requirements</a:t>
-                      </a:r>
-                    </a:p>
-                  </a:txBody>
-                  <a:tcPr>
-                    <a:solidFill>
-                      <a:srgbClr val="E7E6E6"/>
-                    </a:solidFill>
-                  </a:tcPr>
-                </a:tc>
-                <a:tc>
-                  <a:txBody>
-                    <a:bodyPr/>
-                    <a:lstStyle/>
-                    <a:p>
-                      <a:r>
-                        <a:rPr sz="1100"/>
-                        <a:t>Basic encryption IAM SSE-S3</a:t>
-                      </a:r>
-                    </a:p>
-                  </a:txBody>
-                  <a:tcPr>
-                    <a:solidFill>
-                      <a:srgbClr val="E7E6E6"/>
-                    </a:solidFill>
-                  </a:tcPr>
-                </a:tc>
-              </a:tr>
-              <a:tr h="370840">
-                <a:tc>
-                  <a:txBody>
-                    <a:bodyPr/>
-                    <a:lstStyle/>
-                    <a:p>
-                      <a:r>
-                        <a:rPr sz="1100"/>
-                        <a:t>Security &amp; Compliance</a:t>
-                      </a:r>
-                    </a:p>
-                  </a:txBody>
-                  <a:tcPr>
-                    <a:solidFill>
-                      <a:srgbClr val="E7E6E6"/>
-                    </a:solidFill>
-                  </a:tcPr>
-                </a:tc>
-                <a:tc>
-                  <a:txBody>
-                    <a:bodyPr/>
-                    <a:lstStyle/>
-                    <a:p>
-                      <a:r>
-                        <a:rPr sz="1100"/>
-                        <a:t>Compliance Frameworks</a:t>
-                      </a:r>
-                    </a:p>
-                  </a:txBody>
-                  <a:tcPr>
-                    <a:solidFill>
-                      <a:srgbClr val="E7E6E6"/>
-                    </a:solidFill>
-                  </a:tcPr>
-                </a:tc>
-                <a:tc>
-                  <a:txBody>
-                    <a:bodyPr/>
-                    <a:lstStyle/>
-                    <a:p>
-                      <a:r>
-                        <a:rPr sz="1100"/>
-                        <a:t>SOC2</a:t>
-                      </a:r>
-                    </a:p>
-                  </a:txBody>
-                  <a:tcPr>
-                    <a:solidFill>
-                      <a:srgbClr val="E7E6E6"/>
-                    </a:solidFill>
-                  </a:tcPr>
-                </a:tc>
-              </a:tr>
-              <a:tr h="370840">
-                <a:tc>
-                  <a:txBody>
-                    <a:bodyPr/>
-                    <a:lstStyle/>
-                    <a:p>
-                      <a:r>
-                        <a:rPr sz="1100"/>
-                        <a:t>Performance</a:t>
-                      </a:r>
-                    </a:p>
-                  </a:txBody>
-                  <a:tcPr>
-                    <a:solidFill>
-                      <a:srgbClr val="E7E6E6"/>
-                    </a:solidFill>
-                  </a:tcPr>
-                </a:tc>
-                <a:tc>
-                  <a:txBody>
-                    <a:bodyPr/>
-                    <a:lstStyle/>
-                    <a:p>
-                      <a:r>
-                        <a:rPr sz="1100"/>
-                        <a:t>Accuracy Requirements</a:t>
-                      </a:r>
-                    </a:p>
-                  </a:txBody>
-                  <a:tcPr>
-                    <a:solidFill>
-                      <a:srgbClr val="E7E6E6"/>
-                    </a:solidFill>
-                  </a:tcPr>
-                </a:tc>
-                <a:tc>
-                  <a:txBody>
-                    <a:bodyPr/>
-                    <a:lstStyle/>
-                    <a:p>
-                      <a:r>
-                        <a:rPr sz="1100"/>
-                        <a:t>95%+ extraction accuracy</a:t>
-                      </a:r>
-                    </a:p>
-                  </a:txBody>
-                  <a:tcPr>
-                    <a:solidFill>
-                      <a:srgbClr val="E7E6E6"/>
-                    </a:solidFill>
-                  </a:tcPr>
-                </a:tc>
-              </a:tr>
-              <a:tr h="370840">
-                <a:tc>
-                  <a:txBody>
-                    <a:bodyPr/>
-                    <a:lstStyle/>
-                    <a:p>
-                      <a:r>
-                        <a:rPr sz="1100"/>
-                        <a:t>Performance</a:t>
-                      </a:r>
-                    </a:p>
-                  </a:txBody>
-                  <a:tcPr>
-                    <a:solidFill>
-                      <a:srgbClr val="E7E6E6"/>
-                    </a:solidFill>
-                  </a:tcPr>
-                </a:tc>
-                <a:tc>
-                  <a:txBody>
-                    <a:bodyPr/>
-                    <a:lstStyle/>
-                    <a:p>
-                      <a:r>
-                        <a:rPr sz="1100"/>
-                        <a:t>Processing Speed</a:t>
-                      </a:r>
-                    </a:p>
-                  </a:txBody>
-                  <a:tcPr>
-                    <a:solidFill>
-                      <a:srgbClr val="E7E6E6"/>
-                    </a:solidFill>
-                  </a:tcPr>
-                </a:tc>
-                <a:tc>
-                  <a:txBody>
-                    <a:bodyPr/>
-                    <a:lstStyle/>
-                    <a:p>
-                      <a:r>
-                        <a:rPr sz="1100"/>
-                        <a:t>Standard batch processing</a:t>
-                      </a:r>
-                    </a:p>
-                  </a:txBody>
-                  <a:tcPr>
-                    <a:solidFill>
-                      <a:srgbClr val="E7E6E6"/>
-                    </a:solidFill>
-                  </a:tcPr>
-                </a:tc>
-              </a:tr>
-              <a:tr h="370840">
-                <a:tc>
-                  <a:txBody>
-                    <a:bodyPr/>
-                    <a:lstStyle/>
-                    <a:p>
-                      <a:r>
-                        <a:rPr sz="1100"/>
-                        <a:t>Environment</a:t>
-                      </a:r>
-                    </a:p>
-                  </a:txBody>
-                  <a:tcPr>
-                    <a:solidFill>
-                      <a:srgbClr val="E7E6E6"/>
-                    </a:solidFill>
-                  </a:tcPr>
-                </a:tc>
-                <a:tc>
-                  <a:txBody>
-                    <a:bodyPr/>
-                    <a:lstStyle/>
-                    <a:p>
-                      <a:r>
-                        <a:rPr sz="1100"/>
+                        <a:rPr b="1" sz="1100"/>
                         <a:t>Deployment Environments</a:t>
                       </a:r>
                     </a:p>
@@ -6057,7 +5945,7 @@
         </p:nvGraphicFramePr>
         <p:xfrm>
           <a:off x="256855" y="677011"/>
-          <a:ext cx="8710929" cy="2225040"/>
+          <a:ext cx="8710929" cy="741680"/>
         </p:xfrm>
         <a:graphic>
           <a:graphicData uri="http://schemas.openxmlformats.org/drawingml/2006/table">
@@ -6066,13 +5954,13 @@
                 <a:tableStyleId>{5C22544A-7EE6-4342-B048-85BDC9FD1C3A}</a:tableStyleId>
               </a:tblPr>
               <a:tblGrid>
-                <a:gridCol w="1742186"/>
-                <a:gridCol w="1045311"/>
-                <a:gridCol w="2003514"/>
-                <a:gridCol w="1132421"/>
+                <a:gridCol w="2177733"/>
+                <a:gridCol w="1306639"/>
+                <a:gridCol w="1306639"/>
+                <a:gridCol w="1306639"/>
                 <a:gridCol w="871093"/>
                 <a:gridCol w="871093"/>
-                <a:gridCol w="1045311"/>
+                <a:gridCol w="871093"/>
               </a:tblGrid>
               <a:tr h="370840">
                 <a:tc>
@@ -6128,7 +6016,7 @@
                             <a:srgbClr val="FFFFFF"/>
                           </a:solidFill>
                         </a:rPr>
-                        <a:t>AWS/Partner Credits</a:t>
+                        <a:t>Provider/Partner Credits</a:t>
                       </a:r>
                     </a:p>
                   </a:txBody>
@@ -6230,490 +6118,6 @@
                     <a:lstStyle/>
                     <a:p>
                       <a:r>
-                        <a:rPr sz="1100"/>
-                        <a:t>Professional Services</a:t>
-                      </a:r>
-                    </a:p>
-                  </a:txBody>
-                  <a:tcPr>
-                    <a:solidFill>
-                      <a:srgbClr val="E7E6E6"/>
-                    </a:solidFill>
-                  </a:tcPr>
-                </a:tc>
-                <a:tc>
-                  <a:txBody>
-                    <a:bodyPr/>
-                    <a:lstStyle/>
-                    <a:p>
-                      <a:r>
-                        <a:rPr sz="1100"/>
-                        <a:t>$82,250</a:t>
-                      </a:r>
-                    </a:p>
-                  </a:txBody>
-                  <a:tcPr>
-                    <a:solidFill>
-                      <a:srgbClr val="E7E6E6"/>
-                    </a:solidFill>
-                  </a:tcPr>
-                </a:tc>
-                <a:tc>
-                  <a:txBody>
-                    <a:bodyPr/>
-                    <a:lstStyle/>
-                    <a:p>
-                      <a:r>
-                        <a:rPr sz="1100"/>
-                        <a:t>($10,000)</a:t>
-                      </a:r>
-                    </a:p>
-                  </a:txBody>
-                  <a:tcPr>
-                    <a:solidFill>
-                      <a:srgbClr val="E7E6E6"/>
-                    </a:solidFill>
-                  </a:tcPr>
-                </a:tc>
-                <a:tc>
-                  <a:txBody>
-                    <a:bodyPr/>
-                    <a:lstStyle/>
-                    <a:p>
-                      <a:r>
-                        <a:rPr sz="1100"/>
-                        <a:t>$72,250</a:t>
-                      </a:r>
-                    </a:p>
-                  </a:txBody>
-                  <a:tcPr>
-                    <a:solidFill>
-                      <a:srgbClr val="E7E6E6"/>
-                    </a:solidFill>
-                  </a:tcPr>
-                </a:tc>
-                <a:tc>
-                  <a:txBody>
-                    <a:bodyPr/>
-                    <a:lstStyle/>
-                    <a:p>
-                      <a:r>
-                        <a:rPr sz="1100"/>
-                        <a:t>$0</a:t>
-                      </a:r>
-                    </a:p>
-                  </a:txBody>
-                  <a:tcPr>
-                    <a:solidFill>
-                      <a:srgbClr val="E7E6E6"/>
-                    </a:solidFill>
-                  </a:tcPr>
-                </a:tc>
-                <a:tc>
-                  <a:txBody>
-                    <a:bodyPr/>
-                    <a:lstStyle/>
-                    <a:p>
-                      <a:r>
-                        <a:rPr sz="1100"/>
-                        <a:t>$0</a:t>
-                      </a:r>
-                    </a:p>
-                  </a:txBody>
-                  <a:tcPr>
-                    <a:solidFill>
-                      <a:srgbClr val="E7E6E6"/>
-                    </a:solidFill>
-                  </a:tcPr>
-                </a:tc>
-                <a:tc>
-                  <a:txBody>
-                    <a:bodyPr/>
-                    <a:lstStyle/>
-                    <a:p>
-                      <a:r>
-                        <a:rPr sz="1100"/>
-                        <a:t>$72,250</a:t>
-                      </a:r>
-                    </a:p>
-                  </a:txBody>
-                  <a:tcPr>
-                    <a:solidFill>
-                      <a:srgbClr val="E7E6E6"/>
-                    </a:solidFill>
-                  </a:tcPr>
-                </a:tc>
-              </a:tr>
-              <a:tr h="370840">
-                <a:tc>
-                  <a:txBody>
-                    <a:bodyPr/>
-                    <a:lstStyle/>
-                    <a:p>
-                      <a:r>
-                        <a:rPr sz="1100"/>
-                        <a:t>Cloud Infrastructure</a:t>
-                      </a:r>
-                    </a:p>
-                  </a:txBody>
-                  <a:tcPr>
-                    <a:solidFill>
-                      <a:srgbClr val="E7E6E6"/>
-                    </a:solidFill>
-                  </a:tcPr>
-                </a:tc>
-                <a:tc>
-                  <a:txBody>
-                    <a:bodyPr/>
-                    <a:lstStyle/>
-                    <a:p>
-                      <a:r>
-                        <a:rPr sz="1100"/>
-                        <a:t>$26,830</a:t>
-                      </a:r>
-                    </a:p>
-                  </a:txBody>
-                  <a:tcPr>
-                    <a:solidFill>
-                      <a:srgbClr val="E7E6E6"/>
-                    </a:solidFill>
-                  </a:tcPr>
-                </a:tc>
-                <a:tc>
-                  <a:txBody>
-                    <a:bodyPr/>
-                    <a:lstStyle/>
-                    <a:p>
-                      <a:r>
-                        <a:rPr sz="1100"/>
-                        <a:t>($5,000)</a:t>
-                      </a:r>
-                    </a:p>
-                  </a:txBody>
-                  <a:tcPr>
-                    <a:solidFill>
-                      <a:srgbClr val="E7E6E6"/>
-                    </a:solidFill>
-                  </a:tcPr>
-                </a:tc>
-                <a:tc>
-                  <a:txBody>
-                    <a:bodyPr/>
-                    <a:lstStyle/>
-                    <a:p>
-                      <a:r>
-                        <a:rPr sz="1100"/>
-                        <a:t>$21,830</a:t>
-                      </a:r>
-                    </a:p>
-                  </a:txBody>
-                  <a:tcPr>
-                    <a:solidFill>
-                      <a:srgbClr val="E7E6E6"/>
-                    </a:solidFill>
-                  </a:tcPr>
-                </a:tc>
-                <a:tc>
-                  <a:txBody>
-                    <a:bodyPr/>
-                    <a:lstStyle/>
-                    <a:p>
-                      <a:r>
-                        <a:rPr sz="1100"/>
-                        <a:t>$26,830</a:t>
-                      </a:r>
-                    </a:p>
-                  </a:txBody>
-                  <a:tcPr>
-                    <a:solidFill>
-                      <a:srgbClr val="E7E6E6"/>
-                    </a:solidFill>
-                  </a:tcPr>
-                </a:tc>
-                <a:tc>
-                  <a:txBody>
-                    <a:bodyPr/>
-                    <a:lstStyle/>
-                    <a:p>
-                      <a:r>
-                        <a:rPr sz="1100"/>
-                        <a:t>$26,830</a:t>
-                      </a:r>
-                    </a:p>
-                  </a:txBody>
-                  <a:tcPr>
-                    <a:solidFill>
-                      <a:srgbClr val="E7E6E6"/>
-                    </a:solidFill>
-                  </a:tcPr>
-                </a:tc>
-                <a:tc>
-                  <a:txBody>
-                    <a:bodyPr/>
-                    <a:lstStyle/>
-                    <a:p>
-                      <a:r>
-                        <a:rPr sz="1100"/>
-                        <a:t>$75,490</a:t>
-                      </a:r>
-                    </a:p>
-                  </a:txBody>
-                  <a:tcPr>
-                    <a:solidFill>
-                      <a:srgbClr val="E7E6E6"/>
-                    </a:solidFill>
-                  </a:tcPr>
-                </a:tc>
-              </a:tr>
-              <a:tr h="370840">
-                <a:tc>
-                  <a:txBody>
-                    <a:bodyPr/>
-                    <a:lstStyle/>
-                    <a:p>
-                      <a:r>
-                        <a:rPr sz="1100"/>
-                        <a:t>Software Licenses &amp; Subscriptions</a:t>
-                      </a:r>
-                    </a:p>
-                  </a:txBody>
-                  <a:tcPr>
-                    <a:solidFill>
-                      <a:srgbClr val="E7E6E6"/>
-                    </a:solidFill>
-                  </a:tcPr>
-                </a:tc>
-                <a:tc>
-                  <a:txBody>
-                    <a:bodyPr/>
-                    <a:lstStyle/>
-                    <a:p>
-                      <a:r>
-                        <a:rPr sz="1100"/>
-                        <a:t>$2,784</a:t>
-                      </a:r>
-                    </a:p>
-                  </a:txBody>
-                  <a:tcPr>
-                    <a:solidFill>
-                      <a:srgbClr val="E7E6E6"/>
-                    </a:solidFill>
-                  </a:tcPr>
-                </a:tc>
-                <a:tc>
-                  <a:txBody>
-                    <a:bodyPr/>
-                    <a:lstStyle/>
-                    <a:p>
-                      <a:r>
-                        <a:rPr sz="1100"/>
-                        <a:t>$0</a:t>
-                      </a:r>
-                    </a:p>
-                  </a:txBody>
-                  <a:tcPr>
-                    <a:solidFill>
-                      <a:srgbClr val="E7E6E6"/>
-                    </a:solidFill>
-                  </a:tcPr>
-                </a:tc>
-                <a:tc>
-                  <a:txBody>
-                    <a:bodyPr/>
-                    <a:lstStyle/>
-                    <a:p>
-                      <a:r>
-                        <a:rPr sz="1100"/>
-                        <a:t>$2,784</a:t>
-                      </a:r>
-                    </a:p>
-                  </a:txBody>
-                  <a:tcPr>
-                    <a:solidFill>
-                      <a:srgbClr val="E7E6E6"/>
-                    </a:solidFill>
-                  </a:tcPr>
-                </a:tc>
-                <a:tc>
-                  <a:txBody>
-                    <a:bodyPr/>
-                    <a:lstStyle/>
-                    <a:p>
-                      <a:r>
-                        <a:rPr sz="1100"/>
-                        <a:t>$2,784</a:t>
-                      </a:r>
-                    </a:p>
-                  </a:txBody>
-                  <a:tcPr>
-                    <a:solidFill>
-                      <a:srgbClr val="E7E6E6"/>
-                    </a:solidFill>
-                  </a:tcPr>
-                </a:tc>
-                <a:tc>
-                  <a:txBody>
-                    <a:bodyPr/>
-                    <a:lstStyle/>
-                    <a:p>
-                      <a:r>
-                        <a:rPr sz="1100"/>
-                        <a:t>$2,784</a:t>
-                      </a:r>
-                    </a:p>
-                  </a:txBody>
-                  <a:tcPr>
-                    <a:solidFill>
-                      <a:srgbClr val="E7E6E6"/>
-                    </a:solidFill>
-                  </a:tcPr>
-                </a:tc>
-                <a:tc>
-                  <a:txBody>
-                    <a:bodyPr/>
-                    <a:lstStyle/>
-                    <a:p>
-                      <a:r>
-                        <a:rPr sz="1100"/>
-                        <a:t>$8,352</a:t>
-                      </a:r>
-                    </a:p>
-                  </a:txBody>
-                  <a:tcPr>
-                    <a:solidFill>
-                      <a:srgbClr val="E7E6E6"/>
-                    </a:solidFill>
-                  </a:tcPr>
-                </a:tc>
-              </a:tr>
-              <a:tr h="370840">
-                <a:tc>
-                  <a:txBody>
-                    <a:bodyPr/>
-                    <a:lstStyle/>
-                    <a:p>
-                      <a:r>
-                        <a:rPr sz="1100"/>
-                        <a:t>Support &amp; Maintenance</a:t>
-                      </a:r>
-                    </a:p>
-                  </a:txBody>
-                  <a:tcPr>
-                    <a:solidFill>
-                      <a:srgbClr val="E7E6E6"/>
-                    </a:solidFill>
-                  </a:tcPr>
-                </a:tc>
-                <a:tc>
-                  <a:txBody>
-                    <a:bodyPr/>
-                    <a:lstStyle/>
-                    <a:p>
-                      <a:r>
-                        <a:rPr sz="1100"/>
-                        <a:t>$4,087</a:t>
-                      </a:r>
-                    </a:p>
-                  </a:txBody>
-                  <a:tcPr>
-                    <a:solidFill>
-                      <a:srgbClr val="E7E6E6"/>
-                    </a:solidFill>
-                  </a:tcPr>
-                </a:tc>
-                <a:tc>
-                  <a:txBody>
-                    <a:bodyPr/>
-                    <a:lstStyle/>
-                    <a:p>
-                      <a:r>
-                        <a:rPr sz="1100"/>
-                        <a:t>$0</a:t>
-                      </a:r>
-                    </a:p>
-                  </a:txBody>
-                  <a:tcPr>
-                    <a:solidFill>
-                      <a:srgbClr val="E7E6E6"/>
-                    </a:solidFill>
-                  </a:tcPr>
-                </a:tc>
-                <a:tc>
-                  <a:txBody>
-                    <a:bodyPr/>
-                    <a:lstStyle/>
-                    <a:p>
-                      <a:r>
-                        <a:rPr sz="1100"/>
-                        <a:t>$4,087</a:t>
-                      </a:r>
-                    </a:p>
-                  </a:txBody>
-                  <a:tcPr>
-                    <a:solidFill>
-                      <a:srgbClr val="E7E6E6"/>
-                    </a:solidFill>
-                  </a:tcPr>
-                </a:tc>
-                <a:tc>
-                  <a:txBody>
-                    <a:bodyPr/>
-                    <a:lstStyle/>
-                    <a:p>
-                      <a:r>
-                        <a:rPr sz="1100"/>
-                        <a:t>$4,087</a:t>
-                      </a:r>
-                    </a:p>
-                  </a:txBody>
-                  <a:tcPr>
-                    <a:solidFill>
-                      <a:srgbClr val="E7E6E6"/>
-                    </a:solidFill>
-                  </a:tcPr>
-                </a:tc>
-                <a:tc>
-                  <a:txBody>
-                    <a:bodyPr/>
-                    <a:lstStyle/>
-                    <a:p>
-                      <a:r>
-                        <a:rPr sz="1100"/>
-                        <a:t>$4,087</a:t>
-                      </a:r>
-                    </a:p>
-                  </a:txBody>
-                  <a:tcPr>
-                    <a:solidFill>
-                      <a:srgbClr val="E7E6E6"/>
-                    </a:solidFill>
-                  </a:tcPr>
-                </a:tc>
-                <a:tc>
-                  <a:txBody>
-                    <a:bodyPr/>
-                    <a:lstStyle/>
-                    <a:p>
-                      <a:r>
-                        <a:rPr sz="1100"/>
-                        <a:t>$12,261</a:t>
-                      </a:r>
-                    </a:p>
-                  </a:txBody>
-                  <a:tcPr>
-                    <a:solidFill>
-                      <a:srgbClr val="E7E6E6"/>
-                    </a:solidFill>
-                  </a:tcPr>
-                </a:tc>
-              </a:tr>
-              <a:tr h="370840">
-                <a:tc>
-                  <a:txBody>
-                    <a:bodyPr/>
-                    <a:lstStyle/>
-                    <a:p>
-                      <a:r>
                         <a:rPr b="1" sz="1100"/>
                         <a:t>TOTAL INVESTMENT</a:t>
                       </a:r>
@@ -6732,7 +6136,7 @@
                     <a:p>
                       <a:r>
                         <a:rPr b="1" sz="1100"/>
-                        <a:t>$115,951</a:t>
+                        <a:t>$0</a:t>
                       </a:r>
                     </a:p>
                   </a:txBody>
@@ -6749,7 +6153,7 @@
                     <a:p>
                       <a:r>
                         <a:rPr b="1" sz="1100"/>
-                        <a:t>($15,000)</a:t>
+                        <a:t>$0</a:t>
                       </a:r>
                     </a:p>
                   </a:txBody>
@@ -6766,7 +6170,7 @@
                     <a:p>
                       <a:r>
                         <a:rPr b="1" sz="1100"/>
-                        <a:t>$100,951</a:t>
+                        <a:t>$0</a:t>
                       </a:r>
                     </a:p>
                   </a:txBody>
@@ -6783,7 +6187,7 @@
                     <a:p>
                       <a:r>
                         <a:rPr b="1" sz="1100"/>
-                        <a:t>$33,701</a:t>
+                        <a:t>$0</a:t>
                       </a:r>
                     </a:p>
                   </a:txBody>
@@ -6800,7 +6204,7 @@
                     <a:p>
                       <a:r>
                         <a:rPr b="1" sz="1100"/>
-                        <a:t>$33,701</a:t>
+                        <a:t>$0</a:t>
                       </a:r>
                     </a:p>
                   </a:txBody>
@@ -6817,7 +6221,7 @@
                     <a:p>
                       <a:r>
                         <a:rPr b="1" sz="1100"/>
-                        <a:t>$168,353</a:t>
+                        <a:t>$0</a:t>
                       </a:r>
                     </a:p>
                   </a:txBody>

--- a/solutions/aws/ai/intelligent-document-processing/presales/solution-briefing.pptx
+++ b/solutions/aws/ai/intelligent-document-processing/presales/solution-briefing.pptx
@@ -3361,7 +3361,7 @@
           <a:lstStyle/>
           <a:p>
             <a:r>
-              <a:t>[Presenter Name] | November 17, 2025</a:t>
+              <a:t>[Presenter Name] | November 18, 2025</a:t>
             </a:r>
           </a:p>
         </p:txBody>
@@ -5945,7 +5945,7 @@
         </p:nvGraphicFramePr>
         <p:xfrm>
           <a:off x="256855" y="677011"/>
-          <a:ext cx="8710929" cy="741680"/>
+          <a:ext cx="8710928" cy="2225040"/>
         </p:xfrm>
         <a:graphic>
           <a:graphicData uri="http://schemas.openxmlformats.org/drawingml/2006/table">
@@ -5954,13 +5954,13 @@
                 <a:tableStyleId>{5C22544A-7EE6-4342-B048-85BDC9FD1C3A}</a:tableStyleId>
               </a:tblPr>
               <a:tblGrid>
-                <a:gridCol w="2177733"/>
-                <a:gridCol w="1306639"/>
-                <a:gridCol w="1306639"/>
-                <a:gridCol w="1306639"/>
+                <a:gridCol w="1567967"/>
+                <a:gridCol w="1045311"/>
+                <a:gridCol w="2090623"/>
+                <a:gridCol w="1045311"/>
                 <a:gridCol w="871093"/>
                 <a:gridCol w="871093"/>
-                <a:gridCol w="871093"/>
+                <a:gridCol w="1219530"/>
               </a:tblGrid>
               <a:tr h="370840">
                 <a:tc>
@@ -6118,6 +6118,490 @@
                     <a:lstStyle/>
                     <a:p>
                       <a:r>
+                        <a:rPr sz="1100"/>
+                        <a:t>Professional Services</a:t>
+                      </a:r>
+                    </a:p>
+                  </a:txBody>
+                  <a:tcPr>
+                    <a:solidFill>
+                      <a:srgbClr val="E7E6E6"/>
+                    </a:solidFill>
+                  </a:tcPr>
+                </a:tc>
+                <a:tc>
+                  <a:txBody>
+                    <a:bodyPr/>
+                    <a:lstStyle/>
+                    <a:p>
+                      <a:r>
+                        <a:rPr sz="1100"/>
+                        <a:t>$82,250</a:t>
+                      </a:r>
+                    </a:p>
+                  </a:txBody>
+                  <a:tcPr>
+                    <a:solidFill>
+                      <a:srgbClr val="E7E6E6"/>
+                    </a:solidFill>
+                  </a:tcPr>
+                </a:tc>
+                <a:tc>
+                  <a:txBody>
+                    <a:bodyPr/>
+                    <a:lstStyle/>
+                    <a:p>
+                      <a:r>
+                        <a:rPr sz="1100"/>
+                        <a:t>($10,000)</a:t>
+                      </a:r>
+                    </a:p>
+                  </a:txBody>
+                  <a:tcPr>
+                    <a:solidFill>
+                      <a:srgbClr val="E7E6E6"/>
+                    </a:solidFill>
+                  </a:tcPr>
+                </a:tc>
+                <a:tc>
+                  <a:txBody>
+                    <a:bodyPr/>
+                    <a:lstStyle/>
+                    <a:p>
+                      <a:r>
+                        <a:rPr sz="1100"/>
+                        <a:t>$72,250</a:t>
+                      </a:r>
+                    </a:p>
+                  </a:txBody>
+                  <a:tcPr>
+                    <a:solidFill>
+                      <a:srgbClr val="E7E6E6"/>
+                    </a:solidFill>
+                  </a:tcPr>
+                </a:tc>
+                <a:tc>
+                  <a:txBody>
+                    <a:bodyPr/>
+                    <a:lstStyle/>
+                    <a:p>
+                      <a:r>
+                        <a:rPr sz="1100"/>
+                        <a:t>$0</a:t>
+                      </a:r>
+                    </a:p>
+                  </a:txBody>
+                  <a:tcPr>
+                    <a:solidFill>
+                      <a:srgbClr val="E7E6E6"/>
+                    </a:solidFill>
+                  </a:tcPr>
+                </a:tc>
+                <a:tc>
+                  <a:txBody>
+                    <a:bodyPr/>
+                    <a:lstStyle/>
+                    <a:p>
+                      <a:r>
+                        <a:rPr sz="1100"/>
+                        <a:t>$0</a:t>
+                      </a:r>
+                    </a:p>
+                  </a:txBody>
+                  <a:tcPr>
+                    <a:solidFill>
+                      <a:srgbClr val="E7E6E6"/>
+                    </a:solidFill>
+                  </a:tcPr>
+                </a:tc>
+                <a:tc>
+                  <a:txBody>
+                    <a:bodyPr/>
+                    <a:lstStyle/>
+                    <a:p>
+                      <a:r>
+                        <a:rPr sz="1100"/>
+                        <a:t>$72,250</a:t>
+                      </a:r>
+                    </a:p>
+                  </a:txBody>
+                  <a:tcPr>
+                    <a:solidFill>
+                      <a:srgbClr val="E7E6E6"/>
+                    </a:solidFill>
+                  </a:tcPr>
+                </a:tc>
+              </a:tr>
+              <a:tr h="370840">
+                <a:tc>
+                  <a:txBody>
+                    <a:bodyPr/>
+                    <a:lstStyle/>
+                    <a:p>
+                      <a:r>
+                        <a:rPr sz="1100"/>
+                        <a:t>Cloud Infrastructure</a:t>
+                      </a:r>
+                    </a:p>
+                  </a:txBody>
+                  <a:tcPr>
+                    <a:solidFill>
+                      <a:srgbClr val="E7E6E6"/>
+                    </a:solidFill>
+                  </a:tcPr>
+                </a:tc>
+                <a:tc>
+                  <a:txBody>
+                    <a:bodyPr/>
+                    <a:lstStyle/>
+                    <a:p>
+                      <a:r>
+                        <a:rPr sz="1100"/>
+                        <a:t>$26,830</a:t>
+                      </a:r>
+                    </a:p>
+                  </a:txBody>
+                  <a:tcPr>
+                    <a:solidFill>
+                      <a:srgbClr val="E7E6E6"/>
+                    </a:solidFill>
+                  </a:tcPr>
+                </a:tc>
+                <a:tc>
+                  <a:txBody>
+                    <a:bodyPr/>
+                    <a:lstStyle/>
+                    <a:p>
+                      <a:r>
+                        <a:rPr sz="1100"/>
+                        <a:t>($5,000)</a:t>
+                      </a:r>
+                    </a:p>
+                  </a:txBody>
+                  <a:tcPr>
+                    <a:solidFill>
+                      <a:srgbClr val="E7E6E6"/>
+                    </a:solidFill>
+                  </a:tcPr>
+                </a:tc>
+                <a:tc>
+                  <a:txBody>
+                    <a:bodyPr/>
+                    <a:lstStyle/>
+                    <a:p>
+                      <a:r>
+                        <a:rPr sz="1100"/>
+                        <a:t>$21,830</a:t>
+                      </a:r>
+                    </a:p>
+                  </a:txBody>
+                  <a:tcPr>
+                    <a:solidFill>
+                      <a:srgbClr val="E7E6E6"/>
+                    </a:solidFill>
+                  </a:tcPr>
+                </a:tc>
+                <a:tc>
+                  <a:txBody>
+                    <a:bodyPr/>
+                    <a:lstStyle/>
+                    <a:p>
+                      <a:r>
+                        <a:rPr sz="1100"/>
+                        <a:t>$26,830</a:t>
+                      </a:r>
+                    </a:p>
+                  </a:txBody>
+                  <a:tcPr>
+                    <a:solidFill>
+                      <a:srgbClr val="E7E6E6"/>
+                    </a:solidFill>
+                  </a:tcPr>
+                </a:tc>
+                <a:tc>
+                  <a:txBody>
+                    <a:bodyPr/>
+                    <a:lstStyle/>
+                    <a:p>
+                      <a:r>
+                        <a:rPr sz="1100"/>
+                        <a:t>$26,830</a:t>
+                      </a:r>
+                    </a:p>
+                  </a:txBody>
+                  <a:tcPr>
+                    <a:solidFill>
+                      <a:srgbClr val="E7E6E6"/>
+                    </a:solidFill>
+                  </a:tcPr>
+                </a:tc>
+                <a:tc>
+                  <a:txBody>
+                    <a:bodyPr/>
+                    <a:lstStyle/>
+                    <a:p>
+                      <a:r>
+                        <a:rPr sz="1100"/>
+                        <a:t>$75,490</a:t>
+                      </a:r>
+                    </a:p>
+                  </a:txBody>
+                  <a:tcPr>
+                    <a:solidFill>
+                      <a:srgbClr val="E7E6E6"/>
+                    </a:solidFill>
+                  </a:tcPr>
+                </a:tc>
+              </a:tr>
+              <a:tr h="370840">
+                <a:tc>
+                  <a:txBody>
+                    <a:bodyPr/>
+                    <a:lstStyle/>
+                    <a:p>
+                      <a:r>
+                        <a:rPr sz="1100"/>
+                        <a:t>Software Licenses</a:t>
+                      </a:r>
+                    </a:p>
+                  </a:txBody>
+                  <a:tcPr>
+                    <a:solidFill>
+                      <a:srgbClr val="E7E6E6"/>
+                    </a:solidFill>
+                  </a:tcPr>
+                </a:tc>
+                <a:tc>
+                  <a:txBody>
+                    <a:bodyPr/>
+                    <a:lstStyle/>
+                    <a:p>
+                      <a:r>
+                        <a:rPr sz="1100"/>
+                        <a:t>$2,784</a:t>
+                      </a:r>
+                    </a:p>
+                  </a:txBody>
+                  <a:tcPr>
+                    <a:solidFill>
+                      <a:srgbClr val="E7E6E6"/>
+                    </a:solidFill>
+                  </a:tcPr>
+                </a:tc>
+                <a:tc>
+                  <a:txBody>
+                    <a:bodyPr/>
+                    <a:lstStyle/>
+                    <a:p>
+                      <a:r>
+                        <a:rPr sz="1100"/>
+                        <a:t>$0</a:t>
+                      </a:r>
+                    </a:p>
+                  </a:txBody>
+                  <a:tcPr>
+                    <a:solidFill>
+                      <a:srgbClr val="E7E6E6"/>
+                    </a:solidFill>
+                  </a:tcPr>
+                </a:tc>
+                <a:tc>
+                  <a:txBody>
+                    <a:bodyPr/>
+                    <a:lstStyle/>
+                    <a:p>
+                      <a:r>
+                        <a:rPr sz="1100"/>
+                        <a:t>$2,784</a:t>
+                      </a:r>
+                    </a:p>
+                  </a:txBody>
+                  <a:tcPr>
+                    <a:solidFill>
+                      <a:srgbClr val="E7E6E6"/>
+                    </a:solidFill>
+                  </a:tcPr>
+                </a:tc>
+                <a:tc>
+                  <a:txBody>
+                    <a:bodyPr/>
+                    <a:lstStyle/>
+                    <a:p>
+                      <a:r>
+                        <a:rPr sz="1100"/>
+                        <a:t>$2,784</a:t>
+                      </a:r>
+                    </a:p>
+                  </a:txBody>
+                  <a:tcPr>
+                    <a:solidFill>
+                      <a:srgbClr val="E7E6E6"/>
+                    </a:solidFill>
+                  </a:tcPr>
+                </a:tc>
+                <a:tc>
+                  <a:txBody>
+                    <a:bodyPr/>
+                    <a:lstStyle/>
+                    <a:p>
+                      <a:r>
+                        <a:rPr sz="1100"/>
+                        <a:t>$2,784</a:t>
+                      </a:r>
+                    </a:p>
+                  </a:txBody>
+                  <a:tcPr>
+                    <a:solidFill>
+                      <a:srgbClr val="E7E6E6"/>
+                    </a:solidFill>
+                  </a:tcPr>
+                </a:tc>
+                <a:tc>
+                  <a:txBody>
+                    <a:bodyPr/>
+                    <a:lstStyle/>
+                    <a:p>
+                      <a:r>
+                        <a:rPr sz="1100"/>
+                        <a:t>$8,352</a:t>
+                      </a:r>
+                    </a:p>
+                  </a:txBody>
+                  <a:tcPr>
+                    <a:solidFill>
+                      <a:srgbClr val="E7E6E6"/>
+                    </a:solidFill>
+                  </a:tcPr>
+                </a:tc>
+              </a:tr>
+              <a:tr h="370840">
+                <a:tc>
+                  <a:txBody>
+                    <a:bodyPr/>
+                    <a:lstStyle/>
+                    <a:p>
+                      <a:r>
+                        <a:rPr sz="1100"/>
+                        <a:t>Support &amp; Maintenance</a:t>
+                      </a:r>
+                    </a:p>
+                  </a:txBody>
+                  <a:tcPr>
+                    <a:solidFill>
+                      <a:srgbClr val="E7E6E6"/>
+                    </a:solidFill>
+                  </a:tcPr>
+                </a:tc>
+                <a:tc>
+                  <a:txBody>
+                    <a:bodyPr/>
+                    <a:lstStyle/>
+                    <a:p>
+                      <a:r>
+                        <a:rPr sz="1100"/>
+                        <a:t>$4,087</a:t>
+                      </a:r>
+                    </a:p>
+                  </a:txBody>
+                  <a:tcPr>
+                    <a:solidFill>
+                      <a:srgbClr val="E7E6E6"/>
+                    </a:solidFill>
+                  </a:tcPr>
+                </a:tc>
+                <a:tc>
+                  <a:txBody>
+                    <a:bodyPr/>
+                    <a:lstStyle/>
+                    <a:p>
+                      <a:r>
+                        <a:rPr sz="1100"/>
+                        <a:t>$0</a:t>
+                      </a:r>
+                    </a:p>
+                  </a:txBody>
+                  <a:tcPr>
+                    <a:solidFill>
+                      <a:srgbClr val="E7E6E6"/>
+                    </a:solidFill>
+                  </a:tcPr>
+                </a:tc>
+                <a:tc>
+                  <a:txBody>
+                    <a:bodyPr/>
+                    <a:lstStyle/>
+                    <a:p>
+                      <a:r>
+                        <a:rPr sz="1100"/>
+                        <a:t>$4,087</a:t>
+                      </a:r>
+                    </a:p>
+                  </a:txBody>
+                  <a:tcPr>
+                    <a:solidFill>
+                      <a:srgbClr val="E7E6E6"/>
+                    </a:solidFill>
+                  </a:tcPr>
+                </a:tc>
+                <a:tc>
+                  <a:txBody>
+                    <a:bodyPr/>
+                    <a:lstStyle/>
+                    <a:p>
+                      <a:r>
+                        <a:rPr sz="1100"/>
+                        <a:t>$4,087</a:t>
+                      </a:r>
+                    </a:p>
+                  </a:txBody>
+                  <a:tcPr>
+                    <a:solidFill>
+                      <a:srgbClr val="E7E6E6"/>
+                    </a:solidFill>
+                  </a:tcPr>
+                </a:tc>
+                <a:tc>
+                  <a:txBody>
+                    <a:bodyPr/>
+                    <a:lstStyle/>
+                    <a:p>
+                      <a:r>
+                        <a:rPr sz="1100"/>
+                        <a:t>$4,087</a:t>
+                      </a:r>
+                    </a:p>
+                  </a:txBody>
+                  <a:tcPr>
+                    <a:solidFill>
+                      <a:srgbClr val="E7E6E6"/>
+                    </a:solidFill>
+                  </a:tcPr>
+                </a:tc>
+                <a:tc>
+                  <a:txBody>
+                    <a:bodyPr/>
+                    <a:lstStyle/>
+                    <a:p>
+                      <a:r>
+                        <a:rPr sz="1100"/>
+                        <a:t>$12,261</a:t>
+                      </a:r>
+                    </a:p>
+                  </a:txBody>
+                  <a:tcPr>
+                    <a:solidFill>
+                      <a:srgbClr val="E7E6E6"/>
+                    </a:solidFill>
+                  </a:tcPr>
+                </a:tc>
+              </a:tr>
+              <a:tr h="370840">
+                <a:tc>
+                  <a:txBody>
+                    <a:bodyPr/>
+                    <a:lstStyle/>
+                    <a:p>
+                      <a:r>
                         <a:rPr b="1" sz="1100"/>
                         <a:t>TOTAL INVESTMENT</a:t>
                       </a:r>
@@ -6136,7 +6620,7 @@
                     <a:p>
                       <a:r>
                         <a:rPr b="1" sz="1100"/>
-                        <a:t>$0</a:t>
+                        <a:t>$115,951</a:t>
                       </a:r>
                     </a:p>
                   </a:txBody>
@@ -6153,7 +6637,7 @@
                     <a:p>
                       <a:r>
                         <a:rPr b="1" sz="1100"/>
-                        <a:t>$0</a:t>
+                        <a:t>($15,000)</a:t>
                       </a:r>
                     </a:p>
                   </a:txBody>
@@ -6170,7 +6654,7 @@
                     <a:p>
                       <a:r>
                         <a:rPr b="1" sz="1100"/>
-                        <a:t>$0</a:t>
+                        <a:t>$100,951</a:t>
                       </a:r>
                     </a:p>
                   </a:txBody>
@@ -6187,7 +6671,7 @@
                     <a:p>
                       <a:r>
                         <a:rPr b="1" sz="1100"/>
-                        <a:t>$0</a:t>
+                        <a:t>$33,701</a:t>
                       </a:r>
                     </a:p>
                   </a:txBody>
@@ -6204,7 +6688,7 @@
                     <a:p>
                       <a:r>
                         <a:rPr b="1" sz="1100"/>
-                        <a:t>$0</a:t>
+                        <a:t>$33,701</a:t>
                       </a:r>
                     </a:p>
                   </a:txBody>
@@ -6221,7 +6705,7 @@
                     <a:p>
                       <a:r>
                         <a:rPr b="1" sz="1100"/>
-                        <a:t>$0</a:t>
+                        <a:t>$168,353</a:t>
                       </a:r>
                     </a:p>
                   </a:txBody>

--- a/solutions/aws/ai/intelligent-document-processing/presales/solution-briefing.pptx
+++ b/solutions/aws/ai/intelligent-document-processing/presales/solution-briefing.pptx
@@ -3270,7 +3270,7 @@
           <a:lstStyle/>
           <a:p>
             <a:r>
-              <a:t>['Presenter Name'] | November 20, 2025</a:t>
+              <a:t>['Presenter Name'] | November 21, 2025</a:t>
             </a:r>
           </a:p>
         </p:txBody>

--- a/solutions/aws/ai/intelligent-document-processing/presales/solution-briefing.pptx
+++ b/solutions/aws/ai/intelligent-document-processing/presales/solution-briefing.pptx
@@ -6237,7 +6237,7 @@
                     <a:p>
                       <a:r>
                         <a:rPr sz="1100"/>
-                        <a:t>($(5,000)</a:t>
+                        <a:t>($5,000)</a:t>
                       </a:r>
                     </a:p>
                   </a:txBody>
@@ -6600,7 +6600,7 @@
                     <a:p>
                       <a:r>
                         <a:rPr b="1" sz="1100"/>
-                        <a:t>($(5,000)</a:t>
+                        <a:t>($5,000)</a:t>
                       </a:r>
                     </a:p>
                   </a:txBody>

--- a/solutions/aws/ai/intelligent-document-processing/presales/solution-briefing.pptx
+++ b/solutions/aws/ai/intelligent-document-processing/presales/solution-briefing.pptx
@@ -118,6 +118,9 @@
     <p:ext uri="{EFAFB233-063F-42B5-8137-9DF3F51BA10A}">
       <p15:sldGuideLst xmlns:p15="http://schemas.microsoft.com/office/powerpoint/2012/main"/>
     </p:ext>
+    <p:ext uri="{2D200454-40CA-4A62-9FC3-DE9A4176ACB9}">
+      <p15:notesGuideLst xmlns:p15="http://schemas.microsoft.com/office/powerpoint/2012/main"/>
+    </p:ext>
   </p:extLst>
 </p:presentation>
 </file>
@@ -144,6 +147,59 @@
           <a:chExt cx="0" cy="0"/>
         </a:xfrm>
       </p:grpSpPr>
+      <p:sp>
+        <p:nvSpPr>
+          <p:cNvPr id="2" name="Slide Image Placeholder 1"/>
+          <p:cNvSpPr>
+            <a:spLocks noGrp="1" noRot="1" noChangeAspect="1"/>
+          </p:cNvSpPr>
+          <p:nvPr>
+            <p:ph type="sldImg"/>
+          </p:nvPr>
+        </p:nvSpPr>
+        <p:spPr>
+          <a:xfrm>
+            <a:off x="-171450" y="1143000"/>
+            <a:ext cx="5486400" cy="3086100"/>
+          </a:xfrm>
+          <a:prstGeom prst="rect">
+            <a:avLst/>
+          </a:prstGeom>
+          <a:noFill/>
+          <a:ln w="12700">
+            <a:solidFill>
+              <a:prstClr val="black"/>
+            </a:solidFill>
+          </a:ln>
+        </p:spPr>
+      </p:sp>
+      <p:sp>
+        <p:nvSpPr>
+          <p:cNvPr id="3" name="Notes Placeholder 2"/>
+          <p:cNvSpPr>
+            <a:spLocks noGrp="1"/>
+          </p:cNvSpPr>
+          <p:nvPr>
+            <p:ph type="body" idx="1"/>
+          </p:nvPr>
+        </p:nvSpPr>
+        <p:spPr>
+          <a:xfrm>
+            <a:off x="514350" y="4400550"/>
+            <a:ext cx="4114800" cy="3600450"/>
+          </a:xfrm>
+          <a:prstGeom prst="rect">
+            <a:avLst/>
+          </a:prstGeom>
+        </p:spPr>
+        <p:txBody>
+          <a:bodyPr/>
+          <a:lstStyle/>
+          <a:p>
+            <a:endParaRPr lang="en-US"/>
+          </a:p>
+        </p:txBody>
+      </p:sp>
     </p:spTree>
     <p:extLst>
       <p:ext uri="{BB962C8B-B14F-4D97-AF65-F5344CB8AC3E}">
@@ -637,6 +693,39 @@
       </p:grpSpPr>
       <p:sp>
         <p:nvSpPr>
+          <p:cNvPr id="12" name="Picture Placeholder 13">
+            <a:extLst>
+              <a:ext uri="{FF2B5EF4-FFF2-40B4-BE49-F238E27FC236}">
+                <a16:creationId xmlns:a16="http://schemas.microsoft.com/office/drawing/2014/main" id="{2DB97592-C4D5-B315-7F11-AA14F6EE8A62}"/>
+              </a:ext>
+            </a:extLst>
+          </p:cNvPr>
+          <p:cNvSpPr>
+            <a:spLocks noGrp="1"/>
+          </p:cNvSpPr>
+          <p:nvPr>
+            <p:ph type="pic" sz="quarter" idx="13"/>
+          </p:nvPr>
+        </p:nvSpPr>
+        <p:spPr>
+          <a:xfrm>
+            <a:off x="313593" y="4536078"/>
+            <a:ext cx="2143858" cy="529698"/>
+          </a:xfrm>
+          <a:prstGeom prst="rect">
+            <a:avLst/>
+          </a:prstGeom>
+        </p:spPr>
+        <p:txBody>
+          <a:bodyPr/>
+          <a:lstStyle/>
+          <a:p>
+            <a:endParaRPr lang="en-US" dirty="0"/>
+          </a:p>
+        </p:txBody>
+      </p:sp>
+      <p:sp>
+        <p:nvSpPr>
           <p:cNvPr id="3" name="Shape 1">
             <a:extLst>
               <a:ext uri="{FF2B5EF4-FFF2-40B4-BE49-F238E27FC236}">
@@ -726,39 +815,6 @@
               <a:rPr lang="en-US" dirty="0"/>
               <a:t>Slide Title</a:t>
             </a:r>
-          </a:p>
-        </p:txBody>
-      </p:sp>
-      <p:sp>
-        <p:nvSpPr>
-          <p:cNvPr id="12" name="Picture Placeholder 13">
-            <a:extLst>
-              <a:ext uri="{FF2B5EF4-FFF2-40B4-BE49-F238E27FC236}">
-                <a16:creationId xmlns:a16="http://schemas.microsoft.com/office/drawing/2014/main" id="{2DB97592-C4D5-B315-7F11-AA14F6EE8A62}"/>
-              </a:ext>
-            </a:extLst>
-          </p:cNvPr>
-          <p:cNvSpPr>
-            <a:spLocks noGrp="1"/>
-          </p:cNvSpPr>
-          <p:nvPr>
-            <p:ph type="pic" sz="quarter" idx="13"/>
-          </p:nvPr>
-        </p:nvSpPr>
-        <p:spPr>
-          <a:xfrm>
-            <a:off x="313593" y="4536078"/>
-            <a:ext cx="2143858" cy="529698"/>
-          </a:xfrm>
-          <a:prstGeom prst="rect">
-            <a:avLst/>
-          </a:prstGeom>
-        </p:spPr>
-        <p:txBody>
-          <a:bodyPr/>
-          <a:lstStyle/>
-          <a:p>
-            <a:endParaRPr lang="en-US" dirty="0"/>
           </a:p>
         </p:txBody>
       </p:sp>
@@ -915,6 +971,39 @@
       </p:grpSpPr>
       <p:sp>
         <p:nvSpPr>
+          <p:cNvPr id="12" name="Picture Placeholder 13">
+            <a:extLst>
+              <a:ext uri="{FF2B5EF4-FFF2-40B4-BE49-F238E27FC236}">
+                <a16:creationId xmlns:a16="http://schemas.microsoft.com/office/drawing/2014/main" id="{2DB97592-C4D5-B315-7F11-AA14F6EE8A62}"/>
+              </a:ext>
+            </a:extLst>
+          </p:cNvPr>
+          <p:cNvSpPr>
+            <a:spLocks noGrp="1"/>
+          </p:cNvSpPr>
+          <p:nvPr>
+            <p:ph type="pic" sz="quarter" idx="13"/>
+          </p:nvPr>
+        </p:nvSpPr>
+        <p:spPr>
+          <a:xfrm>
+            <a:off x="313593" y="4536078"/>
+            <a:ext cx="2143858" cy="529698"/>
+          </a:xfrm>
+          <a:prstGeom prst="rect">
+            <a:avLst/>
+          </a:prstGeom>
+        </p:spPr>
+        <p:txBody>
+          <a:bodyPr/>
+          <a:lstStyle/>
+          <a:p>
+            <a:endParaRPr lang="en-US" dirty="0"/>
+          </a:p>
+        </p:txBody>
+      </p:sp>
+      <p:sp>
+        <p:nvSpPr>
           <p:cNvPr id="3" name="Shape 1">
             <a:extLst>
               <a:ext uri="{FF2B5EF4-FFF2-40B4-BE49-F238E27FC236}">
@@ -1004,39 +1093,6 @@
               <a:rPr lang="en-US" dirty="0"/>
               <a:t>Bullet Points</a:t>
             </a:r>
-          </a:p>
-        </p:txBody>
-      </p:sp>
-      <p:sp>
-        <p:nvSpPr>
-          <p:cNvPr id="12" name="Picture Placeholder 13">
-            <a:extLst>
-              <a:ext uri="{FF2B5EF4-FFF2-40B4-BE49-F238E27FC236}">
-                <a16:creationId xmlns:a16="http://schemas.microsoft.com/office/drawing/2014/main" id="{2DB97592-C4D5-B315-7F11-AA14F6EE8A62}"/>
-              </a:ext>
-            </a:extLst>
-          </p:cNvPr>
-          <p:cNvSpPr>
-            <a:spLocks noGrp="1"/>
-          </p:cNvSpPr>
-          <p:nvPr>
-            <p:ph type="pic" sz="quarter" idx="13"/>
-          </p:nvPr>
-        </p:nvSpPr>
-        <p:spPr>
-          <a:xfrm>
-            <a:off x="313593" y="4536078"/>
-            <a:ext cx="2143858" cy="529698"/>
-          </a:xfrm>
-          <a:prstGeom prst="rect">
-            <a:avLst/>
-          </a:prstGeom>
-        </p:spPr>
-        <p:txBody>
-          <a:bodyPr/>
-          <a:lstStyle/>
-          <a:p>
-            <a:endParaRPr lang="en-US" dirty="0"/>
           </a:p>
         </p:txBody>
       </p:sp>
@@ -1179,6 +1235,39 @@
       </p:grpSpPr>
       <p:sp>
         <p:nvSpPr>
+          <p:cNvPr id="10" name="Picture Placeholder 13">
+            <a:extLst>
+              <a:ext uri="{FF2B5EF4-FFF2-40B4-BE49-F238E27FC236}">
+                <a16:creationId xmlns:a16="http://schemas.microsoft.com/office/drawing/2014/main" id="{6A0FA445-7602-F06E-EC73-5504EBF827CC}"/>
+              </a:ext>
+            </a:extLst>
+          </p:cNvPr>
+          <p:cNvSpPr>
+            <a:spLocks noGrp="1"/>
+          </p:cNvSpPr>
+          <p:nvPr>
+            <p:ph type="pic" sz="quarter" idx="14"/>
+          </p:nvPr>
+        </p:nvSpPr>
+        <p:spPr>
+          <a:xfrm>
+            <a:off x="313592" y="4536078"/>
+            <a:ext cx="2121877" cy="529698"/>
+          </a:xfrm>
+          <a:prstGeom prst="rect">
+            <a:avLst/>
+          </a:prstGeom>
+        </p:spPr>
+        <p:txBody>
+          <a:bodyPr/>
+          <a:lstStyle/>
+          <a:p>
+            <a:endParaRPr lang="en-US" dirty="0"/>
+          </a:p>
+        </p:txBody>
+      </p:sp>
+      <p:sp>
+        <p:nvSpPr>
           <p:cNvPr id="3" name="Shape 1">
             <a:extLst>
               <a:ext uri="{FF2B5EF4-FFF2-40B4-BE49-F238E27FC236}">
@@ -1268,39 +1357,6 @@
               <a:rPr lang="en-US" dirty="0"/>
               <a:t>Two Column Layout</a:t>
             </a:r>
-          </a:p>
-        </p:txBody>
-      </p:sp>
-      <p:sp>
-        <p:nvSpPr>
-          <p:cNvPr id="10" name="Picture Placeholder 13">
-            <a:extLst>
-              <a:ext uri="{FF2B5EF4-FFF2-40B4-BE49-F238E27FC236}">
-                <a16:creationId xmlns:a16="http://schemas.microsoft.com/office/drawing/2014/main" id="{6A0FA445-7602-F06E-EC73-5504EBF827CC}"/>
-              </a:ext>
-            </a:extLst>
-          </p:cNvPr>
-          <p:cNvSpPr>
-            <a:spLocks noGrp="1"/>
-          </p:cNvSpPr>
-          <p:nvPr>
-            <p:ph type="pic" sz="quarter" idx="14"/>
-          </p:nvPr>
-        </p:nvSpPr>
-        <p:spPr>
-          <a:xfrm>
-            <a:off x="313592" y="4536078"/>
-            <a:ext cx="2121877" cy="529698"/>
-          </a:xfrm>
-          <a:prstGeom prst="rect">
-            <a:avLst/>
-          </a:prstGeom>
-        </p:spPr>
-        <p:txBody>
-          <a:bodyPr/>
-          <a:lstStyle/>
-          <a:p>
-            <a:endParaRPr lang="en-US" dirty="0"/>
           </a:p>
         </p:txBody>
       </p:sp>
@@ -1548,6 +1604,39 @@
       </p:grpSpPr>
       <p:sp>
         <p:nvSpPr>
+          <p:cNvPr id="12" name="Picture Placeholder 13">
+            <a:extLst>
+              <a:ext uri="{FF2B5EF4-FFF2-40B4-BE49-F238E27FC236}">
+                <a16:creationId xmlns:a16="http://schemas.microsoft.com/office/drawing/2014/main" id="{2DB97592-C4D5-B315-7F11-AA14F6EE8A62}"/>
+              </a:ext>
+            </a:extLst>
+          </p:cNvPr>
+          <p:cNvSpPr>
+            <a:spLocks noGrp="1"/>
+          </p:cNvSpPr>
+          <p:nvPr>
+            <p:ph type="pic" sz="quarter" idx="13"/>
+          </p:nvPr>
+        </p:nvSpPr>
+        <p:spPr>
+          <a:xfrm>
+            <a:off x="313592" y="4536078"/>
+            <a:ext cx="2126273" cy="529698"/>
+          </a:xfrm>
+          <a:prstGeom prst="rect">
+            <a:avLst/>
+          </a:prstGeom>
+        </p:spPr>
+        <p:txBody>
+          <a:bodyPr/>
+          <a:lstStyle/>
+          <a:p>
+            <a:endParaRPr lang="en-US" dirty="0"/>
+          </a:p>
+        </p:txBody>
+      </p:sp>
+      <p:sp>
+        <p:nvSpPr>
           <p:cNvPr id="3" name="Shape 1">
             <a:extLst>
               <a:ext uri="{FF2B5EF4-FFF2-40B4-BE49-F238E27FC236}">
@@ -1663,39 +1752,6 @@
           </a:p>
           <a:p>
             <a:pPr lvl="0"/>
-            <a:endParaRPr lang="en-US" dirty="0"/>
-          </a:p>
-        </p:txBody>
-      </p:sp>
-      <p:sp>
-        <p:nvSpPr>
-          <p:cNvPr id="12" name="Picture Placeholder 13">
-            <a:extLst>
-              <a:ext uri="{FF2B5EF4-FFF2-40B4-BE49-F238E27FC236}">
-                <a16:creationId xmlns:a16="http://schemas.microsoft.com/office/drawing/2014/main" id="{2DB97592-C4D5-B315-7F11-AA14F6EE8A62}"/>
-              </a:ext>
-            </a:extLst>
-          </p:cNvPr>
-          <p:cNvSpPr>
-            <a:spLocks noGrp="1"/>
-          </p:cNvSpPr>
-          <p:nvPr>
-            <p:ph type="pic" sz="quarter" idx="13"/>
-          </p:nvPr>
-        </p:nvSpPr>
-        <p:spPr>
-          <a:xfrm>
-            <a:off x="313592" y="4536078"/>
-            <a:ext cx="2126273" cy="529698"/>
-          </a:xfrm>
-          <a:prstGeom prst="rect">
-            <a:avLst/>
-          </a:prstGeom>
-        </p:spPr>
-        <p:txBody>
-          <a:bodyPr/>
-          <a:lstStyle/>
-          <a:p>
             <a:endParaRPr lang="en-US" dirty="0"/>
           </a:p>
         </p:txBody>
@@ -1807,6 +1863,39 @@
       </p:grpSpPr>
       <p:sp>
         <p:nvSpPr>
+          <p:cNvPr id="10" name="Picture Placeholder 13">
+            <a:extLst>
+              <a:ext uri="{FF2B5EF4-FFF2-40B4-BE49-F238E27FC236}">
+                <a16:creationId xmlns:a16="http://schemas.microsoft.com/office/drawing/2014/main" id="{6A0FA445-7602-F06E-EC73-5504EBF827CC}"/>
+              </a:ext>
+            </a:extLst>
+          </p:cNvPr>
+          <p:cNvSpPr>
+            <a:spLocks noGrp="1"/>
+          </p:cNvSpPr>
+          <p:nvPr>
+            <p:ph type="pic" sz="quarter" idx="14"/>
+          </p:nvPr>
+        </p:nvSpPr>
+        <p:spPr>
+          <a:xfrm>
+            <a:off x="313592" y="4536078"/>
+            <a:ext cx="2130670" cy="529698"/>
+          </a:xfrm>
+          <a:prstGeom prst="rect">
+            <a:avLst/>
+          </a:prstGeom>
+        </p:spPr>
+        <p:txBody>
+          <a:bodyPr/>
+          <a:lstStyle/>
+          <a:p>
+            <a:endParaRPr lang="en-US" dirty="0"/>
+          </a:p>
+        </p:txBody>
+      </p:sp>
+      <p:sp>
+        <p:nvSpPr>
           <p:cNvPr id="3" name="Shape 1">
             <a:extLst>
               <a:ext uri="{FF2B5EF4-FFF2-40B4-BE49-F238E27FC236}">
@@ -1896,39 +1985,6 @@
               <a:rPr lang="en-US" dirty="0"/>
               <a:t>Visual Content</a:t>
             </a:r>
-          </a:p>
-        </p:txBody>
-      </p:sp>
-      <p:sp>
-        <p:nvSpPr>
-          <p:cNvPr id="10" name="Picture Placeholder 13">
-            <a:extLst>
-              <a:ext uri="{FF2B5EF4-FFF2-40B4-BE49-F238E27FC236}">
-                <a16:creationId xmlns:a16="http://schemas.microsoft.com/office/drawing/2014/main" id="{6A0FA445-7602-F06E-EC73-5504EBF827CC}"/>
-              </a:ext>
-            </a:extLst>
-          </p:cNvPr>
-          <p:cNvSpPr>
-            <a:spLocks noGrp="1"/>
-          </p:cNvSpPr>
-          <p:nvPr>
-            <p:ph type="pic" sz="quarter" idx="14"/>
-          </p:nvPr>
-        </p:nvSpPr>
-        <p:spPr>
-          <a:xfrm>
-            <a:off x="313592" y="4536078"/>
-            <a:ext cx="2130670" cy="529698"/>
-          </a:xfrm>
-          <a:prstGeom prst="rect">
-            <a:avLst/>
-          </a:prstGeom>
-        </p:spPr>
-        <p:txBody>
-          <a:bodyPr/>
-          <a:lstStyle/>
-          <a:p>
-            <a:endParaRPr lang="en-US" dirty="0"/>
           </a:p>
         </p:txBody>
       </p:sp>
@@ -2124,6 +2180,39 @@
       </p:grpSpPr>
       <p:sp>
         <p:nvSpPr>
+          <p:cNvPr id="10" name="Picture Placeholder 13">
+            <a:extLst>
+              <a:ext uri="{FF2B5EF4-FFF2-40B4-BE49-F238E27FC236}">
+                <a16:creationId xmlns:a16="http://schemas.microsoft.com/office/drawing/2014/main" id="{6A0FA445-7602-F06E-EC73-5504EBF827CC}"/>
+              </a:ext>
+            </a:extLst>
+          </p:cNvPr>
+          <p:cNvSpPr>
+            <a:spLocks noGrp="1"/>
+          </p:cNvSpPr>
+          <p:nvPr>
+            <p:ph type="pic" sz="quarter" idx="14"/>
+          </p:nvPr>
+        </p:nvSpPr>
+        <p:spPr>
+          <a:xfrm>
+            <a:off x="313592" y="4536078"/>
+            <a:ext cx="2104294" cy="529698"/>
+          </a:xfrm>
+          <a:prstGeom prst="rect">
+            <a:avLst/>
+          </a:prstGeom>
+        </p:spPr>
+        <p:txBody>
+          <a:bodyPr/>
+          <a:lstStyle/>
+          <a:p>
+            <a:endParaRPr lang="en-US" dirty="0"/>
+          </a:p>
+        </p:txBody>
+      </p:sp>
+      <p:sp>
+        <p:nvSpPr>
           <p:cNvPr id="3" name="Shape 1">
             <a:extLst>
               <a:ext uri="{FF2B5EF4-FFF2-40B4-BE49-F238E27FC236}">
@@ -2213,39 +2302,6 @@
               <a:rPr lang="en-US" dirty="0"/>
               <a:t>Data Visualization</a:t>
             </a:r>
-          </a:p>
-        </p:txBody>
-      </p:sp>
-      <p:sp>
-        <p:nvSpPr>
-          <p:cNvPr id="10" name="Picture Placeholder 13">
-            <a:extLst>
-              <a:ext uri="{FF2B5EF4-FFF2-40B4-BE49-F238E27FC236}">
-                <a16:creationId xmlns:a16="http://schemas.microsoft.com/office/drawing/2014/main" id="{6A0FA445-7602-F06E-EC73-5504EBF827CC}"/>
-              </a:ext>
-            </a:extLst>
-          </p:cNvPr>
-          <p:cNvSpPr>
-            <a:spLocks noGrp="1"/>
-          </p:cNvSpPr>
-          <p:nvPr>
-            <p:ph type="pic" sz="quarter" idx="14"/>
-          </p:nvPr>
-        </p:nvSpPr>
-        <p:spPr>
-          <a:xfrm>
-            <a:off x="313592" y="4536078"/>
-            <a:ext cx="2104294" cy="529698"/>
-          </a:xfrm>
-          <a:prstGeom prst="rect">
-            <a:avLst/>
-          </a:prstGeom>
-        </p:spPr>
-        <p:txBody>
-          <a:bodyPr/>
-          <a:lstStyle/>
-          <a:p>
-            <a:endParaRPr lang="en-US" dirty="0"/>
           </a:p>
         </p:txBody>
       </p:sp>
@@ -3214,6 +3270,18 @@
       <p:grpSpPr/>
       <p:sp>
         <p:nvSpPr>
+          <p:cNvPr id="2" name="Picture Placeholder 1"/>
+          <p:cNvSpPr>
+            <a:spLocks noGrp="1"/>
+          </p:cNvSpPr>
+          <p:nvPr>
+            <p:ph type="pic" idx="10" sz="quarter"/>
+          </p:nvPr>
+        </p:nvSpPr>
+        <p:spPr/>
+      </p:sp>
+      <p:sp>
+        <p:nvSpPr>
           <p:cNvPr id="3" name="Text Placeholder 2"/>
           <p:cNvSpPr>
             <a:spLocks noGrp="1"/>
@@ -3235,6 +3303,18 @@
       </p:sp>
       <p:sp>
         <p:nvSpPr>
+          <p:cNvPr id="4" name="Picture Placeholder 3"/>
+          <p:cNvSpPr>
+            <a:spLocks noGrp="1"/>
+          </p:cNvSpPr>
+          <p:nvPr>
+            <p:ph type="pic" idx="13" sz="quarter"/>
+          </p:nvPr>
+        </p:nvSpPr>
+        <p:spPr/>
+      </p:sp>
+      <p:sp>
+        <p:nvSpPr>
           <p:cNvPr id="5" name="Text Placeholder 4"/>
           <p:cNvSpPr>
             <a:spLocks noGrp="1"/>
@@ -3270,83 +3350,11 @@
           <a:lstStyle/>
           <a:p>
             <a:r>
-              <a:t>['Presenter Name'] | November 21, 2025</a:t>
-            </a:r>
-          </a:p>
-        </p:txBody>
-      </p:sp>
-      <p:pic>
-        <p:nvPicPr>
-          <p:cNvPr id="7" name="Picture 6" descr="client_logo.png"/>
-          <p:cNvPicPr>
-            <a:picLocks noChangeAspect="1"/>
-          </p:cNvPicPr>
-          <p:nvPr/>
-        </p:nvPicPr>
-        <p:blipFill>
-          <a:blip r:embed="rId2"/>
-          <a:stretch>
-            <a:fillRect/>
-          </a:stretch>
-        </p:blipFill>
-        <p:spPr>
-          <a:xfrm>
-            <a:off x="2180492" y="171206"/>
-            <a:ext cx="3978520" cy="1314694"/>
-          </a:xfrm>
-          <a:prstGeom prst="rect">
-            <a:avLst/>
-          </a:prstGeom>
-        </p:spPr>
-      </p:pic>
-      <p:pic>
-        <p:nvPicPr>
-          <p:cNvPr id="8" name="Picture 7" descr="consulting_company_logo.png"/>
-          <p:cNvPicPr>
-            <a:picLocks noChangeAspect="1"/>
-          </p:cNvPicPr>
-          <p:nvPr/>
-        </p:nvPicPr>
-        <p:blipFill>
-          <a:blip r:embed="rId3"/>
-          <a:stretch>
-            <a:fillRect/>
-          </a:stretch>
-        </p:blipFill>
-        <p:spPr>
-          <a:xfrm>
-            <a:off x="313591" y="4536078"/>
-            <a:ext cx="2099897" cy="529698"/>
-          </a:xfrm>
-          <a:prstGeom prst="rect">
-            <a:avLst/>
-          </a:prstGeom>
-        </p:spPr>
-      </p:pic>
-      <p:pic>
-        <p:nvPicPr>
-          <p:cNvPr id="9" name="Picture 8" descr="eo-framework-logo-real.png"/>
-          <p:cNvPicPr>
-            <a:picLocks noChangeAspect="1"/>
-          </p:cNvPicPr>
-          <p:nvPr/>
-        </p:nvPicPr>
-        <p:blipFill>
-          <a:blip r:embed="rId4"/>
-          <a:stretch>
-            <a:fillRect/>
-          </a:stretch>
-        </p:blipFill>
-        <p:spPr>
-          <a:xfrm>
-            <a:off x="6684264" y="4535424"/>
-            <a:ext cx="2139696" cy="530352"/>
-          </a:xfrm>
-          <a:prstGeom prst="rect">
-            <a:avLst/>
-          </a:prstGeom>
-        </p:spPr>
-      </p:pic>
+              <a:t>['Presenter Name'] | November 24, 2025</a:t>
+            </a:r>
+          </a:p>
+        </p:txBody>
+      </p:sp>
     </p:spTree>
   </p:cSld>
   <p:clrMapOvr>
@@ -3367,7 +3375,19 @@
       <p:grpSpPr/>
       <p:sp>
         <p:nvSpPr>
-          <p:cNvPr id="2" name="Text Placeholder 1"/>
+          <p:cNvPr id="2" name="Picture Placeholder 1"/>
+          <p:cNvSpPr>
+            <a:spLocks noGrp="1"/>
+          </p:cNvSpPr>
+          <p:nvPr>
+            <p:ph type="pic" idx="13" sz="quarter"/>
+          </p:nvPr>
+        </p:nvSpPr>
+        <p:spPr/>
+      </p:sp>
+      <p:sp>
+        <p:nvSpPr>
+          <p:cNvPr id="3" name="Text Placeholder 2"/>
           <p:cNvSpPr>
             <a:spLocks noGrp="1"/>
           </p:cNvSpPr>
@@ -3482,30 +3502,6 @@
           </a:p>
         </p:txBody>
       </p:sp>
-      <p:pic>
-        <p:nvPicPr>
-          <p:cNvPr id="6" name="Picture 5" descr="consulting_company_logo.png"/>
-          <p:cNvPicPr>
-            <a:picLocks noChangeAspect="1"/>
-          </p:cNvPicPr>
-          <p:nvPr/>
-        </p:nvPicPr>
-        <p:blipFill>
-          <a:blip r:embed="rId2"/>
-          <a:stretch>
-            <a:fillRect/>
-          </a:stretch>
-        </p:blipFill>
-        <p:spPr>
-          <a:xfrm>
-            <a:off x="313593" y="4536078"/>
-            <a:ext cx="2143858" cy="529698"/>
-          </a:xfrm>
-          <a:prstGeom prst="rect">
-            <a:avLst/>
-          </a:prstGeom>
-        </p:spPr>
-      </p:pic>
     </p:spTree>
   </p:cSld>
   <p:clrMapOvr>
@@ -3526,6 +3522,18 @@
       <p:grpSpPr/>
       <p:sp>
         <p:nvSpPr>
+          <p:cNvPr id="2" name="Picture Placeholder 1"/>
+          <p:cNvSpPr>
+            <a:spLocks noGrp="1"/>
+          </p:cNvSpPr>
+          <p:nvPr>
+            <p:ph type="pic" idx="10" sz="quarter"/>
+          </p:nvPr>
+        </p:nvSpPr>
+        <p:spPr/>
+      </p:sp>
+      <p:sp>
+        <p:nvSpPr>
           <p:cNvPr id="3" name="Text Placeholder 2"/>
           <p:cNvSpPr>
             <a:spLocks noGrp="1"/>
@@ -3544,6 +3552,18 @@
             </a:r>
           </a:p>
         </p:txBody>
+      </p:sp>
+      <p:sp>
+        <p:nvSpPr>
+          <p:cNvPr id="4" name="Picture Placeholder 3"/>
+          <p:cNvSpPr>
+            <a:spLocks noGrp="1"/>
+          </p:cNvSpPr>
+          <p:nvPr>
+            <p:ph type="pic" idx="13" sz="quarter"/>
+          </p:nvPr>
+        </p:nvSpPr>
+        <p:spPr/>
       </p:sp>
       <p:sp>
         <p:nvSpPr>
@@ -3579,78 +3599,6 @@
           <a:p/>
         </p:txBody>
       </p:sp>
-      <p:pic>
-        <p:nvPicPr>
-          <p:cNvPr id="7" name="Picture 6" descr="client_logo.png"/>
-          <p:cNvPicPr>
-            <a:picLocks noChangeAspect="1"/>
-          </p:cNvPicPr>
-          <p:nvPr/>
-        </p:nvPicPr>
-        <p:blipFill>
-          <a:blip r:embed="rId2"/>
-          <a:stretch>
-            <a:fillRect/>
-          </a:stretch>
-        </p:blipFill>
-        <p:spPr>
-          <a:xfrm>
-            <a:off x="2180492" y="171206"/>
-            <a:ext cx="3978520" cy="1314694"/>
-          </a:xfrm>
-          <a:prstGeom prst="rect">
-            <a:avLst/>
-          </a:prstGeom>
-        </p:spPr>
-      </p:pic>
-      <p:pic>
-        <p:nvPicPr>
-          <p:cNvPr id="8" name="Picture 7" descr="consulting_company_logo.png"/>
-          <p:cNvPicPr>
-            <a:picLocks noChangeAspect="1"/>
-          </p:cNvPicPr>
-          <p:nvPr/>
-        </p:nvPicPr>
-        <p:blipFill>
-          <a:blip r:embed="rId3"/>
-          <a:stretch>
-            <a:fillRect/>
-          </a:stretch>
-        </p:blipFill>
-        <p:spPr>
-          <a:xfrm>
-            <a:off x="313592" y="4536078"/>
-            <a:ext cx="2164114" cy="529698"/>
-          </a:xfrm>
-          <a:prstGeom prst="rect">
-            <a:avLst/>
-          </a:prstGeom>
-        </p:spPr>
-      </p:pic>
-      <p:pic>
-        <p:nvPicPr>
-          <p:cNvPr id="9" name="Picture 8" descr="eo-framework-logo-real.png"/>
-          <p:cNvPicPr>
-            <a:picLocks noChangeAspect="1"/>
-          </p:cNvPicPr>
-          <p:nvPr/>
-        </p:nvPicPr>
-        <p:blipFill>
-          <a:blip r:embed="rId4"/>
-          <a:stretch>
-            <a:fillRect/>
-          </a:stretch>
-        </p:blipFill>
-        <p:spPr>
-          <a:xfrm>
-            <a:off x="6684264" y="4535424"/>
-            <a:ext cx="2139696" cy="530352"/>
-          </a:xfrm>
-          <a:prstGeom prst="rect">
-            <a:avLst/>
-          </a:prstGeom>
-        </p:spPr>
-      </p:pic>
     </p:spTree>
   </p:cSld>
   <p:clrMapOvr>
@@ -3671,7 +3619,19 @@
       <p:grpSpPr/>
       <p:sp>
         <p:nvSpPr>
-          <p:cNvPr id="2" name="Text Placeholder 1"/>
+          <p:cNvPr id="2" name="Picture Placeholder 1"/>
+          <p:cNvSpPr>
+            <a:spLocks noGrp="1"/>
+          </p:cNvSpPr>
+          <p:nvPr>
+            <p:ph type="pic" idx="14" sz="quarter"/>
+          </p:nvPr>
+        </p:nvSpPr>
+        <p:spPr/>
+      </p:sp>
+      <p:sp>
+        <p:nvSpPr>
+          <p:cNvPr id="3" name="Text Placeholder 2"/>
           <p:cNvSpPr>
             <a:spLocks noGrp="1"/>
           </p:cNvSpPr>
@@ -3802,30 +3762,6 @@
           </a:p>
         </p:txBody>
       </p:sp>
-      <p:pic>
-        <p:nvPicPr>
-          <p:cNvPr id="7" name="Picture 6" descr="consulting_company_logo.png"/>
-          <p:cNvPicPr>
-            <a:picLocks noChangeAspect="1"/>
-          </p:cNvPicPr>
-          <p:nvPr/>
-        </p:nvPicPr>
-        <p:blipFill>
-          <a:blip r:embed="rId2"/>
-          <a:stretch>
-            <a:fillRect/>
-          </a:stretch>
-        </p:blipFill>
-        <p:spPr>
-          <a:xfrm>
-            <a:off x="313592" y="4536078"/>
-            <a:ext cx="2121877" cy="529698"/>
-          </a:xfrm>
-          <a:prstGeom prst="rect">
-            <a:avLst/>
-          </a:prstGeom>
-        </p:spPr>
-      </p:pic>
     </p:spTree>
   </p:cSld>
   <p:clrMapOvr>
@@ -3846,7 +3782,19 @@
       <p:grpSpPr/>
       <p:sp>
         <p:nvSpPr>
-          <p:cNvPr id="2" name="Text Placeholder 1"/>
+          <p:cNvPr id="2" name="Picture Placeholder 1"/>
+          <p:cNvSpPr>
+            <a:spLocks noGrp="1"/>
+          </p:cNvSpPr>
+          <p:nvPr>
+            <p:ph type="pic" idx="13" sz="quarter"/>
+          </p:nvPr>
+        </p:nvSpPr>
+        <p:spPr/>
+      </p:sp>
+      <p:sp>
+        <p:nvSpPr>
+          <p:cNvPr id="3" name="Text Placeholder 2"/>
           <p:cNvSpPr>
             <a:spLocks noGrp="1"/>
           </p:cNvSpPr>
@@ -4680,30 +4628,6 @@
           </a:p>
         </p:txBody>
       </p:sp>
-      <p:pic>
-        <p:nvPicPr>
-          <p:cNvPr id="6" name="Picture 5" descr="consulting_company_logo.png"/>
-          <p:cNvPicPr>
-            <a:picLocks noChangeAspect="1"/>
-          </p:cNvPicPr>
-          <p:nvPr/>
-        </p:nvPicPr>
-        <p:blipFill>
-          <a:blip r:embed="rId2"/>
-          <a:stretch>
-            <a:fillRect/>
-          </a:stretch>
-        </p:blipFill>
-        <p:spPr>
-          <a:xfrm>
-            <a:off x="313592" y="4536078"/>
-            <a:ext cx="2126273" cy="529698"/>
-          </a:xfrm>
-          <a:prstGeom prst="rect">
-            <a:avLst/>
-          </a:prstGeom>
-        </p:spPr>
-      </p:pic>
     </p:spTree>
   </p:cSld>
   <p:clrMapOvr>
@@ -4724,7 +4648,19 @@
       <p:grpSpPr/>
       <p:sp>
         <p:nvSpPr>
-          <p:cNvPr id="2" name="Text Placeholder 1"/>
+          <p:cNvPr id="2" name="Picture Placeholder 1"/>
+          <p:cNvSpPr>
+            <a:spLocks noGrp="1"/>
+          </p:cNvSpPr>
+          <p:nvPr>
+            <p:ph type="pic" idx="14" sz="quarter"/>
+          </p:nvPr>
+        </p:nvSpPr>
+        <p:spPr/>
+      </p:sp>
+      <p:sp>
+        <p:nvSpPr>
+          <p:cNvPr id="3" name="Text Placeholder 2"/>
           <p:cNvSpPr>
             <a:spLocks noGrp="1"/>
           </p:cNvSpPr>
@@ -4869,30 +4805,6 @@
           </a:ln>
         </p:spPr>
       </p:pic>
-      <p:pic>
-        <p:nvPicPr>
-          <p:cNvPr id="8" name="Picture 7" descr="consulting_company_logo.png"/>
-          <p:cNvPicPr>
-            <a:picLocks noChangeAspect="1"/>
-          </p:cNvPicPr>
-          <p:nvPr/>
-        </p:nvPicPr>
-        <p:blipFill>
-          <a:blip r:embed="rId3"/>
-          <a:stretch>
-            <a:fillRect/>
-          </a:stretch>
-        </p:blipFill>
-        <p:spPr>
-          <a:xfrm>
-            <a:off x="313592" y="4536078"/>
-            <a:ext cx="2130670" cy="529698"/>
-          </a:xfrm>
-          <a:prstGeom prst="rect">
-            <a:avLst/>
-          </a:prstGeom>
-        </p:spPr>
-      </p:pic>
     </p:spTree>
   </p:cSld>
   <p:clrMapOvr>
@@ -4913,7 +4825,19 @@
       <p:grpSpPr/>
       <p:sp>
         <p:nvSpPr>
-          <p:cNvPr id="2" name="Text Placeholder 1"/>
+          <p:cNvPr id="2" name="Picture Placeholder 1"/>
+          <p:cNvSpPr>
+            <a:spLocks noGrp="1"/>
+          </p:cNvSpPr>
+          <p:nvPr>
+            <p:ph type="pic" idx="13" sz="quarter"/>
+          </p:nvPr>
+        </p:nvSpPr>
+        <p:spPr/>
+      </p:sp>
+      <p:sp>
+        <p:nvSpPr>
+          <p:cNvPr id="3" name="Text Placeholder 2"/>
           <p:cNvSpPr>
             <a:spLocks noGrp="1"/>
           </p:cNvSpPr>
@@ -5053,30 +4977,6 @@
           </a:p>
         </p:txBody>
       </p:sp>
-      <p:pic>
-        <p:nvPicPr>
-          <p:cNvPr id="6" name="Picture 5" descr="consulting_company_logo.png"/>
-          <p:cNvPicPr>
-            <a:picLocks noChangeAspect="1"/>
-          </p:cNvPicPr>
-          <p:nvPr/>
-        </p:nvPicPr>
-        <p:blipFill>
-          <a:blip r:embed="rId2"/>
-          <a:stretch>
-            <a:fillRect/>
-          </a:stretch>
-        </p:blipFill>
-        <p:spPr>
-          <a:xfrm>
-            <a:off x="313593" y="4536078"/>
-            <a:ext cx="2143858" cy="529698"/>
-          </a:xfrm>
-          <a:prstGeom prst="rect">
-            <a:avLst/>
-          </a:prstGeom>
-        </p:spPr>
-      </p:pic>
     </p:spTree>
   </p:cSld>
   <p:clrMapOvr>
@@ -5097,7 +4997,19 @@
       <p:grpSpPr/>
       <p:sp>
         <p:nvSpPr>
-          <p:cNvPr id="2" name="Text Placeholder 1"/>
+          <p:cNvPr id="2" name="Picture Placeholder 1"/>
+          <p:cNvSpPr>
+            <a:spLocks noGrp="1"/>
+          </p:cNvSpPr>
+          <p:nvPr>
+            <p:ph type="pic" idx="13" sz="quarter"/>
+          </p:nvPr>
+        </p:nvSpPr>
+        <p:spPr/>
+      </p:sp>
+      <p:sp>
+        <p:nvSpPr>
+          <p:cNvPr id="3" name="Text Placeholder 2"/>
           <p:cNvSpPr>
             <a:spLocks noGrp="1"/>
           </p:cNvSpPr>
@@ -5472,30 +5384,6 @@
           </a:p>
         </p:txBody>
       </p:sp>
-      <p:pic>
-        <p:nvPicPr>
-          <p:cNvPr id="6" name="Picture 5" descr="consulting_company_logo.png"/>
-          <p:cNvPicPr>
-            <a:picLocks noChangeAspect="1"/>
-          </p:cNvPicPr>
-          <p:nvPr/>
-        </p:nvPicPr>
-        <p:blipFill>
-          <a:blip r:embed="rId2"/>
-          <a:stretch>
-            <a:fillRect/>
-          </a:stretch>
-        </p:blipFill>
-        <p:spPr>
-          <a:xfrm>
-            <a:off x="313592" y="4536078"/>
-            <a:ext cx="2126273" cy="529698"/>
-          </a:xfrm>
-          <a:prstGeom prst="rect">
-            <a:avLst/>
-          </a:prstGeom>
-        </p:spPr>
-      </p:pic>
     </p:spTree>
   </p:cSld>
   <p:clrMapOvr>
@@ -5516,7 +5404,19 @@
       <p:grpSpPr/>
       <p:sp>
         <p:nvSpPr>
-          <p:cNvPr id="2" name="Text Placeholder 1"/>
+          <p:cNvPr id="2" name="Picture Placeholder 1"/>
+          <p:cNvSpPr>
+            <a:spLocks noGrp="1"/>
+          </p:cNvSpPr>
+          <p:nvPr>
+            <p:ph type="pic" idx="13" sz="quarter"/>
+          </p:nvPr>
+        </p:nvSpPr>
+        <p:spPr/>
+      </p:sp>
+      <p:sp>
+        <p:nvSpPr>
+          <p:cNvPr id="3" name="Text Placeholder 2"/>
           <p:cNvSpPr>
             <a:spLocks noGrp="1"/>
           </p:cNvSpPr>
@@ -5645,30 +5545,6 @@
           </a:p>
         </p:txBody>
       </p:sp>
-      <p:pic>
-        <p:nvPicPr>
-          <p:cNvPr id="6" name="Picture 5" descr="consulting_company_logo.png"/>
-          <p:cNvPicPr>
-            <a:picLocks noChangeAspect="1"/>
-          </p:cNvPicPr>
-          <p:nvPr/>
-        </p:nvPicPr>
-        <p:blipFill>
-          <a:blip r:embed="rId2"/>
-          <a:stretch>
-            <a:fillRect/>
-          </a:stretch>
-        </p:blipFill>
-        <p:spPr>
-          <a:xfrm>
-            <a:off x="313593" y="4536078"/>
-            <a:ext cx="2143858" cy="529698"/>
-          </a:xfrm>
-          <a:prstGeom prst="rect">
-            <a:avLst/>
-          </a:prstGeom>
-        </p:spPr>
-      </p:pic>
     </p:spTree>
   </p:cSld>
   <p:clrMapOvr>
@@ -5689,7 +5565,19 @@
       <p:grpSpPr/>
       <p:sp>
         <p:nvSpPr>
-          <p:cNvPr id="2" name="Text Placeholder 1"/>
+          <p:cNvPr id="2" name="Picture Placeholder 1"/>
+          <p:cNvSpPr>
+            <a:spLocks noGrp="1"/>
+          </p:cNvSpPr>
+          <p:nvPr>
+            <p:ph type="pic" idx="14" sz="quarter"/>
+          </p:nvPr>
+        </p:nvSpPr>
+        <p:spPr/>
+      </p:sp>
+      <p:sp>
+        <p:nvSpPr>
+          <p:cNvPr id="3" name="Text Placeholder 2"/>
           <p:cNvSpPr>
             <a:spLocks noGrp="1"/>
           </p:cNvSpPr>
@@ -5832,30 +5720,6 @@
           </a:p>
         </p:txBody>
       </p:sp>
-      <p:pic>
-        <p:nvPicPr>
-          <p:cNvPr id="7" name="Picture 6" descr="consulting_company_logo.png"/>
-          <p:cNvPicPr>
-            <a:picLocks noChangeAspect="1"/>
-          </p:cNvPicPr>
-          <p:nvPr/>
-        </p:nvPicPr>
-        <p:blipFill>
-          <a:blip r:embed="rId2"/>
-          <a:stretch>
-            <a:fillRect/>
-          </a:stretch>
-        </p:blipFill>
-        <p:spPr>
-          <a:xfrm>
-            <a:off x="313592" y="4536078"/>
-            <a:ext cx="2121877" cy="529698"/>
-          </a:xfrm>
-          <a:prstGeom prst="rect">
-            <a:avLst/>
-          </a:prstGeom>
-        </p:spPr>
-      </p:pic>
     </p:spTree>
   </p:cSld>
   <p:clrMapOvr>
@@ -5876,7 +5740,19 @@
       <p:grpSpPr/>
       <p:sp>
         <p:nvSpPr>
-          <p:cNvPr id="2" name="Text Placeholder 1"/>
+          <p:cNvPr id="2" name="Picture Placeholder 1"/>
+          <p:cNvSpPr>
+            <a:spLocks noGrp="1"/>
+          </p:cNvSpPr>
+          <p:nvPr>
+            <p:ph type="pic" idx="13" sz="quarter"/>
+          </p:nvPr>
+        </p:nvSpPr>
+        <p:spPr/>
+      </p:sp>
+      <p:sp>
+        <p:nvSpPr>
+          <p:cNvPr id="3" name="Text Placeholder 2"/>
           <p:cNvSpPr>
             <a:spLocks noGrp="1"/>
           </p:cNvSpPr>
@@ -6099,7 +5975,7 @@
                     <a:p>
                       <a:r>
                         <a:rPr sz="1100"/>
-                        <a:t>$82,250</a:t>
+                        <a:t>$0</a:t>
                       </a:r>
                     </a:p>
                   </a:txBody>
@@ -6133,7 +6009,7 @@
                     <a:p>
                       <a:r>
                         <a:rPr sz="1100"/>
-                        <a:t>$82,250</a:t>
+                        <a:t>$0</a:t>
                       </a:r>
                     </a:p>
                   </a:txBody>
@@ -6184,7 +6060,7 @@
                     <a:p>
                       <a:r>
                         <a:rPr sz="1100"/>
-                        <a:t>$82,250</a:t>
+                        <a:t>$0</a:t>
                       </a:r>
                     </a:p>
                   </a:txBody>
@@ -6203,7 +6079,7 @@
                     <a:p>
                       <a:r>
                         <a:rPr sz="1100"/>
-                        <a:t>Cloud Infrastructure</a:t>
+                        <a:t>Cloud Services</a:t>
                       </a:r>
                     </a:p>
                   </a:txBody>
@@ -6583,7 +6459,7 @@
                     <a:p>
                       <a:r>
                         <a:rPr b="1" sz="1100"/>
-                        <a:t>$115,951</a:t>
+                        <a:t>$33,701</a:t>
                       </a:r>
                     </a:p>
                   </a:txBody>
@@ -6617,7 +6493,7 @@
                     <a:p>
                       <a:r>
                         <a:rPr b="1" sz="1100"/>
-                        <a:t>$110,951</a:t>
+                        <a:t>$28,701</a:t>
                       </a:r>
                     </a:p>
                   </a:txBody>
@@ -6668,7 +6544,7 @@
                     <a:p>
                       <a:r>
                         <a:rPr b="1" sz="1100"/>
-                        <a:t>$178,353</a:t>
+                        <a:t>$96,103</a:t>
                       </a:r>
                     </a:p>
                   </a:txBody>
@@ -6712,30 +6588,6 @@
           </a:p>
         </p:txBody>
       </p:sp>
-      <p:pic>
-        <p:nvPicPr>
-          <p:cNvPr id="6" name="Picture 5" descr="consulting_company_logo.png"/>
-          <p:cNvPicPr>
-            <a:picLocks noChangeAspect="1"/>
-          </p:cNvPicPr>
-          <p:nvPr/>
-        </p:nvPicPr>
-        <p:blipFill>
-          <a:blip r:embed="rId2"/>
-          <a:stretch>
-            <a:fillRect/>
-          </a:stretch>
-        </p:blipFill>
-        <p:spPr>
-          <a:xfrm>
-            <a:off x="313592" y="4536078"/>
-            <a:ext cx="2126273" cy="529698"/>
-          </a:xfrm>
-          <a:prstGeom prst="rect">
-            <a:avLst/>
-          </a:prstGeom>
-        </p:spPr>
-      </p:pic>
     </p:spTree>
   </p:cSld>
   <p:clrMapOvr>

--- a/solutions/aws/ai/intelligent-document-processing/presales/solution-briefing.pptx
+++ b/solutions/aws/ai/intelligent-document-processing/presales/solution-briefing.pptx
@@ -3350,7 +3350,7 @@
           <a:lstStyle/>
           <a:p>
             <a:r>
-              <a:t>['Presenter Name'] | November 24, 2025</a:t>
+              <a:t>['Presenter Name'] | November 26, 2025</a:t>
             </a:r>
           </a:p>
         </p:txBody>

--- a/solutions/aws/ai/intelligent-document-processing/presales/solution-briefing.pptx
+++ b/solutions/aws/ai/intelligent-document-processing/presales/solution-briefing.pptx
@@ -3270,18 +3270,6 @@
       <p:grpSpPr/>
       <p:sp>
         <p:nvSpPr>
-          <p:cNvPr id="2" name="Picture Placeholder 1"/>
-          <p:cNvSpPr>
-            <a:spLocks noGrp="1"/>
-          </p:cNvSpPr>
-          <p:nvPr>
-            <p:ph type="pic" idx="10" sz="quarter"/>
-          </p:nvPr>
-        </p:nvSpPr>
-        <p:spPr/>
-      </p:sp>
-      <p:sp>
-        <p:nvSpPr>
           <p:cNvPr id="3" name="Text Placeholder 2"/>
           <p:cNvSpPr>
             <a:spLocks noGrp="1"/>
@@ -3303,18 +3291,6 @@
       </p:sp>
       <p:sp>
         <p:nvSpPr>
-          <p:cNvPr id="4" name="Picture Placeholder 3"/>
-          <p:cNvSpPr>
-            <a:spLocks noGrp="1"/>
-          </p:cNvSpPr>
-          <p:nvPr>
-            <p:ph type="pic" idx="13" sz="quarter"/>
-          </p:nvPr>
-        </p:nvSpPr>
-        <p:spPr/>
-      </p:sp>
-      <p:sp>
-        <p:nvSpPr>
           <p:cNvPr id="5" name="Text Placeholder 4"/>
           <p:cNvSpPr>
             <a:spLocks noGrp="1"/>
@@ -3355,6 +3331,78 @@
           </a:p>
         </p:txBody>
       </p:sp>
+      <p:pic>
+        <p:nvPicPr>
+          <p:cNvPr id="7" name="Picture 6" descr="client_logo.png"/>
+          <p:cNvPicPr>
+            <a:picLocks noChangeAspect="1"/>
+          </p:cNvPicPr>
+          <p:nvPr/>
+        </p:nvPicPr>
+        <p:blipFill>
+          <a:blip r:embed="rId2"/>
+          <a:stretch>
+            <a:fillRect/>
+          </a:stretch>
+        </p:blipFill>
+        <p:spPr>
+          <a:xfrm>
+            <a:off x="2180492" y="171206"/>
+            <a:ext cx="3978520" cy="1314694"/>
+          </a:xfrm>
+          <a:prstGeom prst="rect">
+            <a:avLst/>
+          </a:prstGeom>
+        </p:spPr>
+      </p:pic>
+      <p:pic>
+        <p:nvPicPr>
+          <p:cNvPr id="8" name="Picture 7" descr="consulting_company_logo.png"/>
+          <p:cNvPicPr>
+            <a:picLocks noChangeAspect="1"/>
+          </p:cNvPicPr>
+          <p:nvPr/>
+        </p:nvPicPr>
+        <p:blipFill>
+          <a:blip r:embed="rId3"/>
+          <a:stretch>
+            <a:fillRect/>
+          </a:stretch>
+        </p:blipFill>
+        <p:spPr>
+          <a:xfrm>
+            <a:off x="313591" y="4536078"/>
+            <a:ext cx="2099897" cy="529698"/>
+          </a:xfrm>
+          <a:prstGeom prst="rect">
+            <a:avLst/>
+          </a:prstGeom>
+        </p:spPr>
+      </p:pic>
+      <p:pic>
+        <p:nvPicPr>
+          <p:cNvPr id="9" name="Picture 8" descr="eo-framework-logo-real.png"/>
+          <p:cNvPicPr>
+            <a:picLocks noChangeAspect="1"/>
+          </p:cNvPicPr>
+          <p:nvPr/>
+        </p:nvPicPr>
+        <p:blipFill>
+          <a:blip r:embed="rId4"/>
+          <a:stretch>
+            <a:fillRect/>
+          </a:stretch>
+        </p:blipFill>
+        <p:spPr>
+          <a:xfrm>
+            <a:off x="6684264" y="4535424"/>
+            <a:ext cx="2139696" cy="530352"/>
+          </a:xfrm>
+          <a:prstGeom prst="rect">
+            <a:avLst/>
+          </a:prstGeom>
+        </p:spPr>
+      </p:pic>
     </p:spTree>
   </p:cSld>
   <p:clrMapOvr>
@@ -3375,18 +3423,6 @@
       <p:grpSpPr/>
       <p:sp>
         <p:nvSpPr>
-          <p:cNvPr id="2" name="Picture Placeholder 1"/>
-          <p:cNvSpPr>
-            <a:spLocks noGrp="1"/>
-          </p:cNvSpPr>
-          <p:nvPr>
-            <p:ph type="pic" idx="13" sz="quarter"/>
-          </p:nvPr>
-        </p:nvSpPr>
-        <p:spPr/>
-      </p:sp>
-      <p:sp>
-        <p:nvSpPr>
           <p:cNvPr id="3" name="Text Placeholder 2"/>
           <p:cNvSpPr>
             <a:spLocks noGrp="1"/>
@@ -3502,6 +3538,30 @@
           </a:p>
         </p:txBody>
       </p:sp>
+      <p:pic>
+        <p:nvPicPr>
+          <p:cNvPr id="6" name="Picture 5" descr="consulting_company_logo.png"/>
+          <p:cNvPicPr>
+            <a:picLocks noChangeAspect="1"/>
+          </p:cNvPicPr>
+          <p:nvPr/>
+        </p:nvPicPr>
+        <p:blipFill>
+          <a:blip r:embed="rId2"/>
+          <a:stretch>
+            <a:fillRect/>
+          </a:stretch>
+        </p:blipFill>
+        <p:spPr>
+          <a:xfrm>
+            <a:off x="313593" y="4536078"/>
+            <a:ext cx="2143858" cy="529698"/>
+          </a:xfrm>
+          <a:prstGeom prst="rect">
+            <a:avLst/>
+          </a:prstGeom>
+        </p:spPr>
+      </p:pic>
     </p:spTree>
   </p:cSld>
   <p:clrMapOvr>
@@ -3522,18 +3582,6 @@
       <p:grpSpPr/>
       <p:sp>
         <p:nvSpPr>
-          <p:cNvPr id="2" name="Picture Placeholder 1"/>
-          <p:cNvSpPr>
-            <a:spLocks noGrp="1"/>
-          </p:cNvSpPr>
-          <p:nvPr>
-            <p:ph type="pic" idx="10" sz="quarter"/>
-          </p:nvPr>
-        </p:nvSpPr>
-        <p:spPr/>
-      </p:sp>
-      <p:sp>
-        <p:nvSpPr>
           <p:cNvPr id="3" name="Text Placeholder 2"/>
           <p:cNvSpPr>
             <a:spLocks noGrp="1"/>
@@ -3555,18 +3603,6 @@
       </p:sp>
       <p:sp>
         <p:nvSpPr>
-          <p:cNvPr id="4" name="Picture Placeholder 3"/>
-          <p:cNvSpPr>
-            <a:spLocks noGrp="1"/>
-          </p:cNvSpPr>
-          <p:nvPr>
-            <p:ph type="pic" idx="13" sz="quarter"/>
-          </p:nvPr>
-        </p:nvSpPr>
-        <p:spPr/>
-      </p:sp>
-      <p:sp>
-        <p:nvSpPr>
           <p:cNvPr id="5" name="Text Placeholder 4"/>
           <p:cNvSpPr>
             <a:spLocks noGrp="1"/>
@@ -3599,6 +3635,78 @@
           <a:p/>
         </p:txBody>
       </p:sp>
+      <p:pic>
+        <p:nvPicPr>
+          <p:cNvPr id="7" name="Picture 6" descr="client_logo.png"/>
+          <p:cNvPicPr>
+            <a:picLocks noChangeAspect="1"/>
+          </p:cNvPicPr>
+          <p:nvPr/>
+        </p:nvPicPr>
+        <p:blipFill>
+          <a:blip r:embed="rId2"/>
+          <a:stretch>
+            <a:fillRect/>
+          </a:stretch>
+        </p:blipFill>
+        <p:spPr>
+          <a:xfrm>
+            <a:off x="2180492" y="171206"/>
+            <a:ext cx="3978520" cy="1314694"/>
+          </a:xfrm>
+          <a:prstGeom prst="rect">
+            <a:avLst/>
+          </a:prstGeom>
+        </p:spPr>
+      </p:pic>
+      <p:pic>
+        <p:nvPicPr>
+          <p:cNvPr id="8" name="Picture 7" descr="consulting_company_logo.png"/>
+          <p:cNvPicPr>
+            <a:picLocks noChangeAspect="1"/>
+          </p:cNvPicPr>
+          <p:nvPr/>
+        </p:nvPicPr>
+        <p:blipFill>
+          <a:blip r:embed="rId3"/>
+          <a:stretch>
+            <a:fillRect/>
+          </a:stretch>
+        </p:blipFill>
+        <p:spPr>
+          <a:xfrm>
+            <a:off x="313592" y="4536078"/>
+            <a:ext cx="2164114" cy="529698"/>
+          </a:xfrm>
+          <a:prstGeom prst="rect">
+            <a:avLst/>
+          </a:prstGeom>
+        </p:spPr>
+      </p:pic>
+      <p:pic>
+        <p:nvPicPr>
+          <p:cNvPr id="9" name="Picture 8" descr="eo-framework-logo-real.png"/>
+          <p:cNvPicPr>
+            <a:picLocks noChangeAspect="1"/>
+          </p:cNvPicPr>
+          <p:nvPr/>
+        </p:nvPicPr>
+        <p:blipFill>
+          <a:blip r:embed="rId4"/>
+          <a:stretch>
+            <a:fillRect/>
+          </a:stretch>
+        </p:blipFill>
+        <p:spPr>
+          <a:xfrm>
+            <a:off x="6684264" y="4535424"/>
+            <a:ext cx="2139696" cy="530352"/>
+          </a:xfrm>
+          <a:prstGeom prst="rect">
+            <a:avLst/>
+          </a:prstGeom>
+        </p:spPr>
+      </p:pic>
     </p:spTree>
   </p:cSld>
   <p:clrMapOvr>
@@ -3619,18 +3727,6 @@
       <p:grpSpPr/>
       <p:sp>
         <p:nvSpPr>
-          <p:cNvPr id="2" name="Picture Placeholder 1"/>
-          <p:cNvSpPr>
-            <a:spLocks noGrp="1"/>
-          </p:cNvSpPr>
-          <p:nvPr>
-            <p:ph type="pic" idx="14" sz="quarter"/>
-          </p:nvPr>
-        </p:nvSpPr>
-        <p:spPr/>
-      </p:sp>
-      <p:sp>
-        <p:nvSpPr>
           <p:cNvPr id="3" name="Text Placeholder 2"/>
           <p:cNvSpPr>
             <a:spLocks noGrp="1"/>
@@ -3762,6 +3858,30 @@
           </a:p>
         </p:txBody>
       </p:sp>
+      <p:pic>
+        <p:nvPicPr>
+          <p:cNvPr id="7" name="Picture 6" descr="consulting_company_logo.png"/>
+          <p:cNvPicPr>
+            <a:picLocks noChangeAspect="1"/>
+          </p:cNvPicPr>
+          <p:nvPr/>
+        </p:nvPicPr>
+        <p:blipFill>
+          <a:blip r:embed="rId2"/>
+          <a:stretch>
+            <a:fillRect/>
+          </a:stretch>
+        </p:blipFill>
+        <p:spPr>
+          <a:xfrm>
+            <a:off x="313592" y="4536078"/>
+            <a:ext cx="2121877" cy="529698"/>
+          </a:xfrm>
+          <a:prstGeom prst="rect">
+            <a:avLst/>
+          </a:prstGeom>
+        </p:spPr>
+      </p:pic>
     </p:spTree>
   </p:cSld>
   <p:clrMapOvr>
@@ -3780,18 +3900,6 @@
         <p:nvPr/>
       </p:nvGrpSpPr>
       <p:grpSpPr/>
-      <p:sp>
-        <p:nvSpPr>
-          <p:cNvPr id="2" name="Picture Placeholder 1"/>
-          <p:cNvSpPr>
-            <a:spLocks noGrp="1"/>
-          </p:cNvSpPr>
-          <p:nvPr>
-            <p:ph type="pic" idx="13" sz="quarter"/>
-          </p:nvPr>
-        </p:nvSpPr>
-        <p:spPr/>
-      </p:sp>
       <p:sp>
         <p:nvSpPr>
           <p:cNvPr id="3" name="Text Placeholder 2"/>
@@ -4628,6 +4736,30 @@
           </a:p>
         </p:txBody>
       </p:sp>
+      <p:pic>
+        <p:nvPicPr>
+          <p:cNvPr id="6" name="Picture 5" descr="consulting_company_logo.png"/>
+          <p:cNvPicPr>
+            <a:picLocks noChangeAspect="1"/>
+          </p:cNvPicPr>
+          <p:nvPr/>
+        </p:nvPicPr>
+        <p:blipFill>
+          <a:blip r:embed="rId2"/>
+          <a:stretch>
+            <a:fillRect/>
+          </a:stretch>
+        </p:blipFill>
+        <p:spPr>
+          <a:xfrm>
+            <a:off x="313592" y="4536078"/>
+            <a:ext cx="2126273" cy="529698"/>
+          </a:xfrm>
+          <a:prstGeom prst="rect">
+            <a:avLst/>
+          </a:prstGeom>
+        </p:spPr>
+      </p:pic>
     </p:spTree>
   </p:cSld>
   <p:clrMapOvr>
@@ -4646,18 +4778,6 @@
         <p:nvPr/>
       </p:nvGrpSpPr>
       <p:grpSpPr/>
-      <p:sp>
-        <p:nvSpPr>
-          <p:cNvPr id="2" name="Picture Placeholder 1"/>
-          <p:cNvSpPr>
-            <a:spLocks noGrp="1"/>
-          </p:cNvSpPr>
-          <p:nvPr>
-            <p:ph type="pic" idx="14" sz="quarter"/>
-          </p:nvPr>
-        </p:nvSpPr>
-        <p:spPr/>
-      </p:sp>
       <p:sp>
         <p:nvSpPr>
           <p:cNvPr id="3" name="Text Placeholder 2"/>
@@ -4805,6 +4925,30 @@
           </a:ln>
         </p:spPr>
       </p:pic>
+      <p:pic>
+        <p:nvPicPr>
+          <p:cNvPr id="8" name="Picture 7" descr="consulting_company_logo.png"/>
+          <p:cNvPicPr>
+            <a:picLocks noChangeAspect="1"/>
+          </p:cNvPicPr>
+          <p:nvPr/>
+        </p:nvPicPr>
+        <p:blipFill>
+          <a:blip r:embed="rId3"/>
+          <a:stretch>
+            <a:fillRect/>
+          </a:stretch>
+        </p:blipFill>
+        <p:spPr>
+          <a:xfrm>
+            <a:off x="313592" y="4536078"/>
+            <a:ext cx="2130670" cy="529698"/>
+          </a:xfrm>
+          <a:prstGeom prst="rect">
+            <a:avLst/>
+          </a:prstGeom>
+        </p:spPr>
+      </p:pic>
     </p:spTree>
   </p:cSld>
   <p:clrMapOvr>
@@ -4825,18 +4969,6 @@
       <p:grpSpPr/>
       <p:sp>
         <p:nvSpPr>
-          <p:cNvPr id="2" name="Picture Placeholder 1"/>
-          <p:cNvSpPr>
-            <a:spLocks noGrp="1"/>
-          </p:cNvSpPr>
-          <p:nvPr>
-            <p:ph type="pic" idx="13" sz="quarter"/>
-          </p:nvPr>
-        </p:nvSpPr>
-        <p:spPr/>
-      </p:sp>
-      <p:sp>
-        <p:nvSpPr>
           <p:cNvPr id="3" name="Text Placeholder 2"/>
           <p:cNvSpPr>
             <a:spLocks noGrp="1"/>
@@ -4977,6 +5109,30 @@
           </a:p>
         </p:txBody>
       </p:sp>
+      <p:pic>
+        <p:nvPicPr>
+          <p:cNvPr id="6" name="Picture 5" descr="consulting_company_logo.png"/>
+          <p:cNvPicPr>
+            <a:picLocks noChangeAspect="1"/>
+          </p:cNvPicPr>
+          <p:nvPr/>
+        </p:nvPicPr>
+        <p:blipFill>
+          <a:blip r:embed="rId2"/>
+          <a:stretch>
+            <a:fillRect/>
+          </a:stretch>
+        </p:blipFill>
+        <p:spPr>
+          <a:xfrm>
+            <a:off x="313593" y="4536078"/>
+            <a:ext cx="2143858" cy="529698"/>
+          </a:xfrm>
+          <a:prstGeom prst="rect">
+            <a:avLst/>
+          </a:prstGeom>
+        </p:spPr>
+      </p:pic>
     </p:spTree>
   </p:cSld>
   <p:clrMapOvr>
@@ -4995,18 +5151,6 @@
         <p:nvPr/>
       </p:nvGrpSpPr>
       <p:grpSpPr/>
-      <p:sp>
-        <p:nvSpPr>
-          <p:cNvPr id="2" name="Picture Placeholder 1"/>
-          <p:cNvSpPr>
-            <a:spLocks noGrp="1"/>
-          </p:cNvSpPr>
-          <p:nvPr>
-            <p:ph type="pic" idx="13" sz="quarter"/>
-          </p:nvPr>
-        </p:nvSpPr>
-        <p:spPr/>
-      </p:sp>
       <p:sp>
         <p:nvSpPr>
           <p:cNvPr id="3" name="Text Placeholder 2"/>
@@ -5384,6 +5528,30 @@
           </a:p>
         </p:txBody>
       </p:sp>
+      <p:pic>
+        <p:nvPicPr>
+          <p:cNvPr id="6" name="Picture 5" descr="consulting_company_logo.png"/>
+          <p:cNvPicPr>
+            <a:picLocks noChangeAspect="1"/>
+          </p:cNvPicPr>
+          <p:nvPr/>
+        </p:nvPicPr>
+        <p:blipFill>
+          <a:blip r:embed="rId2"/>
+          <a:stretch>
+            <a:fillRect/>
+          </a:stretch>
+        </p:blipFill>
+        <p:spPr>
+          <a:xfrm>
+            <a:off x="313592" y="4536078"/>
+            <a:ext cx="2126273" cy="529698"/>
+          </a:xfrm>
+          <a:prstGeom prst="rect">
+            <a:avLst/>
+          </a:prstGeom>
+        </p:spPr>
+      </p:pic>
     </p:spTree>
   </p:cSld>
   <p:clrMapOvr>
@@ -5404,18 +5572,6 @@
       <p:grpSpPr/>
       <p:sp>
         <p:nvSpPr>
-          <p:cNvPr id="2" name="Picture Placeholder 1"/>
-          <p:cNvSpPr>
-            <a:spLocks noGrp="1"/>
-          </p:cNvSpPr>
-          <p:nvPr>
-            <p:ph type="pic" idx="13" sz="quarter"/>
-          </p:nvPr>
-        </p:nvSpPr>
-        <p:spPr/>
-      </p:sp>
-      <p:sp>
-        <p:nvSpPr>
           <p:cNvPr id="3" name="Text Placeholder 2"/>
           <p:cNvSpPr>
             <a:spLocks noGrp="1"/>
@@ -5545,6 +5701,30 @@
           </a:p>
         </p:txBody>
       </p:sp>
+      <p:pic>
+        <p:nvPicPr>
+          <p:cNvPr id="6" name="Picture 5" descr="consulting_company_logo.png"/>
+          <p:cNvPicPr>
+            <a:picLocks noChangeAspect="1"/>
+          </p:cNvPicPr>
+          <p:nvPr/>
+        </p:nvPicPr>
+        <p:blipFill>
+          <a:blip r:embed="rId2"/>
+          <a:stretch>
+            <a:fillRect/>
+          </a:stretch>
+        </p:blipFill>
+        <p:spPr>
+          <a:xfrm>
+            <a:off x="313593" y="4536078"/>
+            <a:ext cx="2143858" cy="529698"/>
+          </a:xfrm>
+          <a:prstGeom prst="rect">
+            <a:avLst/>
+          </a:prstGeom>
+        </p:spPr>
+      </p:pic>
     </p:spTree>
   </p:cSld>
   <p:clrMapOvr>
@@ -5565,18 +5745,6 @@
       <p:grpSpPr/>
       <p:sp>
         <p:nvSpPr>
-          <p:cNvPr id="2" name="Picture Placeholder 1"/>
-          <p:cNvSpPr>
-            <a:spLocks noGrp="1"/>
-          </p:cNvSpPr>
-          <p:nvPr>
-            <p:ph type="pic" idx="14" sz="quarter"/>
-          </p:nvPr>
-        </p:nvSpPr>
-        <p:spPr/>
-      </p:sp>
-      <p:sp>
-        <p:nvSpPr>
           <p:cNvPr id="3" name="Text Placeholder 2"/>
           <p:cNvSpPr>
             <a:spLocks noGrp="1"/>
@@ -5720,6 +5888,30 @@
           </a:p>
         </p:txBody>
       </p:sp>
+      <p:pic>
+        <p:nvPicPr>
+          <p:cNvPr id="7" name="Picture 6" descr="consulting_company_logo.png"/>
+          <p:cNvPicPr>
+            <a:picLocks noChangeAspect="1"/>
+          </p:cNvPicPr>
+          <p:nvPr/>
+        </p:nvPicPr>
+        <p:blipFill>
+          <a:blip r:embed="rId2"/>
+          <a:stretch>
+            <a:fillRect/>
+          </a:stretch>
+        </p:blipFill>
+        <p:spPr>
+          <a:xfrm>
+            <a:off x="313592" y="4536078"/>
+            <a:ext cx="2121877" cy="529698"/>
+          </a:xfrm>
+          <a:prstGeom prst="rect">
+            <a:avLst/>
+          </a:prstGeom>
+        </p:spPr>
+      </p:pic>
     </p:spTree>
   </p:cSld>
   <p:clrMapOvr>
@@ -5738,18 +5930,6 @@
         <p:nvPr/>
       </p:nvGrpSpPr>
       <p:grpSpPr/>
-      <p:sp>
-        <p:nvSpPr>
-          <p:cNvPr id="2" name="Picture Placeholder 1"/>
-          <p:cNvSpPr>
-            <a:spLocks noGrp="1"/>
-          </p:cNvSpPr>
-          <p:nvPr>
-            <p:ph type="pic" idx="13" sz="quarter"/>
-          </p:nvPr>
-        </p:nvSpPr>
-        <p:spPr/>
-      </p:sp>
       <p:sp>
         <p:nvSpPr>
           <p:cNvPr id="3" name="Text Placeholder 2"/>
@@ -6588,6 +6768,30 @@
           </a:p>
         </p:txBody>
       </p:sp>
+      <p:pic>
+        <p:nvPicPr>
+          <p:cNvPr id="6" name="Picture 5" descr="consulting_company_logo.png"/>
+          <p:cNvPicPr>
+            <a:picLocks noChangeAspect="1"/>
+          </p:cNvPicPr>
+          <p:nvPr/>
+        </p:nvPicPr>
+        <p:blipFill>
+          <a:blip r:embed="rId2"/>
+          <a:stretch>
+            <a:fillRect/>
+          </a:stretch>
+        </p:blipFill>
+        <p:spPr>
+          <a:xfrm>
+            <a:off x="313592" y="4536078"/>
+            <a:ext cx="2126273" cy="529698"/>
+          </a:xfrm>
+          <a:prstGeom prst="rect">
+            <a:avLst/>
+          </a:prstGeom>
+        </p:spPr>
+      </p:pic>
     </p:spTree>
   </p:cSld>
   <p:clrMapOvr>
